--- a/Flowchart .pptx
+++ b/Flowchart .pptx
@@ -12,7 +12,7 @@
     <p:sldId id="258" r:id="rId3"/>
     <p:sldId id="259" r:id="rId4"/>
     <p:sldId id="260" r:id="rId5"/>
-    <p:sldId id="261" r:id="rId6"/>
+    <p:sldId id="270" r:id="rId6"/>
     <p:sldId id="262" r:id="rId7"/>
     <p:sldId id="263" r:id="rId8"/>
     <p:sldId id="264" r:id="rId9"/>
@@ -937,6 +937,72 @@
         </p:txBody>
       </p:sp>
     </p:spTree>
+  </p:cSld>
+  <p:clrMapOvr>
+    <a:masterClrMapping/>
+  </p:clrMapOvr>
+</p:notes>
+</file>
+
+<file path=ppt/notesSlides/notesSlide5.xml><?xml version="1.0" encoding="utf-8"?>
+<p:notes xmlns:a="http://schemas.openxmlformats.org/drawingml/2006/main" xmlns:r="http://schemas.openxmlformats.org/officeDocument/2006/relationships" xmlns:p="http://schemas.openxmlformats.org/presentationml/2006/main">
+  <p:cSld>
+    <p:spTree>
+      <p:nvGrpSpPr>
+        <p:cNvPr id="1" name=""/>
+        <p:cNvGrpSpPr/>
+        <p:nvPr/>
+      </p:nvGrpSpPr>
+      <p:grpSpPr>
+        <a:xfrm>
+          <a:off x="0" y="0"/>
+          <a:ext cx="0" cy="0"/>
+          <a:chOff x="0" y="0"/>
+          <a:chExt cx="0" cy="0"/>
+        </a:xfrm>
+      </p:grpSpPr>
+      <p:sp>
+        <p:nvSpPr>
+          <p:cNvPr id="2" name="スライド イメージ プレースホルダー 1"/>
+          <p:cNvSpPr>
+            <a:spLocks noGrp="1" noRot="1" noChangeAspect="1"/>
+          </p:cNvSpPr>
+          <p:nvPr>
+            <p:ph type="sldImg"/>
+          </p:nvPr>
+        </p:nvSpPr>
+        <p:spPr>
+          <a:xfrm>
+            <a:off x="381000" y="685800"/>
+            <a:ext cx="6096000" cy="3429000"/>
+          </a:xfrm>
+        </p:spPr>
+      </p:sp>
+      <p:sp>
+        <p:nvSpPr>
+          <p:cNvPr id="3" name="ノート プレースホルダー 2"/>
+          <p:cNvSpPr>
+            <a:spLocks noGrp="1"/>
+          </p:cNvSpPr>
+          <p:nvPr>
+            <p:ph type="body" idx="1"/>
+          </p:nvPr>
+        </p:nvSpPr>
+        <p:spPr/>
+        <p:txBody>
+          <a:bodyPr/>
+          <a:lstStyle/>
+          <a:p>
+            <a:endParaRPr kumimoji="1" lang="ja-JP" altLang="en-US" dirty="0"/>
+          </a:p>
+        </p:txBody>
+      </p:sp>
+    </p:spTree>
+    <p:extLst>
+      <p:ext uri="{BB962C8B-B14F-4D97-AF65-F5344CB8AC3E}">
+        <p14:creationId xmlns:p14="http://schemas.microsoft.com/office/powerpoint/2010/main" val="104303385"/>
+      </p:ext>
+    </p:extLst>
   </p:cSld>
   <p:clrMapOvr>
     <a:masterClrMapping/>
@@ -4308,7 +4374,7 @@
         </p:nvSpPr>
         <p:spPr>
           <a:xfrm>
-            <a:off x="0" y="138926"/>
+            <a:off x="0" y="0"/>
             <a:ext cx="9144000" cy="1097207"/>
           </a:xfrm>
           <a:prstGeom prst="rect">
@@ -4419,7 +4485,7 @@
         </p:nvSpPr>
         <p:spPr>
           <a:xfrm>
-            <a:off x="3827104" y="1296923"/>
+            <a:off x="1287255" y="1361289"/>
             <a:ext cx="1367632" cy="318661"/>
           </a:xfrm>
           <a:prstGeom prst="flowChartTerminator">
@@ -4460,7 +4526,7 @@
         </p:nvSpPr>
         <p:spPr>
           <a:xfrm>
-            <a:off x="4157570" y="1227281"/>
+            <a:off x="1589053" y="1308758"/>
             <a:ext cx="683475" cy="400110"/>
           </a:xfrm>
           <a:prstGeom prst="rect">
@@ -4490,7 +4556,7 @@
         </p:nvSpPr>
         <p:spPr>
           <a:xfrm>
-            <a:off x="3826710" y="4817794"/>
+            <a:off x="3445306" y="4718013"/>
             <a:ext cx="1367632" cy="318661"/>
           </a:xfrm>
           <a:prstGeom prst="flowChartTerminator">
@@ -4531,7 +4597,7 @@
         </p:nvSpPr>
         <p:spPr>
           <a:xfrm>
-            <a:off x="4208868" y="4748152"/>
+            <a:off x="3827464" y="4648371"/>
             <a:ext cx="612593" cy="400110"/>
           </a:xfrm>
           <a:prstGeom prst="rect">
@@ -4561,8 +4627,8 @@
         </p:nvCxnSpPr>
         <p:spPr>
           <a:xfrm>
-            <a:off x="6273402" y="3999818"/>
-            <a:ext cx="0" cy="356253"/>
+            <a:off x="5895745" y="3219362"/>
+            <a:ext cx="9931" cy="486231"/>
           </a:xfrm>
           <a:prstGeom prst="straightConnector1">
             <a:avLst/>
@@ -4596,8 +4662,8 @@
           <p:nvPr/>
         </p:nvSpPr>
         <p:spPr>
-          <a:xfrm>
-            <a:off x="3970216" y="4127236"/>
+          <a:xfrm rot="20681235">
+            <a:off x="3688880" y="3392836"/>
             <a:ext cx="415611" cy="230832"/>
           </a:xfrm>
           <a:prstGeom prst="rect">
@@ -4626,8 +4692,8 @@
           <p:nvPr/>
         </p:nvSpPr>
         <p:spPr>
-          <a:xfrm>
-            <a:off x="5857904" y="3753111"/>
+          <a:xfrm rot="994749">
+            <a:off x="5747750" y="3003948"/>
             <a:ext cx="415498" cy="276999"/>
           </a:xfrm>
           <a:prstGeom prst="rect">
@@ -4657,7 +4723,7 @@
         </p:nvCxnSpPr>
         <p:spPr>
           <a:xfrm flipH="1">
-            <a:off x="5194343" y="5020710"/>
+            <a:off x="4812939" y="4324306"/>
             <a:ext cx="1612459" cy="0"/>
           </a:xfrm>
           <a:prstGeom prst="straightConnector1">
@@ -4692,9 +4758,9 @@
           <p:nvPr/>
         </p:nvCxnSpPr>
         <p:spPr>
-          <a:xfrm flipH="1">
-            <a:off x="4515169" y="1615584"/>
-            <a:ext cx="1" cy="244326"/>
+          <a:xfrm>
+            <a:off x="2696956" y="1510559"/>
+            <a:ext cx="869406" cy="0"/>
           </a:xfrm>
           <a:prstGeom prst="straightConnector1">
             <a:avLst/>
@@ -4729,7 +4795,7 @@
         </p:nvSpPr>
         <p:spPr>
           <a:xfrm>
-            <a:off x="4045902" y="3821692"/>
+            <a:off x="3657930" y="3034936"/>
             <a:ext cx="951662" cy="413007"/>
           </a:xfrm>
           <a:prstGeom prst="flowChartDecision">
@@ -4770,7 +4836,7 @@
         </p:nvSpPr>
         <p:spPr>
           <a:xfrm>
-            <a:off x="4115181" y="3890392"/>
+            <a:off x="3727209" y="3103636"/>
             <a:ext cx="882383" cy="230832"/>
           </a:xfrm>
           <a:prstGeom prst="rect">
@@ -4800,7 +4866,7 @@
         </p:nvSpPr>
         <p:spPr>
           <a:xfrm>
-            <a:off x="3934323" y="1859910"/>
+            <a:off x="3591804" y="1418335"/>
             <a:ext cx="1149349" cy="184447"/>
           </a:xfrm>
           <a:prstGeom prst="flowChartProcess">
@@ -4841,7 +4907,7 @@
         </p:nvSpPr>
         <p:spPr>
           <a:xfrm>
-            <a:off x="4300791" y="1816717"/>
+            <a:off x="3958272" y="1375142"/>
             <a:ext cx="416413" cy="246221"/>
           </a:xfrm>
           <a:prstGeom prst="rect">
@@ -4866,13 +4932,15 @@
       <p:cxnSp>
         <p:nvCxnSpPr>
           <p:cNvPr id="22" name="直線矢印コネクタ 21"/>
-          <p:cNvCxnSpPr/>
+          <p:cNvCxnSpPr>
+            <a:stCxn id="24" idx="2"/>
+          </p:cNvCxnSpPr>
           <p:nvPr/>
         </p:nvCxnSpPr>
         <p:spPr>
-          <a:xfrm>
-            <a:off x="4521733" y="3613393"/>
-            <a:ext cx="0" cy="208299"/>
+          <a:xfrm flipH="1">
+            <a:off x="4140216" y="4432155"/>
+            <a:ext cx="4601" cy="285858"/>
           </a:xfrm>
           <a:prstGeom prst="straightConnector1">
             <a:avLst/>
@@ -4907,7 +4975,7 @@
         </p:nvSpPr>
         <p:spPr>
           <a:xfrm rot="10800000">
-            <a:off x="3671014" y="2268228"/>
+            <a:off x="3328495" y="1826653"/>
             <a:ext cx="1688310" cy="152574"/>
           </a:xfrm>
           <a:prstGeom prst="flowChartManualOperation">
@@ -4950,7 +5018,7 @@
         </p:nvSpPr>
         <p:spPr>
           <a:xfrm>
-            <a:off x="3671014" y="3382433"/>
+            <a:off x="3300662" y="4201195"/>
             <a:ext cx="1688310" cy="230960"/>
           </a:xfrm>
           <a:prstGeom prst="flowChartManualOperation">
@@ -4993,7 +5061,7 @@
         </p:nvSpPr>
         <p:spPr>
           <a:xfrm>
-            <a:off x="3940495" y="2632223"/>
+            <a:off x="3597976" y="2190648"/>
             <a:ext cx="1149350" cy="252372"/>
           </a:xfrm>
           <a:prstGeom prst="flowChartProcess">
@@ -5034,7 +5102,7 @@
         </p:nvSpPr>
         <p:spPr>
           <a:xfrm>
-            <a:off x="3940494" y="2998610"/>
+            <a:off x="3597975" y="2557035"/>
             <a:ext cx="1149350" cy="239463"/>
           </a:xfrm>
           <a:prstGeom prst="flowChartProcess">
@@ -5075,7 +5143,7 @@
         </p:nvCxnSpPr>
         <p:spPr>
           <a:xfrm>
-            <a:off x="4513243" y="2044357"/>
+            <a:off x="4170724" y="1602782"/>
             <a:ext cx="4245" cy="223871"/>
           </a:xfrm>
           <a:prstGeom prst="straightConnector1">
@@ -5111,7 +5179,7 @@
         </p:nvSpPr>
         <p:spPr>
           <a:xfrm>
-            <a:off x="4003789" y="3382433"/>
+            <a:off x="3633437" y="4201195"/>
             <a:ext cx="982723" cy="246221"/>
           </a:xfrm>
           <a:prstGeom prst="rect">
@@ -5139,7 +5207,7 @@
             </a:r>
             <a:r>
               <a:rPr kumimoji="1" lang="ja-JP" altLang="en-US" sz="1000" dirty="0" smtClean="0"/>
-              <a:t>未満</a:t>
+              <a:t>以下</a:t>
             </a:r>
             <a:endParaRPr kumimoji="1" lang="ja-JP" altLang="en-US" sz="1000" dirty="0"/>
           </a:p>
@@ -5153,7 +5221,7 @@
         </p:nvCxnSpPr>
         <p:spPr>
           <a:xfrm>
-            <a:off x="4508998" y="2884595"/>
+            <a:off x="4166479" y="2443020"/>
             <a:ext cx="3660" cy="107257"/>
           </a:xfrm>
           <a:prstGeom prst="straightConnector1">
@@ -5185,14 +5253,15 @@
         <p:nvCxnSpPr>
           <p:cNvPr id="33" name="直線矢印コネクタ 32"/>
           <p:cNvCxnSpPr>
-            <a:endCxn id="24" idx="0"/>
+            <a:stCxn id="62" idx="2"/>
+            <a:endCxn id="17" idx="0"/>
           </p:cNvCxnSpPr>
           <p:nvPr/>
         </p:nvCxnSpPr>
         <p:spPr>
-          <a:xfrm>
-            <a:off x="4513243" y="3238073"/>
-            <a:ext cx="1926" cy="144360"/>
+          <a:xfrm flipH="1">
+            <a:off x="4133761" y="2796498"/>
+            <a:ext cx="28473" cy="238438"/>
           </a:xfrm>
           <a:prstGeom prst="straightConnector1">
             <a:avLst/>
@@ -5227,7 +5296,7 @@
         </p:nvCxnSpPr>
         <p:spPr>
           <a:xfrm>
-            <a:off x="4997564" y="4030110"/>
+            <a:off x="4616160" y="3244806"/>
             <a:ext cx="1275838" cy="0"/>
           </a:xfrm>
           <a:prstGeom prst="line">
@@ -5262,7 +5331,7 @@
         </p:nvSpPr>
         <p:spPr>
           <a:xfrm>
-            <a:off x="3608751" y="4349909"/>
+            <a:off x="3227347" y="3653505"/>
             <a:ext cx="1800493" cy="251776"/>
           </a:xfrm>
           <a:prstGeom prst="flowChartProcess">
@@ -5303,7 +5372,7 @@
         </p:nvSpPr>
         <p:spPr>
           <a:xfrm>
-            <a:off x="3608751" y="4370853"/>
+            <a:off x="3227347" y="3674449"/>
             <a:ext cx="1800493" cy="230832"/>
           </a:xfrm>
           <a:prstGeom prst="rect">
@@ -5332,13 +5401,15 @@
       <p:cxnSp>
         <p:nvCxnSpPr>
           <p:cNvPr id="43" name="直線矢印コネクタ 42"/>
-          <p:cNvCxnSpPr/>
+          <p:cNvCxnSpPr>
+            <a:stCxn id="17" idx="2"/>
+          </p:cNvCxnSpPr>
           <p:nvPr/>
         </p:nvCxnSpPr>
         <p:spPr>
-          <a:xfrm>
-            <a:off x="4508998" y="4242652"/>
-            <a:ext cx="3660" cy="107257"/>
+          <a:xfrm flipH="1">
+            <a:off x="4131254" y="3447943"/>
+            <a:ext cx="2507" cy="205562"/>
           </a:xfrm>
           <a:prstGeom prst="straightConnector1">
             <a:avLst/>
@@ -5368,14 +5439,12 @@
       <p:cxnSp>
         <p:nvCxnSpPr>
           <p:cNvPr id="44" name="直線矢印コネクタ 43"/>
-          <p:cNvCxnSpPr>
-            <a:stCxn id="41" idx="2"/>
-          </p:cNvCxnSpPr>
+          <p:cNvCxnSpPr/>
           <p:nvPr/>
         </p:nvCxnSpPr>
         <p:spPr>
           <a:xfrm>
-            <a:off x="4508998" y="4601685"/>
+            <a:off x="4121427" y="3941202"/>
             <a:ext cx="6167" cy="257013"/>
           </a:xfrm>
           <a:prstGeom prst="straightConnector1">
@@ -5411,7 +5480,7 @@
         </p:nvSpPr>
         <p:spPr>
           <a:xfrm>
-            <a:off x="5857904" y="4359005"/>
+            <a:off x="5476500" y="3662601"/>
             <a:ext cx="1800493" cy="251776"/>
           </a:xfrm>
           <a:prstGeom prst="flowChartProcess">
@@ -5452,7 +5521,7 @@
         </p:nvSpPr>
         <p:spPr>
           <a:xfrm>
-            <a:off x="5857904" y="4379949"/>
+            <a:off x="5476500" y="3683545"/>
             <a:ext cx="1800493" cy="230832"/>
           </a:xfrm>
           <a:prstGeom prst="rect">
@@ -5486,7 +5555,7 @@
         </p:nvCxnSpPr>
         <p:spPr>
           <a:xfrm>
-            <a:off x="6806802" y="4637606"/>
+            <a:off x="6425398" y="3941202"/>
             <a:ext cx="0" cy="383104"/>
           </a:xfrm>
           <a:prstGeom prst="line">
@@ -5521,7 +5590,7 @@
         </p:nvCxnSpPr>
         <p:spPr>
           <a:xfrm>
-            <a:off x="4504753" y="2420802"/>
+            <a:off x="4162234" y="1979227"/>
             <a:ext cx="4245" cy="223871"/>
           </a:xfrm>
           <a:prstGeom prst="straightConnector1">
@@ -5557,7 +5626,7 @@
         </p:nvSpPr>
         <p:spPr>
           <a:xfrm>
-            <a:off x="3970216" y="2991375"/>
+            <a:off x="3604539" y="2185509"/>
             <a:ext cx="1149350" cy="246221"/>
           </a:xfrm>
           <a:prstGeom prst="rect">
@@ -5600,7 +5669,7 @@
         </p:nvSpPr>
         <p:spPr>
           <a:xfrm>
-            <a:off x="3780899" y="2610196"/>
+            <a:off x="3421400" y="2550277"/>
             <a:ext cx="1481667" cy="246221"/>
           </a:xfrm>
           <a:prstGeom prst="rect">
@@ -5624,6 +5693,141 @@
               <a:t>の値を表示</a:t>
             </a:r>
             <a:endParaRPr kumimoji="1" lang="ja-JP" altLang="en-US" sz="1000" dirty="0"/>
+          </a:p>
+        </p:txBody>
+      </p:sp>
+      <p:sp>
+        <p:nvSpPr>
+          <p:cNvPr id="7" name="テキスト ボックス 6"/>
+          <p:cNvSpPr txBox="1"/>
+          <p:nvPr/>
+        </p:nvSpPr>
+        <p:spPr>
+          <a:xfrm>
+            <a:off x="-425647" y="3597504"/>
+            <a:ext cx="2698175" cy="307777"/>
+          </a:xfrm>
+          <a:prstGeom prst="rect">
+            <a:avLst/>
+          </a:prstGeom>
+          <a:noFill/>
+        </p:spPr>
+        <p:txBody>
+          <a:bodyPr wrap="none" rtlCol="0">
+            <a:spAutoFit/>
+          </a:bodyPr>
+          <a:lstStyle/>
+          <a:p>
+            <a:r>
+              <a:rPr kumimoji="1" lang="ja-JP" altLang="en-US" dirty="0" smtClean="0"/>
+              <a:t>ループ分の中に条件分岐入れる</a:t>
+            </a:r>
+            <a:endParaRPr kumimoji="1" lang="ja-JP" altLang="en-US" dirty="0"/>
+          </a:p>
+        </p:txBody>
+      </p:sp>
+      <p:sp>
+        <p:nvSpPr>
+          <p:cNvPr id="9" name="テキスト ボックス 8"/>
+          <p:cNvSpPr txBox="1"/>
+          <p:nvPr/>
+        </p:nvSpPr>
+        <p:spPr>
+          <a:xfrm>
+            <a:off x="-151601" y="4203972"/>
+            <a:ext cx="2877711" cy="523220"/>
+          </a:xfrm>
+          <a:prstGeom prst="rect">
+            <a:avLst/>
+          </a:prstGeom>
+          <a:noFill/>
+        </p:spPr>
+        <p:txBody>
+          <a:bodyPr wrap="none" rtlCol="0">
+            <a:spAutoFit/>
+          </a:bodyPr>
+          <a:lstStyle/>
+          <a:p>
+            <a:r>
+              <a:rPr kumimoji="1" lang="ja-JP" altLang="en-US" dirty="0" smtClean="0"/>
+              <a:t>１</a:t>
+            </a:r>
+            <a:r>
+              <a:rPr kumimoji="1" lang="en-US" altLang="ja-JP" dirty="0" smtClean="0"/>
+              <a:t>〜</a:t>
+            </a:r>
+            <a:r>
+              <a:rPr kumimoji="1" lang="ja-JP" altLang="en-US" dirty="0" smtClean="0"/>
+              <a:t>７までの全てで偶数か奇数の</a:t>
+            </a:r>
+            <a:endParaRPr kumimoji="1" lang="en-US" altLang="ja-JP" dirty="0" smtClean="0"/>
+          </a:p>
+          <a:p>
+            <a:r>
+              <a:rPr kumimoji="1" lang="ja-JP" altLang="en-US" dirty="0" smtClean="0"/>
+              <a:t>判断表記をさせる</a:t>
+            </a:r>
+            <a:endParaRPr kumimoji="1" lang="ja-JP" altLang="en-US" dirty="0"/>
+          </a:p>
+        </p:txBody>
+      </p:sp>
+      <p:sp>
+        <p:nvSpPr>
+          <p:cNvPr id="65" name="テキスト ボックス 64"/>
+          <p:cNvSpPr txBox="1"/>
+          <p:nvPr/>
+        </p:nvSpPr>
+        <p:spPr>
+          <a:xfrm>
+            <a:off x="6032500" y="1331410"/>
+            <a:ext cx="1082348" cy="307777"/>
+          </a:xfrm>
+          <a:prstGeom prst="rect">
+            <a:avLst/>
+          </a:prstGeom>
+          <a:noFill/>
+        </p:spPr>
+        <p:txBody>
+          <a:bodyPr wrap="none" rtlCol="0">
+            <a:spAutoFit/>
+          </a:bodyPr>
+          <a:lstStyle/>
+          <a:p>
+            <a:r>
+              <a:rPr kumimoji="1" lang="ja-JP" altLang="en-US" dirty="0" smtClean="0"/>
+              <a:t>初期値が１</a:t>
+            </a:r>
+            <a:endParaRPr kumimoji="1" lang="ja-JP" altLang="en-US" dirty="0"/>
+          </a:p>
+        </p:txBody>
+      </p:sp>
+      <p:sp>
+        <p:nvSpPr>
+          <p:cNvPr id="66" name="テキスト ボックス 65"/>
+          <p:cNvSpPr txBox="1"/>
+          <p:nvPr/>
+        </p:nvSpPr>
+        <p:spPr>
+          <a:xfrm>
+            <a:off x="5891998" y="2123953"/>
+            <a:ext cx="1800493" cy="307777"/>
+          </a:xfrm>
+          <a:prstGeom prst="rect">
+            <a:avLst/>
+          </a:prstGeom>
+          <a:noFill/>
+        </p:spPr>
+        <p:txBody>
+          <a:bodyPr wrap="none" rtlCol="0">
+            <a:spAutoFit/>
+          </a:bodyPr>
+          <a:lstStyle/>
+          <a:p>
+            <a:r>
+              <a:rPr kumimoji="1" lang="ja-JP" altLang="en-US" dirty="0" smtClean="0"/>
+              <a:t>足されることが前提</a:t>
+            </a:r>
+            <a:endParaRPr kumimoji="1" lang="ja-JP" altLang="en-US" dirty="0"/>
           </a:p>
         </p:txBody>
       </p:sp>
@@ -5665,7 +5869,7 @@
         </p:nvSpPr>
         <p:spPr>
           <a:xfrm>
-            <a:off x="0" y="138926"/>
+            <a:off x="0" y="0"/>
             <a:ext cx="9144000" cy="832799"/>
           </a:xfrm>
           <a:prstGeom prst="rect">
@@ -5689,22 +5893,782 @@
               <a:buNone/>
             </a:pPr>
             <a:r>
-              <a:rPr lang="ja" sz="2400" b="1" dirty="0" smtClean="0"/>
+              <a:rPr lang="ja" sz="2000" b="1" dirty="0" smtClean="0">
+                <a:solidFill>
+                  <a:srgbClr val="3366FF"/>
+                </a:solidFill>
+              </a:rPr>
               <a:t>課題</a:t>
             </a:r>
             <a:r>
-              <a:rPr lang="ja-JP" altLang="en-US" sz="2400" b="1" dirty="0" smtClean="0"/>
+              <a:rPr lang="ja-JP" altLang="en-US" sz="2000" b="1" dirty="0" smtClean="0">
+                <a:solidFill>
+                  <a:srgbClr val="3366FF"/>
+                </a:solidFill>
+              </a:rPr>
               <a:t>１１</a:t>
             </a:r>
             <a:r>
-              <a:rPr lang="ja" sz="2400" b="1" dirty="0" smtClean="0"/>
+              <a:rPr lang="ja" sz="2000" b="1" dirty="0" smtClean="0"/>
               <a:t>：</a:t>
             </a:r>
             <a:r>
-              <a:rPr lang="ja-JP" altLang="en-US" sz="2400" b="1" dirty="0" smtClean="0"/>
-              <a:t>フローチャートで自動販売機のシステムを完成させなさい。どのような処理を盛り込んで完成させるかは自由です。</a:t>
-            </a:r>
-            <a:endParaRPr lang="ja" sz="2400" b="1" dirty="0"/>
+              <a:rPr lang="ja-JP" altLang="en-US" sz="2000" b="1" dirty="0" smtClean="0"/>
+              <a:t>フローチャートで自動販売機のシステムを完成させなさい。どのよ</a:t>
+            </a:r>
+            <a:r>
+              <a:rPr lang="en-US" altLang="ja-JP" sz="2000" b="1" dirty="0" smtClean="0"/>
+              <a:t>	</a:t>
+            </a:r>
+            <a:r>
+              <a:rPr lang="ja-JP" altLang="en-US" sz="2000" b="1" dirty="0" smtClean="0"/>
+              <a:t>　</a:t>
+            </a:r>
+            <a:r>
+              <a:rPr lang="en-US" altLang="ja-JP" sz="2000" b="1" dirty="0" smtClean="0"/>
+              <a:t> </a:t>
+            </a:r>
+            <a:r>
+              <a:rPr lang="ja-JP" altLang="en-US" sz="2000" b="1" dirty="0" smtClean="0"/>
+              <a:t>うな処理を盛り込んで完成させるかは自由です。</a:t>
+            </a:r>
+            <a:endParaRPr lang="ja" sz="2000" b="1" dirty="0"/>
+          </a:p>
+        </p:txBody>
+      </p:sp>
+      <p:sp>
+        <p:nvSpPr>
+          <p:cNvPr id="5" name="Shape 50"/>
+          <p:cNvSpPr/>
+          <p:nvPr/>
+        </p:nvSpPr>
+        <p:spPr>
+          <a:xfrm>
+            <a:off x="2214761" y="902441"/>
+            <a:ext cx="1367632" cy="318661"/>
+          </a:xfrm>
+          <a:prstGeom prst="flowChartTerminator">
+            <a:avLst/>
+          </a:prstGeom>
+          <a:noFill/>
+          <a:ln w="9525" cap="flat" cmpd="sng">
+            <a:solidFill>
+              <a:srgbClr val="000000"/>
+            </a:solidFill>
+            <a:prstDash val="solid"/>
+            <a:round/>
+            <a:headEnd type="none" w="med" len="med"/>
+            <a:tailEnd type="none" w="med" len="med"/>
+          </a:ln>
+        </p:spPr>
+        <p:txBody>
+          <a:bodyPr lIns="91425" tIns="91425" rIns="91425" bIns="91425" anchor="ctr" anchorCtr="0">
+            <a:noAutofit/>
+          </a:bodyPr>
+          <a:lstStyle/>
+          <a:p>
+            <a:pPr>
+              <a:spcBef>
+                <a:spcPts val="0"/>
+              </a:spcBef>
+              <a:buNone/>
+            </a:pPr>
+            <a:endParaRPr/>
+          </a:p>
+        </p:txBody>
+      </p:sp>
+      <p:sp>
+        <p:nvSpPr>
+          <p:cNvPr id="6" name="テキスト ボックス 5"/>
+          <p:cNvSpPr txBox="1"/>
+          <p:nvPr/>
+        </p:nvSpPr>
+        <p:spPr>
+          <a:xfrm>
+            <a:off x="2545227" y="832799"/>
+            <a:ext cx="683475" cy="400110"/>
+          </a:xfrm>
+          <a:prstGeom prst="rect">
+            <a:avLst/>
+          </a:prstGeom>
+          <a:noFill/>
+        </p:spPr>
+        <p:txBody>
+          <a:bodyPr wrap="none" rtlCol="0">
+            <a:spAutoFit/>
+          </a:bodyPr>
+          <a:lstStyle/>
+          <a:p>
+            <a:r>
+              <a:rPr kumimoji="1" lang="en-US" altLang="ja-JP" sz="2000" dirty="0" smtClean="0"/>
+              <a:t>start</a:t>
+            </a:r>
+            <a:endParaRPr kumimoji="1" lang="ja-JP" altLang="en-US" sz="2000" dirty="0"/>
+          </a:p>
+        </p:txBody>
+      </p:sp>
+      <p:sp>
+        <p:nvSpPr>
+          <p:cNvPr id="7" name="Shape 50"/>
+          <p:cNvSpPr/>
+          <p:nvPr/>
+        </p:nvSpPr>
+        <p:spPr>
+          <a:xfrm>
+            <a:off x="2233951" y="4578905"/>
+            <a:ext cx="1367632" cy="318661"/>
+          </a:xfrm>
+          <a:prstGeom prst="flowChartTerminator">
+            <a:avLst/>
+          </a:prstGeom>
+          <a:noFill/>
+          <a:ln w="9525" cap="flat" cmpd="sng">
+            <a:solidFill>
+              <a:srgbClr val="000000"/>
+            </a:solidFill>
+            <a:prstDash val="solid"/>
+            <a:round/>
+            <a:headEnd type="none" w="med" len="med"/>
+            <a:tailEnd type="none" w="med" len="med"/>
+          </a:ln>
+        </p:spPr>
+        <p:txBody>
+          <a:bodyPr lIns="91425" tIns="91425" rIns="91425" bIns="91425" anchor="ctr" anchorCtr="0">
+            <a:noAutofit/>
+          </a:bodyPr>
+          <a:lstStyle/>
+          <a:p>
+            <a:pPr>
+              <a:spcBef>
+                <a:spcPts val="0"/>
+              </a:spcBef>
+              <a:buNone/>
+            </a:pPr>
+            <a:endParaRPr/>
+          </a:p>
+        </p:txBody>
+      </p:sp>
+      <p:sp>
+        <p:nvSpPr>
+          <p:cNvPr id="8" name="テキスト ボックス 7"/>
+          <p:cNvSpPr txBox="1"/>
+          <p:nvPr/>
+        </p:nvSpPr>
+        <p:spPr>
+          <a:xfrm>
+            <a:off x="2616109" y="4509263"/>
+            <a:ext cx="612593" cy="400110"/>
+          </a:xfrm>
+          <a:prstGeom prst="rect">
+            <a:avLst/>
+          </a:prstGeom>
+          <a:noFill/>
+        </p:spPr>
+        <p:txBody>
+          <a:bodyPr wrap="none" rtlCol="0">
+            <a:spAutoFit/>
+          </a:bodyPr>
+          <a:lstStyle/>
+          <a:p>
+            <a:r>
+              <a:rPr kumimoji="1" lang="en-US" altLang="ja-JP" sz="2000" dirty="0" smtClean="0"/>
+              <a:t>end</a:t>
+            </a:r>
+            <a:endParaRPr kumimoji="1" lang="ja-JP" altLang="en-US" sz="2000" dirty="0"/>
+          </a:p>
+        </p:txBody>
+      </p:sp>
+      <p:sp>
+        <p:nvSpPr>
+          <p:cNvPr id="9" name="Shape 52"/>
+          <p:cNvSpPr/>
+          <p:nvPr/>
+        </p:nvSpPr>
+        <p:spPr>
+          <a:xfrm>
+            <a:off x="2065921" y="2460728"/>
+            <a:ext cx="1712970" cy="388894"/>
+          </a:xfrm>
+          <a:prstGeom prst="flowChartProcess">
+            <a:avLst/>
+          </a:prstGeom>
+          <a:solidFill>
+            <a:srgbClr val="FFFFFF"/>
+          </a:solidFill>
+          <a:ln w="9525" cap="flat" cmpd="sng">
+            <a:solidFill>
+              <a:srgbClr val="000000"/>
+            </a:solidFill>
+            <a:prstDash val="solid"/>
+            <a:round/>
+            <a:headEnd type="none" w="med" len="med"/>
+            <a:tailEnd type="none" w="med" len="med"/>
+          </a:ln>
+        </p:spPr>
+        <p:txBody>
+          <a:bodyPr lIns="91425" tIns="91425" rIns="91425" bIns="91425" anchor="ctr" anchorCtr="0">
+            <a:noAutofit/>
+          </a:bodyPr>
+          <a:lstStyle/>
+          <a:p>
+            <a:pPr>
+              <a:spcBef>
+                <a:spcPts val="0"/>
+              </a:spcBef>
+              <a:buNone/>
+            </a:pPr>
+            <a:endParaRPr/>
+          </a:p>
+        </p:txBody>
+      </p:sp>
+      <p:cxnSp>
+        <p:nvCxnSpPr>
+          <p:cNvPr id="10" name="直線矢印コネクタ 9"/>
+          <p:cNvCxnSpPr/>
+          <p:nvPr/>
+        </p:nvCxnSpPr>
+        <p:spPr>
+          <a:xfrm>
+            <a:off x="2905839" y="1221102"/>
+            <a:ext cx="4320" cy="428789"/>
+          </a:xfrm>
+          <a:prstGeom prst="straightConnector1">
+            <a:avLst/>
+          </a:prstGeom>
+          <a:ln>
+            <a:solidFill>
+              <a:srgbClr val="000000"/>
+            </a:solidFill>
+            <a:tailEnd type="arrow"/>
+          </a:ln>
+        </p:spPr>
+        <p:style>
+          <a:lnRef idx="2">
+            <a:schemeClr val="accent1"/>
+          </a:lnRef>
+          <a:fillRef idx="0">
+            <a:schemeClr val="accent1"/>
+          </a:fillRef>
+          <a:effectRef idx="1">
+            <a:schemeClr val="accent1"/>
+          </a:effectRef>
+          <a:fontRef idx="minor">
+            <a:schemeClr val="tx1"/>
+          </a:fontRef>
+        </p:style>
+      </p:cxnSp>
+      <p:sp>
+        <p:nvSpPr>
+          <p:cNvPr id="11" name="テキスト ボックス 10"/>
+          <p:cNvSpPr txBox="1"/>
+          <p:nvPr/>
+        </p:nvSpPr>
+        <p:spPr>
+          <a:xfrm>
+            <a:off x="2065921" y="2516675"/>
+            <a:ext cx="1723549" cy="276999"/>
+          </a:xfrm>
+          <a:prstGeom prst="rect">
+            <a:avLst/>
+          </a:prstGeom>
+          <a:noFill/>
+        </p:spPr>
+        <p:txBody>
+          <a:bodyPr wrap="none" rtlCol="0">
+            <a:spAutoFit/>
+          </a:bodyPr>
+          <a:lstStyle/>
+          <a:p>
+            <a:r>
+              <a:rPr kumimoji="1" lang="ja-JP" altLang="en-US" sz="1200" b="1" dirty="0" smtClean="0"/>
+              <a:t>希望商品ボタンを押す</a:t>
+            </a:r>
+            <a:endParaRPr kumimoji="1" lang="ja-JP" altLang="en-US" sz="1200" b="1" dirty="0"/>
+          </a:p>
+        </p:txBody>
+      </p:sp>
+      <p:sp>
+        <p:nvSpPr>
+          <p:cNvPr id="13" name="Shape 52"/>
+          <p:cNvSpPr/>
+          <p:nvPr/>
+        </p:nvSpPr>
+        <p:spPr>
+          <a:xfrm>
+            <a:off x="2057994" y="1600298"/>
+            <a:ext cx="1712970" cy="388894"/>
+          </a:xfrm>
+          <a:prstGeom prst="flowChartProcess">
+            <a:avLst/>
+          </a:prstGeom>
+          <a:solidFill>
+            <a:srgbClr val="FFFFFF"/>
+          </a:solidFill>
+          <a:ln w="9525" cap="flat" cmpd="sng">
+            <a:solidFill>
+              <a:srgbClr val="000000"/>
+            </a:solidFill>
+            <a:prstDash val="solid"/>
+            <a:round/>
+            <a:headEnd type="none" w="med" len="med"/>
+            <a:tailEnd type="none" w="med" len="med"/>
+          </a:ln>
+        </p:spPr>
+        <p:txBody>
+          <a:bodyPr lIns="91425" tIns="91425" rIns="91425" bIns="91425" anchor="ctr" anchorCtr="0">
+            <a:noAutofit/>
+          </a:bodyPr>
+          <a:lstStyle/>
+          <a:p>
+            <a:pPr>
+              <a:spcBef>
+                <a:spcPts val="0"/>
+              </a:spcBef>
+              <a:buNone/>
+            </a:pPr>
+            <a:endParaRPr/>
+          </a:p>
+        </p:txBody>
+      </p:sp>
+      <p:sp>
+        <p:nvSpPr>
+          <p:cNvPr id="14" name="テキスト ボックス 13"/>
+          <p:cNvSpPr txBox="1"/>
+          <p:nvPr/>
+        </p:nvSpPr>
+        <p:spPr>
+          <a:xfrm>
+            <a:off x="1996286" y="1648782"/>
+            <a:ext cx="1723549" cy="276999"/>
+          </a:xfrm>
+          <a:prstGeom prst="rect">
+            <a:avLst/>
+          </a:prstGeom>
+          <a:noFill/>
+        </p:spPr>
+        <p:txBody>
+          <a:bodyPr wrap="none" rtlCol="0">
+            <a:spAutoFit/>
+          </a:bodyPr>
+          <a:lstStyle/>
+          <a:p>
+            <a:r>
+              <a:rPr kumimoji="1" lang="ja-JP" altLang="en-US" sz="1200" b="1" dirty="0" smtClean="0"/>
+              <a:t>希望商品の金額を投入</a:t>
+            </a:r>
+            <a:endParaRPr kumimoji="1" lang="ja-JP" altLang="en-US" sz="1200" b="1" dirty="0"/>
+          </a:p>
+        </p:txBody>
+      </p:sp>
+      <p:cxnSp>
+        <p:nvCxnSpPr>
+          <p:cNvPr id="15" name="直線矢印コネクタ 14"/>
+          <p:cNvCxnSpPr>
+            <a:stCxn id="9" idx="2"/>
+          </p:cNvCxnSpPr>
+          <p:nvPr/>
+        </p:nvCxnSpPr>
+        <p:spPr>
+          <a:xfrm>
+            <a:off x="2922406" y="2849622"/>
+            <a:ext cx="4320" cy="553978"/>
+          </a:xfrm>
+          <a:prstGeom prst="straightConnector1">
+            <a:avLst/>
+          </a:prstGeom>
+          <a:ln>
+            <a:solidFill>
+              <a:srgbClr val="000000"/>
+            </a:solidFill>
+            <a:tailEnd type="arrow"/>
+          </a:ln>
+        </p:spPr>
+        <p:style>
+          <a:lnRef idx="2">
+            <a:schemeClr val="accent1"/>
+          </a:lnRef>
+          <a:fillRef idx="0">
+            <a:schemeClr val="accent1"/>
+          </a:fillRef>
+          <a:effectRef idx="1">
+            <a:schemeClr val="accent1"/>
+          </a:effectRef>
+          <a:fontRef idx="minor">
+            <a:schemeClr val="tx1"/>
+          </a:fontRef>
+        </p:style>
+      </p:cxnSp>
+      <p:cxnSp>
+        <p:nvCxnSpPr>
+          <p:cNvPr id="17" name="直線矢印コネクタ 16"/>
+          <p:cNvCxnSpPr/>
+          <p:nvPr/>
+        </p:nvCxnSpPr>
+        <p:spPr>
+          <a:xfrm>
+            <a:off x="2918086" y="1989192"/>
+            <a:ext cx="4320" cy="428789"/>
+          </a:xfrm>
+          <a:prstGeom prst="straightConnector1">
+            <a:avLst/>
+          </a:prstGeom>
+          <a:ln>
+            <a:solidFill>
+              <a:srgbClr val="000000"/>
+            </a:solidFill>
+            <a:tailEnd type="arrow"/>
+          </a:ln>
+        </p:spPr>
+        <p:style>
+          <a:lnRef idx="2">
+            <a:schemeClr val="accent1"/>
+          </a:lnRef>
+          <a:fillRef idx="0">
+            <a:schemeClr val="accent1"/>
+          </a:fillRef>
+          <a:effectRef idx="1">
+            <a:schemeClr val="accent1"/>
+          </a:effectRef>
+          <a:fontRef idx="minor">
+            <a:schemeClr val="tx1"/>
+          </a:fontRef>
+        </p:style>
+      </p:cxnSp>
+      <p:sp>
+        <p:nvSpPr>
+          <p:cNvPr id="23" name="テキスト ボックス 22"/>
+          <p:cNvSpPr txBox="1"/>
+          <p:nvPr/>
+        </p:nvSpPr>
+        <p:spPr>
+          <a:xfrm>
+            <a:off x="4942639" y="1900885"/>
+            <a:ext cx="2159566" cy="307777"/>
+          </a:xfrm>
+          <a:prstGeom prst="rect">
+            <a:avLst/>
+          </a:prstGeom>
+          <a:noFill/>
+          <a:ln>
+            <a:noFill/>
+          </a:ln>
+        </p:spPr>
+        <p:txBody>
+          <a:bodyPr wrap="none" rtlCol="0">
+            <a:spAutoFit/>
+          </a:bodyPr>
+          <a:lstStyle/>
+          <a:p>
+            <a:r>
+              <a:rPr kumimoji="1" lang="en-US" altLang="ja-JP" dirty="0" smtClean="0"/>
+              <a:t>〜</a:t>
+            </a:r>
+            <a:r>
+              <a:rPr kumimoji="1" lang="ja-JP" altLang="en-US" dirty="0" smtClean="0"/>
+              <a:t>細分化</a:t>
+            </a:r>
+            <a:r>
+              <a:rPr kumimoji="1" lang="ja-JP" altLang="en-US" dirty="0" smtClean="0"/>
+              <a:t>していくなら</a:t>
+            </a:r>
+            <a:r>
+              <a:rPr kumimoji="1" lang="en-US" altLang="ja-JP" dirty="0" smtClean="0"/>
+              <a:t>〜</a:t>
+            </a:r>
+            <a:endParaRPr kumimoji="1" lang="ja-JP" altLang="en-US" dirty="0"/>
+          </a:p>
+        </p:txBody>
+      </p:sp>
+      <p:sp>
+        <p:nvSpPr>
+          <p:cNvPr id="25" name="テキスト ボックス 24"/>
+          <p:cNvSpPr txBox="1"/>
+          <p:nvPr/>
+        </p:nvSpPr>
+        <p:spPr>
+          <a:xfrm>
+            <a:off x="5422810" y="2208662"/>
+            <a:ext cx="2817748" cy="523220"/>
+          </a:xfrm>
+          <a:prstGeom prst="rect">
+            <a:avLst/>
+          </a:prstGeom>
+          <a:noFill/>
+        </p:spPr>
+        <p:txBody>
+          <a:bodyPr wrap="none" rtlCol="0">
+            <a:spAutoFit/>
+          </a:bodyPr>
+          <a:lstStyle/>
+          <a:p>
+            <a:r>
+              <a:rPr kumimoji="1" lang="ja-JP" altLang="en-US" dirty="0" smtClean="0"/>
+              <a:t>・硬化</a:t>
+            </a:r>
+            <a:endParaRPr kumimoji="1" lang="en-US" altLang="ja-JP" dirty="0" smtClean="0"/>
+          </a:p>
+          <a:p>
+            <a:r>
+              <a:rPr kumimoji="1" lang="ja-JP" altLang="ja-JP" dirty="0"/>
+              <a:t>　</a:t>
+            </a:r>
+            <a:r>
+              <a:rPr kumimoji="1" lang="ja-JP" altLang="en-US" dirty="0" smtClean="0"/>
+              <a:t>　</a:t>
+            </a:r>
+            <a:r>
+              <a:rPr kumimoji="1" lang="en-US" altLang="ja-JP" dirty="0" smtClean="0"/>
+              <a:t>(</a:t>
+            </a:r>
+            <a:r>
+              <a:rPr kumimoji="1" lang="ja-JP" altLang="en-US" dirty="0" smtClean="0"/>
+              <a:t>商品</a:t>
+            </a:r>
+            <a:r>
+              <a:rPr kumimoji="1" lang="ja-JP" altLang="en-US" dirty="0" smtClean="0"/>
+              <a:t>金額まで</a:t>
+            </a:r>
+            <a:r>
+              <a:rPr kumimoji="1" lang="ja-JP" altLang="en-US" dirty="0" smtClean="0"/>
+              <a:t>投入の</a:t>
+            </a:r>
+            <a:r>
+              <a:rPr kumimoji="1" lang="ja-JP" altLang="en-US" dirty="0" smtClean="0"/>
+              <a:t>ループ</a:t>
+            </a:r>
+            <a:r>
+              <a:rPr kumimoji="1" lang="en-US" altLang="ja-JP" dirty="0" smtClean="0"/>
+              <a:t>)</a:t>
+            </a:r>
+            <a:endParaRPr kumimoji="1" lang="en-US" altLang="ja-JP" dirty="0" smtClean="0"/>
+          </a:p>
+        </p:txBody>
+      </p:sp>
+      <p:sp>
+        <p:nvSpPr>
+          <p:cNvPr id="28" name="Shape 52"/>
+          <p:cNvSpPr/>
+          <p:nvPr/>
+        </p:nvSpPr>
+        <p:spPr>
+          <a:xfrm>
+            <a:off x="2065921" y="3390574"/>
+            <a:ext cx="1712970" cy="388894"/>
+          </a:xfrm>
+          <a:prstGeom prst="flowChartProcess">
+            <a:avLst/>
+          </a:prstGeom>
+          <a:solidFill>
+            <a:srgbClr val="FFFFFF"/>
+          </a:solidFill>
+          <a:ln w="9525" cap="flat" cmpd="sng">
+            <a:solidFill>
+              <a:srgbClr val="000000"/>
+            </a:solidFill>
+            <a:prstDash val="solid"/>
+            <a:round/>
+            <a:headEnd type="none" w="med" len="med"/>
+            <a:tailEnd type="none" w="med" len="med"/>
+          </a:ln>
+        </p:spPr>
+        <p:txBody>
+          <a:bodyPr lIns="91425" tIns="91425" rIns="91425" bIns="91425" anchor="ctr" anchorCtr="0">
+            <a:noAutofit/>
+          </a:bodyPr>
+          <a:lstStyle/>
+          <a:p>
+            <a:pPr>
+              <a:spcBef>
+                <a:spcPts val="0"/>
+              </a:spcBef>
+              <a:buNone/>
+            </a:pPr>
+            <a:endParaRPr/>
+          </a:p>
+        </p:txBody>
+      </p:sp>
+      <p:sp>
+        <p:nvSpPr>
+          <p:cNvPr id="29" name="テキスト ボックス 28"/>
+          <p:cNvSpPr txBox="1"/>
+          <p:nvPr/>
+        </p:nvSpPr>
+        <p:spPr>
+          <a:xfrm>
+            <a:off x="2271681" y="3446521"/>
+            <a:ext cx="1261884" cy="276999"/>
+          </a:xfrm>
+          <a:prstGeom prst="rect">
+            <a:avLst/>
+          </a:prstGeom>
+          <a:noFill/>
+        </p:spPr>
+        <p:txBody>
+          <a:bodyPr wrap="none" rtlCol="0">
+            <a:spAutoFit/>
+          </a:bodyPr>
+          <a:lstStyle/>
+          <a:p>
+            <a:r>
+              <a:rPr kumimoji="1" lang="ja-JP" altLang="en-US" sz="1200" b="1" dirty="0" smtClean="0"/>
+              <a:t>商品が出てくる</a:t>
+            </a:r>
+            <a:endParaRPr kumimoji="1" lang="ja-JP" altLang="en-US" sz="1200" b="1" dirty="0"/>
+          </a:p>
+        </p:txBody>
+      </p:sp>
+      <p:cxnSp>
+        <p:nvCxnSpPr>
+          <p:cNvPr id="30" name="直線矢印コネクタ 29"/>
+          <p:cNvCxnSpPr>
+            <a:stCxn id="28" idx="2"/>
+          </p:cNvCxnSpPr>
+          <p:nvPr/>
+        </p:nvCxnSpPr>
+        <p:spPr>
+          <a:xfrm flipH="1">
+            <a:off x="2918086" y="3779468"/>
+            <a:ext cx="4320" cy="799437"/>
+          </a:xfrm>
+          <a:prstGeom prst="straightConnector1">
+            <a:avLst/>
+          </a:prstGeom>
+          <a:ln>
+            <a:solidFill>
+              <a:srgbClr val="000000"/>
+            </a:solidFill>
+            <a:tailEnd type="arrow"/>
+          </a:ln>
+        </p:spPr>
+        <p:style>
+          <a:lnRef idx="2">
+            <a:schemeClr val="accent1"/>
+          </a:lnRef>
+          <a:fillRef idx="0">
+            <a:schemeClr val="accent1"/>
+          </a:fillRef>
+          <a:effectRef idx="1">
+            <a:schemeClr val="accent1"/>
+          </a:effectRef>
+          <a:fontRef idx="minor">
+            <a:schemeClr val="tx1"/>
+          </a:fontRef>
+        </p:style>
+      </p:cxnSp>
+      <p:sp>
+        <p:nvSpPr>
+          <p:cNvPr id="33" name="テキスト ボックス 32"/>
+          <p:cNvSpPr txBox="1"/>
+          <p:nvPr/>
+        </p:nvSpPr>
+        <p:spPr>
+          <a:xfrm>
+            <a:off x="5784447" y="3660587"/>
+            <a:ext cx="2099603" cy="523220"/>
+          </a:xfrm>
+          <a:prstGeom prst="rect">
+            <a:avLst/>
+          </a:prstGeom>
+          <a:noFill/>
+        </p:spPr>
+        <p:txBody>
+          <a:bodyPr wrap="none" rtlCol="0">
+            <a:spAutoFit/>
+          </a:bodyPr>
+          <a:lstStyle/>
+          <a:p>
+            <a:r>
+              <a:rPr kumimoji="1" lang="ja-JP" altLang="en-US" dirty="0" smtClean="0"/>
+              <a:t>・返却レバー</a:t>
+            </a:r>
+            <a:endParaRPr kumimoji="1" lang="en-US" altLang="ja-JP" dirty="0" smtClean="0"/>
+          </a:p>
+          <a:p>
+            <a:r>
+              <a:rPr kumimoji="1" lang="ja-JP" altLang="ja-JP" dirty="0"/>
+              <a:t>　</a:t>
+            </a:r>
+            <a:r>
+              <a:rPr kumimoji="1" lang="ja-JP" altLang="en-US" dirty="0" smtClean="0"/>
+              <a:t>　</a:t>
+            </a:r>
+            <a:r>
+              <a:rPr kumimoji="1" lang="ja-JP" altLang="en-US" dirty="0"/>
+              <a:t>紙幣</a:t>
+            </a:r>
+            <a:r>
+              <a:rPr kumimoji="1" lang="en-US" altLang="ja-JP" dirty="0"/>
+              <a:t>(</a:t>
+            </a:r>
+            <a:r>
+              <a:rPr kumimoji="1" lang="ja-JP" altLang="en-US" dirty="0"/>
+              <a:t>お釣りの処理</a:t>
+            </a:r>
+            <a:r>
+              <a:rPr kumimoji="1" lang="en-US" altLang="ja-JP" dirty="0" smtClean="0"/>
+              <a:t>)</a:t>
+            </a:r>
+            <a:endParaRPr kumimoji="1" lang="ja-JP" altLang="en-US" dirty="0"/>
+          </a:p>
+        </p:txBody>
+      </p:sp>
+      <p:sp>
+        <p:nvSpPr>
+          <p:cNvPr id="34" name="テキスト ボックス 33"/>
+          <p:cNvSpPr txBox="1"/>
+          <p:nvPr/>
+        </p:nvSpPr>
+        <p:spPr>
+          <a:xfrm>
+            <a:off x="5639394" y="3312234"/>
+            <a:ext cx="3595856" cy="307777"/>
+          </a:xfrm>
+          <a:prstGeom prst="rect">
+            <a:avLst/>
+          </a:prstGeom>
+          <a:noFill/>
+        </p:spPr>
+        <p:txBody>
+          <a:bodyPr wrap="none" rtlCol="0">
+            <a:spAutoFit/>
+          </a:bodyPr>
+          <a:lstStyle/>
+          <a:p>
+            <a:r>
+              <a:rPr kumimoji="1" lang="ja-JP" altLang="en-US" dirty="0" smtClean="0"/>
+              <a:t>・１缶だけでなく２缶、３缶買う場合は？</a:t>
+            </a:r>
+            <a:endParaRPr kumimoji="1" lang="ja-JP" altLang="en-US" dirty="0"/>
+          </a:p>
+        </p:txBody>
+      </p:sp>
+      <p:sp>
+        <p:nvSpPr>
+          <p:cNvPr id="2" name="テキスト ボックス 1"/>
+          <p:cNvSpPr txBox="1"/>
+          <p:nvPr/>
+        </p:nvSpPr>
+        <p:spPr>
+          <a:xfrm>
+            <a:off x="5444680" y="3004457"/>
+            <a:ext cx="723275" cy="307777"/>
+          </a:xfrm>
+          <a:prstGeom prst="rect">
+            <a:avLst/>
+          </a:prstGeom>
+          <a:noFill/>
+        </p:spPr>
+        <p:txBody>
+          <a:bodyPr wrap="none" rtlCol="0">
+            <a:spAutoFit/>
+          </a:bodyPr>
+          <a:lstStyle/>
+          <a:p>
+            <a:r>
+              <a:rPr kumimoji="1" lang="ja-JP" altLang="en-US" dirty="0" smtClean="0"/>
+              <a:t>・紙幣</a:t>
+            </a:r>
+            <a:endParaRPr kumimoji="1" lang="ja-JP" altLang="en-US" dirty="0"/>
           </a:p>
         </p:txBody>
       </p:sp>
@@ -5738,6 +6702,1676 @@
           <a:chExt cx="0" cy="0"/>
         </a:xfrm>
       </p:grpSpPr>
+      <p:sp>
+        <p:nvSpPr>
+          <p:cNvPr id="4" name="Shape 73"/>
+          <p:cNvSpPr txBox="1"/>
+          <p:nvPr/>
+        </p:nvSpPr>
+        <p:spPr>
+          <a:xfrm>
+            <a:off x="0" y="7693"/>
+            <a:ext cx="9144000" cy="500307"/>
+          </a:xfrm>
+          <a:prstGeom prst="rect">
+            <a:avLst/>
+          </a:prstGeom>
+          <a:noFill/>
+          <a:ln>
+            <a:noFill/>
+          </a:ln>
+        </p:spPr>
+        <p:txBody>
+          <a:bodyPr lIns="91425" tIns="91425" rIns="91425" bIns="91425" anchor="t" anchorCtr="0">
+            <a:noAutofit/>
+          </a:bodyPr>
+          <a:lstStyle/>
+          <a:p>
+            <a:pPr algn="ctr"/>
+            <a:r>
+              <a:rPr lang="ja" sz="1800" b="1" dirty="0" smtClean="0">
+                <a:solidFill>
+                  <a:srgbClr val="FF0000"/>
+                </a:solidFill>
+              </a:rPr>
+              <a:t>課題</a:t>
+            </a:r>
+            <a:r>
+              <a:rPr lang="ja-JP" altLang="en-US" sz="1800" b="1" dirty="0" smtClean="0">
+                <a:solidFill>
+                  <a:srgbClr val="FF0000"/>
+                </a:solidFill>
+              </a:rPr>
+              <a:t>１２</a:t>
+            </a:r>
+            <a:r>
+              <a:rPr lang="ja" sz="1800" b="1" dirty="0" smtClean="0"/>
+              <a:t>：</a:t>
+            </a:r>
+            <a:r>
+              <a:rPr lang="ja-JP" altLang="en-US" sz="1800" b="1" dirty="0"/>
+              <a:t>フローチャートを用いて</a:t>
+            </a:r>
+            <a:r>
+              <a:rPr lang="ja-JP" altLang="en-US" sz="1800" b="1" dirty="0" smtClean="0"/>
+              <a:t>、</a:t>
+            </a:r>
+            <a:r>
+              <a:rPr lang="ja-JP" altLang="en-US" sz="1800" b="1" dirty="0"/>
+              <a:t>リニアサーチ</a:t>
+            </a:r>
+            <a:r>
+              <a:rPr lang="ja-JP" altLang="en-US" sz="1800" b="1" dirty="0" smtClean="0"/>
+              <a:t>の</a:t>
+            </a:r>
+            <a:r>
+              <a:rPr lang="ja-JP" altLang="en-US" sz="1800" b="1" dirty="0"/>
+              <a:t>処理を</a:t>
+            </a:r>
+            <a:r>
+              <a:rPr lang="ja-JP" altLang="en-US" sz="1800" b="1" dirty="0" smtClean="0"/>
+              <a:t>書いてみよう。</a:t>
+            </a:r>
+            <a:endParaRPr lang="ja-JP" altLang="en-US" sz="1800" b="1" dirty="0"/>
+          </a:p>
+          <a:p>
+            <a:pPr lvl="0" algn="ctr" rtl="0">
+              <a:spcBef>
+                <a:spcPts val="0"/>
+              </a:spcBef>
+              <a:buNone/>
+            </a:pPr>
+            <a:endParaRPr lang="ja" sz="1800" b="1" dirty="0"/>
+          </a:p>
+        </p:txBody>
+      </p:sp>
+      <p:sp>
+        <p:nvSpPr>
+          <p:cNvPr id="6" name="Shape 50"/>
+          <p:cNvSpPr/>
+          <p:nvPr/>
+        </p:nvSpPr>
+        <p:spPr>
+          <a:xfrm>
+            <a:off x="591535" y="548541"/>
+            <a:ext cx="1367632" cy="318661"/>
+          </a:xfrm>
+          <a:prstGeom prst="flowChartTerminator">
+            <a:avLst/>
+          </a:prstGeom>
+          <a:noFill/>
+          <a:ln w="9525" cap="flat" cmpd="sng">
+            <a:solidFill>
+              <a:srgbClr val="000000"/>
+            </a:solidFill>
+            <a:prstDash val="solid"/>
+            <a:round/>
+            <a:headEnd type="none" w="med" len="med"/>
+            <a:tailEnd type="none" w="med" len="med"/>
+          </a:ln>
+        </p:spPr>
+        <p:txBody>
+          <a:bodyPr lIns="91425" tIns="91425" rIns="91425" bIns="91425" anchor="ctr" anchorCtr="0">
+            <a:noAutofit/>
+          </a:bodyPr>
+          <a:lstStyle/>
+          <a:p>
+            <a:pPr>
+              <a:spcBef>
+                <a:spcPts val="0"/>
+              </a:spcBef>
+              <a:buNone/>
+            </a:pPr>
+            <a:endParaRPr/>
+          </a:p>
+        </p:txBody>
+      </p:sp>
+      <p:sp>
+        <p:nvSpPr>
+          <p:cNvPr id="7" name="テキスト ボックス 6"/>
+          <p:cNvSpPr txBox="1"/>
+          <p:nvPr/>
+        </p:nvSpPr>
+        <p:spPr>
+          <a:xfrm>
+            <a:off x="922001" y="478899"/>
+            <a:ext cx="683475" cy="400110"/>
+          </a:xfrm>
+          <a:prstGeom prst="rect">
+            <a:avLst/>
+          </a:prstGeom>
+          <a:noFill/>
+        </p:spPr>
+        <p:txBody>
+          <a:bodyPr wrap="none" rtlCol="0">
+            <a:spAutoFit/>
+          </a:bodyPr>
+          <a:lstStyle/>
+          <a:p>
+            <a:r>
+              <a:rPr kumimoji="1" lang="en-US" altLang="ja-JP" sz="2000" dirty="0" smtClean="0"/>
+              <a:t>start</a:t>
+            </a:r>
+            <a:endParaRPr kumimoji="1" lang="ja-JP" altLang="en-US" sz="2000" dirty="0"/>
+          </a:p>
+        </p:txBody>
+      </p:sp>
+      <p:sp>
+        <p:nvSpPr>
+          <p:cNvPr id="8" name="Shape 50"/>
+          <p:cNvSpPr/>
+          <p:nvPr/>
+        </p:nvSpPr>
+        <p:spPr>
+          <a:xfrm>
+            <a:off x="3446824" y="4913979"/>
+            <a:ext cx="1367632" cy="229522"/>
+          </a:xfrm>
+          <a:prstGeom prst="flowChartTerminator">
+            <a:avLst/>
+          </a:prstGeom>
+          <a:noFill/>
+          <a:ln w="9525" cap="flat" cmpd="sng">
+            <a:solidFill>
+              <a:srgbClr val="000000"/>
+            </a:solidFill>
+            <a:prstDash val="solid"/>
+            <a:round/>
+            <a:headEnd type="none" w="med" len="med"/>
+            <a:tailEnd type="none" w="med" len="med"/>
+          </a:ln>
+        </p:spPr>
+        <p:txBody>
+          <a:bodyPr lIns="91425" tIns="91425" rIns="91425" bIns="91425" anchor="ctr" anchorCtr="0">
+            <a:noAutofit/>
+          </a:bodyPr>
+          <a:lstStyle/>
+          <a:p>
+            <a:pPr>
+              <a:spcBef>
+                <a:spcPts val="0"/>
+              </a:spcBef>
+              <a:buNone/>
+            </a:pPr>
+            <a:endParaRPr/>
+          </a:p>
+        </p:txBody>
+      </p:sp>
+      <p:sp>
+        <p:nvSpPr>
+          <p:cNvPr id="9" name="テキスト ボックス 8"/>
+          <p:cNvSpPr txBox="1"/>
+          <p:nvPr/>
+        </p:nvSpPr>
+        <p:spPr>
+          <a:xfrm>
+            <a:off x="3828982" y="4818593"/>
+            <a:ext cx="612593" cy="400110"/>
+          </a:xfrm>
+          <a:prstGeom prst="rect">
+            <a:avLst/>
+          </a:prstGeom>
+          <a:noFill/>
+        </p:spPr>
+        <p:txBody>
+          <a:bodyPr wrap="none" rtlCol="0">
+            <a:spAutoFit/>
+          </a:bodyPr>
+          <a:lstStyle/>
+          <a:p>
+            <a:r>
+              <a:rPr kumimoji="1" lang="en-US" altLang="ja-JP" sz="2000" dirty="0" smtClean="0"/>
+              <a:t>end</a:t>
+            </a:r>
+            <a:endParaRPr kumimoji="1" lang="ja-JP" altLang="en-US" sz="2000" dirty="0"/>
+          </a:p>
+        </p:txBody>
+      </p:sp>
+      <p:cxnSp>
+        <p:nvCxnSpPr>
+          <p:cNvPr id="11" name="直線矢印コネクタ 10"/>
+          <p:cNvCxnSpPr/>
+          <p:nvPr/>
+        </p:nvCxnSpPr>
+        <p:spPr>
+          <a:xfrm flipV="1">
+            <a:off x="1959167" y="689297"/>
+            <a:ext cx="1232586" cy="29363"/>
+          </a:xfrm>
+          <a:prstGeom prst="straightConnector1">
+            <a:avLst/>
+          </a:prstGeom>
+          <a:ln>
+            <a:solidFill>
+              <a:srgbClr val="000000"/>
+            </a:solidFill>
+            <a:tailEnd type="arrow"/>
+          </a:ln>
+        </p:spPr>
+        <p:style>
+          <a:lnRef idx="2">
+            <a:schemeClr val="accent1"/>
+          </a:lnRef>
+          <a:fillRef idx="0">
+            <a:schemeClr val="accent1"/>
+          </a:fillRef>
+          <a:effectRef idx="1">
+            <a:schemeClr val="accent1"/>
+          </a:effectRef>
+          <a:fontRef idx="minor">
+            <a:schemeClr val="tx1"/>
+          </a:fontRef>
+        </p:style>
+      </p:cxnSp>
+      <p:cxnSp>
+        <p:nvCxnSpPr>
+          <p:cNvPr id="15" name="直線矢印コネクタ 14"/>
+          <p:cNvCxnSpPr/>
+          <p:nvPr/>
+        </p:nvCxnSpPr>
+        <p:spPr>
+          <a:xfrm>
+            <a:off x="4176435" y="2473073"/>
+            <a:ext cx="0" cy="234361"/>
+          </a:xfrm>
+          <a:prstGeom prst="straightConnector1">
+            <a:avLst/>
+          </a:prstGeom>
+          <a:ln>
+            <a:solidFill>
+              <a:srgbClr val="000000"/>
+            </a:solidFill>
+            <a:tailEnd type="arrow"/>
+          </a:ln>
+        </p:spPr>
+        <p:style>
+          <a:lnRef idx="2">
+            <a:schemeClr val="accent1"/>
+          </a:lnRef>
+          <a:fillRef idx="0">
+            <a:schemeClr val="accent1"/>
+          </a:fillRef>
+          <a:effectRef idx="1">
+            <a:schemeClr val="accent1"/>
+          </a:effectRef>
+          <a:fontRef idx="minor">
+            <a:schemeClr val="tx1"/>
+          </a:fontRef>
+        </p:style>
+      </p:cxnSp>
+      <p:cxnSp>
+        <p:nvCxnSpPr>
+          <p:cNvPr id="16" name="直線矢印コネクタ 15"/>
+          <p:cNvCxnSpPr/>
+          <p:nvPr/>
+        </p:nvCxnSpPr>
+        <p:spPr>
+          <a:xfrm>
+            <a:off x="4169350" y="3904339"/>
+            <a:ext cx="0" cy="194556"/>
+          </a:xfrm>
+          <a:prstGeom prst="straightConnector1">
+            <a:avLst/>
+          </a:prstGeom>
+          <a:ln>
+            <a:solidFill>
+              <a:srgbClr val="000000"/>
+            </a:solidFill>
+            <a:tailEnd type="arrow"/>
+          </a:ln>
+        </p:spPr>
+        <p:style>
+          <a:lnRef idx="2">
+            <a:schemeClr val="accent1"/>
+          </a:lnRef>
+          <a:fillRef idx="0">
+            <a:schemeClr val="accent1"/>
+          </a:fillRef>
+          <a:effectRef idx="1">
+            <a:schemeClr val="accent1"/>
+          </a:effectRef>
+          <a:fontRef idx="minor">
+            <a:schemeClr val="tx1"/>
+          </a:fontRef>
+        </p:style>
+      </p:cxnSp>
+      <p:cxnSp>
+        <p:nvCxnSpPr>
+          <p:cNvPr id="19" name="直線矢印コネクタ 18"/>
+          <p:cNvCxnSpPr/>
+          <p:nvPr/>
+        </p:nvCxnSpPr>
+        <p:spPr>
+          <a:xfrm>
+            <a:off x="4157029" y="4731955"/>
+            <a:ext cx="0" cy="222289"/>
+          </a:xfrm>
+          <a:prstGeom prst="straightConnector1">
+            <a:avLst/>
+          </a:prstGeom>
+          <a:ln>
+            <a:solidFill>
+              <a:srgbClr val="000000"/>
+            </a:solidFill>
+            <a:tailEnd type="arrow"/>
+          </a:ln>
+        </p:spPr>
+        <p:style>
+          <a:lnRef idx="2">
+            <a:schemeClr val="accent1"/>
+          </a:lnRef>
+          <a:fillRef idx="0">
+            <a:schemeClr val="accent1"/>
+          </a:fillRef>
+          <a:effectRef idx="1">
+            <a:schemeClr val="accent1"/>
+          </a:effectRef>
+          <a:fontRef idx="minor">
+            <a:schemeClr val="tx1"/>
+          </a:fontRef>
+        </p:style>
+      </p:cxnSp>
+      <p:sp>
+        <p:nvSpPr>
+          <p:cNvPr id="25" name="テキスト ボックス 24"/>
+          <p:cNvSpPr txBox="1"/>
+          <p:nvPr/>
+        </p:nvSpPr>
+        <p:spPr>
+          <a:xfrm>
+            <a:off x="3211789" y="501271"/>
+            <a:ext cx="2274611" cy="369332"/>
+          </a:xfrm>
+          <a:prstGeom prst="rect">
+            <a:avLst/>
+          </a:prstGeom>
+          <a:noFill/>
+          <a:ln>
+            <a:solidFill>
+              <a:srgbClr val="000000"/>
+            </a:solidFill>
+          </a:ln>
+        </p:spPr>
+        <p:txBody>
+          <a:bodyPr wrap="square" rtlCol="0">
+            <a:spAutoFit/>
+          </a:bodyPr>
+          <a:lstStyle/>
+          <a:p>
+            <a:r>
+              <a:rPr kumimoji="1" lang="ja-JP" altLang="en-US" sz="900" dirty="0" smtClean="0"/>
+              <a:t>アルファベット</a:t>
+            </a:r>
+            <a:r>
+              <a:rPr kumimoji="1" lang="en-US" altLang="ja-JP" sz="900" dirty="0" err="1" smtClean="0"/>
+              <a:t>a〜z</a:t>
+            </a:r>
+            <a:r>
+              <a:rPr kumimoji="1" lang="ja-JP" altLang="en-US" sz="900" dirty="0" smtClean="0"/>
+              <a:t>のランダムな文字を</a:t>
+            </a:r>
+            <a:endParaRPr kumimoji="1" lang="en-US" altLang="ja-JP" sz="900" dirty="0" smtClean="0"/>
+          </a:p>
+          <a:p>
+            <a:r>
+              <a:rPr kumimoji="1" lang="ja-JP" altLang="en-US" sz="900" dirty="0" smtClean="0"/>
+              <a:t>「</a:t>
+            </a:r>
+            <a:r>
+              <a:rPr kumimoji="1" lang="en-US" altLang="ja-JP" sz="900" dirty="0" err="1" smtClean="0"/>
+              <a:t>γ</a:t>
+            </a:r>
+            <a:r>
+              <a:rPr kumimoji="1" lang="en-US" altLang="ja-JP" sz="900" dirty="0" smtClean="0"/>
+              <a:t>(</a:t>
+            </a:r>
+            <a:r>
+              <a:rPr kumimoji="1" lang="ja-JP" altLang="en-US" sz="900" dirty="0" smtClean="0"/>
+              <a:t>ガンマ</a:t>
+            </a:r>
+            <a:r>
+              <a:rPr kumimoji="1" lang="en-US" altLang="ja-JP" sz="900" dirty="0" smtClean="0"/>
+              <a:t>)</a:t>
+            </a:r>
+            <a:r>
+              <a:rPr kumimoji="1" lang="ja-JP" altLang="en-US" sz="900" dirty="0" smtClean="0"/>
+              <a:t>」</a:t>
+            </a:r>
+            <a:r>
+              <a:rPr kumimoji="1" lang="ja-JP" altLang="en-US" sz="900" dirty="0" smtClean="0"/>
+              <a:t>と設定　</a:t>
+            </a:r>
+            <a:r>
+              <a:rPr kumimoji="1" lang="en-US" altLang="ja-JP" sz="900" dirty="0" smtClean="0"/>
+              <a:t>=</a:t>
+            </a:r>
+            <a:r>
+              <a:rPr kumimoji="1" lang="ja-JP" altLang="en-US" sz="900" dirty="0" smtClean="0"/>
+              <a:t>　探す値</a:t>
+            </a:r>
+            <a:endParaRPr kumimoji="1" lang="ja-JP" altLang="en-US" sz="900" dirty="0"/>
+          </a:p>
+        </p:txBody>
+      </p:sp>
+      <p:sp>
+        <p:nvSpPr>
+          <p:cNvPr id="27" name="フローチャート: 手作業 26"/>
+          <p:cNvSpPr/>
+          <p:nvPr/>
+        </p:nvSpPr>
+        <p:spPr>
+          <a:xfrm rot="10800000">
+            <a:off x="2573943" y="2188335"/>
+            <a:ext cx="3383980" cy="274327"/>
+          </a:xfrm>
+          <a:prstGeom prst="flowChartManualOperation">
+            <a:avLst/>
+          </a:prstGeom>
+          <a:noFill/>
+          <a:ln>
+            <a:solidFill>
+              <a:srgbClr val="000000"/>
+            </a:solidFill>
+          </a:ln>
+        </p:spPr>
+        <p:style>
+          <a:lnRef idx="1">
+            <a:schemeClr val="accent1"/>
+          </a:lnRef>
+          <a:fillRef idx="3">
+            <a:schemeClr val="accent1"/>
+          </a:fillRef>
+          <a:effectRef idx="2">
+            <a:schemeClr val="accent1"/>
+          </a:effectRef>
+          <a:fontRef idx="minor">
+            <a:schemeClr val="lt1"/>
+          </a:fontRef>
+        </p:style>
+        <p:txBody>
+          <a:bodyPr/>
+          <a:lstStyle/>
+          <a:p>
+            <a:endParaRPr lang="ja-JP" altLang="en-US"/>
+          </a:p>
+        </p:txBody>
+      </p:sp>
+      <p:sp>
+        <p:nvSpPr>
+          <p:cNvPr id="28" name="フローチャート: 手作業 27"/>
+          <p:cNvSpPr/>
+          <p:nvPr/>
+        </p:nvSpPr>
+        <p:spPr>
+          <a:xfrm>
+            <a:off x="2999701" y="4098895"/>
+            <a:ext cx="2573019" cy="208988"/>
+          </a:xfrm>
+          <a:prstGeom prst="flowChartManualOperation">
+            <a:avLst/>
+          </a:prstGeom>
+          <a:noFill/>
+          <a:ln>
+            <a:solidFill>
+              <a:srgbClr val="000000"/>
+            </a:solidFill>
+          </a:ln>
+        </p:spPr>
+        <p:style>
+          <a:lnRef idx="1">
+            <a:schemeClr val="accent1"/>
+          </a:lnRef>
+          <a:fillRef idx="3">
+            <a:schemeClr val="accent1"/>
+          </a:fillRef>
+          <a:effectRef idx="2">
+            <a:schemeClr val="accent1"/>
+          </a:effectRef>
+          <a:fontRef idx="minor">
+            <a:schemeClr val="lt1"/>
+          </a:fontRef>
+        </p:style>
+        <p:txBody>
+          <a:bodyPr/>
+          <a:lstStyle/>
+          <a:p>
+            <a:endParaRPr lang="ja-JP" altLang="en-US"/>
+          </a:p>
+        </p:txBody>
+      </p:sp>
+      <p:sp>
+        <p:nvSpPr>
+          <p:cNvPr id="31" name="Shape 52"/>
+          <p:cNvSpPr/>
+          <p:nvPr/>
+        </p:nvSpPr>
+        <p:spPr>
+          <a:xfrm>
+            <a:off x="3442853" y="4541455"/>
+            <a:ext cx="1481666" cy="190500"/>
+          </a:xfrm>
+          <a:prstGeom prst="flowChartProcess">
+            <a:avLst/>
+          </a:prstGeom>
+          <a:noFill/>
+          <a:ln w="9525" cap="flat" cmpd="sng">
+            <a:solidFill>
+              <a:srgbClr val="000000"/>
+            </a:solidFill>
+            <a:prstDash val="solid"/>
+            <a:round/>
+            <a:headEnd type="none" w="med" len="med"/>
+            <a:tailEnd type="none" w="med" len="med"/>
+          </a:ln>
+        </p:spPr>
+        <p:txBody>
+          <a:bodyPr lIns="91425" tIns="91425" rIns="91425" bIns="91425" anchor="ctr" anchorCtr="0">
+            <a:noAutofit/>
+          </a:bodyPr>
+          <a:lstStyle/>
+          <a:p>
+            <a:pPr>
+              <a:spcBef>
+                <a:spcPts val="0"/>
+              </a:spcBef>
+              <a:buNone/>
+            </a:pPr>
+            <a:endParaRPr/>
+          </a:p>
+        </p:txBody>
+      </p:sp>
+      <p:cxnSp>
+        <p:nvCxnSpPr>
+          <p:cNvPr id="33" name="直線矢印コネクタ 32"/>
+          <p:cNvCxnSpPr/>
+          <p:nvPr/>
+        </p:nvCxnSpPr>
+        <p:spPr>
+          <a:xfrm>
+            <a:off x="4157029" y="1444032"/>
+            <a:ext cx="0" cy="200550"/>
+          </a:xfrm>
+          <a:prstGeom prst="straightConnector1">
+            <a:avLst/>
+          </a:prstGeom>
+          <a:ln>
+            <a:solidFill>
+              <a:srgbClr val="000000"/>
+            </a:solidFill>
+            <a:tailEnd type="arrow"/>
+          </a:ln>
+        </p:spPr>
+        <p:style>
+          <a:lnRef idx="2">
+            <a:schemeClr val="accent1"/>
+          </a:lnRef>
+          <a:fillRef idx="0">
+            <a:schemeClr val="accent1"/>
+          </a:fillRef>
+          <a:effectRef idx="1">
+            <a:schemeClr val="accent1"/>
+          </a:effectRef>
+          <a:fontRef idx="minor">
+            <a:schemeClr val="tx1"/>
+          </a:fontRef>
+        </p:style>
+      </p:cxnSp>
+      <p:sp>
+        <p:nvSpPr>
+          <p:cNvPr id="34" name="テキスト ボックス 33"/>
+          <p:cNvSpPr txBox="1"/>
+          <p:nvPr/>
+        </p:nvSpPr>
+        <p:spPr>
+          <a:xfrm>
+            <a:off x="3426294" y="4513594"/>
+            <a:ext cx="1481667" cy="246221"/>
+          </a:xfrm>
+          <a:prstGeom prst="rect">
+            <a:avLst/>
+          </a:prstGeom>
+          <a:noFill/>
+        </p:spPr>
+        <p:txBody>
+          <a:bodyPr wrap="square" rtlCol="0">
+            <a:spAutoFit/>
+          </a:bodyPr>
+          <a:lstStyle/>
+          <a:p>
+            <a:pPr algn="ctr"/>
+            <a:r>
+              <a:rPr kumimoji="1" lang="ja-JP" altLang="en-US" sz="1000" dirty="0" smtClean="0"/>
+              <a:t>探索完了</a:t>
+            </a:r>
+            <a:endParaRPr kumimoji="1" lang="ja-JP" altLang="en-US" sz="1000" dirty="0"/>
+          </a:p>
+        </p:txBody>
+      </p:sp>
+      <p:cxnSp>
+        <p:nvCxnSpPr>
+          <p:cNvPr id="35" name="直線矢印コネクタ 34"/>
+          <p:cNvCxnSpPr/>
+          <p:nvPr/>
+        </p:nvCxnSpPr>
+        <p:spPr>
+          <a:xfrm>
+            <a:off x="4157029" y="879009"/>
+            <a:ext cx="0" cy="162786"/>
+          </a:xfrm>
+          <a:prstGeom prst="straightConnector1">
+            <a:avLst/>
+          </a:prstGeom>
+          <a:ln>
+            <a:solidFill>
+              <a:srgbClr val="000000"/>
+            </a:solidFill>
+            <a:tailEnd type="arrow"/>
+          </a:ln>
+        </p:spPr>
+        <p:style>
+          <a:lnRef idx="2">
+            <a:schemeClr val="accent1"/>
+          </a:lnRef>
+          <a:fillRef idx="0">
+            <a:schemeClr val="accent1"/>
+          </a:fillRef>
+          <a:effectRef idx="1">
+            <a:schemeClr val="accent1"/>
+          </a:effectRef>
+          <a:fontRef idx="minor">
+            <a:schemeClr val="tx1"/>
+          </a:fontRef>
+        </p:style>
+      </p:cxnSp>
+      <p:cxnSp>
+        <p:nvCxnSpPr>
+          <p:cNvPr id="36" name="直線矢印コネクタ 35"/>
+          <p:cNvCxnSpPr>
+            <a:stCxn id="39" idx="2"/>
+          </p:cNvCxnSpPr>
+          <p:nvPr/>
+        </p:nvCxnSpPr>
+        <p:spPr>
+          <a:xfrm>
+            <a:off x="4176306" y="3438512"/>
+            <a:ext cx="129" cy="219606"/>
+          </a:xfrm>
+          <a:prstGeom prst="straightConnector1">
+            <a:avLst/>
+          </a:prstGeom>
+          <a:ln>
+            <a:solidFill>
+              <a:srgbClr val="000000"/>
+            </a:solidFill>
+            <a:tailEnd type="arrow"/>
+          </a:ln>
+        </p:spPr>
+        <p:style>
+          <a:lnRef idx="2">
+            <a:schemeClr val="accent1"/>
+          </a:lnRef>
+          <a:fillRef idx="0">
+            <a:schemeClr val="accent1"/>
+          </a:fillRef>
+          <a:effectRef idx="1">
+            <a:schemeClr val="accent1"/>
+          </a:effectRef>
+          <a:fontRef idx="minor">
+            <a:schemeClr val="tx1"/>
+          </a:fontRef>
+        </p:style>
+      </p:cxnSp>
+      <p:sp>
+        <p:nvSpPr>
+          <p:cNvPr id="39" name="Shape 51"/>
+          <p:cNvSpPr/>
+          <p:nvPr/>
+        </p:nvSpPr>
+        <p:spPr>
+          <a:xfrm>
+            <a:off x="3342749" y="3181552"/>
+            <a:ext cx="1667114" cy="256960"/>
+          </a:xfrm>
+          <a:prstGeom prst="flowChartDecision">
+            <a:avLst/>
+          </a:prstGeom>
+          <a:noFill/>
+          <a:ln w="9525" cap="flat" cmpd="sng">
+            <a:solidFill>
+              <a:srgbClr val="000000"/>
+            </a:solidFill>
+            <a:prstDash val="solid"/>
+            <a:round/>
+            <a:headEnd type="none" w="med" len="med"/>
+            <a:tailEnd type="none" w="med" len="med"/>
+          </a:ln>
+        </p:spPr>
+        <p:txBody>
+          <a:bodyPr lIns="91425" tIns="91425" rIns="91425" bIns="91425" anchor="ctr" anchorCtr="0">
+            <a:noAutofit/>
+          </a:bodyPr>
+          <a:lstStyle/>
+          <a:p>
+            <a:pPr>
+              <a:spcBef>
+                <a:spcPts val="0"/>
+              </a:spcBef>
+              <a:buNone/>
+            </a:pPr>
+            <a:endParaRPr/>
+          </a:p>
+        </p:txBody>
+      </p:sp>
+      <p:sp>
+        <p:nvSpPr>
+          <p:cNvPr id="40" name="テキスト ボックス 39"/>
+          <p:cNvSpPr txBox="1"/>
+          <p:nvPr/>
+        </p:nvSpPr>
+        <p:spPr>
+          <a:xfrm>
+            <a:off x="3667597" y="3427286"/>
+            <a:ext cx="184666" cy="230832"/>
+          </a:xfrm>
+          <a:prstGeom prst="rect">
+            <a:avLst/>
+          </a:prstGeom>
+          <a:noFill/>
+        </p:spPr>
+        <p:txBody>
+          <a:bodyPr wrap="none" rtlCol="0">
+            <a:spAutoFit/>
+          </a:bodyPr>
+          <a:lstStyle/>
+          <a:p>
+            <a:endParaRPr kumimoji="1" lang="ja-JP" altLang="en-US" sz="900" dirty="0"/>
+          </a:p>
+        </p:txBody>
+      </p:sp>
+      <p:cxnSp>
+        <p:nvCxnSpPr>
+          <p:cNvPr id="41" name="直線コネクタ 40"/>
+          <p:cNvCxnSpPr/>
+          <p:nvPr/>
+        </p:nvCxnSpPr>
+        <p:spPr>
+          <a:xfrm>
+            <a:off x="6598530" y="3345358"/>
+            <a:ext cx="0" cy="1291347"/>
+          </a:xfrm>
+          <a:prstGeom prst="line">
+            <a:avLst/>
+          </a:prstGeom>
+          <a:ln>
+            <a:solidFill>
+              <a:srgbClr val="000000"/>
+            </a:solidFill>
+          </a:ln>
+        </p:spPr>
+        <p:style>
+          <a:lnRef idx="2">
+            <a:schemeClr val="accent1"/>
+          </a:lnRef>
+          <a:fillRef idx="0">
+            <a:schemeClr val="accent1"/>
+          </a:fillRef>
+          <a:effectRef idx="1">
+            <a:schemeClr val="accent1"/>
+          </a:effectRef>
+          <a:fontRef idx="minor">
+            <a:schemeClr val="tx1"/>
+          </a:fontRef>
+        </p:style>
+      </p:cxnSp>
+      <p:cxnSp>
+        <p:nvCxnSpPr>
+          <p:cNvPr id="43" name="直線コネクタ 42"/>
+          <p:cNvCxnSpPr/>
+          <p:nvPr/>
+        </p:nvCxnSpPr>
+        <p:spPr>
+          <a:xfrm>
+            <a:off x="5009863" y="3323414"/>
+            <a:ext cx="1588667" cy="0"/>
+          </a:xfrm>
+          <a:prstGeom prst="line">
+            <a:avLst/>
+          </a:prstGeom>
+          <a:ln>
+            <a:solidFill>
+              <a:srgbClr val="000000"/>
+            </a:solidFill>
+          </a:ln>
+        </p:spPr>
+        <p:style>
+          <a:lnRef idx="2">
+            <a:schemeClr val="accent1"/>
+          </a:lnRef>
+          <a:fillRef idx="0">
+            <a:schemeClr val="accent1"/>
+          </a:fillRef>
+          <a:effectRef idx="1">
+            <a:schemeClr val="accent1"/>
+          </a:effectRef>
+          <a:fontRef idx="minor">
+            <a:schemeClr val="tx1"/>
+          </a:fontRef>
+        </p:style>
+      </p:cxnSp>
+      <p:cxnSp>
+        <p:nvCxnSpPr>
+          <p:cNvPr id="51" name="直線矢印コネクタ 50"/>
+          <p:cNvCxnSpPr>
+            <a:endCxn id="31" idx="3"/>
+          </p:cNvCxnSpPr>
+          <p:nvPr/>
+        </p:nvCxnSpPr>
+        <p:spPr>
+          <a:xfrm flipH="1">
+            <a:off x="4924519" y="4636705"/>
+            <a:ext cx="1674011" cy="0"/>
+          </a:xfrm>
+          <a:prstGeom prst="straightConnector1">
+            <a:avLst/>
+          </a:prstGeom>
+          <a:ln>
+            <a:solidFill>
+              <a:srgbClr val="000000"/>
+            </a:solidFill>
+            <a:tailEnd type="arrow"/>
+          </a:ln>
+        </p:spPr>
+        <p:style>
+          <a:lnRef idx="2">
+            <a:schemeClr val="accent1"/>
+          </a:lnRef>
+          <a:fillRef idx="0">
+            <a:schemeClr val="accent1"/>
+          </a:fillRef>
+          <a:effectRef idx="1">
+            <a:schemeClr val="accent1"/>
+          </a:effectRef>
+          <a:fontRef idx="minor">
+            <a:schemeClr val="tx1"/>
+          </a:fontRef>
+        </p:style>
+      </p:cxnSp>
+      <p:sp>
+        <p:nvSpPr>
+          <p:cNvPr id="63" name="テキスト ボックス 62"/>
+          <p:cNvSpPr txBox="1"/>
+          <p:nvPr/>
+        </p:nvSpPr>
+        <p:spPr>
+          <a:xfrm rot="1688155">
+            <a:off x="6365063" y="3045674"/>
+            <a:ext cx="466932" cy="261610"/>
+          </a:xfrm>
+          <a:prstGeom prst="rect">
+            <a:avLst/>
+          </a:prstGeom>
+          <a:noFill/>
+        </p:spPr>
+        <p:txBody>
+          <a:bodyPr wrap="none" rtlCol="0">
+            <a:spAutoFit/>
+          </a:bodyPr>
+          <a:lstStyle/>
+          <a:p>
+            <a:r>
+              <a:rPr kumimoji="1" lang="en-US" altLang="ja-JP" sz="1100" dirty="0" smtClean="0"/>
+              <a:t>YES</a:t>
+            </a:r>
+            <a:endParaRPr kumimoji="1" lang="ja-JP" altLang="en-US" sz="1100" dirty="0"/>
+          </a:p>
+        </p:txBody>
+      </p:sp>
+      <p:sp>
+        <p:nvSpPr>
+          <p:cNvPr id="64" name="テキスト ボックス 63"/>
+          <p:cNvSpPr txBox="1"/>
+          <p:nvPr/>
+        </p:nvSpPr>
+        <p:spPr>
+          <a:xfrm rot="20303379">
+            <a:off x="3771723" y="3407633"/>
+            <a:ext cx="386644" cy="253916"/>
+          </a:xfrm>
+          <a:prstGeom prst="rect">
+            <a:avLst/>
+          </a:prstGeom>
+          <a:noFill/>
+        </p:spPr>
+        <p:txBody>
+          <a:bodyPr wrap="none" rtlCol="0">
+            <a:spAutoFit/>
+          </a:bodyPr>
+          <a:lstStyle/>
+          <a:p>
+            <a:r>
+              <a:rPr kumimoji="1" lang="en-US" altLang="ja-JP" sz="1050" dirty="0" smtClean="0"/>
+              <a:t>NO</a:t>
+            </a:r>
+            <a:endParaRPr kumimoji="1" lang="ja-JP" altLang="en-US" sz="1050" dirty="0"/>
+          </a:p>
+        </p:txBody>
+      </p:sp>
+      <p:sp>
+        <p:nvSpPr>
+          <p:cNvPr id="71" name="テキスト ボックス 70"/>
+          <p:cNvSpPr txBox="1"/>
+          <p:nvPr/>
+        </p:nvSpPr>
+        <p:spPr>
+          <a:xfrm>
+            <a:off x="164056" y="3199500"/>
+            <a:ext cx="1441420" cy="307777"/>
+          </a:xfrm>
+          <a:prstGeom prst="rect">
+            <a:avLst/>
+          </a:prstGeom>
+          <a:noFill/>
+        </p:spPr>
+        <p:txBody>
+          <a:bodyPr wrap="none" rtlCol="0">
+            <a:spAutoFit/>
+          </a:bodyPr>
+          <a:lstStyle/>
+          <a:p>
+            <a:r>
+              <a:rPr kumimoji="1" lang="ja-JP" altLang="en-US" dirty="0" smtClean="0"/>
+              <a:t>条件</a:t>
+            </a:r>
+            <a:r>
+              <a:rPr kumimoji="1" lang="ja-JP" altLang="en-US" dirty="0" smtClean="0"/>
+              <a:t>分岐で</a:t>
+            </a:r>
+            <a:r>
+              <a:rPr kumimoji="1" lang="ja-JP" altLang="en-US" dirty="0" smtClean="0"/>
+              <a:t>比較</a:t>
+            </a:r>
+            <a:endParaRPr kumimoji="1" lang="ja-JP" altLang="en-US" dirty="0"/>
+          </a:p>
+        </p:txBody>
+      </p:sp>
+      <p:sp>
+        <p:nvSpPr>
+          <p:cNvPr id="72" name="テキスト ボックス 71"/>
+          <p:cNvSpPr txBox="1"/>
+          <p:nvPr/>
+        </p:nvSpPr>
+        <p:spPr>
+          <a:xfrm>
+            <a:off x="7896552" y="1290143"/>
+            <a:ext cx="1082348" cy="307777"/>
+          </a:xfrm>
+          <a:prstGeom prst="rect">
+            <a:avLst/>
+          </a:prstGeom>
+          <a:noFill/>
+        </p:spPr>
+        <p:txBody>
+          <a:bodyPr wrap="none" rtlCol="0">
+            <a:spAutoFit/>
+          </a:bodyPr>
+          <a:lstStyle/>
+          <a:p>
+            <a:r>
+              <a:rPr kumimoji="1" lang="ja-JP" altLang="en-US" dirty="0" smtClean="0"/>
+              <a:t>探す値設定</a:t>
+            </a:r>
+            <a:endParaRPr kumimoji="1" lang="ja-JP" altLang="en-US" dirty="0"/>
+          </a:p>
+        </p:txBody>
+      </p:sp>
+      <p:sp>
+        <p:nvSpPr>
+          <p:cNvPr id="75" name="テキスト ボックス 74"/>
+          <p:cNvSpPr txBox="1"/>
+          <p:nvPr/>
+        </p:nvSpPr>
+        <p:spPr>
+          <a:xfrm>
+            <a:off x="3191752" y="1068987"/>
+            <a:ext cx="2294648" cy="400110"/>
+          </a:xfrm>
+          <a:prstGeom prst="rect">
+            <a:avLst/>
+          </a:prstGeom>
+          <a:noFill/>
+          <a:ln>
+            <a:solidFill>
+              <a:srgbClr val="000000"/>
+            </a:solidFill>
+          </a:ln>
+        </p:spPr>
+        <p:txBody>
+          <a:bodyPr wrap="square" rtlCol="0">
+            <a:spAutoFit/>
+          </a:bodyPr>
+          <a:lstStyle/>
+          <a:p>
+            <a:r>
+              <a:rPr kumimoji="1" lang="ja-JP" altLang="en-US" sz="1000" dirty="0" smtClean="0"/>
+              <a:t>アルファベット「</a:t>
+            </a:r>
+            <a:r>
+              <a:rPr kumimoji="1" lang="en-US" altLang="ja-JP" sz="1000" dirty="0" err="1" smtClean="0"/>
+              <a:t>a〜z</a:t>
+            </a:r>
+            <a:r>
+              <a:rPr kumimoji="1" lang="ja-JP" altLang="en-US" sz="1000" dirty="0" smtClean="0"/>
+              <a:t>」をランダム</a:t>
+            </a:r>
+            <a:endParaRPr kumimoji="1" lang="en-US" altLang="ja-JP" sz="1000" dirty="0" smtClean="0"/>
+          </a:p>
+          <a:p>
+            <a:r>
+              <a:rPr kumimoji="1" lang="ja-JP" altLang="en-US" sz="1000" dirty="0" smtClean="0"/>
+              <a:t>な順番で文字列表記</a:t>
+            </a:r>
+            <a:endParaRPr kumimoji="1" lang="ja-JP" altLang="en-US" sz="1000" dirty="0"/>
+          </a:p>
+        </p:txBody>
+      </p:sp>
+      <p:cxnSp>
+        <p:nvCxnSpPr>
+          <p:cNvPr id="76" name="直線矢印コネクタ 75"/>
+          <p:cNvCxnSpPr/>
+          <p:nvPr/>
+        </p:nvCxnSpPr>
+        <p:spPr>
+          <a:xfrm>
+            <a:off x="4157029" y="1987077"/>
+            <a:ext cx="0" cy="200550"/>
+          </a:xfrm>
+          <a:prstGeom prst="straightConnector1">
+            <a:avLst/>
+          </a:prstGeom>
+          <a:ln>
+            <a:solidFill>
+              <a:srgbClr val="000000"/>
+            </a:solidFill>
+            <a:tailEnd type="arrow"/>
+          </a:ln>
+        </p:spPr>
+        <p:style>
+          <a:lnRef idx="2">
+            <a:schemeClr val="accent1"/>
+          </a:lnRef>
+          <a:fillRef idx="0">
+            <a:schemeClr val="accent1"/>
+          </a:fillRef>
+          <a:effectRef idx="1">
+            <a:schemeClr val="accent1"/>
+          </a:effectRef>
+          <a:fontRef idx="minor">
+            <a:schemeClr val="tx1"/>
+          </a:fontRef>
+        </p:style>
+      </p:cxnSp>
+      <p:sp>
+        <p:nvSpPr>
+          <p:cNvPr id="80" name="テキスト ボックス 79"/>
+          <p:cNvSpPr txBox="1"/>
+          <p:nvPr/>
+        </p:nvSpPr>
+        <p:spPr>
+          <a:xfrm>
+            <a:off x="-946259" y="1444031"/>
+            <a:ext cx="2954655" cy="738664"/>
+          </a:xfrm>
+          <a:prstGeom prst="rect">
+            <a:avLst/>
+          </a:prstGeom>
+          <a:noFill/>
+        </p:spPr>
+        <p:txBody>
+          <a:bodyPr wrap="none" rtlCol="0">
+            <a:spAutoFit/>
+          </a:bodyPr>
+          <a:lstStyle/>
+          <a:p>
+            <a:r>
+              <a:rPr kumimoji="1" lang="ja-JP" altLang="en-US" dirty="0" smtClean="0"/>
+              <a:t>どんな場合ループするの？</a:t>
+            </a:r>
+            <a:endParaRPr kumimoji="1" lang="en-US" altLang="ja-JP" dirty="0" smtClean="0"/>
+          </a:p>
+          <a:p>
+            <a:r>
+              <a:rPr kumimoji="1" lang="en-US" altLang="ja-JP" dirty="0"/>
+              <a:t>	</a:t>
+            </a:r>
+            <a:r>
+              <a:rPr kumimoji="1" lang="el-GR" altLang="ja-JP" dirty="0"/>
+              <a:t>Θ</a:t>
+            </a:r>
+            <a:r>
+              <a:rPr kumimoji="1" lang="ja-JP" altLang="en-US" dirty="0"/>
+              <a:t>と</a:t>
+            </a:r>
+            <a:r>
+              <a:rPr kumimoji="1" lang="en-US" altLang="ja-JP" dirty="0" err="1"/>
+              <a:t>γ</a:t>
+            </a:r>
+            <a:r>
+              <a:rPr kumimoji="1" lang="ja-JP" altLang="en-US" dirty="0"/>
+              <a:t>が等しくない場合</a:t>
+            </a:r>
+          </a:p>
+          <a:p>
+            <a:endParaRPr kumimoji="1" lang="en-US" altLang="ja-JP" dirty="0" smtClean="0"/>
+          </a:p>
+        </p:txBody>
+      </p:sp>
+      <p:sp>
+        <p:nvSpPr>
+          <p:cNvPr id="81" name="テキスト ボックス 80"/>
+          <p:cNvSpPr txBox="1"/>
+          <p:nvPr/>
+        </p:nvSpPr>
+        <p:spPr>
+          <a:xfrm>
+            <a:off x="3063098" y="1649148"/>
+            <a:ext cx="2423302" cy="338554"/>
+          </a:xfrm>
+          <a:prstGeom prst="rect">
+            <a:avLst/>
+          </a:prstGeom>
+          <a:noFill/>
+          <a:ln>
+            <a:solidFill>
+              <a:srgbClr val="000000"/>
+            </a:solidFill>
+          </a:ln>
+        </p:spPr>
+        <p:txBody>
+          <a:bodyPr wrap="square" rtlCol="0">
+            <a:spAutoFit/>
+          </a:bodyPr>
+          <a:lstStyle/>
+          <a:p>
+            <a:r>
+              <a:rPr kumimoji="1" lang="ja-JP" altLang="en-US" sz="800" dirty="0" smtClean="0"/>
+              <a:t>アルファベット</a:t>
+            </a:r>
+            <a:r>
+              <a:rPr kumimoji="1" lang="en-US" altLang="ja-JP" sz="800" dirty="0" err="1" smtClean="0"/>
+              <a:t>a〜z</a:t>
+            </a:r>
+            <a:r>
+              <a:rPr kumimoji="1" lang="ja-JP" altLang="en-US" sz="800" dirty="0" smtClean="0"/>
+              <a:t>の</a:t>
+            </a:r>
+            <a:r>
+              <a:rPr kumimoji="1" lang="ja-JP" altLang="en-US" sz="800" dirty="0" smtClean="0"/>
+              <a:t>ランダムな</a:t>
+            </a:r>
+            <a:r>
+              <a:rPr kumimoji="1" lang="ja-JP" altLang="en-US" sz="800" dirty="0" smtClean="0"/>
+              <a:t>文字列を</a:t>
+            </a:r>
+            <a:r>
+              <a:rPr kumimoji="1" lang="ja-JP" altLang="en-US" sz="800" dirty="0" smtClean="0"/>
+              <a:t>先頭から</a:t>
+            </a:r>
+            <a:r>
+              <a:rPr kumimoji="1" lang="en-US" altLang="ja-JP" sz="800" dirty="0" smtClean="0"/>
+              <a:t>θ1(</a:t>
+            </a:r>
+            <a:r>
+              <a:rPr kumimoji="1" lang="ja-JP" altLang="en-US" sz="800" dirty="0" smtClean="0"/>
+              <a:t>シータ</a:t>
+            </a:r>
+            <a:r>
+              <a:rPr kumimoji="1" lang="en-US" altLang="ja-JP" sz="800" dirty="0" smtClean="0"/>
+              <a:t>1)</a:t>
+            </a:r>
+            <a:r>
+              <a:rPr kumimoji="1" lang="ja-JP" altLang="en-US" sz="800" dirty="0" smtClean="0"/>
+              <a:t>から順に</a:t>
+            </a:r>
+            <a:r>
+              <a:rPr kumimoji="1" lang="en-US" altLang="ja-JP" sz="800" dirty="0" smtClean="0"/>
+              <a:t>θ26(</a:t>
+            </a:r>
+            <a:r>
+              <a:rPr kumimoji="1" lang="ja-JP" altLang="en-US" sz="800" dirty="0" smtClean="0"/>
+              <a:t>シータ</a:t>
+            </a:r>
+            <a:r>
+              <a:rPr kumimoji="1" lang="en-US" altLang="ja-JP" sz="800" dirty="0" smtClean="0"/>
+              <a:t>26)</a:t>
+            </a:r>
+            <a:r>
+              <a:rPr kumimoji="1" lang="ja-JP" altLang="en-US" sz="800" dirty="0" smtClean="0"/>
+              <a:t>と</a:t>
+            </a:r>
+            <a:r>
+              <a:rPr kumimoji="1" lang="ja-JP" altLang="en-US" sz="800" dirty="0" smtClean="0"/>
+              <a:t>設定</a:t>
+            </a:r>
+            <a:r>
+              <a:rPr kumimoji="1" lang="ja-JP" altLang="en-US" sz="800" dirty="0" smtClean="0"/>
+              <a:t>する</a:t>
+            </a:r>
+            <a:endParaRPr kumimoji="1" lang="ja-JP" altLang="en-US" sz="800" dirty="0"/>
+          </a:p>
+        </p:txBody>
+      </p:sp>
+      <p:sp>
+        <p:nvSpPr>
+          <p:cNvPr id="3" name="テキスト ボックス 2"/>
+          <p:cNvSpPr txBox="1"/>
+          <p:nvPr/>
+        </p:nvSpPr>
+        <p:spPr>
+          <a:xfrm>
+            <a:off x="7530045" y="3409627"/>
+            <a:ext cx="1706467" cy="276999"/>
+          </a:xfrm>
+          <a:prstGeom prst="rect">
+            <a:avLst/>
+          </a:prstGeom>
+          <a:noFill/>
+        </p:spPr>
+        <p:txBody>
+          <a:bodyPr wrap="none" rtlCol="0">
+            <a:spAutoFit/>
+          </a:bodyPr>
+          <a:lstStyle/>
+          <a:p>
+            <a:r>
+              <a:rPr kumimoji="1" lang="en-US" altLang="ja-JP" sz="1200" dirty="0" err="1" smtClean="0"/>
+              <a:t>γ</a:t>
+            </a:r>
+            <a:r>
+              <a:rPr kumimoji="1" lang="en-US" altLang="ja-JP" sz="1200" dirty="0" smtClean="0"/>
+              <a:t> (</a:t>
+            </a:r>
+            <a:r>
+              <a:rPr kumimoji="1" lang="ja-JP" altLang="en-US" sz="1200" dirty="0" smtClean="0"/>
+              <a:t>ガンマ</a:t>
+            </a:r>
+            <a:r>
+              <a:rPr kumimoji="1" lang="en-US" altLang="ja-JP" sz="1200" dirty="0" smtClean="0"/>
+              <a:t>) = </a:t>
+            </a:r>
+            <a:r>
+              <a:rPr kumimoji="1" lang="en-US" altLang="ja-JP" sz="1200" dirty="0" err="1" smtClean="0"/>
+              <a:t>θ</a:t>
+            </a:r>
+            <a:r>
+              <a:rPr kumimoji="1" lang="en-US" altLang="ja-JP" sz="1200" dirty="0" smtClean="0"/>
+              <a:t>(</a:t>
+            </a:r>
+            <a:r>
+              <a:rPr kumimoji="1" lang="ja-JP" altLang="en-US" sz="1200" dirty="0" smtClean="0"/>
+              <a:t>シータ</a:t>
+            </a:r>
+            <a:r>
+              <a:rPr kumimoji="1" lang="en-US" altLang="ja-JP" sz="1200" dirty="0" smtClean="0"/>
+              <a:t>)</a:t>
+            </a:r>
+            <a:endParaRPr kumimoji="1" lang="ja-JP" altLang="en-US" sz="1200" dirty="0"/>
+          </a:p>
+        </p:txBody>
+      </p:sp>
+      <p:sp>
+        <p:nvSpPr>
+          <p:cNvPr id="10" name="テキスト ボックス 9"/>
+          <p:cNvSpPr txBox="1"/>
+          <p:nvPr/>
+        </p:nvSpPr>
+        <p:spPr>
+          <a:xfrm>
+            <a:off x="3696653" y="2707434"/>
+            <a:ext cx="1031127" cy="230832"/>
+          </a:xfrm>
+          <a:prstGeom prst="rect">
+            <a:avLst/>
+          </a:prstGeom>
+          <a:noFill/>
+          <a:ln>
+            <a:solidFill>
+              <a:srgbClr val="000000"/>
+            </a:solidFill>
+          </a:ln>
+        </p:spPr>
+        <p:txBody>
+          <a:bodyPr wrap="none" rtlCol="0">
+            <a:spAutoFit/>
+          </a:bodyPr>
+          <a:lstStyle/>
+          <a:p>
+            <a:r>
+              <a:rPr kumimoji="1" lang="el-GR" altLang="ja-JP" sz="900" dirty="0" smtClean="0"/>
+              <a:t>Θ</a:t>
+            </a:r>
+            <a:r>
+              <a:rPr kumimoji="1" lang="en-US" altLang="ja-JP" sz="900" dirty="0" smtClean="0"/>
+              <a:t>1</a:t>
+            </a:r>
+            <a:r>
+              <a:rPr kumimoji="1" lang="ja-JP" altLang="en-US" sz="900" dirty="0" smtClean="0"/>
+              <a:t>の文字を</a:t>
+            </a:r>
+            <a:r>
+              <a:rPr kumimoji="1" lang="ja-JP" altLang="en-US" sz="900" dirty="0" smtClean="0"/>
+              <a:t>表記</a:t>
+            </a:r>
+            <a:endParaRPr kumimoji="1" lang="ja-JP" altLang="en-US" sz="900" dirty="0"/>
+          </a:p>
+        </p:txBody>
+      </p:sp>
+      <p:sp>
+        <p:nvSpPr>
+          <p:cNvPr id="12" name="テキスト ボックス 11"/>
+          <p:cNvSpPr txBox="1"/>
+          <p:nvPr/>
+        </p:nvSpPr>
+        <p:spPr>
+          <a:xfrm>
+            <a:off x="3795471" y="3195353"/>
+            <a:ext cx="832279" cy="230832"/>
+          </a:xfrm>
+          <a:prstGeom prst="rect">
+            <a:avLst/>
+          </a:prstGeom>
+          <a:noFill/>
+        </p:spPr>
+        <p:txBody>
+          <a:bodyPr wrap="none" rtlCol="0">
+            <a:spAutoFit/>
+          </a:bodyPr>
+          <a:lstStyle/>
+          <a:p>
+            <a:r>
+              <a:rPr kumimoji="1" lang="en-US" altLang="ja-JP" sz="900" dirty="0" err="1" smtClean="0"/>
+              <a:t>γ</a:t>
+            </a:r>
+            <a:r>
+              <a:rPr kumimoji="1" lang="ja-JP" altLang="en-US" sz="900" dirty="0" smtClean="0"/>
+              <a:t>と同じ値？</a:t>
+            </a:r>
+            <a:endParaRPr kumimoji="1" lang="ja-JP" altLang="en-US" sz="900" dirty="0"/>
+          </a:p>
+        </p:txBody>
+      </p:sp>
+      <p:sp>
+        <p:nvSpPr>
+          <p:cNvPr id="13" name="テキスト ボックス 12"/>
+          <p:cNvSpPr txBox="1"/>
+          <p:nvPr/>
+        </p:nvSpPr>
+        <p:spPr>
+          <a:xfrm>
+            <a:off x="3724900" y="3658118"/>
+            <a:ext cx="902811" cy="246221"/>
+          </a:xfrm>
+          <a:prstGeom prst="rect">
+            <a:avLst/>
+          </a:prstGeom>
+          <a:noFill/>
+          <a:ln>
+            <a:solidFill>
+              <a:srgbClr val="000000"/>
+            </a:solidFill>
+          </a:ln>
+        </p:spPr>
+        <p:txBody>
+          <a:bodyPr wrap="none" rtlCol="0">
+            <a:spAutoFit/>
+          </a:bodyPr>
+          <a:lstStyle/>
+          <a:p>
+            <a:r>
+              <a:rPr kumimoji="1" lang="ja-JP" altLang="en-US" sz="1000" dirty="0" smtClean="0"/>
+              <a:t>次の</a:t>
+            </a:r>
+            <a:r>
+              <a:rPr kumimoji="1" lang="en-US" altLang="ja-JP" sz="1000" dirty="0" err="1" smtClean="0"/>
+              <a:t>θ</a:t>
+            </a:r>
+            <a:r>
+              <a:rPr kumimoji="1" lang="ja-JP" altLang="en-US" sz="1000" dirty="0" smtClean="0"/>
+              <a:t>に移動</a:t>
+            </a:r>
+            <a:endParaRPr kumimoji="1" lang="ja-JP" altLang="en-US" sz="1000" dirty="0"/>
+          </a:p>
+        </p:txBody>
+      </p:sp>
+      <p:cxnSp>
+        <p:nvCxnSpPr>
+          <p:cNvPr id="42" name="直線矢印コネクタ 41"/>
+          <p:cNvCxnSpPr/>
+          <p:nvPr/>
+        </p:nvCxnSpPr>
+        <p:spPr>
+          <a:xfrm>
+            <a:off x="4169350" y="2951037"/>
+            <a:ext cx="0" cy="204747"/>
+          </a:xfrm>
+          <a:prstGeom prst="straightConnector1">
+            <a:avLst/>
+          </a:prstGeom>
+          <a:ln>
+            <a:solidFill>
+              <a:srgbClr val="000000"/>
+            </a:solidFill>
+            <a:tailEnd type="arrow"/>
+          </a:ln>
+        </p:spPr>
+        <p:style>
+          <a:lnRef idx="2">
+            <a:schemeClr val="accent1"/>
+          </a:lnRef>
+          <a:fillRef idx="0">
+            <a:schemeClr val="accent1"/>
+          </a:fillRef>
+          <a:effectRef idx="1">
+            <a:schemeClr val="accent1"/>
+          </a:effectRef>
+          <a:fontRef idx="minor">
+            <a:schemeClr val="tx1"/>
+          </a:fontRef>
+        </p:style>
+      </p:cxnSp>
+      <p:cxnSp>
+        <p:nvCxnSpPr>
+          <p:cNvPr id="52" name="直線矢印コネクタ 51"/>
+          <p:cNvCxnSpPr/>
+          <p:nvPr/>
+        </p:nvCxnSpPr>
+        <p:spPr>
+          <a:xfrm>
+            <a:off x="4167128" y="4309992"/>
+            <a:ext cx="0" cy="231463"/>
+          </a:xfrm>
+          <a:prstGeom prst="straightConnector1">
+            <a:avLst/>
+          </a:prstGeom>
+          <a:ln>
+            <a:solidFill>
+              <a:srgbClr val="000000"/>
+            </a:solidFill>
+            <a:tailEnd type="arrow"/>
+          </a:ln>
+        </p:spPr>
+        <p:style>
+          <a:lnRef idx="2">
+            <a:schemeClr val="accent1"/>
+          </a:lnRef>
+          <a:fillRef idx="0">
+            <a:schemeClr val="accent1"/>
+          </a:fillRef>
+          <a:effectRef idx="1">
+            <a:schemeClr val="accent1"/>
+          </a:effectRef>
+          <a:fontRef idx="minor">
+            <a:schemeClr val="tx1"/>
+          </a:fontRef>
+        </p:style>
+      </p:cxnSp>
+      <p:sp>
+        <p:nvSpPr>
+          <p:cNvPr id="38" name="テキスト ボックス 37"/>
+          <p:cNvSpPr txBox="1"/>
+          <p:nvPr/>
+        </p:nvSpPr>
+        <p:spPr>
+          <a:xfrm>
+            <a:off x="3340284" y="2187627"/>
+            <a:ext cx="1954381" cy="246221"/>
+          </a:xfrm>
+          <a:prstGeom prst="rect">
+            <a:avLst/>
+          </a:prstGeom>
+          <a:noFill/>
+        </p:spPr>
+        <p:txBody>
+          <a:bodyPr wrap="none" rtlCol="0">
+            <a:spAutoFit/>
+          </a:bodyPr>
+          <a:lstStyle/>
+          <a:p>
+            <a:r>
+              <a:rPr kumimoji="1" lang="el-GR" altLang="ja-JP" sz="1000" dirty="0" smtClean="0"/>
+              <a:t>Θ</a:t>
+            </a:r>
+            <a:r>
+              <a:rPr kumimoji="1" lang="en-US" altLang="ja-JP" sz="1000" dirty="0" smtClean="0"/>
+              <a:t>1〜θ26</a:t>
+            </a:r>
+            <a:r>
+              <a:rPr kumimoji="1" lang="ja-JP" altLang="en-US" sz="1000" dirty="0" smtClean="0"/>
+              <a:t>と</a:t>
+            </a:r>
+            <a:r>
+              <a:rPr kumimoji="1" lang="en-US" altLang="ja-JP" sz="1000" dirty="0" smtClean="0"/>
+              <a:t> </a:t>
+            </a:r>
+            <a:r>
+              <a:rPr kumimoji="1" lang="en-US" altLang="ja-JP" sz="1000" dirty="0" err="1" smtClean="0"/>
+              <a:t>γ</a:t>
+            </a:r>
+            <a:r>
+              <a:rPr kumimoji="1" lang="ja-JP" altLang="en-US" sz="1000" dirty="0" smtClean="0"/>
+              <a:t>を取り出して比較</a:t>
+            </a:r>
+            <a:endParaRPr kumimoji="1" lang="ja-JP" altLang="en-US" sz="1000" dirty="0"/>
+          </a:p>
+        </p:txBody>
+      </p:sp>
+      <p:sp>
+        <p:nvSpPr>
+          <p:cNvPr id="53" name="テキスト ボックス 52"/>
+          <p:cNvSpPr txBox="1"/>
+          <p:nvPr/>
+        </p:nvSpPr>
+        <p:spPr>
+          <a:xfrm>
+            <a:off x="7650785" y="2100137"/>
+            <a:ext cx="1771301" cy="523220"/>
+          </a:xfrm>
+          <a:prstGeom prst="rect">
+            <a:avLst/>
+          </a:prstGeom>
+          <a:noFill/>
+        </p:spPr>
+        <p:txBody>
+          <a:bodyPr wrap="none" rtlCol="0">
+            <a:spAutoFit/>
+          </a:bodyPr>
+          <a:lstStyle/>
+          <a:p>
+            <a:r>
+              <a:rPr kumimoji="1" lang="ja-JP" altLang="en-US" dirty="0" smtClean="0"/>
+              <a:t>例</a:t>
+            </a:r>
+            <a:r>
+              <a:rPr kumimoji="1" lang="en-US" altLang="ja-JP" dirty="0" smtClean="0"/>
+              <a:t>)</a:t>
+            </a:r>
+            <a:r>
+              <a:rPr kumimoji="1" lang="ja-JP" altLang="en-US" dirty="0" smtClean="0"/>
+              <a:t>　</a:t>
+            </a:r>
+            <a:r>
+              <a:rPr kumimoji="1" lang="en-US" altLang="ja-JP" dirty="0" smtClean="0"/>
+              <a:t>①θ1=f ②θ2=b</a:t>
+            </a:r>
+            <a:endParaRPr kumimoji="1" lang="en-US" altLang="ja-JP" dirty="0"/>
+          </a:p>
+          <a:p>
+            <a:r>
+              <a:rPr kumimoji="1" lang="ja-JP" altLang="en-US" dirty="0" smtClean="0"/>
+              <a:t>みたいな感じ</a:t>
+            </a:r>
+            <a:endParaRPr kumimoji="1" lang="ja-JP" altLang="en-US" dirty="0"/>
+          </a:p>
+        </p:txBody>
+      </p:sp>
+      <p:sp>
+        <p:nvSpPr>
+          <p:cNvPr id="59" name="テキスト ボックス 58"/>
+          <p:cNvSpPr txBox="1"/>
+          <p:nvPr/>
+        </p:nvSpPr>
+        <p:spPr>
+          <a:xfrm>
+            <a:off x="-1021913" y="3926534"/>
+            <a:ext cx="3595856" cy="954107"/>
+          </a:xfrm>
+          <a:prstGeom prst="rect">
+            <a:avLst/>
+          </a:prstGeom>
+          <a:noFill/>
+        </p:spPr>
+        <p:txBody>
+          <a:bodyPr wrap="none" rtlCol="0">
+            <a:spAutoFit/>
+          </a:bodyPr>
+          <a:lstStyle/>
+          <a:p>
+            <a:r>
+              <a:rPr kumimoji="1" lang="ja-JP" altLang="en-US" dirty="0" smtClean="0"/>
+              <a:t>？？</a:t>
+            </a:r>
+            <a:endParaRPr kumimoji="1" lang="en-US" altLang="ja-JP" dirty="0" smtClean="0"/>
+          </a:p>
+          <a:p>
+            <a:r>
+              <a:rPr kumimoji="1" lang="ja-JP" altLang="en-US" dirty="0" smtClean="0"/>
+              <a:t>ループの際、</a:t>
+            </a:r>
+            <a:r>
+              <a:rPr kumimoji="1" lang="en-US" altLang="ja-JP" dirty="0" smtClean="0"/>
+              <a:t>≠</a:t>
+            </a:r>
+            <a:r>
+              <a:rPr kumimoji="1" lang="ja-JP" altLang="en-US" dirty="0" smtClean="0"/>
+              <a:t>で設定してるのに、</a:t>
+            </a:r>
+            <a:endParaRPr kumimoji="1" lang="en-US" altLang="ja-JP" dirty="0" smtClean="0"/>
+          </a:p>
+          <a:p>
+            <a:r>
+              <a:rPr kumimoji="1" lang="ja-JP" altLang="en-US" dirty="0" smtClean="0"/>
+              <a:t>条件分岐の場合分けは矛盾していないか？</a:t>
+            </a:r>
+            <a:endParaRPr kumimoji="1" lang="en-US" altLang="ja-JP" dirty="0" smtClean="0"/>
+          </a:p>
+          <a:p>
+            <a:r>
+              <a:rPr kumimoji="1" lang="ja-JP" altLang="en-US" dirty="0" smtClean="0"/>
+              <a:t>ループの設定が違うか？</a:t>
+            </a:r>
+            <a:endParaRPr kumimoji="1" lang="ja-JP" altLang="en-US" dirty="0"/>
+          </a:p>
+        </p:txBody>
+      </p:sp>
     </p:spTree>
     <p:extLst>
       <p:ext uri="{BB962C8B-B14F-4D97-AF65-F5344CB8AC3E}">
@@ -5768,6 +8402,1347 @@
           <a:chExt cx="0" cy="0"/>
         </a:xfrm>
       </p:grpSpPr>
+      <p:sp>
+        <p:nvSpPr>
+          <p:cNvPr id="3" name="Shape 73"/>
+          <p:cNvSpPr txBox="1"/>
+          <p:nvPr/>
+        </p:nvSpPr>
+        <p:spPr>
+          <a:xfrm>
+            <a:off x="0" y="56551"/>
+            <a:ext cx="9144000" cy="565749"/>
+          </a:xfrm>
+          <a:prstGeom prst="rect">
+            <a:avLst/>
+          </a:prstGeom>
+          <a:noFill/>
+          <a:ln>
+            <a:noFill/>
+          </a:ln>
+        </p:spPr>
+        <p:txBody>
+          <a:bodyPr lIns="91425" tIns="91425" rIns="91425" bIns="91425" anchor="t" anchorCtr="0">
+            <a:noAutofit/>
+          </a:bodyPr>
+          <a:lstStyle/>
+          <a:p>
+            <a:pPr algn="ctr"/>
+            <a:r>
+              <a:rPr lang="ja" sz="1800" b="1" dirty="0" smtClean="0"/>
+              <a:t>課題</a:t>
+            </a:r>
+            <a:r>
+              <a:rPr lang="ja-JP" altLang="en-US" sz="1800" b="1" dirty="0" smtClean="0"/>
+              <a:t>１３</a:t>
+            </a:r>
+            <a:r>
+              <a:rPr lang="ja" sz="1800" b="1" dirty="0" smtClean="0"/>
+              <a:t>：</a:t>
+            </a:r>
+            <a:r>
+              <a:rPr lang="ja-JP" altLang="en-US" sz="1800" b="1" dirty="0"/>
+              <a:t>フローチャートを用いて、</a:t>
+            </a:r>
+            <a:r>
+              <a:rPr lang="ja-JP" altLang="en-US" sz="1800" b="1" dirty="0" smtClean="0"/>
+              <a:t>バブルソートの</a:t>
+            </a:r>
+            <a:r>
+              <a:rPr lang="ja-JP" altLang="en-US" sz="1800" b="1" dirty="0"/>
+              <a:t>処理を</a:t>
+            </a:r>
+            <a:r>
+              <a:rPr lang="ja-JP" altLang="en-US" sz="1800" b="1" dirty="0" smtClean="0"/>
+              <a:t>書</a:t>
+            </a:r>
+            <a:r>
+              <a:rPr lang="ja-JP" altLang="en-US" sz="1800" b="1" dirty="0" smtClean="0"/>
+              <a:t>い</a:t>
+            </a:r>
+            <a:r>
+              <a:rPr lang="ja-JP" altLang="en-US" sz="1800" b="1" dirty="0" smtClean="0"/>
+              <a:t>て</a:t>
+            </a:r>
+            <a:r>
+              <a:rPr lang="ja-JP" altLang="en-US" sz="1800" b="1" dirty="0" smtClean="0"/>
+              <a:t>みよう。</a:t>
+            </a:r>
+            <a:endParaRPr lang="ja-JP" altLang="en-US" sz="1800" b="1" dirty="0"/>
+          </a:p>
+          <a:p>
+            <a:pPr lvl="0" algn="ctr" rtl="0">
+              <a:spcBef>
+                <a:spcPts val="0"/>
+              </a:spcBef>
+              <a:buNone/>
+            </a:pPr>
+            <a:endParaRPr lang="ja" sz="1800" b="1" dirty="0"/>
+          </a:p>
+        </p:txBody>
+      </p:sp>
+      <p:sp>
+        <p:nvSpPr>
+          <p:cNvPr id="4" name="Shape 50"/>
+          <p:cNvSpPr/>
+          <p:nvPr/>
+        </p:nvSpPr>
+        <p:spPr>
+          <a:xfrm>
+            <a:off x="1068072" y="553798"/>
+            <a:ext cx="1367632" cy="318661"/>
+          </a:xfrm>
+          <a:prstGeom prst="flowChartTerminator">
+            <a:avLst/>
+          </a:prstGeom>
+          <a:noFill/>
+          <a:ln w="9525" cap="flat" cmpd="sng">
+            <a:solidFill>
+              <a:srgbClr val="000000"/>
+            </a:solidFill>
+            <a:prstDash val="solid"/>
+            <a:round/>
+            <a:headEnd type="none" w="med" len="med"/>
+            <a:tailEnd type="none" w="med" len="med"/>
+          </a:ln>
+        </p:spPr>
+        <p:txBody>
+          <a:bodyPr lIns="91425" tIns="91425" rIns="91425" bIns="91425" anchor="ctr" anchorCtr="0">
+            <a:noAutofit/>
+          </a:bodyPr>
+          <a:lstStyle/>
+          <a:p>
+            <a:pPr>
+              <a:spcBef>
+                <a:spcPts val="0"/>
+              </a:spcBef>
+              <a:buNone/>
+            </a:pPr>
+            <a:endParaRPr/>
+          </a:p>
+        </p:txBody>
+      </p:sp>
+      <p:sp>
+        <p:nvSpPr>
+          <p:cNvPr id="5" name="テキスト ボックス 4"/>
+          <p:cNvSpPr txBox="1"/>
+          <p:nvPr/>
+        </p:nvSpPr>
+        <p:spPr>
+          <a:xfrm>
+            <a:off x="1398538" y="484156"/>
+            <a:ext cx="683475" cy="400110"/>
+          </a:xfrm>
+          <a:prstGeom prst="rect">
+            <a:avLst/>
+          </a:prstGeom>
+          <a:noFill/>
+        </p:spPr>
+        <p:txBody>
+          <a:bodyPr wrap="none" rtlCol="0">
+            <a:spAutoFit/>
+          </a:bodyPr>
+          <a:lstStyle/>
+          <a:p>
+            <a:r>
+              <a:rPr kumimoji="1" lang="en-US" altLang="ja-JP" sz="2000" dirty="0" smtClean="0"/>
+              <a:t>start</a:t>
+            </a:r>
+            <a:endParaRPr kumimoji="1" lang="ja-JP" altLang="en-US" sz="2000" dirty="0"/>
+          </a:p>
+        </p:txBody>
+      </p:sp>
+      <p:sp>
+        <p:nvSpPr>
+          <p:cNvPr id="6" name="Shape 50"/>
+          <p:cNvSpPr/>
+          <p:nvPr/>
+        </p:nvSpPr>
+        <p:spPr>
+          <a:xfrm>
+            <a:off x="3371681" y="5596484"/>
+            <a:ext cx="1367632" cy="229522"/>
+          </a:xfrm>
+          <a:prstGeom prst="flowChartTerminator">
+            <a:avLst/>
+          </a:prstGeom>
+          <a:noFill/>
+          <a:ln w="9525" cap="flat" cmpd="sng">
+            <a:solidFill>
+              <a:srgbClr val="000000"/>
+            </a:solidFill>
+            <a:prstDash val="solid"/>
+            <a:round/>
+            <a:headEnd type="none" w="med" len="med"/>
+            <a:tailEnd type="none" w="med" len="med"/>
+          </a:ln>
+        </p:spPr>
+        <p:txBody>
+          <a:bodyPr lIns="91425" tIns="91425" rIns="91425" bIns="91425" anchor="ctr" anchorCtr="0">
+            <a:noAutofit/>
+          </a:bodyPr>
+          <a:lstStyle/>
+          <a:p>
+            <a:pPr>
+              <a:spcBef>
+                <a:spcPts val="0"/>
+              </a:spcBef>
+              <a:buNone/>
+            </a:pPr>
+            <a:endParaRPr/>
+          </a:p>
+        </p:txBody>
+      </p:sp>
+      <p:sp>
+        <p:nvSpPr>
+          <p:cNvPr id="7" name="テキスト ボックス 6"/>
+          <p:cNvSpPr txBox="1"/>
+          <p:nvPr/>
+        </p:nvSpPr>
+        <p:spPr>
+          <a:xfrm>
+            <a:off x="3753839" y="5501098"/>
+            <a:ext cx="612593" cy="400110"/>
+          </a:xfrm>
+          <a:prstGeom prst="rect">
+            <a:avLst/>
+          </a:prstGeom>
+          <a:noFill/>
+        </p:spPr>
+        <p:txBody>
+          <a:bodyPr wrap="none" rtlCol="0">
+            <a:spAutoFit/>
+          </a:bodyPr>
+          <a:lstStyle/>
+          <a:p>
+            <a:r>
+              <a:rPr kumimoji="1" lang="en-US" altLang="ja-JP" sz="2000" dirty="0" smtClean="0"/>
+              <a:t>end</a:t>
+            </a:r>
+            <a:endParaRPr kumimoji="1" lang="ja-JP" altLang="en-US" sz="2000" dirty="0"/>
+          </a:p>
+        </p:txBody>
+      </p:sp>
+      <p:cxnSp>
+        <p:nvCxnSpPr>
+          <p:cNvPr id="8" name="直線矢印コネクタ 7"/>
+          <p:cNvCxnSpPr/>
+          <p:nvPr/>
+        </p:nvCxnSpPr>
+        <p:spPr>
+          <a:xfrm flipV="1">
+            <a:off x="2435704" y="736786"/>
+            <a:ext cx="862638" cy="2"/>
+          </a:xfrm>
+          <a:prstGeom prst="straightConnector1">
+            <a:avLst/>
+          </a:prstGeom>
+          <a:ln>
+            <a:solidFill>
+              <a:srgbClr val="000000"/>
+            </a:solidFill>
+            <a:tailEnd type="arrow"/>
+          </a:ln>
+        </p:spPr>
+        <p:style>
+          <a:lnRef idx="2">
+            <a:schemeClr val="accent1"/>
+          </a:lnRef>
+          <a:fillRef idx="0">
+            <a:schemeClr val="accent1"/>
+          </a:fillRef>
+          <a:effectRef idx="1">
+            <a:schemeClr val="accent1"/>
+          </a:effectRef>
+          <a:fontRef idx="minor">
+            <a:schemeClr val="tx1"/>
+          </a:fontRef>
+        </p:style>
+      </p:cxnSp>
+      <p:cxnSp>
+        <p:nvCxnSpPr>
+          <p:cNvPr id="9" name="直線矢印コネクタ 8"/>
+          <p:cNvCxnSpPr/>
+          <p:nvPr/>
+        </p:nvCxnSpPr>
+        <p:spPr>
+          <a:xfrm>
+            <a:off x="4305519" y="2097279"/>
+            <a:ext cx="0" cy="234361"/>
+          </a:xfrm>
+          <a:prstGeom prst="straightConnector1">
+            <a:avLst/>
+          </a:prstGeom>
+          <a:ln>
+            <a:solidFill>
+              <a:srgbClr val="000000"/>
+            </a:solidFill>
+            <a:tailEnd type="arrow"/>
+          </a:ln>
+        </p:spPr>
+        <p:style>
+          <a:lnRef idx="2">
+            <a:schemeClr val="accent1"/>
+          </a:lnRef>
+          <a:fillRef idx="0">
+            <a:schemeClr val="accent1"/>
+          </a:fillRef>
+          <a:effectRef idx="1">
+            <a:schemeClr val="accent1"/>
+          </a:effectRef>
+          <a:fontRef idx="minor">
+            <a:schemeClr val="tx1"/>
+          </a:fontRef>
+        </p:style>
+      </p:cxnSp>
+      <p:cxnSp>
+        <p:nvCxnSpPr>
+          <p:cNvPr id="10" name="直線矢印コネクタ 9"/>
+          <p:cNvCxnSpPr/>
+          <p:nvPr/>
+        </p:nvCxnSpPr>
+        <p:spPr>
+          <a:xfrm>
+            <a:off x="4053957" y="3909596"/>
+            <a:ext cx="0" cy="194556"/>
+          </a:xfrm>
+          <a:prstGeom prst="straightConnector1">
+            <a:avLst/>
+          </a:prstGeom>
+          <a:ln>
+            <a:solidFill>
+              <a:srgbClr val="000000"/>
+            </a:solidFill>
+            <a:tailEnd type="arrow"/>
+          </a:ln>
+        </p:spPr>
+        <p:style>
+          <a:lnRef idx="2">
+            <a:schemeClr val="accent1"/>
+          </a:lnRef>
+          <a:fillRef idx="0">
+            <a:schemeClr val="accent1"/>
+          </a:fillRef>
+          <a:effectRef idx="1">
+            <a:schemeClr val="accent1"/>
+          </a:effectRef>
+          <a:fontRef idx="minor">
+            <a:schemeClr val="tx1"/>
+          </a:fontRef>
+        </p:style>
+      </p:cxnSp>
+      <p:cxnSp>
+        <p:nvCxnSpPr>
+          <p:cNvPr id="11" name="直線矢印コネクタ 10"/>
+          <p:cNvCxnSpPr/>
+          <p:nvPr/>
+        </p:nvCxnSpPr>
+        <p:spPr>
+          <a:xfrm>
+            <a:off x="4081886" y="5414460"/>
+            <a:ext cx="0" cy="222289"/>
+          </a:xfrm>
+          <a:prstGeom prst="straightConnector1">
+            <a:avLst/>
+          </a:prstGeom>
+          <a:ln>
+            <a:solidFill>
+              <a:srgbClr val="000000"/>
+            </a:solidFill>
+            <a:tailEnd type="arrow"/>
+          </a:ln>
+        </p:spPr>
+        <p:style>
+          <a:lnRef idx="2">
+            <a:schemeClr val="accent1"/>
+          </a:lnRef>
+          <a:fillRef idx="0">
+            <a:schemeClr val="accent1"/>
+          </a:fillRef>
+          <a:effectRef idx="1">
+            <a:schemeClr val="accent1"/>
+          </a:effectRef>
+          <a:fontRef idx="minor">
+            <a:schemeClr val="tx1"/>
+          </a:fontRef>
+        </p:style>
+      </p:cxnSp>
+      <p:sp>
+        <p:nvSpPr>
+          <p:cNvPr id="12" name="テキスト ボックス 11"/>
+          <p:cNvSpPr txBox="1"/>
+          <p:nvPr/>
+        </p:nvSpPr>
+        <p:spPr>
+          <a:xfrm>
+            <a:off x="467317" y="2764869"/>
+            <a:ext cx="1988574" cy="230832"/>
+          </a:xfrm>
+          <a:prstGeom prst="rect">
+            <a:avLst/>
+          </a:prstGeom>
+          <a:noFill/>
+          <a:ln>
+            <a:solidFill>
+              <a:srgbClr val="000000"/>
+            </a:solidFill>
+          </a:ln>
+        </p:spPr>
+        <p:txBody>
+          <a:bodyPr wrap="square" rtlCol="0">
+            <a:spAutoFit/>
+          </a:bodyPr>
+          <a:lstStyle/>
+          <a:p>
+            <a:endParaRPr kumimoji="1" lang="ja-JP" altLang="en-US" sz="900" dirty="0"/>
+          </a:p>
+        </p:txBody>
+      </p:sp>
+      <p:sp>
+        <p:nvSpPr>
+          <p:cNvPr id="13" name="フローチャート: 手作業 12"/>
+          <p:cNvSpPr/>
+          <p:nvPr/>
+        </p:nvSpPr>
+        <p:spPr>
+          <a:xfrm rot="10800000">
+            <a:off x="2636810" y="1786315"/>
+            <a:ext cx="3383980" cy="274327"/>
+          </a:xfrm>
+          <a:prstGeom prst="flowChartManualOperation">
+            <a:avLst/>
+          </a:prstGeom>
+          <a:noFill/>
+          <a:ln>
+            <a:solidFill>
+              <a:srgbClr val="000000"/>
+            </a:solidFill>
+          </a:ln>
+        </p:spPr>
+        <p:style>
+          <a:lnRef idx="1">
+            <a:schemeClr val="accent1"/>
+          </a:lnRef>
+          <a:fillRef idx="3">
+            <a:schemeClr val="accent1"/>
+          </a:fillRef>
+          <a:effectRef idx="2">
+            <a:schemeClr val="accent1"/>
+          </a:effectRef>
+          <a:fontRef idx="minor">
+            <a:schemeClr val="lt1"/>
+          </a:fontRef>
+        </p:style>
+        <p:txBody>
+          <a:bodyPr/>
+          <a:lstStyle/>
+          <a:p>
+            <a:endParaRPr lang="ja-JP" altLang="en-US"/>
+          </a:p>
+        </p:txBody>
+      </p:sp>
+      <p:sp>
+        <p:nvSpPr>
+          <p:cNvPr id="14" name="フローチャート: 手作業 13"/>
+          <p:cNvSpPr/>
+          <p:nvPr/>
+        </p:nvSpPr>
+        <p:spPr>
+          <a:xfrm>
+            <a:off x="2909293" y="4747618"/>
+            <a:ext cx="2573019" cy="208988"/>
+          </a:xfrm>
+          <a:prstGeom prst="flowChartManualOperation">
+            <a:avLst/>
+          </a:prstGeom>
+          <a:noFill/>
+          <a:ln>
+            <a:solidFill>
+              <a:srgbClr val="000000"/>
+            </a:solidFill>
+          </a:ln>
+        </p:spPr>
+        <p:style>
+          <a:lnRef idx="1">
+            <a:schemeClr val="accent1"/>
+          </a:lnRef>
+          <a:fillRef idx="3">
+            <a:schemeClr val="accent1"/>
+          </a:fillRef>
+          <a:effectRef idx="2">
+            <a:schemeClr val="accent1"/>
+          </a:effectRef>
+          <a:fontRef idx="minor">
+            <a:schemeClr val="lt1"/>
+          </a:fontRef>
+        </p:style>
+        <p:txBody>
+          <a:bodyPr/>
+          <a:lstStyle/>
+          <a:p>
+            <a:endParaRPr lang="ja-JP" altLang="en-US"/>
+          </a:p>
+        </p:txBody>
+      </p:sp>
+      <p:sp>
+        <p:nvSpPr>
+          <p:cNvPr id="15" name="Shape 52"/>
+          <p:cNvSpPr/>
+          <p:nvPr/>
+        </p:nvSpPr>
+        <p:spPr>
+          <a:xfrm>
+            <a:off x="3367710" y="5223960"/>
+            <a:ext cx="1481666" cy="190500"/>
+          </a:xfrm>
+          <a:prstGeom prst="flowChartProcess">
+            <a:avLst/>
+          </a:prstGeom>
+          <a:noFill/>
+          <a:ln w="9525" cap="flat" cmpd="sng">
+            <a:solidFill>
+              <a:srgbClr val="000000"/>
+            </a:solidFill>
+            <a:prstDash val="solid"/>
+            <a:round/>
+            <a:headEnd type="none" w="med" len="med"/>
+            <a:tailEnd type="none" w="med" len="med"/>
+          </a:ln>
+        </p:spPr>
+        <p:txBody>
+          <a:bodyPr lIns="91425" tIns="91425" rIns="91425" bIns="91425" anchor="ctr" anchorCtr="0">
+            <a:noAutofit/>
+          </a:bodyPr>
+          <a:lstStyle/>
+          <a:p>
+            <a:pPr>
+              <a:spcBef>
+                <a:spcPts val="0"/>
+              </a:spcBef>
+              <a:buNone/>
+            </a:pPr>
+            <a:endParaRPr/>
+          </a:p>
+        </p:txBody>
+      </p:sp>
+      <p:cxnSp>
+        <p:nvCxnSpPr>
+          <p:cNvPr id="16" name="直線矢印コネクタ 15"/>
+          <p:cNvCxnSpPr/>
+          <p:nvPr/>
+        </p:nvCxnSpPr>
+        <p:spPr>
+          <a:xfrm>
+            <a:off x="4305519" y="953908"/>
+            <a:ext cx="0" cy="200550"/>
+          </a:xfrm>
+          <a:prstGeom prst="straightConnector1">
+            <a:avLst/>
+          </a:prstGeom>
+          <a:ln>
+            <a:solidFill>
+              <a:srgbClr val="000000"/>
+            </a:solidFill>
+            <a:tailEnd type="arrow"/>
+          </a:ln>
+        </p:spPr>
+        <p:style>
+          <a:lnRef idx="2">
+            <a:schemeClr val="accent1"/>
+          </a:lnRef>
+          <a:fillRef idx="0">
+            <a:schemeClr val="accent1"/>
+          </a:fillRef>
+          <a:effectRef idx="1">
+            <a:schemeClr val="accent1"/>
+          </a:effectRef>
+          <a:fontRef idx="minor">
+            <a:schemeClr val="tx1"/>
+          </a:fontRef>
+        </p:style>
+      </p:cxnSp>
+      <p:sp>
+        <p:nvSpPr>
+          <p:cNvPr id="17" name="テキスト ボックス 16"/>
+          <p:cNvSpPr txBox="1"/>
+          <p:nvPr/>
+        </p:nvSpPr>
+        <p:spPr>
+          <a:xfrm>
+            <a:off x="3351151" y="5196099"/>
+            <a:ext cx="1481667" cy="246221"/>
+          </a:xfrm>
+          <a:prstGeom prst="rect">
+            <a:avLst/>
+          </a:prstGeom>
+          <a:noFill/>
+        </p:spPr>
+        <p:txBody>
+          <a:bodyPr wrap="square" rtlCol="0">
+            <a:spAutoFit/>
+          </a:bodyPr>
+          <a:lstStyle/>
+          <a:p>
+            <a:pPr algn="ctr"/>
+            <a:r>
+              <a:rPr kumimoji="1" lang="ja-JP" altLang="en-US" sz="1000" dirty="0" smtClean="0"/>
+              <a:t>探索完了</a:t>
+            </a:r>
+            <a:endParaRPr kumimoji="1" lang="ja-JP" altLang="en-US" sz="1000" dirty="0"/>
+          </a:p>
+        </p:txBody>
+      </p:sp>
+      <p:sp>
+        <p:nvSpPr>
+          <p:cNvPr id="20" name="Shape 51"/>
+          <p:cNvSpPr/>
+          <p:nvPr/>
+        </p:nvSpPr>
+        <p:spPr>
+          <a:xfrm>
+            <a:off x="3586426" y="2331640"/>
+            <a:ext cx="1484748" cy="367004"/>
+          </a:xfrm>
+          <a:prstGeom prst="flowChartDecision">
+            <a:avLst/>
+          </a:prstGeom>
+          <a:noFill/>
+          <a:ln w="9525" cap="flat" cmpd="sng">
+            <a:solidFill>
+              <a:srgbClr val="000000"/>
+            </a:solidFill>
+            <a:prstDash val="solid"/>
+            <a:round/>
+            <a:headEnd type="none" w="med" len="med"/>
+            <a:tailEnd type="none" w="med" len="med"/>
+          </a:ln>
+        </p:spPr>
+        <p:txBody>
+          <a:bodyPr lIns="91425" tIns="91425" rIns="91425" bIns="91425" anchor="ctr" anchorCtr="0">
+            <a:noAutofit/>
+          </a:bodyPr>
+          <a:lstStyle/>
+          <a:p>
+            <a:pPr>
+              <a:spcBef>
+                <a:spcPts val="0"/>
+              </a:spcBef>
+              <a:buNone/>
+            </a:pPr>
+            <a:endParaRPr/>
+          </a:p>
+        </p:txBody>
+      </p:sp>
+      <p:sp>
+        <p:nvSpPr>
+          <p:cNvPr id="21" name="テキスト ボックス 20"/>
+          <p:cNvSpPr txBox="1"/>
+          <p:nvPr/>
+        </p:nvSpPr>
+        <p:spPr>
+          <a:xfrm>
+            <a:off x="4144134" y="3432543"/>
+            <a:ext cx="184666" cy="230832"/>
+          </a:xfrm>
+          <a:prstGeom prst="rect">
+            <a:avLst/>
+          </a:prstGeom>
+          <a:noFill/>
+        </p:spPr>
+        <p:txBody>
+          <a:bodyPr wrap="none" rtlCol="0">
+            <a:spAutoFit/>
+          </a:bodyPr>
+          <a:lstStyle/>
+          <a:p>
+            <a:endParaRPr kumimoji="1" lang="ja-JP" altLang="en-US" sz="900" dirty="0"/>
+          </a:p>
+        </p:txBody>
+      </p:sp>
+      <p:cxnSp>
+        <p:nvCxnSpPr>
+          <p:cNvPr id="22" name="直線コネクタ 21"/>
+          <p:cNvCxnSpPr/>
+          <p:nvPr/>
+        </p:nvCxnSpPr>
+        <p:spPr>
+          <a:xfrm>
+            <a:off x="6305550" y="2529282"/>
+            <a:ext cx="0" cy="466419"/>
+          </a:xfrm>
+          <a:prstGeom prst="line">
+            <a:avLst/>
+          </a:prstGeom>
+          <a:ln>
+            <a:solidFill>
+              <a:srgbClr val="000000"/>
+            </a:solidFill>
+          </a:ln>
+        </p:spPr>
+        <p:style>
+          <a:lnRef idx="2">
+            <a:schemeClr val="accent1"/>
+          </a:lnRef>
+          <a:fillRef idx="0">
+            <a:schemeClr val="accent1"/>
+          </a:fillRef>
+          <a:effectRef idx="1">
+            <a:schemeClr val="accent1"/>
+          </a:effectRef>
+          <a:fontRef idx="minor">
+            <a:schemeClr val="tx1"/>
+          </a:fontRef>
+        </p:style>
+      </p:cxnSp>
+      <p:cxnSp>
+        <p:nvCxnSpPr>
+          <p:cNvPr id="23" name="直線コネクタ 22"/>
+          <p:cNvCxnSpPr/>
+          <p:nvPr/>
+        </p:nvCxnSpPr>
+        <p:spPr>
+          <a:xfrm>
+            <a:off x="5029200" y="2530000"/>
+            <a:ext cx="1276350" cy="0"/>
+          </a:xfrm>
+          <a:prstGeom prst="line">
+            <a:avLst/>
+          </a:prstGeom>
+          <a:ln>
+            <a:solidFill>
+              <a:srgbClr val="000000"/>
+            </a:solidFill>
+          </a:ln>
+        </p:spPr>
+        <p:style>
+          <a:lnRef idx="2">
+            <a:schemeClr val="accent1"/>
+          </a:lnRef>
+          <a:fillRef idx="0">
+            <a:schemeClr val="accent1"/>
+          </a:fillRef>
+          <a:effectRef idx="1">
+            <a:schemeClr val="accent1"/>
+          </a:effectRef>
+          <a:fontRef idx="minor">
+            <a:schemeClr val="tx1"/>
+          </a:fontRef>
+        </p:style>
+      </p:cxnSp>
+      <p:cxnSp>
+        <p:nvCxnSpPr>
+          <p:cNvPr id="24" name="直線矢印コネクタ 23"/>
+          <p:cNvCxnSpPr>
+            <a:endCxn id="15" idx="3"/>
+          </p:cNvCxnSpPr>
+          <p:nvPr/>
+        </p:nvCxnSpPr>
+        <p:spPr>
+          <a:xfrm flipH="1">
+            <a:off x="4849376" y="5319210"/>
+            <a:ext cx="1674011" cy="0"/>
+          </a:xfrm>
+          <a:prstGeom prst="straightConnector1">
+            <a:avLst/>
+          </a:prstGeom>
+          <a:ln>
+            <a:solidFill>
+              <a:srgbClr val="000000"/>
+            </a:solidFill>
+            <a:tailEnd type="arrow"/>
+          </a:ln>
+        </p:spPr>
+        <p:style>
+          <a:lnRef idx="2">
+            <a:schemeClr val="accent1"/>
+          </a:lnRef>
+          <a:fillRef idx="0">
+            <a:schemeClr val="accent1"/>
+          </a:fillRef>
+          <a:effectRef idx="1">
+            <a:schemeClr val="accent1"/>
+          </a:effectRef>
+          <a:fontRef idx="minor">
+            <a:schemeClr val="tx1"/>
+          </a:fontRef>
+        </p:style>
+      </p:cxnSp>
+      <p:sp>
+        <p:nvSpPr>
+          <p:cNvPr id="25" name="テキスト ボックス 24"/>
+          <p:cNvSpPr txBox="1"/>
+          <p:nvPr/>
+        </p:nvSpPr>
+        <p:spPr>
+          <a:xfrm rot="1688155">
+            <a:off x="3401805" y="2957696"/>
+            <a:ext cx="466932" cy="261610"/>
+          </a:xfrm>
+          <a:prstGeom prst="rect">
+            <a:avLst/>
+          </a:prstGeom>
+          <a:noFill/>
+        </p:spPr>
+        <p:txBody>
+          <a:bodyPr wrap="none" rtlCol="0">
+            <a:spAutoFit/>
+          </a:bodyPr>
+          <a:lstStyle/>
+          <a:p>
+            <a:r>
+              <a:rPr kumimoji="1" lang="en-US" altLang="ja-JP" sz="1100" dirty="0" smtClean="0"/>
+              <a:t>YES</a:t>
+            </a:r>
+            <a:endParaRPr kumimoji="1" lang="ja-JP" altLang="en-US" sz="1100" dirty="0"/>
+          </a:p>
+        </p:txBody>
+      </p:sp>
+      <p:sp>
+        <p:nvSpPr>
+          <p:cNvPr id="26" name="テキスト ボックス 25"/>
+          <p:cNvSpPr txBox="1"/>
+          <p:nvPr/>
+        </p:nvSpPr>
+        <p:spPr>
+          <a:xfrm rot="666589">
+            <a:off x="6159478" y="2320917"/>
+            <a:ext cx="496633" cy="253916"/>
+          </a:xfrm>
+          <a:prstGeom prst="rect">
+            <a:avLst/>
+          </a:prstGeom>
+          <a:noFill/>
+        </p:spPr>
+        <p:txBody>
+          <a:bodyPr wrap="square" rtlCol="0">
+            <a:spAutoFit/>
+          </a:bodyPr>
+          <a:lstStyle/>
+          <a:p>
+            <a:r>
+              <a:rPr kumimoji="1" lang="en-US" altLang="ja-JP" sz="1050" dirty="0" smtClean="0"/>
+              <a:t>NO</a:t>
+            </a:r>
+            <a:endParaRPr kumimoji="1" lang="ja-JP" altLang="en-US" sz="1050" dirty="0"/>
+          </a:p>
+        </p:txBody>
+      </p:sp>
+      <p:sp>
+        <p:nvSpPr>
+          <p:cNvPr id="27" name="テキスト ボックス 26"/>
+          <p:cNvSpPr txBox="1"/>
+          <p:nvPr/>
+        </p:nvSpPr>
+        <p:spPr>
+          <a:xfrm>
+            <a:off x="3301213" y="553798"/>
+            <a:ext cx="2008611" cy="400110"/>
+          </a:xfrm>
+          <a:prstGeom prst="rect">
+            <a:avLst/>
+          </a:prstGeom>
+          <a:noFill/>
+          <a:ln>
+            <a:solidFill>
+              <a:srgbClr val="000000"/>
+            </a:solidFill>
+          </a:ln>
+        </p:spPr>
+        <p:txBody>
+          <a:bodyPr wrap="square" rtlCol="0">
+            <a:spAutoFit/>
+          </a:bodyPr>
+          <a:lstStyle/>
+          <a:p>
+            <a:r>
+              <a:rPr kumimoji="1" lang="en-US" altLang="ja-JP" sz="1000" dirty="0" smtClean="0"/>
+              <a:t>1〜7</a:t>
+            </a:r>
+            <a:r>
+              <a:rPr kumimoji="1" lang="ja-JP" altLang="en-US" sz="1000" dirty="0" smtClean="0"/>
+              <a:t>の数値を</a:t>
+            </a:r>
+            <a:r>
+              <a:rPr kumimoji="1" lang="ja-JP" altLang="en-US" sz="1000" dirty="0" smtClean="0"/>
+              <a:t>ランダムな</a:t>
+            </a:r>
+            <a:r>
+              <a:rPr kumimoji="1" lang="ja-JP" altLang="en-US" sz="1000" dirty="0" smtClean="0"/>
+              <a:t>順番で文字列表記</a:t>
+            </a:r>
+            <a:endParaRPr kumimoji="1" lang="ja-JP" altLang="en-US" sz="1000" dirty="0"/>
+          </a:p>
+        </p:txBody>
+      </p:sp>
+      <p:sp>
+        <p:nvSpPr>
+          <p:cNvPr id="29" name="テキスト ボックス 28"/>
+          <p:cNvSpPr txBox="1"/>
+          <p:nvPr/>
+        </p:nvSpPr>
+        <p:spPr>
+          <a:xfrm>
+            <a:off x="3112325" y="1154458"/>
+            <a:ext cx="2615021" cy="369332"/>
+          </a:xfrm>
+          <a:prstGeom prst="rect">
+            <a:avLst/>
+          </a:prstGeom>
+          <a:noFill/>
+          <a:ln>
+            <a:solidFill>
+              <a:srgbClr val="000000"/>
+            </a:solidFill>
+          </a:ln>
+        </p:spPr>
+        <p:txBody>
+          <a:bodyPr wrap="square" rtlCol="0">
+            <a:spAutoFit/>
+          </a:bodyPr>
+          <a:lstStyle/>
+          <a:p>
+            <a:r>
+              <a:rPr kumimoji="1" lang="ja-JP" altLang="en-US" sz="900" dirty="0" smtClean="0"/>
+              <a:t>数値</a:t>
+            </a:r>
+            <a:r>
+              <a:rPr kumimoji="1" lang="en-US" altLang="ja-JP" sz="900" dirty="0" smtClean="0"/>
+              <a:t>1〜7</a:t>
+            </a:r>
+            <a:r>
+              <a:rPr kumimoji="1" lang="ja-JP" altLang="en-US" sz="900" dirty="0" smtClean="0"/>
+              <a:t>の</a:t>
+            </a:r>
+            <a:r>
+              <a:rPr kumimoji="1" lang="ja-JP" altLang="en-US" sz="900" dirty="0" smtClean="0"/>
+              <a:t>ランダムにした</a:t>
+            </a:r>
+            <a:r>
+              <a:rPr kumimoji="1" lang="ja-JP" altLang="en-US" sz="900" dirty="0" smtClean="0"/>
+              <a:t>文字列を</a:t>
+            </a:r>
+            <a:r>
+              <a:rPr kumimoji="1" lang="ja-JP" altLang="en-US" sz="900" dirty="0" smtClean="0"/>
+              <a:t>先頭から</a:t>
+            </a:r>
+            <a:endParaRPr kumimoji="1" lang="en-US" altLang="ja-JP" sz="900" dirty="0" smtClean="0"/>
+          </a:p>
+          <a:p>
+            <a:r>
+              <a:rPr kumimoji="1" lang="ja-JP" altLang="en-US" sz="900" dirty="0" smtClean="0"/>
+              <a:t>順に</a:t>
+            </a:r>
+            <a:r>
+              <a:rPr kumimoji="1" lang="en-US" altLang="ja-JP" sz="900" dirty="0" err="1" smtClean="0"/>
+              <a:t>a,b,c,d,e,f,g</a:t>
+            </a:r>
+            <a:r>
+              <a:rPr kumimoji="1" lang="ja-JP" altLang="en-US" sz="900" dirty="0" smtClean="0"/>
+              <a:t>と設定るる</a:t>
+            </a:r>
+            <a:endParaRPr kumimoji="1" lang="ja-JP" altLang="en-US" sz="900" dirty="0"/>
+          </a:p>
+        </p:txBody>
+      </p:sp>
+      <p:sp>
+        <p:nvSpPr>
+          <p:cNvPr id="30" name="テキスト ボックス 29"/>
+          <p:cNvSpPr txBox="1"/>
+          <p:nvPr/>
+        </p:nvSpPr>
+        <p:spPr>
+          <a:xfrm>
+            <a:off x="38246" y="1939404"/>
+            <a:ext cx="1031127" cy="230832"/>
+          </a:xfrm>
+          <a:prstGeom prst="rect">
+            <a:avLst/>
+          </a:prstGeom>
+          <a:noFill/>
+          <a:ln>
+            <a:solidFill>
+              <a:srgbClr val="000000"/>
+            </a:solidFill>
+          </a:ln>
+        </p:spPr>
+        <p:txBody>
+          <a:bodyPr wrap="none" rtlCol="0">
+            <a:spAutoFit/>
+          </a:bodyPr>
+          <a:lstStyle/>
+          <a:p>
+            <a:r>
+              <a:rPr kumimoji="1" lang="el-GR" altLang="ja-JP" sz="900" dirty="0" smtClean="0"/>
+              <a:t>Θ</a:t>
+            </a:r>
+            <a:r>
+              <a:rPr kumimoji="1" lang="en-US" altLang="ja-JP" sz="900" dirty="0" smtClean="0"/>
+              <a:t>1</a:t>
+            </a:r>
+            <a:r>
+              <a:rPr kumimoji="1" lang="ja-JP" altLang="en-US" sz="900" dirty="0" smtClean="0"/>
+              <a:t>の文字を</a:t>
+            </a:r>
+            <a:r>
+              <a:rPr kumimoji="1" lang="ja-JP" altLang="en-US" sz="900" dirty="0" smtClean="0"/>
+              <a:t>表記</a:t>
+            </a:r>
+            <a:endParaRPr kumimoji="1" lang="ja-JP" altLang="en-US" sz="900" dirty="0"/>
+          </a:p>
+        </p:txBody>
+      </p:sp>
+      <p:sp>
+        <p:nvSpPr>
+          <p:cNvPr id="31" name="テキスト ボックス 30"/>
+          <p:cNvSpPr txBox="1"/>
+          <p:nvPr/>
+        </p:nvSpPr>
+        <p:spPr>
+          <a:xfrm>
+            <a:off x="4272008" y="3200610"/>
+            <a:ext cx="486030" cy="230832"/>
+          </a:xfrm>
+          <a:prstGeom prst="rect">
+            <a:avLst/>
+          </a:prstGeom>
+          <a:noFill/>
+        </p:spPr>
+        <p:txBody>
+          <a:bodyPr wrap="none" rtlCol="0">
+            <a:spAutoFit/>
+          </a:bodyPr>
+          <a:lstStyle/>
+          <a:p>
+            <a:r>
+              <a:rPr kumimoji="1" lang="en-US" altLang="ja-JP" sz="900" dirty="0" err="1" smtClean="0"/>
+              <a:t>γ</a:t>
+            </a:r>
+            <a:r>
+              <a:rPr kumimoji="1" lang="ja-JP" altLang="en-US" sz="900" dirty="0" smtClean="0"/>
+              <a:t>より</a:t>
+            </a:r>
+            <a:endParaRPr kumimoji="1" lang="ja-JP" altLang="en-US" sz="900" dirty="0"/>
+          </a:p>
+        </p:txBody>
+      </p:sp>
+      <p:sp>
+        <p:nvSpPr>
+          <p:cNvPr id="32" name="テキスト ボックス 31"/>
+          <p:cNvSpPr txBox="1"/>
+          <p:nvPr/>
+        </p:nvSpPr>
+        <p:spPr>
+          <a:xfrm>
+            <a:off x="3609507" y="3663375"/>
+            <a:ext cx="902811" cy="246221"/>
+          </a:xfrm>
+          <a:prstGeom prst="rect">
+            <a:avLst/>
+          </a:prstGeom>
+          <a:noFill/>
+          <a:ln>
+            <a:solidFill>
+              <a:srgbClr val="000000"/>
+            </a:solidFill>
+          </a:ln>
+        </p:spPr>
+        <p:txBody>
+          <a:bodyPr wrap="none" rtlCol="0">
+            <a:spAutoFit/>
+          </a:bodyPr>
+          <a:lstStyle/>
+          <a:p>
+            <a:r>
+              <a:rPr kumimoji="1" lang="ja-JP" altLang="en-US" sz="1000" dirty="0" smtClean="0"/>
+              <a:t>次の</a:t>
+            </a:r>
+            <a:r>
+              <a:rPr kumimoji="1" lang="en-US" altLang="ja-JP" sz="1000" dirty="0" err="1" smtClean="0"/>
+              <a:t>θ</a:t>
+            </a:r>
+            <a:r>
+              <a:rPr kumimoji="1" lang="ja-JP" altLang="en-US" sz="1000" dirty="0" smtClean="0"/>
+              <a:t>に移動</a:t>
+            </a:r>
+            <a:endParaRPr kumimoji="1" lang="ja-JP" altLang="en-US" sz="1000" dirty="0"/>
+          </a:p>
+        </p:txBody>
+      </p:sp>
+      <p:cxnSp>
+        <p:nvCxnSpPr>
+          <p:cNvPr id="33" name="直線矢印コネクタ 32"/>
+          <p:cNvCxnSpPr/>
+          <p:nvPr/>
+        </p:nvCxnSpPr>
+        <p:spPr>
+          <a:xfrm>
+            <a:off x="510943" y="2183007"/>
+            <a:ext cx="0" cy="204747"/>
+          </a:xfrm>
+          <a:prstGeom prst="straightConnector1">
+            <a:avLst/>
+          </a:prstGeom>
+          <a:ln>
+            <a:solidFill>
+              <a:srgbClr val="000000"/>
+            </a:solidFill>
+            <a:tailEnd type="arrow"/>
+          </a:ln>
+        </p:spPr>
+        <p:style>
+          <a:lnRef idx="2">
+            <a:schemeClr val="accent1"/>
+          </a:lnRef>
+          <a:fillRef idx="0">
+            <a:schemeClr val="accent1"/>
+          </a:fillRef>
+          <a:effectRef idx="1">
+            <a:schemeClr val="accent1"/>
+          </a:effectRef>
+          <a:fontRef idx="minor">
+            <a:schemeClr val="tx1"/>
+          </a:fontRef>
+        </p:style>
+      </p:cxnSp>
+      <p:cxnSp>
+        <p:nvCxnSpPr>
+          <p:cNvPr id="34" name="直線矢印コネクタ 33"/>
+          <p:cNvCxnSpPr/>
+          <p:nvPr/>
+        </p:nvCxnSpPr>
+        <p:spPr>
+          <a:xfrm>
+            <a:off x="4076720" y="4958715"/>
+            <a:ext cx="0" cy="231463"/>
+          </a:xfrm>
+          <a:prstGeom prst="straightConnector1">
+            <a:avLst/>
+          </a:prstGeom>
+          <a:ln>
+            <a:solidFill>
+              <a:srgbClr val="000000"/>
+            </a:solidFill>
+            <a:tailEnd type="arrow"/>
+          </a:ln>
+        </p:spPr>
+        <p:style>
+          <a:lnRef idx="2">
+            <a:schemeClr val="accent1"/>
+          </a:lnRef>
+          <a:fillRef idx="0">
+            <a:schemeClr val="accent1"/>
+          </a:fillRef>
+          <a:effectRef idx="1">
+            <a:schemeClr val="accent1"/>
+          </a:effectRef>
+          <a:fontRef idx="minor">
+            <a:schemeClr val="tx1"/>
+          </a:fontRef>
+        </p:style>
+      </p:cxnSp>
+      <p:sp>
+        <p:nvSpPr>
+          <p:cNvPr id="44" name="テキスト ボックス 43"/>
+          <p:cNvSpPr txBox="1"/>
+          <p:nvPr/>
+        </p:nvSpPr>
+        <p:spPr>
+          <a:xfrm>
+            <a:off x="4060913" y="2331640"/>
+            <a:ext cx="489211" cy="307777"/>
+          </a:xfrm>
+          <a:prstGeom prst="rect">
+            <a:avLst/>
+          </a:prstGeom>
+          <a:noFill/>
+        </p:spPr>
+        <p:txBody>
+          <a:bodyPr wrap="none" rtlCol="0">
+            <a:spAutoFit/>
+          </a:bodyPr>
+          <a:lstStyle/>
+          <a:p>
+            <a:r>
+              <a:rPr kumimoji="1" lang="en-US" altLang="ja-JP" dirty="0"/>
+              <a:t>a</a:t>
+            </a:r>
+            <a:r>
+              <a:rPr kumimoji="1" lang="en-US" altLang="ja-JP" dirty="0" smtClean="0"/>
+              <a:t>&gt;b</a:t>
+            </a:r>
+            <a:endParaRPr kumimoji="1" lang="ja-JP" altLang="en-US" dirty="0"/>
+          </a:p>
+        </p:txBody>
+      </p:sp>
+      <p:sp>
+        <p:nvSpPr>
+          <p:cNvPr id="48" name="正方形/長方形 47"/>
+          <p:cNvSpPr/>
+          <p:nvPr/>
+        </p:nvSpPr>
+        <p:spPr>
+          <a:xfrm>
+            <a:off x="-1359112" y="3440542"/>
+            <a:ext cx="4572000" cy="523220"/>
+          </a:xfrm>
+          <a:prstGeom prst="rect">
+            <a:avLst/>
+          </a:prstGeom>
+        </p:spPr>
+        <p:txBody>
+          <a:bodyPr>
+            <a:spAutoFit/>
+          </a:bodyPr>
+          <a:lstStyle/>
+          <a:p>
+            <a:r>
+              <a:rPr lang="ja-JP" altLang="en-US" dirty="0"/>
+              <a:t>先頭の</a:t>
+            </a:r>
+            <a:r>
+              <a:rPr lang="ja-JP" altLang="en-US" dirty="0" smtClean="0"/>
+              <a:t>要素移動</a:t>
+            </a:r>
+            <a:r>
+              <a:rPr lang="ja-JP" altLang="en-US" dirty="0"/>
+              <a:t>しながら比較</a:t>
+            </a:r>
+            <a:r>
+              <a:rPr lang="en-US" altLang="ja-JP" dirty="0"/>
+              <a:t>/</a:t>
+            </a:r>
+            <a:r>
+              <a:rPr lang="ja-JP" altLang="en-US" dirty="0"/>
+              <a:t>交換をリストの終端まで繰り返す</a:t>
+            </a:r>
+          </a:p>
+        </p:txBody>
+      </p:sp>
+      <p:cxnSp>
+        <p:nvCxnSpPr>
+          <p:cNvPr id="49" name="直線矢印コネクタ 48"/>
+          <p:cNvCxnSpPr/>
+          <p:nvPr/>
+        </p:nvCxnSpPr>
+        <p:spPr>
+          <a:xfrm>
+            <a:off x="4305519" y="1529400"/>
+            <a:ext cx="0" cy="234361"/>
+          </a:xfrm>
+          <a:prstGeom prst="straightConnector1">
+            <a:avLst/>
+          </a:prstGeom>
+          <a:ln>
+            <a:solidFill>
+              <a:srgbClr val="000000"/>
+            </a:solidFill>
+            <a:tailEnd type="arrow"/>
+          </a:ln>
+        </p:spPr>
+        <p:style>
+          <a:lnRef idx="2">
+            <a:schemeClr val="accent1"/>
+          </a:lnRef>
+          <a:fillRef idx="0">
+            <a:schemeClr val="accent1"/>
+          </a:fillRef>
+          <a:effectRef idx="1">
+            <a:schemeClr val="accent1"/>
+          </a:effectRef>
+          <a:fontRef idx="minor">
+            <a:schemeClr val="tx1"/>
+          </a:fontRef>
+        </p:style>
+      </p:cxnSp>
+      <p:sp>
+        <p:nvSpPr>
+          <p:cNvPr id="50" name="テキスト ボックス 49"/>
+          <p:cNvSpPr txBox="1"/>
+          <p:nvPr/>
+        </p:nvSpPr>
+        <p:spPr>
+          <a:xfrm>
+            <a:off x="6305550" y="3166201"/>
+            <a:ext cx="1737951" cy="246221"/>
+          </a:xfrm>
+          <a:prstGeom prst="rect">
+            <a:avLst/>
+          </a:prstGeom>
+          <a:noFill/>
+          <a:ln>
+            <a:solidFill>
+              <a:srgbClr val="000000"/>
+            </a:solidFill>
+          </a:ln>
+        </p:spPr>
+        <p:txBody>
+          <a:bodyPr wrap="none" rtlCol="0">
+            <a:spAutoFit/>
+          </a:bodyPr>
+          <a:lstStyle/>
+          <a:p>
+            <a:r>
+              <a:rPr kumimoji="1" lang="ja-JP" altLang="en-US" sz="1000" dirty="0" smtClean="0"/>
+              <a:t>数値</a:t>
+            </a:r>
+            <a:r>
+              <a:rPr kumimoji="1" lang="en-US" altLang="ja-JP" sz="1000" dirty="0" smtClean="0"/>
+              <a:t>7</a:t>
+            </a:r>
+            <a:r>
+              <a:rPr kumimoji="1" lang="ja-JP" altLang="en-US" sz="1000" dirty="0" smtClean="0"/>
+              <a:t>が入っている</a:t>
+            </a:r>
+            <a:r>
+              <a:rPr kumimoji="1" lang="en-US" altLang="ja-JP" sz="1000" dirty="0" err="1" smtClean="0"/>
+              <a:t>θ</a:t>
+            </a:r>
+            <a:r>
+              <a:rPr kumimoji="1" lang="ja-JP" altLang="en-US" sz="1000" dirty="0" smtClean="0"/>
+              <a:t>を表記</a:t>
+            </a:r>
+            <a:endParaRPr kumimoji="1" lang="ja-JP" altLang="en-US" sz="1000" dirty="0"/>
+          </a:p>
+        </p:txBody>
+      </p:sp>
+      <p:sp>
+        <p:nvSpPr>
+          <p:cNvPr id="54" name="テキスト ボックス 53"/>
+          <p:cNvSpPr txBox="1"/>
+          <p:nvPr/>
+        </p:nvSpPr>
+        <p:spPr>
+          <a:xfrm>
+            <a:off x="3392448" y="1785515"/>
+            <a:ext cx="1826141" cy="307777"/>
+          </a:xfrm>
+          <a:prstGeom prst="rect">
+            <a:avLst/>
+          </a:prstGeom>
+          <a:noFill/>
+        </p:spPr>
+        <p:txBody>
+          <a:bodyPr wrap="none" rtlCol="0">
+            <a:spAutoFit/>
+          </a:bodyPr>
+          <a:lstStyle/>
+          <a:p>
+            <a:r>
+              <a:rPr kumimoji="1" lang="en-US" altLang="ja-JP" dirty="0" err="1" smtClean="0"/>
+              <a:t>a</a:t>
+            </a:r>
+            <a:r>
+              <a:rPr kumimoji="1" lang="en-US" altLang="ja-JP" dirty="0" err="1" smtClean="0"/>
+              <a:t>〜g</a:t>
+            </a:r>
+            <a:r>
+              <a:rPr kumimoji="1" lang="ja-JP" altLang="en-US" dirty="0" smtClean="0"/>
+              <a:t>を先頭から比較</a:t>
+            </a:r>
+            <a:endParaRPr kumimoji="1" lang="ja-JP" altLang="en-US" dirty="0"/>
+          </a:p>
+        </p:txBody>
+      </p:sp>
     </p:spTree>
     <p:extLst>
       <p:ext uri="{BB962C8B-B14F-4D97-AF65-F5344CB8AC3E}">
@@ -6648,8 +10623,8 @@
         </p:nvSpPr>
         <p:spPr>
           <a:xfrm>
-            <a:off x="4303476" y="3716375"/>
-            <a:ext cx="582424" cy="369332"/>
+            <a:off x="3718508" y="3741502"/>
+            <a:ext cx="1736586" cy="369332"/>
           </a:xfrm>
           <a:prstGeom prst="rect">
             <a:avLst/>
@@ -6663,12 +10638,16 @@
           <a:lstStyle/>
           <a:p>
             <a:r>
-              <a:rPr kumimoji="1" lang="en-US" altLang="ja-JP" sz="1800" dirty="0"/>
-              <a:t>t</a:t>
+              <a:rPr kumimoji="1" lang="ja-JP" altLang="en-US" sz="1800" dirty="0" smtClean="0"/>
+              <a:t>「</a:t>
             </a:r>
             <a:r>
               <a:rPr kumimoji="1" lang="en-US" altLang="ja-JP" sz="1800" dirty="0" smtClean="0"/>
-              <a:t>rue</a:t>
+              <a:t>true</a:t>
+            </a:r>
+            <a:r>
+              <a:rPr kumimoji="1" lang="ja-JP" altLang="en-US" sz="1800" dirty="0" smtClean="0"/>
+              <a:t>」を表示</a:t>
             </a:r>
             <a:endParaRPr kumimoji="1" lang="ja-JP" altLang="en-US" sz="1800" dirty="0"/>
           </a:p>
@@ -6995,23 +10974,31 @@
         </p:nvSpPr>
         <p:spPr>
           <a:xfrm>
-            <a:off x="6496473" y="3751363"/>
-            <a:ext cx="672254" cy="369332"/>
-          </a:xfrm>
-          <a:prstGeom prst="rect">
-            <a:avLst/>
-          </a:prstGeom>
-          <a:noFill/>
-        </p:spPr>
-        <p:txBody>
-          <a:bodyPr wrap="none" rtlCol="0">
+            <a:off x="5919392" y="3749159"/>
+            <a:ext cx="1844541" cy="369332"/>
+          </a:xfrm>
+          <a:prstGeom prst="rect">
+            <a:avLst/>
+          </a:prstGeom>
+          <a:noFill/>
+        </p:spPr>
+        <p:txBody>
+          <a:bodyPr wrap="square" rtlCol="0">
             <a:spAutoFit/>
           </a:bodyPr>
           <a:lstStyle/>
           <a:p>
+            <a:r>
+              <a:rPr kumimoji="1" lang="ja-JP" altLang="en-US" sz="1800" dirty="0" smtClean="0"/>
+              <a:t>「</a:t>
+            </a:r>
             <a:r>
               <a:rPr kumimoji="1" lang="en-US" altLang="ja-JP" sz="1800" dirty="0" smtClean="0"/>
               <a:t>false</a:t>
+            </a:r>
+            <a:r>
+              <a:rPr kumimoji="1" lang="ja-JP" altLang="en-US" sz="1800" dirty="0" smtClean="0"/>
+              <a:t>」を表示</a:t>
             </a:r>
             <a:endParaRPr kumimoji="1" lang="ja-JP" altLang="en-US" sz="1800" dirty="0"/>
           </a:p>
@@ -7477,8 +11464,8 @@
         </p:nvSpPr>
         <p:spPr>
           <a:xfrm>
-            <a:off x="3728314" y="3787749"/>
-            <a:ext cx="1723549" cy="276999"/>
+            <a:off x="3652503" y="3787749"/>
+            <a:ext cx="1877437" cy="276999"/>
           </a:xfrm>
           <a:prstGeom prst="rect">
             <a:avLst/>
@@ -7493,7 +11480,7 @@
           <a:p>
             <a:r>
               <a:rPr kumimoji="1" lang="ja-JP" altLang="en-US" sz="1200" b="1" dirty="0" smtClean="0"/>
-              <a:t>ログイン成功！と表示</a:t>
+              <a:t>「ログイン成功」と表示</a:t>
             </a:r>
             <a:endParaRPr kumimoji="1" lang="ja-JP" altLang="en-US" sz="1200" b="1" dirty="0"/>
           </a:p>
@@ -7884,7 +11871,7 @@
       </p:grpSpPr>
       <p:sp>
         <p:nvSpPr>
-          <p:cNvPr id="2" name="Shape 73"/>
+          <p:cNvPr id="5" name="Shape 73"/>
           <p:cNvSpPr txBox="1"/>
           <p:nvPr/>
         </p:nvSpPr>
@@ -7916,7 +11903,7 @@
             <a:r>
               <a:rPr lang="ja" sz="2400" b="1" dirty="0" smtClean="0">
                 <a:solidFill>
-                  <a:schemeClr val="tx1"/>
+                  <a:srgbClr val="FF0000"/>
                 </a:solidFill>
               </a:rPr>
               <a:t>課題</a:t>
@@ -7924,7 +11911,7 @@
             <a:r>
               <a:rPr lang="ja-JP" altLang="en-US" sz="2400" b="1" dirty="0" smtClean="0">
                 <a:solidFill>
-                  <a:schemeClr val="tx1"/>
+                  <a:srgbClr val="FF0000"/>
                 </a:solidFill>
               </a:rPr>
               <a:t>５</a:t>
@@ -7959,13 +11946,13 @@
       </p:sp>
       <p:sp>
         <p:nvSpPr>
-          <p:cNvPr id="3" name="Shape 50"/>
+          <p:cNvPr id="6" name="Shape 50"/>
           <p:cNvSpPr/>
           <p:nvPr/>
         </p:nvSpPr>
         <p:spPr>
           <a:xfrm>
-            <a:off x="835486" y="1029900"/>
+            <a:off x="3624627" y="867877"/>
             <a:ext cx="1367632" cy="318661"/>
           </a:xfrm>
           <a:prstGeom prst="flowChartTerminator">
@@ -8000,13 +11987,13 @@
       </p:sp>
       <p:sp>
         <p:nvSpPr>
-          <p:cNvPr id="4" name="テキスト ボックス 3"/>
+          <p:cNvPr id="7" name="テキスト ボックス 6"/>
           <p:cNvSpPr txBox="1"/>
           <p:nvPr/>
         </p:nvSpPr>
         <p:spPr>
           <a:xfrm>
-            <a:off x="1165952" y="960258"/>
+            <a:off x="3955093" y="798235"/>
             <a:ext cx="683475" cy="400110"/>
           </a:xfrm>
           <a:prstGeom prst="rect">
@@ -8030,13 +12017,13 @@
       </p:sp>
       <p:sp>
         <p:nvSpPr>
-          <p:cNvPr id="5" name="Shape 50"/>
+          <p:cNvPr id="8" name="Shape 50"/>
           <p:cNvSpPr/>
           <p:nvPr/>
         </p:nvSpPr>
         <p:spPr>
           <a:xfrm>
-            <a:off x="835092" y="4243533"/>
+            <a:off x="3633192" y="4622655"/>
             <a:ext cx="1367632" cy="318661"/>
           </a:xfrm>
           <a:prstGeom prst="flowChartTerminator">
@@ -8071,13 +12058,13 @@
       </p:sp>
       <p:sp>
         <p:nvSpPr>
-          <p:cNvPr id="6" name="テキスト ボックス 5"/>
+          <p:cNvPr id="9" name="テキスト ボックス 8"/>
           <p:cNvSpPr txBox="1"/>
           <p:nvPr/>
         </p:nvSpPr>
         <p:spPr>
           <a:xfrm>
-            <a:off x="1217250" y="4173891"/>
+            <a:off x="4015350" y="4553013"/>
             <a:ext cx="612593" cy="400110"/>
           </a:xfrm>
           <a:prstGeom prst="rect">
@@ -8099,58 +12086,15 @@
           </a:p>
         </p:txBody>
       </p:sp>
-      <p:sp>
-        <p:nvSpPr>
-          <p:cNvPr id="7" name="Shape 52"/>
-          <p:cNvSpPr/>
-          <p:nvPr/>
-        </p:nvSpPr>
-        <p:spPr>
-          <a:xfrm>
-            <a:off x="667062" y="3408016"/>
-            <a:ext cx="1712970" cy="388894"/>
-          </a:xfrm>
-          <a:prstGeom prst="flowChartProcess">
-            <a:avLst/>
-          </a:prstGeom>
-          <a:solidFill>
-            <a:srgbClr val="FFFFFF"/>
-          </a:solidFill>
-          <a:ln w="9525" cap="flat" cmpd="sng">
-            <a:solidFill>
-              <a:srgbClr val="000000"/>
-            </a:solidFill>
-            <a:prstDash val="solid"/>
-            <a:round/>
-            <a:headEnd type="none" w="med" len="med"/>
-            <a:tailEnd type="none" w="med" len="med"/>
-          </a:ln>
-        </p:spPr>
-        <p:txBody>
-          <a:bodyPr lIns="91425" tIns="91425" rIns="91425" bIns="91425" anchor="ctr" anchorCtr="0">
-            <a:noAutofit/>
-          </a:bodyPr>
-          <a:lstStyle/>
-          <a:p>
-            <a:pPr>
-              <a:spcBef>
-                <a:spcPts val="0"/>
-              </a:spcBef>
-              <a:buNone/>
-            </a:pPr>
-            <a:endParaRPr/>
-          </a:p>
-        </p:txBody>
-      </p:sp>
       <p:cxnSp>
         <p:nvCxnSpPr>
-          <p:cNvPr id="8" name="直線矢印コネクタ 7"/>
+          <p:cNvPr id="14" name="直線矢印コネクタ 13"/>
           <p:cNvCxnSpPr/>
           <p:nvPr/>
         </p:nvCxnSpPr>
         <p:spPr>
           <a:xfrm>
-            <a:off x="1511300" y="1348561"/>
+            <a:off x="4312688" y="1198345"/>
             <a:ext cx="4320" cy="428789"/>
           </a:xfrm>
           <a:prstGeom prst="straightConnector1">
@@ -8180,50 +12124,16 @@
       </p:cxnSp>
       <p:sp>
         <p:nvSpPr>
-          <p:cNvPr id="9" name="テキスト ボックス 8"/>
-          <p:cNvSpPr txBox="1"/>
-          <p:nvPr/>
-        </p:nvSpPr>
-        <p:spPr>
-          <a:xfrm>
-            <a:off x="894127" y="3452377"/>
-            <a:ext cx="1069574" cy="276999"/>
-          </a:xfrm>
-          <a:prstGeom prst="rect">
-            <a:avLst/>
-          </a:prstGeom>
-          <a:noFill/>
-        </p:spPr>
-        <p:txBody>
-          <a:bodyPr wrap="none" rtlCol="0">
-            <a:spAutoFit/>
-          </a:bodyPr>
-          <a:lstStyle/>
-          <a:p>
-            <a:r>
-              <a:rPr kumimoji="1" lang="en-US" altLang="ja-JP" sz="1200" b="1" dirty="0" smtClean="0"/>
-              <a:t>X</a:t>
-            </a:r>
-            <a:r>
-              <a:rPr kumimoji="1" lang="ja-JP" altLang="en-US" sz="1200" b="1" dirty="0" smtClean="0"/>
-              <a:t>の値を表記</a:t>
-            </a:r>
-            <a:endParaRPr kumimoji="1" lang="ja-JP" altLang="en-US" sz="1200" b="1" dirty="0"/>
-          </a:p>
-        </p:txBody>
-      </p:sp>
-      <p:sp>
-        <p:nvSpPr>
-          <p:cNvPr id="10" name="Shape 51"/>
+          <p:cNvPr id="19" name="Shape 52"/>
           <p:cNvSpPr/>
           <p:nvPr/>
         </p:nvSpPr>
         <p:spPr>
           <a:xfrm>
-            <a:off x="990600" y="1771042"/>
-            <a:ext cx="1016000" cy="426058"/>
-          </a:xfrm>
-          <a:prstGeom prst="flowChartDecision">
+            <a:off x="3460523" y="1591435"/>
+            <a:ext cx="1712970" cy="275465"/>
+          </a:xfrm>
+          <a:prstGeom prst="flowChartProcess">
             <a:avLst/>
           </a:prstGeom>
           <a:solidFill>
@@ -8255,16 +12165,285 @@
           </a:p>
         </p:txBody>
       </p:sp>
+      <p:sp>
+        <p:nvSpPr>
+          <p:cNvPr id="20" name="テキスト ボックス 19"/>
+          <p:cNvSpPr txBox="1"/>
+          <p:nvPr/>
+        </p:nvSpPr>
+        <p:spPr>
+          <a:xfrm>
+            <a:off x="4013053" y="1595370"/>
+            <a:ext cx="607909" cy="276999"/>
+          </a:xfrm>
+          <a:prstGeom prst="rect">
+            <a:avLst/>
+          </a:prstGeom>
+          <a:noFill/>
+        </p:spPr>
+        <p:txBody>
+          <a:bodyPr wrap="none" rtlCol="0">
+            <a:spAutoFit/>
+          </a:bodyPr>
+          <a:lstStyle/>
+          <a:p>
+            <a:r>
+              <a:rPr kumimoji="1" lang="en-US" altLang="ja-JP" sz="1200" b="1" dirty="0" smtClean="0"/>
+              <a:t>X</a:t>
+            </a:r>
+            <a:r>
+              <a:rPr kumimoji="1" lang="ja-JP" altLang="en-US" sz="1200" b="1" dirty="0" smtClean="0"/>
+              <a:t>＝１</a:t>
+            </a:r>
+            <a:endParaRPr kumimoji="1" lang="ja-JP" altLang="en-US" sz="1200" b="1" dirty="0"/>
+          </a:p>
+        </p:txBody>
+      </p:sp>
+      <p:sp>
+        <p:nvSpPr>
+          <p:cNvPr id="21" name="Shape 51"/>
+          <p:cNvSpPr/>
+          <p:nvPr/>
+        </p:nvSpPr>
+        <p:spPr>
+          <a:xfrm>
+            <a:off x="3427086" y="2480105"/>
+            <a:ext cx="1731477" cy="276999"/>
+          </a:xfrm>
+          <a:prstGeom prst="flowChartDecision">
+            <a:avLst/>
+          </a:prstGeom>
+          <a:solidFill>
+            <a:srgbClr val="FFFFFF"/>
+          </a:solidFill>
+          <a:ln w="9525" cap="flat" cmpd="sng">
+            <a:solidFill>
+              <a:srgbClr val="000000"/>
+            </a:solidFill>
+            <a:prstDash val="solid"/>
+            <a:round/>
+            <a:headEnd type="none" w="med" len="med"/>
+            <a:tailEnd type="none" w="med" len="med"/>
+          </a:ln>
+        </p:spPr>
+        <p:txBody>
+          <a:bodyPr lIns="91425" tIns="91425" rIns="91425" bIns="91425" anchor="ctr" anchorCtr="0">
+            <a:noAutofit/>
+          </a:bodyPr>
+          <a:lstStyle/>
+          <a:p>
+            <a:pPr>
+              <a:spcBef>
+                <a:spcPts val="0"/>
+              </a:spcBef>
+              <a:buNone/>
+            </a:pPr>
+            <a:endParaRPr/>
+          </a:p>
+        </p:txBody>
+      </p:sp>
+      <p:sp>
+        <p:nvSpPr>
+          <p:cNvPr id="22" name="テキスト ボックス 21"/>
+          <p:cNvSpPr txBox="1"/>
+          <p:nvPr/>
+        </p:nvSpPr>
+        <p:spPr>
+          <a:xfrm>
+            <a:off x="4015350" y="2480105"/>
+            <a:ext cx="655874" cy="276999"/>
+          </a:xfrm>
+          <a:prstGeom prst="rect">
+            <a:avLst/>
+          </a:prstGeom>
+          <a:noFill/>
+        </p:spPr>
+        <p:txBody>
+          <a:bodyPr wrap="square" rtlCol="0">
+            <a:spAutoFit/>
+          </a:bodyPr>
+          <a:lstStyle/>
+          <a:p>
+            <a:r>
+              <a:rPr kumimoji="1" lang="ja-JP" altLang="en-US" sz="1200" b="1" dirty="0" smtClean="0"/>
+              <a:t>偶数？</a:t>
+            </a:r>
+            <a:endParaRPr kumimoji="1" lang="ja-JP" altLang="en-US" sz="1200" b="1" dirty="0"/>
+          </a:p>
+        </p:txBody>
+      </p:sp>
+      <p:sp>
+        <p:nvSpPr>
+          <p:cNvPr id="23" name="フローチャート: 手作業 22"/>
+          <p:cNvSpPr/>
+          <p:nvPr/>
+        </p:nvSpPr>
+        <p:spPr>
+          <a:xfrm rot="10800000">
+            <a:off x="3459852" y="2062766"/>
+            <a:ext cx="1688310" cy="230269"/>
+          </a:xfrm>
+          <a:prstGeom prst="flowChartManualOperation">
+            <a:avLst/>
+          </a:prstGeom>
+          <a:noFill/>
+          <a:ln>
+            <a:solidFill>
+              <a:srgbClr val="000000"/>
+            </a:solidFill>
+          </a:ln>
+        </p:spPr>
+        <p:style>
+          <a:lnRef idx="1">
+            <a:schemeClr val="accent1"/>
+          </a:lnRef>
+          <a:fillRef idx="3">
+            <a:schemeClr val="accent1"/>
+          </a:fillRef>
+          <a:effectRef idx="2">
+            <a:schemeClr val="accent1"/>
+          </a:effectRef>
+          <a:fontRef idx="minor">
+            <a:schemeClr val="lt1"/>
+          </a:fontRef>
+        </p:style>
+        <p:txBody>
+          <a:bodyPr/>
+          <a:lstStyle/>
+          <a:p>
+            <a:endParaRPr lang="ja-JP" altLang="en-US"/>
+          </a:p>
+        </p:txBody>
+      </p:sp>
+      <p:sp>
+        <p:nvSpPr>
+          <p:cNvPr id="24" name="フローチャート: 手作業 23"/>
+          <p:cNvSpPr/>
+          <p:nvPr/>
+        </p:nvSpPr>
+        <p:spPr>
+          <a:xfrm>
+            <a:off x="3485183" y="3981779"/>
+            <a:ext cx="1688310" cy="203181"/>
+          </a:xfrm>
+          <a:prstGeom prst="flowChartManualOperation">
+            <a:avLst/>
+          </a:prstGeom>
+          <a:noFill/>
+          <a:ln>
+            <a:solidFill>
+              <a:srgbClr val="000000"/>
+            </a:solidFill>
+          </a:ln>
+        </p:spPr>
+        <p:style>
+          <a:lnRef idx="1">
+            <a:schemeClr val="accent1"/>
+          </a:lnRef>
+          <a:fillRef idx="3">
+            <a:schemeClr val="accent1"/>
+          </a:fillRef>
+          <a:effectRef idx="2">
+            <a:schemeClr val="accent1"/>
+          </a:effectRef>
+          <a:fontRef idx="minor">
+            <a:schemeClr val="lt1"/>
+          </a:fontRef>
+        </p:style>
+        <p:txBody>
+          <a:bodyPr/>
+          <a:lstStyle/>
+          <a:p>
+            <a:endParaRPr lang="ja-JP" altLang="en-US"/>
+          </a:p>
+        </p:txBody>
+      </p:sp>
+      <p:sp>
+        <p:nvSpPr>
+          <p:cNvPr id="25" name="Shape 52"/>
+          <p:cNvSpPr/>
+          <p:nvPr/>
+        </p:nvSpPr>
+        <p:spPr>
+          <a:xfrm>
+            <a:off x="3546778" y="3028921"/>
+            <a:ext cx="1481667" cy="246221"/>
+          </a:xfrm>
+          <a:prstGeom prst="flowChartProcess">
+            <a:avLst/>
+          </a:prstGeom>
+          <a:noFill/>
+          <a:ln w="9525" cap="flat" cmpd="sng">
+            <a:solidFill>
+              <a:srgbClr val="000000"/>
+            </a:solidFill>
+            <a:prstDash val="solid"/>
+            <a:round/>
+            <a:headEnd type="none" w="med" len="med"/>
+            <a:tailEnd type="none" w="med" len="med"/>
+          </a:ln>
+        </p:spPr>
+        <p:txBody>
+          <a:bodyPr lIns="91425" tIns="91425" rIns="91425" bIns="91425" anchor="ctr" anchorCtr="0">
+            <a:noAutofit/>
+          </a:bodyPr>
+          <a:lstStyle/>
+          <a:p>
+            <a:pPr>
+              <a:spcBef>
+                <a:spcPts val="0"/>
+              </a:spcBef>
+              <a:buNone/>
+            </a:pPr>
+            <a:endParaRPr/>
+          </a:p>
+        </p:txBody>
+      </p:sp>
+      <p:sp>
+        <p:nvSpPr>
+          <p:cNvPr id="26" name="テキスト ボックス 25"/>
+          <p:cNvSpPr txBox="1"/>
+          <p:nvPr/>
+        </p:nvSpPr>
+        <p:spPr>
+          <a:xfrm>
+            <a:off x="3535091" y="3013532"/>
+            <a:ext cx="1481667" cy="261610"/>
+          </a:xfrm>
+          <a:prstGeom prst="rect">
+            <a:avLst/>
+          </a:prstGeom>
+          <a:noFill/>
+        </p:spPr>
+        <p:txBody>
+          <a:bodyPr wrap="square" rtlCol="0">
+            <a:spAutoFit/>
+          </a:bodyPr>
+          <a:lstStyle/>
+          <a:p>
+            <a:pPr algn="ctr"/>
+            <a:r>
+              <a:rPr kumimoji="1" lang="en-US" altLang="ja-JP" sz="1100" dirty="0" smtClean="0"/>
+              <a:t>x</a:t>
+            </a:r>
+            <a:r>
+              <a:rPr kumimoji="1" lang="ja-JP" altLang="en-US" sz="1100" dirty="0" smtClean="0"/>
+              <a:t>を表示</a:t>
+            </a:r>
+            <a:endParaRPr kumimoji="1" lang="ja-JP" altLang="en-US" sz="1100" dirty="0"/>
+          </a:p>
+        </p:txBody>
+      </p:sp>
       <p:cxnSp>
         <p:nvCxnSpPr>
-          <p:cNvPr id="14" name="直線矢印コネクタ 13"/>
+          <p:cNvPr id="29" name="直線矢印コネクタ 28"/>
           <p:cNvCxnSpPr/>
           <p:nvPr/>
         </p:nvCxnSpPr>
         <p:spPr>
           <a:xfrm>
-            <a:off x="1523547" y="3796910"/>
-            <a:ext cx="4320" cy="428789"/>
+            <a:off x="4280810" y="2772265"/>
+            <a:ext cx="3660" cy="256656"/>
           </a:xfrm>
           <a:prstGeom prst="straightConnector1">
             <a:avLst/>
@@ -8293,472 +12472,14 @@
       </p:cxnSp>
       <p:cxnSp>
         <p:nvCxnSpPr>
-          <p:cNvPr id="15" name="直線矢印コネクタ 14"/>
-          <p:cNvCxnSpPr>
-            <a:endCxn id="21" idx="1"/>
-          </p:cNvCxnSpPr>
+          <p:cNvPr id="31" name="直線矢印コネクタ 30"/>
+          <p:cNvCxnSpPr/>
           <p:nvPr/>
         </p:nvCxnSpPr>
         <p:spPr>
           <a:xfrm>
-            <a:off x="1977015" y="1980952"/>
-            <a:ext cx="422160" cy="3119"/>
-          </a:xfrm>
-          <a:prstGeom prst="straightConnector1">
-            <a:avLst/>
-          </a:prstGeom>
-          <a:ln>
-            <a:solidFill>
-              <a:srgbClr val="000000"/>
-            </a:solidFill>
-            <a:tailEnd type="arrow"/>
-          </a:ln>
-        </p:spPr>
-        <p:style>
-          <a:lnRef idx="2">
-            <a:schemeClr val="accent1"/>
-          </a:lnRef>
-          <a:fillRef idx="0">
-            <a:schemeClr val="accent1"/>
-          </a:fillRef>
-          <a:effectRef idx="1">
-            <a:schemeClr val="accent1"/>
-          </a:effectRef>
-          <a:fontRef idx="minor">
-            <a:schemeClr val="tx1"/>
-          </a:fontRef>
-        </p:style>
-      </p:cxnSp>
-      <p:sp>
-        <p:nvSpPr>
-          <p:cNvPr id="16" name="テキスト ボックス 15"/>
-          <p:cNvSpPr txBox="1"/>
-          <p:nvPr/>
-        </p:nvSpPr>
-        <p:spPr>
-          <a:xfrm>
-            <a:off x="1254974" y="1783092"/>
-            <a:ext cx="594453" cy="307777"/>
-          </a:xfrm>
-          <a:prstGeom prst="rect">
-            <a:avLst/>
-          </a:prstGeom>
-          <a:noFill/>
-        </p:spPr>
-        <p:txBody>
-          <a:bodyPr wrap="square" rtlCol="0">
-            <a:spAutoFit/>
-          </a:bodyPr>
-          <a:lstStyle/>
-          <a:p>
-            <a:r>
-              <a:rPr kumimoji="1" lang="en-US" altLang="ja-JP" b="1" dirty="0" smtClean="0"/>
-              <a:t>x=1</a:t>
-            </a:r>
-            <a:endParaRPr kumimoji="1" lang="en-US" altLang="ja-JP" b="1" dirty="0" smtClean="0"/>
-          </a:p>
-        </p:txBody>
-      </p:sp>
-      <p:sp>
-        <p:nvSpPr>
-          <p:cNvPr id="18" name="テキスト ボックス 17"/>
-          <p:cNvSpPr txBox="1"/>
-          <p:nvPr/>
-        </p:nvSpPr>
-        <p:spPr>
-          <a:xfrm rot="19990236">
-            <a:off x="1045437" y="2565257"/>
-            <a:ext cx="492593" cy="276999"/>
-          </a:xfrm>
-          <a:prstGeom prst="rect">
-            <a:avLst/>
-          </a:prstGeom>
-          <a:noFill/>
-        </p:spPr>
-        <p:txBody>
-          <a:bodyPr wrap="none" rtlCol="0">
-            <a:spAutoFit/>
-          </a:bodyPr>
-          <a:lstStyle/>
-          <a:p>
-            <a:r>
-              <a:rPr kumimoji="1" lang="en-US" altLang="ja-JP" sz="1200" dirty="0" smtClean="0"/>
-              <a:t>YES</a:t>
-            </a:r>
-            <a:endParaRPr kumimoji="1" lang="ja-JP" altLang="en-US" sz="1200" dirty="0"/>
-          </a:p>
-        </p:txBody>
-      </p:sp>
-      <p:sp>
-        <p:nvSpPr>
-          <p:cNvPr id="19" name="テキスト ボックス 18"/>
-          <p:cNvSpPr txBox="1"/>
-          <p:nvPr/>
-        </p:nvSpPr>
-        <p:spPr>
-          <a:xfrm rot="2030756">
-            <a:off x="3333177" y="1691500"/>
-            <a:ext cx="415498" cy="276999"/>
-          </a:xfrm>
-          <a:prstGeom prst="rect">
-            <a:avLst/>
-          </a:prstGeom>
-          <a:noFill/>
-        </p:spPr>
-        <p:txBody>
-          <a:bodyPr wrap="none" rtlCol="0">
-            <a:spAutoFit/>
-          </a:bodyPr>
-          <a:lstStyle/>
-          <a:p>
-            <a:r>
-              <a:rPr kumimoji="1" lang="en-US" altLang="ja-JP" sz="1200" dirty="0" smtClean="0"/>
-              <a:t>NO</a:t>
-            </a:r>
-            <a:endParaRPr kumimoji="1" lang="ja-JP" altLang="en-US" sz="1200" dirty="0"/>
-          </a:p>
-        </p:txBody>
-      </p:sp>
-      <p:cxnSp>
-        <p:nvCxnSpPr>
-          <p:cNvPr id="23" name="直線矢印コネクタ 22"/>
-          <p:cNvCxnSpPr>
-            <a:endCxn id="7" idx="0"/>
-          </p:cNvCxnSpPr>
-          <p:nvPr/>
-        </p:nvCxnSpPr>
-        <p:spPr>
-          <a:xfrm>
-            <a:off x="1511300" y="2197100"/>
-            <a:ext cx="12247" cy="1210916"/>
-          </a:xfrm>
-          <a:prstGeom prst="straightConnector1">
-            <a:avLst/>
-          </a:prstGeom>
-          <a:ln>
-            <a:solidFill>
-              <a:srgbClr val="000000"/>
-            </a:solidFill>
-            <a:tailEnd type="arrow"/>
-          </a:ln>
-        </p:spPr>
-        <p:style>
-          <a:lnRef idx="2">
-            <a:schemeClr val="accent1"/>
-          </a:lnRef>
-          <a:fillRef idx="0">
-            <a:schemeClr val="accent1"/>
-          </a:fillRef>
-          <a:effectRef idx="1">
-            <a:schemeClr val="accent1"/>
-          </a:effectRef>
-          <a:fontRef idx="minor">
-            <a:schemeClr val="tx1"/>
-          </a:fontRef>
-        </p:style>
-      </p:cxnSp>
-      <p:sp>
-        <p:nvSpPr>
-          <p:cNvPr id="21" name="Shape 51"/>
-          <p:cNvSpPr/>
-          <p:nvPr/>
-        </p:nvSpPr>
-        <p:spPr>
-          <a:xfrm>
-            <a:off x="2399175" y="1771042"/>
-            <a:ext cx="1016000" cy="426058"/>
-          </a:xfrm>
-          <a:prstGeom prst="flowChartDecision">
-            <a:avLst/>
-          </a:prstGeom>
-          <a:solidFill>
-            <a:srgbClr val="FFFFFF"/>
-          </a:solidFill>
-          <a:ln w="9525" cap="flat" cmpd="sng">
-            <a:solidFill>
-              <a:srgbClr val="000000"/>
-            </a:solidFill>
-            <a:prstDash val="solid"/>
-            <a:round/>
-            <a:headEnd type="none" w="med" len="med"/>
-            <a:tailEnd type="none" w="med" len="med"/>
-          </a:ln>
-        </p:spPr>
-        <p:txBody>
-          <a:bodyPr lIns="91425" tIns="91425" rIns="91425" bIns="91425" anchor="ctr" anchorCtr="0">
-            <a:noAutofit/>
-          </a:bodyPr>
-          <a:lstStyle/>
-          <a:p>
-            <a:pPr>
-              <a:spcBef>
-                <a:spcPts val="0"/>
-              </a:spcBef>
-              <a:buNone/>
-            </a:pPr>
-            <a:endParaRPr/>
-          </a:p>
-        </p:txBody>
-      </p:sp>
-      <p:sp>
-        <p:nvSpPr>
-          <p:cNvPr id="22" name="テキスト ボックス 21"/>
-          <p:cNvSpPr txBox="1"/>
-          <p:nvPr/>
-        </p:nvSpPr>
-        <p:spPr>
-          <a:xfrm>
-            <a:off x="2663549" y="1783092"/>
-            <a:ext cx="594453" cy="307777"/>
-          </a:xfrm>
-          <a:prstGeom prst="rect">
-            <a:avLst/>
-          </a:prstGeom>
-          <a:noFill/>
-        </p:spPr>
-        <p:txBody>
-          <a:bodyPr wrap="square" rtlCol="0">
-            <a:spAutoFit/>
-          </a:bodyPr>
-          <a:lstStyle/>
-          <a:p>
-            <a:r>
-              <a:rPr kumimoji="1" lang="en-US" altLang="ja-JP" b="1" dirty="0" smtClean="0"/>
-              <a:t>X=3</a:t>
-            </a:r>
-            <a:endParaRPr kumimoji="1" lang="en-US" altLang="ja-JP" b="1" dirty="0" smtClean="0"/>
-          </a:p>
-        </p:txBody>
-      </p:sp>
-      <p:sp>
-        <p:nvSpPr>
-          <p:cNvPr id="24" name="Shape 51"/>
-          <p:cNvSpPr/>
-          <p:nvPr/>
-        </p:nvSpPr>
-        <p:spPr>
-          <a:xfrm>
-            <a:off x="3822700" y="1766411"/>
-            <a:ext cx="1016000" cy="426058"/>
-          </a:xfrm>
-          <a:prstGeom prst="flowChartDecision">
-            <a:avLst/>
-          </a:prstGeom>
-          <a:solidFill>
-            <a:srgbClr val="FFFFFF"/>
-          </a:solidFill>
-          <a:ln w="9525" cap="flat" cmpd="sng">
-            <a:solidFill>
-              <a:srgbClr val="000000"/>
-            </a:solidFill>
-            <a:prstDash val="solid"/>
-            <a:round/>
-            <a:headEnd type="none" w="med" len="med"/>
-            <a:tailEnd type="none" w="med" len="med"/>
-          </a:ln>
-        </p:spPr>
-        <p:txBody>
-          <a:bodyPr lIns="91425" tIns="91425" rIns="91425" bIns="91425" anchor="ctr" anchorCtr="0">
-            <a:noAutofit/>
-          </a:bodyPr>
-          <a:lstStyle/>
-          <a:p>
-            <a:pPr>
-              <a:spcBef>
-                <a:spcPts val="0"/>
-              </a:spcBef>
-              <a:buNone/>
-            </a:pPr>
-            <a:endParaRPr/>
-          </a:p>
-        </p:txBody>
-      </p:sp>
-      <p:sp>
-        <p:nvSpPr>
-          <p:cNvPr id="25" name="テキスト ボックス 24"/>
-          <p:cNvSpPr txBox="1"/>
-          <p:nvPr/>
-        </p:nvSpPr>
-        <p:spPr>
-          <a:xfrm>
-            <a:off x="4087074" y="1778461"/>
-            <a:ext cx="594453" cy="307777"/>
-          </a:xfrm>
-          <a:prstGeom prst="rect">
-            <a:avLst/>
-          </a:prstGeom>
-          <a:noFill/>
-        </p:spPr>
-        <p:txBody>
-          <a:bodyPr wrap="square" rtlCol="0">
-            <a:spAutoFit/>
-          </a:bodyPr>
-          <a:lstStyle/>
-          <a:p>
-            <a:r>
-              <a:rPr kumimoji="1" lang="en-US" altLang="ja-JP" b="1" dirty="0" smtClean="0"/>
-              <a:t>X=5</a:t>
-            </a:r>
-            <a:endParaRPr kumimoji="1" lang="en-US" altLang="ja-JP" b="1" dirty="0" smtClean="0"/>
-          </a:p>
-        </p:txBody>
-      </p:sp>
-      <p:sp>
-        <p:nvSpPr>
-          <p:cNvPr id="26" name="Shape 51"/>
-          <p:cNvSpPr/>
-          <p:nvPr/>
-        </p:nvSpPr>
-        <p:spPr>
-          <a:xfrm>
-            <a:off x="5260860" y="1754361"/>
-            <a:ext cx="1016000" cy="426058"/>
-          </a:xfrm>
-          <a:prstGeom prst="flowChartDecision">
-            <a:avLst/>
-          </a:prstGeom>
-          <a:solidFill>
-            <a:srgbClr val="FFFFFF"/>
-          </a:solidFill>
-          <a:ln w="9525" cap="flat" cmpd="sng">
-            <a:solidFill>
-              <a:srgbClr val="000000"/>
-            </a:solidFill>
-            <a:prstDash val="solid"/>
-            <a:round/>
-            <a:headEnd type="none" w="med" len="med"/>
-            <a:tailEnd type="none" w="med" len="med"/>
-          </a:ln>
-        </p:spPr>
-        <p:txBody>
-          <a:bodyPr lIns="91425" tIns="91425" rIns="91425" bIns="91425" anchor="ctr" anchorCtr="0">
-            <a:noAutofit/>
-          </a:bodyPr>
-          <a:lstStyle/>
-          <a:p>
-            <a:pPr>
-              <a:spcBef>
-                <a:spcPts val="0"/>
-              </a:spcBef>
-              <a:buNone/>
-            </a:pPr>
-            <a:endParaRPr/>
-          </a:p>
-        </p:txBody>
-      </p:sp>
-      <p:sp>
-        <p:nvSpPr>
-          <p:cNvPr id="27" name="テキスト ボックス 26"/>
-          <p:cNvSpPr txBox="1"/>
-          <p:nvPr/>
-        </p:nvSpPr>
-        <p:spPr>
-          <a:xfrm>
-            <a:off x="5525234" y="1766411"/>
-            <a:ext cx="594453" cy="307777"/>
-          </a:xfrm>
-          <a:prstGeom prst="rect">
-            <a:avLst/>
-          </a:prstGeom>
-          <a:noFill/>
-        </p:spPr>
-        <p:txBody>
-          <a:bodyPr wrap="square" rtlCol="0">
-            <a:spAutoFit/>
-          </a:bodyPr>
-          <a:lstStyle/>
-          <a:p>
-            <a:r>
-              <a:rPr kumimoji="1" lang="en-US" altLang="ja-JP" b="1" dirty="0" smtClean="0"/>
-              <a:t>X=7</a:t>
-            </a:r>
-            <a:endParaRPr kumimoji="1" lang="en-US" altLang="ja-JP" b="1" dirty="0" smtClean="0"/>
-          </a:p>
-        </p:txBody>
-      </p:sp>
-      <p:sp>
-        <p:nvSpPr>
-          <p:cNvPr id="28" name="Shape 51"/>
-          <p:cNvSpPr/>
-          <p:nvPr/>
-        </p:nvSpPr>
-        <p:spPr>
-          <a:xfrm>
-            <a:off x="6705600" y="1749624"/>
-            <a:ext cx="1016000" cy="426058"/>
-          </a:xfrm>
-          <a:prstGeom prst="flowChartDecision">
-            <a:avLst/>
-          </a:prstGeom>
-          <a:solidFill>
-            <a:srgbClr val="FFFFFF"/>
-          </a:solidFill>
-          <a:ln w="9525" cap="flat" cmpd="sng">
-            <a:solidFill>
-              <a:srgbClr val="000000"/>
-            </a:solidFill>
-            <a:prstDash val="solid"/>
-            <a:round/>
-            <a:headEnd type="none" w="med" len="med"/>
-            <a:tailEnd type="none" w="med" len="med"/>
-          </a:ln>
-        </p:spPr>
-        <p:txBody>
-          <a:bodyPr lIns="91425" tIns="91425" rIns="91425" bIns="91425" anchor="ctr" anchorCtr="0">
-            <a:noAutofit/>
-          </a:bodyPr>
-          <a:lstStyle/>
-          <a:p>
-            <a:pPr>
-              <a:spcBef>
-                <a:spcPts val="0"/>
-              </a:spcBef>
-              <a:buNone/>
-            </a:pPr>
-            <a:endParaRPr/>
-          </a:p>
-        </p:txBody>
-      </p:sp>
-      <p:sp>
-        <p:nvSpPr>
-          <p:cNvPr id="29" name="テキスト ボックス 28"/>
-          <p:cNvSpPr txBox="1"/>
-          <p:nvPr/>
-        </p:nvSpPr>
-        <p:spPr>
-          <a:xfrm>
-            <a:off x="6969974" y="1761674"/>
-            <a:ext cx="594453" cy="307777"/>
-          </a:xfrm>
-          <a:prstGeom prst="rect">
-            <a:avLst/>
-          </a:prstGeom>
-          <a:noFill/>
-        </p:spPr>
-        <p:txBody>
-          <a:bodyPr wrap="square" rtlCol="0">
-            <a:spAutoFit/>
-          </a:bodyPr>
-          <a:lstStyle/>
-          <a:p>
-            <a:r>
-              <a:rPr kumimoji="1" lang="en-US" altLang="ja-JP" b="1" dirty="0" smtClean="0"/>
-              <a:t>X=9</a:t>
-            </a:r>
-            <a:endParaRPr kumimoji="1" lang="en-US" altLang="ja-JP" b="1" dirty="0" smtClean="0"/>
-          </a:p>
-        </p:txBody>
-      </p:sp>
-      <p:cxnSp>
-        <p:nvCxnSpPr>
-          <p:cNvPr id="32" name="直線矢印コネクタ 31"/>
-          <p:cNvCxnSpPr/>
-          <p:nvPr/>
-        </p:nvCxnSpPr>
-        <p:spPr>
-          <a:xfrm>
-            <a:off x="3400540" y="1977833"/>
-            <a:ext cx="422160" cy="3119"/>
+            <a:off x="4277803" y="3303491"/>
+            <a:ext cx="0" cy="212469"/>
           </a:xfrm>
           <a:prstGeom prst="straightConnector1">
             <a:avLst/>
@@ -8787,14 +12508,14 @@
       </p:cxnSp>
       <p:cxnSp>
         <p:nvCxnSpPr>
-          <p:cNvPr id="33" name="直線矢印コネクタ 32"/>
+          <p:cNvPr id="32" name="直線矢印コネクタ 31"/>
           <p:cNvCxnSpPr/>
           <p:nvPr/>
         </p:nvCxnSpPr>
         <p:spPr>
           <a:xfrm>
-            <a:off x="4838700" y="1974714"/>
-            <a:ext cx="422160" cy="3119"/>
+            <a:off x="4303093" y="4184960"/>
+            <a:ext cx="4245" cy="429508"/>
           </a:xfrm>
           <a:prstGeom prst="straightConnector1">
             <a:avLst/>
@@ -8823,14 +12544,224 @@
       </p:cxnSp>
       <p:cxnSp>
         <p:nvCxnSpPr>
-          <p:cNvPr id="34" name="直線矢印コネクタ 33"/>
+          <p:cNvPr id="35" name="直線矢印コネクタ 34"/>
           <p:cNvCxnSpPr/>
           <p:nvPr/>
         </p:nvCxnSpPr>
         <p:spPr>
           <a:xfrm>
-            <a:off x="6283440" y="1961542"/>
-            <a:ext cx="422160" cy="3119"/>
+            <a:off x="4310528" y="1854798"/>
+            <a:ext cx="4320" cy="207968"/>
+          </a:xfrm>
+          <a:prstGeom prst="straightConnector1">
+            <a:avLst/>
+          </a:prstGeom>
+          <a:ln>
+            <a:solidFill>
+              <a:srgbClr val="000000"/>
+            </a:solidFill>
+            <a:tailEnd type="arrow"/>
+          </a:ln>
+        </p:spPr>
+        <p:style>
+          <a:lnRef idx="2">
+            <a:schemeClr val="accent1"/>
+          </a:lnRef>
+          <a:fillRef idx="0">
+            <a:schemeClr val="accent1"/>
+          </a:fillRef>
+          <a:effectRef idx="1">
+            <a:schemeClr val="accent1"/>
+          </a:effectRef>
+          <a:fontRef idx="minor">
+            <a:schemeClr val="tx1"/>
+          </a:fontRef>
+        </p:style>
+      </p:cxnSp>
+      <p:sp>
+        <p:nvSpPr>
+          <p:cNvPr id="37" name="テキスト ボックス 36"/>
+          <p:cNvSpPr txBox="1"/>
+          <p:nvPr/>
+        </p:nvSpPr>
+        <p:spPr>
+          <a:xfrm>
+            <a:off x="437837" y="2023359"/>
+            <a:ext cx="2738237" cy="307777"/>
+          </a:xfrm>
+          <a:prstGeom prst="rect">
+            <a:avLst/>
+          </a:prstGeom>
+          <a:noFill/>
+        </p:spPr>
+        <p:txBody>
+          <a:bodyPr wrap="none" rtlCol="0">
+            <a:spAutoFit/>
+          </a:bodyPr>
+          <a:lstStyle/>
+          <a:p>
+            <a:r>
+              <a:rPr kumimoji="1" lang="en-US" altLang="ja-JP" dirty="0" smtClean="0"/>
+              <a:t>X</a:t>
+            </a:r>
+            <a:r>
+              <a:rPr kumimoji="1" lang="ja-JP" altLang="en-US" dirty="0" smtClean="0"/>
+              <a:t>は１</a:t>
+            </a:r>
+            <a:r>
+              <a:rPr kumimoji="1" lang="en-US" altLang="ja-JP" dirty="0" smtClean="0"/>
+              <a:t>〜9</a:t>
+            </a:r>
+            <a:r>
+              <a:rPr kumimoji="1" lang="ja-JP" altLang="en-US" dirty="0" smtClean="0"/>
+              <a:t>までをループさせたい</a:t>
+            </a:r>
+            <a:endParaRPr kumimoji="1" lang="en-US" altLang="ja-JP" dirty="0" smtClean="0"/>
+          </a:p>
+        </p:txBody>
+      </p:sp>
+      <p:sp>
+        <p:nvSpPr>
+          <p:cNvPr id="39" name="テキスト ボックス 38"/>
+          <p:cNvSpPr txBox="1"/>
+          <p:nvPr/>
+        </p:nvSpPr>
+        <p:spPr>
+          <a:xfrm>
+            <a:off x="1172115" y="3067612"/>
+            <a:ext cx="1620957" cy="307777"/>
+          </a:xfrm>
+          <a:prstGeom prst="rect">
+            <a:avLst/>
+          </a:prstGeom>
+          <a:noFill/>
+        </p:spPr>
+        <p:txBody>
+          <a:bodyPr wrap="none" rtlCol="0">
+            <a:spAutoFit/>
+          </a:bodyPr>
+          <a:lstStyle/>
+          <a:p>
+            <a:r>
+              <a:rPr kumimoji="1" lang="ja-JP" altLang="en-US" dirty="0" smtClean="0"/>
+              <a:t>奇数の場合に出力</a:t>
+            </a:r>
+            <a:endParaRPr kumimoji="1" lang="en-US" altLang="ja-JP" dirty="0" smtClean="0"/>
+          </a:p>
+        </p:txBody>
+      </p:sp>
+      <p:sp>
+        <p:nvSpPr>
+          <p:cNvPr id="40" name="テキスト ボックス 39"/>
+          <p:cNvSpPr txBox="1"/>
+          <p:nvPr/>
+        </p:nvSpPr>
+        <p:spPr>
+          <a:xfrm>
+            <a:off x="6405748" y="2683981"/>
+            <a:ext cx="2339102" cy="307777"/>
+          </a:xfrm>
+          <a:prstGeom prst="rect">
+            <a:avLst/>
+          </a:prstGeom>
+          <a:noFill/>
+        </p:spPr>
+        <p:txBody>
+          <a:bodyPr wrap="none" rtlCol="0">
+            <a:spAutoFit/>
+          </a:bodyPr>
+          <a:lstStyle/>
+          <a:p>
+            <a:r>
+              <a:rPr kumimoji="1" lang="ja-JP" altLang="en-US" dirty="0" smtClean="0"/>
+              <a:t>偶数ならば１を足して出力</a:t>
+            </a:r>
+            <a:endParaRPr kumimoji="1" lang="ja-JP" altLang="en-US" dirty="0"/>
+          </a:p>
+        </p:txBody>
+      </p:sp>
+      <p:sp>
+        <p:nvSpPr>
+          <p:cNvPr id="41" name="テキスト ボックス 40"/>
+          <p:cNvSpPr txBox="1"/>
+          <p:nvPr/>
+        </p:nvSpPr>
+        <p:spPr>
+          <a:xfrm>
+            <a:off x="1555117" y="1437546"/>
+            <a:ext cx="1620957" cy="307777"/>
+          </a:xfrm>
+          <a:prstGeom prst="rect">
+            <a:avLst/>
+          </a:prstGeom>
+          <a:noFill/>
+        </p:spPr>
+        <p:txBody>
+          <a:bodyPr wrap="none" rtlCol="0">
+            <a:spAutoFit/>
+          </a:bodyPr>
+          <a:lstStyle/>
+          <a:p>
+            <a:r>
+              <a:rPr kumimoji="1" lang="ja-JP" altLang="en-US" dirty="0" smtClean="0"/>
+              <a:t>初期値を１と設定</a:t>
+            </a:r>
+            <a:endParaRPr kumimoji="1" lang="ja-JP" altLang="en-US" dirty="0"/>
+          </a:p>
+        </p:txBody>
+      </p:sp>
+      <p:sp>
+        <p:nvSpPr>
+          <p:cNvPr id="42" name="テキスト ボックス 41"/>
+          <p:cNvSpPr txBox="1"/>
+          <p:nvPr/>
+        </p:nvSpPr>
+        <p:spPr>
+          <a:xfrm>
+            <a:off x="3773951" y="2062766"/>
+            <a:ext cx="1062529" cy="261610"/>
+          </a:xfrm>
+          <a:prstGeom prst="rect">
+            <a:avLst/>
+          </a:prstGeom>
+          <a:noFill/>
+        </p:spPr>
+        <p:txBody>
+          <a:bodyPr wrap="none" rtlCol="0">
+            <a:spAutoFit/>
+          </a:bodyPr>
+          <a:lstStyle/>
+          <a:p>
+            <a:r>
+              <a:rPr kumimoji="1" lang="en-US" altLang="ja-JP" sz="1100" dirty="0" smtClean="0"/>
+              <a:t>X</a:t>
+            </a:r>
+            <a:r>
+              <a:rPr kumimoji="1" lang="ja-JP" altLang="en-US" sz="1100" dirty="0" smtClean="0"/>
+              <a:t>の値は</a:t>
+            </a:r>
+            <a:r>
+              <a:rPr kumimoji="1" lang="en-US" altLang="ja-JP" sz="1100" dirty="0" smtClean="0"/>
+              <a:t>9</a:t>
+            </a:r>
+            <a:r>
+              <a:rPr kumimoji="1" lang="ja-JP" altLang="en-US" sz="1100" dirty="0" smtClean="0"/>
+              <a:t>以下</a:t>
+            </a:r>
+            <a:endParaRPr kumimoji="1" lang="ja-JP" altLang="en-US" sz="1100" dirty="0"/>
+          </a:p>
+        </p:txBody>
+      </p:sp>
+      <p:cxnSp>
+        <p:nvCxnSpPr>
+          <p:cNvPr id="44" name="直線矢印コネクタ 43"/>
+          <p:cNvCxnSpPr/>
+          <p:nvPr/>
+        </p:nvCxnSpPr>
+        <p:spPr>
+          <a:xfrm flipH="1">
+            <a:off x="5042526" y="3622517"/>
+            <a:ext cx="778667" cy="0"/>
           </a:xfrm>
           <a:prstGeom prst="straightConnector1">
             <a:avLst/>
@@ -8859,23 +12790,22 @@
       </p:cxnSp>
       <p:cxnSp>
         <p:nvCxnSpPr>
-          <p:cNvPr id="48" name="直線矢印コネクタ 47"/>
+          <p:cNvPr id="49" name="直線コネクタ 48"/>
           <p:cNvCxnSpPr/>
           <p:nvPr/>
         </p:nvCxnSpPr>
         <p:spPr>
-          <a:xfrm flipH="1">
-            <a:off x="2361027" y="3615018"/>
-            <a:ext cx="4852573" cy="0"/>
-          </a:xfrm>
-          <a:prstGeom prst="straightConnector1">
+          <a:xfrm>
+            <a:off x="5173493" y="2618116"/>
+            <a:ext cx="630407" cy="0"/>
+          </a:xfrm>
+          <a:prstGeom prst="line">
             <a:avLst/>
           </a:prstGeom>
           <a:ln>
             <a:solidFill>
               <a:srgbClr val="000000"/>
             </a:solidFill>
-            <a:tailEnd type="arrow"/>
           </a:ln>
         </p:spPr>
         <p:style>
@@ -8895,149 +12825,22 @@
       </p:cxnSp>
       <p:cxnSp>
         <p:nvCxnSpPr>
-          <p:cNvPr id="50" name="直線矢印コネクタ 49"/>
+          <p:cNvPr id="56" name="直線コネクタ 55"/>
           <p:cNvCxnSpPr/>
           <p:nvPr/>
         </p:nvCxnSpPr>
         <p:spPr>
-          <a:xfrm>
-            <a:off x="2907333" y="2197100"/>
-            <a:ext cx="0" cy="1417918"/>
-          </a:xfrm>
-          <a:prstGeom prst="straightConnector1">
+          <a:xfrm flipV="1">
+            <a:off x="5821193" y="2606446"/>
+            <a:ext cx="0" cy="1016071"/>
+          </a:xfrm>
+          <a:prstGeom prst="line">
             <a:avLst/>
           </a:prstGeom>
           <a:ln>
             <a:solidFill>
               <a:srgbClr val="000000"/>
             </a:solidFill>
-            <a:tailEnd type="arrow"/>
-          </a:ln>
-        </p:spPr>
-        <p:style>
-          <a:lnRef idx="2">
-            <a:schemeClr val="accent1"/>
-          </a:lnRef>
-          <a:fillRef idx="0">
-            <a:schemeClr val="accent1"/>
-          </a:fillRef>
-          <a:effectRef idx="1">
-            <a:schemeClr val="accent1"/>
-          </a:effectRef>
-          <a:fontRef idx="minor">
-            <a:schemeClr val="tx1"/>
-          </a:fontRef>
-        </p:style>
-      </p:cxnSp>
-      <p:sp>
-        <p:nvSpPr>
-          <p:cNvPr id="53" name="テキスト ボックス 52"/>
-          <p:cNvSpPr txBox="1"/>
-          <p:nvPr/>
-        </p:nvSpPr>
-        <p:spPr>
-          <a:xfrm rot="2030756">
-            <a:off x="2005635" y="1631518"/>
-            <a:ext cx="415498" cy="276999"/>
-          </a:xfrm>
-          <a:prstGeom prst="rect">
-            <a:avLst/>
-          </a:prstGeom>
-          <a:noFill/>
-        </p:spPr>
-        <p:txBody>
-          <a:bodyPr wrap="none" rtlCol="0">
-            <a:spAutoFit/>
-          </a:bodyPr>
-          <a:lstStyle/>
-          <a:p>
-            <a:r>
-              <a:rPr kumimoji="1" lang="en-US" altLang="ja-JP" sz="1200" dirty="0" smtClean="0"/>
-              <a:t>NO</a:t>
-            </a:r>
-            <a:endParaRPr kumimoji="1" lang="ja-JP" altLang="en-US" sz="1200" dirty="0"/>
-          </a:p>
-        </p:txBody>
-      </p:sp>
-      <p:sp>
-        <p:nvSpPr>
-          <p:cNvPr id="54" name="テキスト ボックス 53"/>
-          <p:cNvSpPr txBox="1"/>
-          <p:nvPr/>
-        </p:nvSpPr>
-        <p:spPr>
-          <a:xfrm rot="2030756">
-            <a:off x="4803428" y="1679593"/>
-            <a:ext cx="415498" cy="276999"/>
-          </a:xfrm>
-          <a:prstGeom prst="rect">
-            <a:avLst/>
-          </a:prstGeom>
-          <a:noFill/>
-        </p:spPr>
-        <p:txBody>
-          <a:bodyPr wrap="none" rtlCol="0">
-            <a:spAutoFit/>
-          </a:bodyPr>
-          <a:lstStyle/>
-          <a:p>
-            <a:r>
-              <a:rPr kumimoji="1" lang="en-US" altLang="ja-JP" sz="1200" dirty="0" smtClean="0"/>
-              <a:t>NO</a:t>
-            </a:r>
-            <a:endParaRPr kumimoji="1" lang="ja-JP" altLang="en-US" sz="1200" dirty="0"/>
-          </a:p>
-        </p:txBody>
-      </p:sp>
-      <p:sp>
-        <p:nvSpPr>
-          <p:cNvPr id="55" name="テキスト ボックス 54"/>
-          <p:cNvSpPr txBox="1"/>
-          <p:nvPr/>
-        </p:nvSpPr>
-        <p:spPr>
-          <a:xfrm rot="2030756">
-            <a:off x="6248169" y="1691500"/>
-            <a:ext cx="415498" cy="276999"/>
-          </a:xfrm>
-          <a:prstGeom prst="rect">
-            <a:avLst/>
-          </a:prstGeom>
-          <a:noFill/>
-        </p:spPr>
-        <p:txBody>
-          <a:bodyPr wrap="none" rtlCol="0">
-            <a:spAutoFit/>
-          </a:bodyPr>
-          <a:lstStyle/>
-          <a:p>
-            <a:r>
-              <a:rPr kumimoji="1" lang="en-US" altLang="ja-JP" sz="1200" dirty="0" smtClean="0"/>
-              <a:t>NO</a:t>
-            </a:r>
-            <a:endParaRPr kumimoji="1" lang="ja-JP" altLang="en-US" sz="1200" dirty="0"/>
-          </a:p>
-        </p:txBody>
-      </p:sp>
-      <p:cxnSp>
-        <p:nvCxnSpPr>
-          <p:cNvPr id="61" name="直線矢印コネクタ 60"/>
-          <p:cNvCxnSpPr/>
-          <p:nvPr/>
-        </p:nvCxnSpPr>
-        <p:spPr>
-          <a:xfrm>
-            <a:off x="4329733" y="2192469"/>
-            <a:ext cx="0" cy="1417918"/>
-          </a:xfrm>
-          <a:prstGeom prst="straightConnector1">
-            <a:avLst/>
-          </a:prstGeom>
-          <a:ln>
-            <a:solidFill>
-              <a:srgbClr val="000000"/>
-            </a:solidFill>
-            <a:tailEnd type="arrow"/>
           </a:ln>
         </p:spPr>
         <p:style>
@@ -9057,14 +12860,14 @@
       </p:cxnSp>
       <p:cxnSp>
         <p:nvCxnSpPr>
-          <p:cNvPr id="62" name="直線矢印コネクタ 61"/>
+          <p:cNvPr id="72" name="直線矢印コネクタ 71"/>
           <p:cNvCxnSpPr/>
           <p:nvPr/>
         </p:nvCxnSpPr>
         <p:spPr>
           <a:xfrm>
-            <a:off x="5777533" y="2192469"/>
-            <a:ext cx="0" cy="1417918"/>
+            <a:off x="4305216" y="2273002"/>
+            <a:ext cx="4320" cy="207968"/>
           </a:xfrm>
           <a:prstGeom prst="straightConnector1">
             <a:avLst/>
@@ -9091,16 +12894,156 @@
           </a:fontRef>
         </p:style>
       </p:cxnSp>
+      <p:sp>
+        <p:nvSpPr>
+          <p:cNvPr id="74" name="テキスト ボックス 73"/>
+          <p:cNvSpPr txBox="1"/>
+          <p:nvPr/>
+        </p:nvSpPr>
+        <p:spPr>
+          <a:xfrm rot="605620">
+            <a:off x="5168622" y="2372158"/>
+            <a:ext cx="492593" cy="276999"/>
+          </a:xfrm>
+          <a:prstGeom prst="rect">
+            <a:avLst/>
+          </a:prstGeom>
+          <a:noFill/>
+        </p:spPr>
+        <p:txBody>
+          <a:bodyPr wrap="none" rtlCol="0">
+            <a:spAutoFit/>
+          </a:bodyPr>
+          <a:lstStyle/>
+          <a:p>
+            <a:r>
+              <a:rPr kumimoji="1" lang="en-US" altLang="ja-JP" sz="1200" dirty="0" smtClean="0"/>
+              <a:t>YES</a:t>
+            </a:r>
+            <a:endParaRPr kumimoji="1" lang="ja-JP" altLang="en-US" sz="1200" dirty="0"/>
+          </a:p>
+        </p:txBody>
+      </p:sp>
+      <p:sp>
+        <p:nvSpPr>
+          <p:cNvPr id="75" name="テキスト ボックス 74"/>
+          <p:cNvSpPr txBox="1"/>
+          <p:nvPr/>
+        </p:nvSpPr>
+        <p:spPr>
+          <a:xfrm rot="20673749">
+            <a:off x="3896014" y="2757981"/>
+            <a:ext cx="396262" cy="261610"/>
+          </a:xfrm>
+          <a:prstGeom prst="rect">
+            <a:avLst/>
+          </a:prstGeom>
+          <a:noFill/>
+        </p:spPr>
+        <p:txBody>
+          <a:bodyPr wrap="none" rtlCol="0">
+            <a:spAutoFit/>
+          </a:bodyPr>
+          <a:lstStyle/>
+          <a:p>
+            <a:r>
+              <a:rPr kumimoji="1" lang="en-US" altLang="ja-JP" sz="1100" dirty="0" smtClean="0"/>
+              <a:t>NO</a:t>
+            </a:r>
+            <a:endParaRPr kumimoji="1" lang="ja-JP" altLang="en-US" sz="1100" dirty="0"/>
+          </a:p>
+        </p:txBody>
+      </p:sp>
+      <p:sp>
+        <p:nvSpPr>
+          <p:cNvPr id="78" name="Shape 52"/>
+          <p:cNvSpPr/>
+          <p:nvPr/>
+        </p:nvSpPr>
+        <p:spPr>
+          <a:xfrm>
+            <a:off x="3560858" y="3497514"/>
+            <a:ext cx="1481667" cy="261610"/>
+          </a:xfrm>
+          <a:prstGeom prst="flowChartProcess">
+            <a:avLst/>
+          </a:prstGeom>
+          <a:noFill/>
+          <a:ln w="9525" cap="flat" cmpd="sng">
+            <a:solidFill>
+              <a:srgbClr val="000000"/>
+            </a:solidFill>
+            <a:prstDash val="solid"/>
+            <a:round/>
+            <a:headEnd type="none" w="med" len="med"/>
+            <a:tailEnd type="none" w="med" len="med"/>
+          </a:ln>
+        </p:spPr>
+        <p:txBody>
+          <a:bodyPr lIns="91425" tIns="91425" rIns="91425" bIns="91425" anchor="ctr" anchorCtr="0">
+            <a:noAutofit/>
+          </a:bodyPr>
+          <a:lstStyle/>
+          <a:p>
+            <a:pPr>
+              <a:spcBef>
+                <a:spcPts val="0"/>
+              </a:spcBef>
+              <a:buNone/>
+            </a:pPr>
+            <a:endParaRPr/>
+          </a:p>
+        </p:txBody>
+      </p:sp>
+      <p:sp>
+        <p:nvSpPr>
+          <p:cNvPr id="79" name="テキスト ボックス 78"/>
+          <p:cNvSpPr txBox="1"/>
+          <p:nvPr/>
+        </p:nvSpPr>
+        <p:spPr>
+          <a:xfrm>
+            <a:off x="3535091" y="3497514"/>
+            <a:ext cx="1481667" cy="261610"/>
+          </a:xfrm>
+          <a:prstGeom prst="rect">
+            <a:avLst/>
+          </a:prstGeom>
+          <a:noFill/>
+        </p:spPr>
+        <p:txBody>
+          <a:bodyPr wrap="square" rtlCol="0">
+            <a:spAutoFit/>
+          </a:bodyPr>
+          <a:lstStyle/>
+          <a:p>
+            <a:pPr algn="ctr"/>
+            <a:r>
+              <a:rPr kumimoji="1" lang="en-US" altLang="ja-JP" sz="1100" dirty="0" smtClean="0"/>
+              <a:t>x</a:t>
+            </a:r>
+            <a:r>
+              <a:rPr kumimoji="1" lang="ja-JP" altLang="en-US" sz="1100" dirty="0" smtClean="0"/>
+              <a:t>の値にプラス</a:t>
+            </a:r>
+            <a:r>
+              <a:rPr kumimoji="1" lang="en-US" altLang="ja-JP" sz="1100" dirty="0" smtClean="0"/>
+              <a:t>1</a:t>
+            </a:r>
+            <a:endParaRPr kumimoji="1" lang="ja-JP" altLang="en-US" sz="1100" dirty="0"/>
+          </a:p>
+        </p:txBody>
+      </p:sp>
       <p:cxnSp>
         <p:nvCxnSpPr>
-          <p:cNvPr id="63" name="直線矢印コネクタ 62"/>
+          <p:cNvPr id="80" name="直線矢印コネクタ 79"/>
           <p:cNvCxnSpPr/>
           <p:nvPr/>
         </p:nvCxnSpPr>
         <p:spPr>
           <a:xfrm>
-            <a:off x="7213600" y="2175682"/>
-            <a:ext cx="0" cy="1417918"/>
+            <a:off x="4293313" y="3752812"/>
+            <a:ext cx="4245" cy="250986"/>
           </a:xfrm>
           <a:prstGeom prst="straightConnector1">
             <a:avLst/>
@@ -9127,160 +13070,10 @@
           </a:fontRef>
         </p:style>
       </p:cxnSp>
-      <p:sp>
-        <p:nvSpPr>
-          <p:cNvPr id="64" name="テキスト ボックス 63"/>
-          <p:cNvSpPr txBox="1"/>
-          <p:nvPr/>
-        </p:nvSpPr>
-        <p:spPr>
-          <a:xfrm rot="19990236">
-            <a:off x="2499064" y="2482904"/>
-            <a:ext cx="492593" cy="276999"/>
-          </a:xfrm>
-          <a:prstGeom prst="rect">
-            <a:avLst/>
-          </a:prstGeom>
-          <a:noFill/>
-        </p:spPr>
-        <p:txBody>
-          <a:bodyPr wrap="none" rtlCol="0">
-            <a:spAutoFit/>
-          </a:bodyPr>
-          <a:lstStyle/>
-          <a:p>
-            <a:r>
-              <a:rPr kumimoji="1" lang="en-US" altLang="ja-JP" sz="1200" dirty="0" smtClean="0"/>
-              <a:t>YES</a:t>
-            </a:r>
-            <a:endParaRPr kumimoji="1" lang="ja-JP" altLang="en-US" sz="1200" dirty="0"/>
-          </a:p>
-        </p:txBody>
-      </p:sp>
-      <p:sp>
-        <p:nvSpPr>
-          <p:cNvPr id="65" name="テキスト ボックス 64"/>
-          <p:cNvSpPr txBox="1"/>
-          <p:nvPr/>
-        </p:nvSpPr>
-        <p:spPr>
-          <a:xfrm rot="19990236">
-            <a:off x="3949503" y="2482903"/>
-            <a:ext cx="492593" cy="276999"/>
-          </a:xfrm>
-          <a:prstGeom prst="rect">
-            <a:avLst/>
-          </a:prstGeom>
-          <a:noFill/>
-        </p:spPr>
-        <p:txBody>
-          <a:bodyPr wrap="none" rtlCol="0">
-            <a:spAutoFit/>
-          </a:bodyPr>
-          <a:lstStyle/>
-          <a:p>
-            <a:r>
-              <a:rPr kumimoji="1" lang="en-US" altLang="ja-JP" sz="1200" dirty="0" smtClean="0"/>
-              <a:t>YES</a:t>
-            </a:r>
-            <a:endParaRPr kumimoji="1" lang="ja-JP" altLang="en-US" sz="1200" dirty="0"/>
-          </a:p>
-        </p:txBody>
-      </p:sp>
-      <p:sp>
-        <p:nvSpPr>
-          <p:cNvPr id="66" name="テキスト ボックス 65"/>
-          <p:cNvSpPr txBox="1"/>
-          <p:nvPr/>
-        </p:nvSpPr>
-        <p:spPr>
-          <a:xfrm rot="19990236">
-            <a:off x="5405770" y="2482902"/>
-            <a:ext cx="492593" cy="276999"/>
-          </a:xfrm>
-          <a:prstGeom prst="rect">
-            <a:avLst/>
-          </a:prstGeom>
-          <a:noFill/>
-        </p:spPr>
-        <p:txBody>
-          <a:bodyPr wrap="none" rtlCol="0">
-            <a:spAutoFit/>
-          </a:bodyPr>
-          <a:lstStyle/>
-          <a:p>
-            <a:r>
-              <a:rPr kumimoji="1" lang="en-US" altLang="ja-JP" sz="1200" dirty="0" smtClean="0"/>
-              <a:t>YES</a:t>
-            </a:r>
-            <a:endParaRPr kumimoji="1" lang="ja-JP" altLang="en-US" sz="1200" dirty="0"/>
-          </a:p>
-        </p:txBody>
-      </p:sp>
-      <p:sp>
-        <p:nvSpPr>
-          <p:cNvPr id="67" name="テキスト ボックス 66"/>
-          <p:cNvSpPr txBox="1"/>
-          <p:nvPr/>
-        </p:nvSpPr>
-        <p:spPr>
-          <a:xfrm rot="19990236">
-            <a:off x="6741599" y="2482902"/>
-            <a:ext cx="492593" cy="276999"/>
-          </a:xfrm>
-          <a:prstGeom prst="rect">
-            <a:avLst/>
-          </a:prstGeom>
-          <a:noFill/>
-        </p:spPr>
-        <p:txBody>
-          <a:bodyPr wrap="none" rtlCol="0">
-            <a:spAutoFit/>
-          </a:bodyPr>
-          <a:lstStyle/>
-          <a:p>
-            <a:r>
-              <a:rPr kumimoji="1" lang="en-US" altLang="ja-JP" sz="1200" dirty="0" smtClean="0"/>
-              <a:t>YES</a:t>
-            </a:r>
-            <a:endParaRPr kumimoji="1" lang="ja-JP" altLang="en-US" sz="1200" dirty="0"/>
-          </a:p>
-        </p:txBody>
-      </p:sp>
-      <p:sp>
-        <p:nvSpPr>
-          <p:cNvPr id="68" name="テキスト ボックス 67"/>
-          <p:cNvSpPr txBox="1"/>
-          <p:nvPr/>
-        </p:nvSpPr>
-        <p:spPr>
-          <a:xfrm>
-            <a:off x="5014976" y="4408305"/>
-            <a:ext cx="2339102" cy="307777"/>
-          </a:xfrm>
-          <a:prstGeom prst="rect">
-            <a:avLst/>
-          </a:prstGeom>
-          <a:noFill/>
-        </p:spPr>
-        <p:txBody>
-          <a:bodyPr wrap="none" rtlCol="0">
-            <a:spAutoFit/>
-          </a:bodyPr>
-          <a:lstStyle/>
-          <a:p>
-            <a:r>
-              <a:rPr kumimoji="1" lang="ja-JP" altLang="en-US" dirty="0" smtClean="0"/>
-              <a:t>間違ってる。修正し直し！</a:t>
-            </a:r>
-            <a:endParaRPr kumimoji="1" lang="ja-JP" altLang="en-US" dirty="0"/>
-          </a:p>
-        </p:txBody>
-      </p:sp>
     </p:spTree>
     <p:extLst>
       <p:ext uri="{BB962C8B-B14F-4D97-AF65-F5344CB8AC3E}">
-        <p14:creationId xmlns:p14="http://schemas.microsoft.com/office/powerpoint/2010/main" val="1024023588"/>
+        <p14:creationId xmlns:p14="http://schemas.microsoft.com/office/powerpoint/2010/main" val="2093189028"/>
       </p:ext>
     </p:extLst>
   </p:cSld>
@@ -9339,11 +13132,19 @@
               <a:buNone/>
             </a:pPr>
             <a:r>
-              <a:rPr lang="ja" sz="2400" b="1" dirty="0" smtClean="0"/>
+              <a:rPr lang="ja" sz="2400" b="1" dirty="0" smtClean="0">
+                <a:solidFill>
+                  <a:srgbClr val="3366FF"/>
+                </a:solidFill>
+              </a:rPr>
               <a:t>課題</a:t>
             </a:r>
             <a:r>
-              <a:rPr lang="ja-JP" altLang="en-US" sz="2400" b="1" dirty="0" smtClean="0"/>
+              <a:rPr lang="ja-JP" altLang="en-US" sz="2400" b="1" dirty="0" smtClean="0">
+                <a:solidFill>
+                  <a:srgbClr val="3366FF"/>
+                </a:solidFill>
+              </a:rPr>
               <a:t>６</a:t>
             </a:r>
             <a:r>
@@ -9376,13 +13177,13 @@
       </p:sp>
       <p:sp>
         <p:nvSpPr>
-          <p:cNvPr id="4" name="Shape 50"/>
+          <p:cNvPr id="3" name="Shape 50"/>
           <p:cNvSpPr/>
           <p:nvPr/>
         </p:nvSpPr>
         <p:spPr>
           <a:xfrm>
-            <a:off x="665729" y="841312"/>
+            <a:off x="998773" y="880577"/>
             <a:ext cx="1367632" cy="318661"/>
           </a:xfrm>
           <a:prstGeom prst="flowChartTerminator">
@@ -9417,13 +13218,13 @@
       </p:sp>
       <p:sp>
         <p:nvSpPr>
-          <p:cNvPr id="5" name="テキスト ボックス 4"/>
+          <p:cNvPr id="4" name="テキスト ボックス 3"/>
           <p:cNvSpPr txBox="1"/>
           <p:nvPr/>
         </p:nvSpPr>
         <p:spPr>
           <a:xfrm>
-            <a:off x="996195" y="771670"/>
+            <a:off x="1329239" y="810935"/>
             <a:ext cx="683475" cy="400110"/>
           </a:xfrm>
           <a:prstGeom prst="rect">
@@ -9447,13 +13248,13 @@
       </p:sp>
       <p:sp>
         <p:nvSpPr>
-          <p:cNvPr id="6" name="Shape 50"/>
+          <p:cNvPr id="5" name="Shape 50"/>
           <p:cNvSpPr/>
           <p:nvPr/>
         </p:nvSpPr>
         <p:spPr>
           <a:xfrm>
-            <a:off x="671178" y="4689945"/>
+            <a:off x="1007338" y="4635355"/>
             <a:ext cx="1367632" cy="318661"/>
           </a:xfrm>
           <a:prstGeom prst="flowChartTerminator">
@@ -9488,13 +13289,13 @@
       </p:sp>
       <p:sp>
         <p:nvSpPr>
-          <p:cNvPr id="7" name="テキスト ボックス 6"/>
+          <p:cNvPr id="6" name="テキスト ボックス 5"/>
           <p:cNvSpPr txBox="1"/>
           <p:nvPr/>
         </p:nvSpPr>
         <p:spPr>
           <a:xfrm>
-            <a:off x="1053336" y="4620303"/>
+            <a:off x="1389496" y="4565713"/>
             <a:ext cx="612593" cy="400110"/>
           </a:xfrm>
           <a:prstGeom prst="rect">
@@ -9516,58 +13317,15 @@
           </a:p>
         </p:txBody>
       </p:sp>
-      <p:sp>
-        <p:nvSpPr>
-          <p:cNvPr id="8" name="Shape 52"/>
-          <p:cNvSpPr/>
-          <p:nvPr/>
-        </p:nvSpPr>
-        <p:spPr>
-          <a:xfrm>
-            <a:off x="497305" y="3219428"/>
-            <a:ext cx="1712970" cy="388894"/>
-          </a:xfrm>
-          <a:prstGeom prst="flowChartProcess">
-            <a:avLst/>
-          </a:prstGeom>
-          <a:solidFill>
-            <a:srgbClr val="FFFFFF"/>
-          </a:solidFill>
-          <a:ln w="9525" cap="flat" cmpd="sng">
-            <a:solidFill>
-              <a:srgbClr val="000000"/>
-            </a:solidFill>
-            <a:prstDash val="solid"/>
-            <a:round/>
-            <a:headEnd type="none" w="med" len="med"/>
-            <a:tailEnd type="none" w="med" len="med"/>
-          </a:ln>
-        </p:spPr>
-        <p:txBody>
-          <a:bodyPr lIns="91425" tIns="91425" rIns="91425" bIns="91425" anchor="ctr" anchorCtr="0">
-            <a:noAutofit/>
-          </a:bodyPr>
-          <a:lstStyle/>
-          <a:p>
-            <a:pPr>
-              <a:spcBef>
-                <a:spcPts val="0"/>
-              </a:spcBef>
-              <a:buNone/>
-            </a:pPr>
-            <a:endParaRPr/>
-          </a:p>
-        </p:txBody>
-      </p:sp>
       <p:cxnSp>
         <p:nvCxnSpPr>
-          <p:cNvPr id="9" name="直線矢印コネクタ 8"/>
+          <p:cNvPr id="7" name="直線矢印コネクタ 6"/>
           <p:cNvCxnSpPr/>
           <p:nvPr/>
         </p:nvCxnSpPr>
         <p:spPr>
           <a:xfrm>
-            <a:off x="1341543" y="1159973"/>
+            <a:off x="1686834" y="1211045"/>
             <a:ext cx="4320" cy="428789"/>
           </a:xfrm>
           <a:prstGeom prst="straightConnector1">
@@ -9597,46 +13355,16 @@
       </p:cxnSp>
       <p:sp>
         <p:nvSpPr>
-          <p:cNvPr id="10" name="テキスト ボックス 9"/>
-          <p:cNvSpPr txBox="1"/>
-          <p:nvPr/>
-        </p:nvSpPr>
-        <p:spPr>
-          <a:xfrm>
-            <a:off x="724370" y="3263789"/>
-            <a:ext cx="1261884" cy="276999"/>
-          </a:xfrm>
-          <a:prstGeom prst="rect">
-            <a:avLst/>
-          </a:prstGeom>
-          <a:noFill/>
-        </p:spPr>
-        <p:txBody>
-          <a:bodyPr wrap="none" rtlCol="0">
-            <a:spAutoFit/>
-          </a:bodyPr>
-          <a:lstStyle/>
-          <a:p>
-            <a:r>
-              <a:rPr kumimoji="1" lang="ja-JP" altLang="en-US" sz="1200" b="1" dirty="0" smtClean="0"/>
-              <a:t>ログイン成功！</a:t>
-            </a:r>
-            <a:endParaRPr kumimoji="1" lang="ja-JP" altLang="en-US" sz="1200" b="1" dirty="0"/>
-          </a:p>
-        </p:txBody>
-      </p:sp>
-      <p:sp>
-        <p:nvSpPr>
-          <p:cNvPr id="11" name="Shape 51"/>
+          <p:cNvPr id="8" name="Shape 52"/>
           <p:cNvSpPr/>
           <p:nvPr/>
         </p:nvSpPr>
         <p:spPr>
           <a:xfrm>
-            <a:off x="488051" y="2308140"/>
-            <a:ext cx="1731477" cy="585005"/>
-          </a:xfrm>
-          <a:prstGeom prst="flowChartDecision">
+            <a:off x="838692" y="1604135"/>
+            <a:ext cx="1712970" cy="275465"/>
+          </a:xfrm>
+          <a:prstGeom prst="flowChartProcess">
             <a:avLst/>
           </a:prstGeom>
           <a:solidFill>
@@ -9670,21 +13398,57 @@
       </p:sp>
       <p:sp>
         <p:nvSpPr>
-          <p:cNvPr id="12" name="Shape 52"/>
+          <p:cNvPr id="9" name="テキスト ボックス 8"/>
+          <p:cNvSpPr txBox="1"/>
+          <p:nvPr/>
+        </p:nvSpPr>
+        <p:spPr>
+          <a:xfrm>
+            <a:off x="721425" y="1602601"/>
+            <a:ext cx="1920117" cy="276999"/>
+          </a:xfrm>
+          <a:prstGeom prst="rect">
+            <a:avLst/>
+          </a:prstGeom>
+          <a:noFill/>
+        </p:spPr>
+        <p:txBody>
+          <a:bodyPr wrap="none" rtlCol="0">
+            <a:spAutoFit/>
+          </a:bodyPr>
+          <a:lstStyle/>
+          <a:p>
+            <a:r>
+              <a:rPr kumimoji="1" lang="en-US" altLang="ja-JP" sz="1200" b="1" dirty="0" smtClean="0"/>
+              <a:t>『</a:t>
+            </a:r>
+            <a:r>
+              <a:rPr kumimoji="1" lang="en-US" altLang="ja-JP" sz="1200" b="1" dirty="0" err="1" smtClean="0"/>
+              <a:t>HelloWorld</a:t>
+            </a:r>
+            <a:r>
+              <a:rPr kumimoji="1" lang="ja-JP" altLang="en-US" sz="1200" b="1" dirty="0" smtClean="0"/>
+              <a:t>！」を入力</a:t>
+            </a:r>
+            <a:endParaRPr kumimoji="1" lang="ja-JP" altLang="en-US" sz="1200" b="1" dirty="0"/>
+          </a:p>
+        </p:txBody>
+      </p:sp>
+      <p:sp>
+        <p:nvSpPr>
+          <p:cNvPr id="10" name="Shape 51"/>
           <p:cNvSpPr/>
           <p:nvPr/>
         </p:nvSpPr>
         <p:spPr>
           <a:xfrm>
-            <a:off x="489378" y="1593296"/>
-            <a:ext cx="1712970" cy="388894"/>
-          </a:xfrm>
-          <a:prstGeom prst="flowChartProcess">
-            <a:avLst/>
-          </a:prstGeom>
-          <a:solidFill>
-            <a:srgbClr val="FFFFFF"/>
-          </a:solidFill>
+            <a:off x="787997" y="2619146"/>
+            <a:ext cx="1731477" cy="378054"/>
+          </a:xfrm>
+          <a:prstGeom prst="flowChartDecision">
+            <a:avLst/>
+          </a:prstGeom>
+          <a:noFill/>
           <a:ln w="9525" cap="flat" cmpd="sng">
             <a:solidFill>
               <a:srgbClr val="000000"/>
@@ -9711,18 +13475,182 @@
           </a:p>
         </p:txBody>
       </p:sp>
+      <p:sp>
+        <p:nvSpPr>
+          <p:cNvPr id="12" name="フローチャート: 手作業 11"/>
+          <p:cNvSpPr/>
+          <p:nvPr/>
+        </p:nvSpPr>
+        <p:spPr>
+          <a:xfrm rot="10800000">
+            <a:off x="5093603" y="1966647"/>
+            <a:ext cx="2194117" cy="227166"/>
+          </a:xfrm>
+          <a:prstGeom prst="flowChartManualOperation">
+            <a:avLst/>
+          </a:prstGeom>
+          <a:noFill/>
+          <a:ln>
+            <a:solidFill>
+              <a:srgbClr val="000000"/>
+            </a:solidFill>
+          </a:ln>
+        </p:spPr>
+        <p:style>
+          <a:lnRef idx="1">
+            <a:schemeClr val="accent1"/>
+          </a:lnRef>
+          <a:fillRef idx="3">
+            <a:schemeClr val="accent1"/>
+          </a:fillRef>
+          <a:effectRef idx="2">
+            <a:schemeClr val="accent1"/>
+          </a:effectRef>
+          <a:fontRef idx="minor">
+            <a:schemeClr val="lt1"/>
+          </a:fontRef>
+        </p:style>
+        <p:txBody>
+          <a:bodyPr/>
+          <a:lstStyle/>
+          <a:p>
+            <a:endParaRPr lang="ja-JP" altLang="en-US"/>
+          </a:p>
+        </p:txBody>
+      </p:sp>
+      <p:sp>
+        <p:nvSpPr>
+          <p:cNvPr id="13" name="フローチャート: 手作業 12"/>
+          <p:cNvSpPr/>
+          <p:nvPr/>
+        </p:nvSpPr>
+        <p:spPr>
+          <a:xfrm>
+            <a:off x="5093603" y="2997200"/>
+            <a:ext cx="2194117" cy="210533"/>
+          </a:xfrm>
+          <a:prstGeom prst="flowChartManualOperation">
+            <a:avLst/>
+          </a:prstGeom>
+          <a:noFill/>
+          <a:ln>
+            <a:solidFill>
+              <a:srgbClr val="000000"/>
+            </a:solidFill>
+          </a:ln>
+        </p:spPr>
+        <p:style>
+          <a:lnRef idx="1">
+            <a:schemeClr val="accent1"/>
+          </a:lnRef>
+          <a:fillRef idx="3">
+            <a:schemeClr val="accent1"/>
+          </a:fillRef>
+          <a:effectRef idx="2">
+            <a:schemeClr val="accent1"/>
+          </a:effectRef>
+          <a:fontRef idx="minor">
+            <a:schemeClr val="lt1"/>
+          </a:fontRef>
+        </p:style>
+        <p:txBody>
+          <a:bodyPr/>
+          <a:lstStyle/>
+          <a:p>
+            <a:endParaRPr lang="ja-JP" altLang="en-US"/>
+          </a:p>
+        </p:txBody>
+      </p:sp>
+      <p:sp>
+        <p:nvSpPr>
+          <p:cNvPr id="14" name="Shape 52"/>
+          <p:cNvSpPr/>
+          <p:nvPr/>
+        </p:nvSpPr>
+        <p:spPr>
+          <a:xfrm>
+            <a:off x="838693" y="2097176"/>
+            <a:ext cx="1712970" cy="246221"/>
+          </a:xfrm>
+          <a:prstGeom prst="flowChartProcess">
+            <a:avLst/>
+          </a:prstGeom>
+          <a:noFill/>
+          <a:ln w="9525" cap="flat" cmpd="sng">
+            <a:solidFill>
+              <a:srgbClr val="000000"/>
+            </a:solidFill>
+            <a:prstDash val="solid"/>
+            <a:round/>
+            <a:headEnd type="none" w="med" len="med"/>
+            <a:tailEnd type="none" w="med" len="med"/>
+          </a:ln>
+        </p:spPr>
+        <p:txBody>
+          <a:bodyPr lIns="91425" tIns="91425" rIns="91425" bIns="91425" anchor="ctr" anchorCtr="0">
+            <a:noAutofit/>
+          </a:bodyPr>
+          <a:lstStyle/>
+          <a:p>
+            <a:pPr>
+              <a:spcBef>
+                <a:spcPts val="0"/>
+              </a:spcBef>
+              <a:buNone/>
+            </a:pPr>
+            <a:endParaRPr/>
+          </a:p>
+        </p:txBody>
+      </p:sp>
+      <p:sp>
+        <p:nvSpPr>
+          <p:cNvPr id="15" name="テキスト ボックス 14"/>
+          <p:cNvSpPr txBox="1"/>
+          <p:nvPr/>
+        </p:nvSpPr>
+        <p:spPr>
+          <a:xfrm>
+            <a:off x="656658" y="2073317"/>
+            <a:ext cx="1984884" cy="276999"/>
+          </a:xfrm>
+          <a:prstGeom prst="rect">
+            <a:avLst/>
+          </a:prstGeom>
+          <a:noFill/>
+        </p:spPr>
+        <p:txBody>
+          <a:bodyPr wrap="square" rtlCol="0">
+            <a:spAutoFit/>
+          </a:bodyPr>
+          <a:lstStyle/>
+          <a:p>
+            <a:pPr algn="ctr"/>
+            <a:r>
+              <a:rPr kumimoji="1" lang="ja-JP" altLang="en-US" sz="1200" b="1" dirty="0" smtClean="0"/>
+              <a:t>「</a:t>
+            </a:r>
+            <a:r>
+              <a:rPr kumimoji="1" lang="en-US" altLang="ja-JP" sz="1200" b="1" dirty="0" err="1" smtClean="0"/>
+              <a:t>HelloWorld</a:t>
+            </a:r>
+            <a:r>
+              <a:rPr kumimoji="1" lang="ja-JP" altLang="en-US" sz="1200" b="1" dirty="0" smtClean="0"/>
+              <a:t>！」を表示</a:t>
+            </a:r>
+            <a:endParaRPr kumimoji="1" lang="ja-JP" altLang="en-US" sz="1200" b="1" dirty="0"/>
+          </a:p>
+        </p:txBody>
+      </p:sp>
       <p:cxnSp>
         <p:nvCxnSpPr>
-          <p:cNvPr id="13" name="直線矢印コネクタ 12"/>
-          <p:cNvCxnSpPr>
-            <a:stCxn id="8" idx="2"/>
-          </p:cNvCxnSpPr>
+          <p:cNvPr id="16" name="直線矢印コネクタ 15"/>
+          <p:cNvCxnSpPr/>
           <p:nvPr/>
         </p:nvCxnSpPr>
         <p:spPr>
           <a:xfrm>
-            <a:off x="1353790" y="3608322"/>
-            <a:ext cx="5843" cy="1096459"/>
+            <a:off x="1691154" y="2362490"/>
+            <a:ext cx="3660" cy="256656"/>
           </a:xfrm>
           <a:prstGeom prst="straightConnector1">
             <a:avLst/>
@@ -9751,178 +13679,14 @@
       </p:cxnSp>
       <p:cxnSp>
         <p:nvCxnSpPr>
-          <p:cNvPr id="14" name="直線矢印コネクタ 13"/>
+          <p:cNvPr id="17" name="直線矢印コネクタ 16"/>
           <p:cNvCxnSpPr/>
           <p:nvPr/>
         </p:nvCxnSpPr>
         <p:spPr>
-          <a:xfrm>
-            <a:off x="1349470" y="1982190"/>
-            <a:ext cx="4320" cy="325950"/>
-          </a:xfrm>
-          <a:prstGeom prst="straightConnector1">
-            <a:avLst/>
-          </a:prstGeom>
-          <a:ln>
-            <a:solidFill>
-              <a:srgbClr val="000000"/>
-            </a:solidFill>
-            <a:tailEnd type="arrow"/>
-          </a:ln>
-        </p:spPr>
-        <p:style>
-          <a:lnRef idx="2">
-            <a:schemeClr val="accent1"/>
-          </a:lnRef>
-          <a:fillRef idx="0">
-            <a:schemeClr val="accent1"/>
-          </a:fillRef>
-          <a:effectRef idx="1">
-            <a:schemeClr val="accent1"/>
-          </a:effectRef>
-          <a:fontRef idx="minor">
-            <a:schemeClr val="tx1"/>
-          </a:fontRef>
-        </p:style>
-      </p:cxnSp>
-      <p:sp>
-        <p:nvSpPr>
-          <p:cNvPr id="15" name="テキスト ボックス 14"/>
-          <p:cNvSpPr txBox="1"/>
-          <p:nvPr/>
-        </p:nvSpPr>
-        <p:spPr>
-          <a:xfrm>
-            <a:off x="665335" y="2463837"/>
-            <a:ext cx="1536619" cy="261610"/>
-          </a:xfrm>
-          <a:prstGeom prst="rect">
-            <a:avLst/>
-          </a:prstGeom>
-          <a:noFill/>
-        </p:spPr>
-        <p:txBody>
-          <a:bodyPr wrap="square" rtlCol="0">
-            <a:spAutoFit/>
-          </a:bodyPr>
-          <a:lstStyle/>
-          <a:p>
-            <a:r>
-              <a:rPr kumimoji="1" lang="ja-JP" altLang="ja-JP" sz="1100" b="1" dirty="0"/>
-              <a:t>　</a:t>
-            </a:r>
-            <a:r>
-              <a:rPr kumimoji="1" lang="ja-JP" altLang="en-US" sz="1100" b="1" dirty="0" smtClean="0"/>
-              <a:t>３回目の表示？</a:t>
-            </a:r>
-            <a:endParaRPr kumimoji="1" lang="en-US" altLang="ja-JP" sz="1100" b="1" dirty="0" smtClean="0"/>
-          </a:p>
-        </p:txBody>
-      </p:sp>
-      <p:sp>
-        <p:nvSpPr>
-          <p:cNvPr id="16" name="テキスト ボックス 15"/>
-          <p:cNvSpPr txBox="1"/>
-          <p:nvPr/>
-        </p:nvSpPr>
-        <p:spPr>
-          <a:xfrm rot="19990236">
-            <a:off x="701726" y="2846176"/>
-            <a:ext cx="492593" cy="276999"/>
-          </a:xfrm>
-          <a:prstGeom prst="rect">
-            <a:avLst/>
-          </a:prstGeom>
-          <a:noFill/>
-        </p:spPr>
-        <p:txBody>
-          <a:bodyPr wrap="none" rtlCol="0">
-            <a:spAutoFit/>
-          </a:bodyPr>
-          <a:lstStyle/>
-          <a:p>
-            <a:r>
-              <a:rPr kumimoji="1" lang="en-US" altLang="ja-JP" sz="1200" dirty="0" smtClean="0"/>
-              <a:t>YES</a:t>
-            </a:r>
-            <a:endParaRPr kumimoji="1" lang="ja-JP" altLang="en-US" sz="1200" dirty="0"/>
-          </a:p>
-        </p:txBody>
-      </p:sp>
-      <p:sp>
-        <p:nvSpPr>
-          <p:cNvPr id="17" name="テキスト ボックス 16"/>
-          <p:cNvSpPr txBox="1"/>
-          <p:nvPr/>
-        </p:nvSpPr>
-        <p:spPr>
-          <a:xfrm rot="2030756">
-            <a:off x="2339732" y="2335741"/>
-            <a:ext cx="415498" cy="276999"/>
-          </a:xfrm>
-          <a:prstGeom prst="rect">
-            <a:avLst/>
-          </a:prstGeom>
-          <a:noFill/>
-        </p:spPr>
-        <p:txBody>
-          <a:bodyPr wrap="none" rtlCol="0">
-            <a:spAutoFit/>
-          </a:bodyPr>
-          <a:lstStyle/>
-          <a:p>
-            <a:r>
-              <a:rPr kumimoji="1" lang="en-US" altLang="ja-JP" sz="1200" dirty="0" smtClean="0"/>
-              <a:t>NO</a:t>
-            </a:r>
-            <a:endParaRPr kumimoji="1" lang="ja-JP" altLang="en-US" sz="1200" dirty="0"/>
-          </a:p>
-        </p:txBody>
-      </p:sp>
-      <p:sp>
-        <p:nvSpPr>
-          <p:cNvPr id="18" name="テキスト ボックス 17"/>
-          <p:cNvSpPr txBox="1"/>
-          <p:nvPr/>
-        </p:nvSpPr>
-        <p:spPr>
-          <a:xfrm>
-            <a:off x="585747" y="1638017"/>
-            <a:ext cx="1633781" cy="307777"/>
-          </a:xfrm>
-          <a:prstGeom prst="rect">
-            <a:avLst/>
-          </a:prstGeom>
-          <a:noFill/>
-        </p:spPr>
-        <p:txBody>
-          <a:bodyPr wrap="none" rtlCol="0">
-            <a:spAutoFit/>
-          </a:bodyPr>
-          <a:lstStyle/>
-          <a:p>
-            <a:r>
-              <a:rPr kumimoji="1" lang="en-US" altLang="ja-JP" dirty="0" err="1" smtClean="0"/>
-              <a:t>HellwWorld</a:t>
-            </a:r>
-            <a:r>
-              <a:rPr kumimoji="1" lang="ja-JP" altLang="en-US" dirty="0" smtClean="0"/>
-              <a:t>と表示</a:t>
-            </a:r>
-            <a:endParaRPr kumimoji="1" lang="ja-JP" altLang="en-US" dirty="0"/>
-          </a:p>
-        </p:txBody>
-      </p:sp>
-      <p:cxnSp>
-        <p:nvCxnSpPr>
-          <p:cNvPr id="19" name="直線矢印コネクタ 18"/>
-          <p:cNvCxnSpPr/>
-          <p:nvPr/>
-        </p:nvCxnSpPr>
-        <p:spPr>
-          <a:xfrm>
-            <a:off x="1343703" y="2893478"/>
-            <a:ext cx="4320" cy="325950"/>
+          <a:xfrm flipH="1">
+            <a:off x="1718312" y="1308100"/>
+            <a:ext cx="1337327" cy="0"/>
           </a:xfrm>
           <a:prstGeom prst="straightConnector1">
             <a:avLst/>
@@ -9951,136 +13715,17 @@
       </p:cxnSp>
       <p:cxnSp>
         <p:nvCxnSpPr>
-          <p:cNvPr id="24" name="カギ線コネクタ 23"/>
-          <p:cNvCxnSpPr>
-            <a:stCxn id="11" idx="3"/>
-          </p:cNvCxnSpPr>
+          <p:cNvPr id="18" name="直線矢印コネクタ 17"/>
+          <p:cNvCxnSpPr/>
           <p:nvPr/>
         </p:nvCxnSpPr>
         <p:spPr>
-          <a:xfrm>
-            <a:off x="2219528" y="2600643"/>
-            <a:ext cx="1331599" cy="292502"/>
-          </a:xfrm>
-          <a:prstGeom prst="bentConnector3">
-            <a:avLst>
-              <a:gd name="adj1" fmla="val 101502"/>
-            </a:avLst>
-          </a:prstGeom>
-          <a:ln>
-            <a:solidFill>
-              <a:srgbClr val="000000"/>
-            </a:solidFill>
-            <a:tailEnd type="arrow"/>
-          </a:ln>
-        </p:spPr>
-        <p:style>
-          <a:lnRef idx="2">
-            <a:schemeClr val="accent1"/>
-          </a:lnRef>
-          <a:fillRef idx="0">
-            <a:schemeClr val="accent1"/>
-          </a:fillRef>
-          <a:effectRef idx="1">
-            <a:schemeClr val="accent1"/>
-          </a:effectRef>
-          <a:fontRef idx="minor">
-            <a:schemeClr val="tx1"/>
-          </a:fontRef>
-        </p:style>
-      </p:cxnSp>
-      <p:sp>
-        <p:nvSpPr>
-          <p:cNvPr id="49" name="Shape 51"/>
-          <p:cNvSpPr/>
-          <p:nvPr/>
-        </p:nvSpPr>
-        <p:spPr>
-          <a:xfrm>
-            <a:off x="2685388" y="2893145"/>
-            <a:ext cx="1731477" cy="585005"/>
-          </a:xfrm>
-          <a:prstGeom prst="flowChartDecision">
-            <a:avLst/>
-          </a:prstGeom>
-          <a:solidFill>
-            <a:srgbClr val="FFFFFF"/>
-          </a:solidFill>
-          <a:ln w="9525" cap="flat" cmpd="sng">
-            <a:solidFill>
-              <a:srgbClr val="000000"/>
-            </a:solidFill>
-            <a:prstDash val="solid"/>
-            <a:round/>
-            <a:headEnd type="none" w="med" len="med"/>
-            <a:tailEnd type="none" w="med" len="med"/>
-          </a:ln>
-        </p:spPr>
-        <p:txBody>
-          <a:bodyPr lIns="91425" tIns="91425" rIns="91425" bIns="91425" anchor="ctr" anchorCtr="0">
-            <a:noAutofit/>
-          </a:bodyPr>
-          <a:lstStyle/>
-          <a:p>
-            <a:pPr>
-              <a:spcBef>
-                <a:spcPts val="0"/>
-              </a:spcBef>
-              <a:buNone/>
-            </a:pPr>
-            <a:endParaRPr/>
-          </a:p>
-        </p:txBody>
-      </p:sp>
-      <p:sp>
-        <p:nvSpPr>
-          <p:cNvPr id="50" name="テキスト ボックス 49"/>
-          <p:cNvSpPr txBox="1"/>
-          <p:nvPr/>
-        </p:nvSpPr>
-        <p:spPr>
-          <a:xfrm>
-            <a:off x="2862672" y="3048842"/>
-            <a:ext cx="1536619" cy="261610"/>
-          </a:xfrm>
-          <a:prstGeom prst="rect">
-            <a:avLst/>
-          </a:prstGeom>
-          <a:noFill/>
-        </p:spPr>
-        <p:txBody>
-          <a:bodyPr wrap="square" rtlCol="0">
-            <a:spAutoFit/>
-          </a:bodyPr>
-          <a:lstStyle/>
-          <a:p>
-            <a:r>
-              <a:rPr kumimoji="1" lang="ja-JP" altLang="ja-JP" sz="1100" b="1" dirty="0"/>
-              <a:t>　</a:t>
-            </a:r>
-            <a:r>
-              <a:rPr kumimoji="1" lang="ja-JP" altLang="en-US" sz="1100" b="1" dirty="0" smtClean="0"/>
-              <a:t>２回目の表示？</a:t>
-            </a:r>
-            <a:endParaRPr kumimoji="1" lang="en-US" altLang="ja-JP" sz="1100" b="1" dirty="0" smtClean="0"/>
-          </a:p>
-        </p:txBody>
-      </p:sp>
-      <p:cxnSp>
-        <p:nvCxnSpPr>
-          <p:cNvPr id="52" name="カギ線コネクタ 51"/>
-          <p:cNvCxnSpPr/>
-          <p:nvPr/>
-        </p:nvCxnSpPr>
-        <p:spPr>
-          <a:xfrm rot="10800000">
-            <a:off x="1359633" y="1324843"/>
-            <a:ext cx="3039659" cy="1863484"/>
-          </a:xfrm>
-          <a:prstGeom prst="bentConnector3">
-            <a:avLst>
-              <a:gd name="adj1" fmla="val -17267"/>
-            </a:avLst>
+          <a:xfrm flipH="1">
+            <a:off x="1681484" y="2997200"/>
+            <a:ext cx="9670" cy="1629968"/>
+          </a:xfrm>
+          <a:prstGeom prst="straightConnector1">
+            <a:avLst/>
           </a:prstGeom>
           <a:ln>
             <a:solidFill>
@@ -10106,18 +13751,16 @@
       </p:cxnSp>
       <p:cxnSp>
         <p:nvCxnSpPr>
-          <p:cNvPr id="55" name="カギ線コネクタ 54"/>
-          <p:cNvCxnSpPr>
-            <a:stCxn id="49" idx="2"/>
-          </p:cNvCxnSpPr>
+          <p:cNvPr id="19" name="直線矢印コネクタ 18"/>
+          <p:cNvCxnSpPr/>
           <p:nvPr/>
         </p:nvCxnSpPr>
         <p:spPr>
-          <a:xfrm rot="16200000" flipH="1">
-            <a:off x="3963350" y="3065926"/>
-            <a:ext cx="507153" cy="1331599"/>
-          </a:xfrm>
-          <a:prstGeom prst="bentConnector2">
+          <a:xfrm>
+            <a:off x="1684674" y="1867498"/>
+            <a:ext cx="4320" cy="207968"/>
+          </a:xfrm>
+          <a:prstGeom prst="straightConnector1">
             <a:avLst/>
           </a:prstGeom>
           <a:ln>
@@ -10144,14 +13787,14 @@
       </p:cxnSp>
       <p:sp>
         <p:nvSpPr>
-          <p:cNvPr id="57" name="テキスト ボックス 56"/>
+          <p:cNvPr id="20" name="テキスト ボックス 19"/>
           <p:cNvSpPr txBox="1"/>
           <p:nvPr/>
         </p:nvSpPr>
         <p:spPr>
-          <a:xfrm rot="19990236">
-            <a:off x="4452862" y="2801231"/>
-            <a:ext cx="492593" cy="276999"/>
+          <a:xfrm>
+            <a:off x="5371646" y="1940822"/>
+            <a:ext cx="1626786" cy="261610"/>
           </a:xfrm>
           <a:prstGeom prst="rect">
             <a:avLst/>
@@ -10165,6 +13808,154 @@
           <a:lstStyle/>
           <a:p>
             <a:r>
+              <a:rPr kumimoji="1" lang="en-US" altLang="ja-JP" sz="1100" dirty="0" smtClean="0"/>
+              <a:t>X</a:t>
+            </a:r>
+            <a:r>
+              <a:rPr kumimoji="1" lang="ja-JP" altLang="en-US" sz="1100" dirty="0" smtClean="0"/>
+              <a:t>の表示回数が</a:t>
+            </a:r>
+            <a:r>
+              <a:rPr kumimoji="1" lang="en-US" altLang="ja-JP" sz="1100" dirty="0" smtClean="0"/>
+              <a:t>3</a:t>
+            </a:r>
+            <a:r>
+              <a:rPr kumimoji="1" lang="ja-JP" altLang="en-US" sz="1100" dirty="0" smtClean="0"/>
+              <a:t>回以下</a:t>
+            </a:r>
+            <a:endParaRPr kumimoji="1" lang="ja-JP" altLang="en-US" sz="1100" dirty="0"/>
+          </a:p>
+        </p:txBody>
+      </p:sp>
+      <p:cxnSp>
+        <p:nvCxnSpPr>
+          <p:cNvPr id="22" name="直線コネクタ 21"/>
+          <p:cNvCxnSpPr/>
+          <p:nvPr/>
+        </p:nvCxnSpPr>
+        <p:spPr>
+          <a:xfrm>
+            <a:off x="2519474" y="2808922"/>
+            <a:ext cx="536165" cy="0"/>
+          </a:xfrm>
+          <a:prstGeom prst="line">
+            <a:avLst/>
+          </a:prstGeom>
+          <a:ln>
+            <a:solidFill>
+              <a:srgbClr val="000000"/>
+            </a:solidFill>
+          </a:ln>
+        </p:spPr>
+        <p:style>
+          <a:lnRef idx="2">
+            <a:schemeClr val="accent1"/>
+          </a:lnRef>
+          <a:fillRef idx="0">
+            <a:schemeClr val="accent1"/>
+          </a:fillRef>
+          <a:effectRef idx="1">
+            <a:schemeClr val="accent1"/>
+          </a:effectRef>
+          <a:fontRef idx="minor">
+            <a:schemeClr val="tx1"/>
+          </a:fontRef>
+        </p:style>
+      </p:cxnSp>
+      <p:cxnSp>
+        <p:nvCxnSpPr>
+          <p:cNvPr id="23" name="直線コネクタ 22"/>
+          <p:cNvCxnSpPr/>
+          <p:nvPr/>
+        </p:nvCxnSpPr>
+        <p:spPr>
+          <a:xfrm flipV="1">
+            <a:off x="3055639" y="1308101"/>
+            <a:ext cx="0" cy="1500821"/>
+          </a:xfrm>
+          <a:prstGeom prst="line">
+            <a:avLst/>
+          </a:prstGeom>
+          <a:ln>
+            <a:solidFill>
+              <a:srgbClr val="000000"/>
+            </a:solidFill>
+          </a:ln>
+        </p:spPr>
+        <p:style>
+          <a:lnRef idx="2">
+            <a:schemeClr val="accent1"/>
+          </a:lnRef>
+          <a:fillRef idx="0">
+            <a:schemeClr val="accent1"/>
+          </a:fillRef>
+          <a:effectRef idx="1">
+            <a:schemeClr val="accent1"/>
+          </a:effectRef>
+          <a:fontRef idx="minor">
+            <a:schemeClr val="tx1"/>
+          </a:fontRef>
+        </p:style>
+      </p:cxnSp>
+      <p:cxnSp>
+        <p:nvCxnSpPr>
+          <p:cNvPr id="24" name="直線矢印コネクタ 23"/>
+          <p:cNvCxnSpPr/>
+          <p:nvPr/>
+        </p:nvCxnSpPr>
+        <p:spPr>
+          <a:xfrm>
+            <a:off x="6112665" y="2193813"/>
+            <a:ext cx="0" cy="216197"/>
+          </a:xfrm>
+          <a:prstGeom prst="straightConnector1">
+            <a:avLst/>
+          </a:prstGeom>
+          <a:ln>
+            <a:solidFill>
+              <a:srgbClr val="000000"/>
+            </a:solidFill>
+            <a:tailEnd type="arrow"/>
+          </a:ln>
+        </p:spPr>
+        <p:style>
+          <a:lnRef idx="2">
+            <a:schemeClr val="accent1"/>
+          </a:lnRef>
+          <a:fillRef idx="0">
+            <a:schemeClr val="accent1"/>
+          </a:fillRef>
+          <a:effectRef idx="1">
+            <a:schemeClr val="accent1"/>
+          </a:effectRef>
+          <a:fontRef idx="minor">
+            <a:schemeClr val="tx1"/>
+          </a:fontRef>
+        </p:style>
+      </p:cxnSp>
+      <p:sp>
+        <p:nvSpPr>
+          <p:cNvPr id="25" name="テキスト ボックス 24"/>
+          <p:cNvSpPr txBox="1"/>
+          <p:nvPr/>
+        </p:nvSpPr>
+        <p:spPr>
+          <a:xfrm rot="21006956">
+            <a:off x="1285649" y="2995951"/>
+            <a:ext cx="492593" cy="276999"/>
+          </a:xfrm>
+          <a:prstGeom prst="rect">
+            <a:avLst/>
+          </a:prstGeom>
+          <a:noFill/>
+        </p:spPr>
+        <p:txBody>
+          <a:bodyPr wrap="none" rtlCol="0">
+            <a:spAutoFit/>
+          </a:bodyPr>
+          <a:lstStyle/>
+          <a:p>
+            <a:r>
               <a:rPr kumimoji="1" lang="en-US" altLang="ja-JP" sz="1200" dirty="0" smtClean="0"/>
               <a:t>YES</a:t>
             </a:r>
@@ -10174,14 +13965,14 @@
       </p:sp>
       <p:sp>
         <p:nvSpPr>
-          <p:cNvPr id="58" name="テキスト ボックス 57"/>
+          <p:cNvPr id="26" name="テキスト ボックス 25"/>
           <p:cNvSpPr txBox="1"/>
           <p:nvPr/>
         </p:nvSpPr>
         <p:spPr>
-          <a:xfrm rot="19729036">
-            <a:off x="3220696" y="3718782"/>
-            <a:ext cx="415498" cy="276999"/>
+          <a:xfrm rot="20673749">
+            <a:off x="2857508" y="2737254"/>
+            <a:ext cx="396262" cy="261610"/>
           </a:xfrm>
           <a:prstGeom prst="rect">
             <a:avLst/>
@@ -10195,30 +13986,115 @@
           <a:lstStyle/>
           <a:p>
             <a:r>
-              <a:rPr kumimoji="1" lang="en-US" altLang="ja-JP" sz="1200" dirty="0" smtClean="0"/>
+              <a:rPr kumimoji="1" lang="en-US" altLang="ja-JP" sz="1100" dirty="0" smtClean="0"/>
               <a:t>NO</a:t>
             </a:r>
-            <a:endParaRPr kumimoji="1" lang="ja-JP" altLang="en-US" sz="1200" dirty="0"/>
-          </a:p>
-        </p:txBody>
-      </p:sp>
-      <p:sp>
-        <p:nvSpPr>
-          <p:cNvPr id="59" name="Shape 51"/>
+            <a:endParaRPr kumimoji="1" lang="ja-JP" altLang="en-US" sz="1100" dirty="0"/>
+          </a:p>
+        </p:txBody>
+      </p:sp>
+      <p:sp>
+        <p:nvSpPr>
+          <p:cNvPr id="30" name="テキスト ボックス 29"/>
+          <p:cNvSpPr txBox="1"/>
+          <p:nvPr/>
+        </p:nvSpPr>
+        <p:spPr>
+          <a:xfrm>
+            <a:off x="7287721" y="1915273"/>
+            <a:ext cx="3037523" cy="523220"/>
+          </a:xfrm>
+          <a:prstGeom prst="rect">
+            <a:avLst/>
+          </a:prstGeom>
+          <a:noFill/>
+        </p:spPr>
+        <p:txBody>
+          <a:bodyPr wrap="none" rtlCol="0">
+            <a:spAutoFit/>
+          </a:bodyPr>
+          <a:lstStyle/>
+          <a:p>
+            <a:r>
+              <a:rPr kumimoji="1" lang="ja-JP" altLang="en-US" dirty="0" smtClean="0"/>
+              <a:t>「</a:t>
+            </a:r>
+            <a:r>
+              <a:rPr kumimoji="1" lang="en-US" altLang="ja-JP" dirty="0" err="1" smtClean="0"/>
+              <a:t>HelloWorld</a:t>
+            </a:r>
+            <a:r>
+              <a:rPr kumimoji="1" lang="ja-JP" altLang="en-US" dirty="0" smtClean="0"/>
+              <a:t>」を３回表示するまで</a:t>
+            </a:r>
+            <a:endParaRPr kumimoji="1" lang="en-US" altLang="ja-JP" dirty="0" smtClean="0"/>
+          </a:p>
+          <a:p>
+            <a:r>
+              <a:rPr kumimoji="1" lang="ja-JP" altLang="en-US" dirty="0" smtClean="0"/>
+              <a:t>繰り返しますよ</a:t>
+            </a:r>
+            <a:r>
+              <a:rPr kumimoji="1" lang="en-US" altLang="ja-JP" dirty="0" smtClean="0"/>
+              <a:t>〜</a:t>
+            </a:r>
+            <a:r>
+              <a:rPr kumimoji="1" lang="ja-JP" altLang="en-US" dirty="0" smtClean="0"/>
+              <a:t>的な？</a:t>
+            </a:r>
+            <a:endParaRPr kumimoji="1" lang="ja-JP" altLang="en-US" dirty="0"/>
+          </a:p>
+        </p:txBody>
+      </p:sp>
+      <p:sp>
+        <p:nvSpPr>
+          <p:cNvPr id="33" name="テキスト ボックス 32"/>
+          <p:cNvSpPr txBox="1"/>
+          <p:nvPr/>
+        </p:nvSpPr>
+        <p:spPr>
+          <a:xfrm>
+            <a:off x="1351658" y="2678116"/>
+            <a:ext cx="686312" cy="261610"/>
+          </a:xfrm>
+          <a:prstGeom prst="rect">
+            <a:avLst/>
+          </a:prstGeom>
+          <a:noFill/>
+        </p:spPr>
+        <p:txBody>
+          <a:bodyPr wrap="none" rtlCol="0">
+            <a:spAutoFit/>
+          </a:bodyPr>
+          <a:lstStyle/>
+          <a:p>
+            <a:r>
+              <a:rPr kumimoji="1" lang="en-US" altLang="ja-JP" sz="1100" dirty="0" smtClean="0"/>
+              <a:t>3</a:t>
+            </a:r>
+            <a:r>
+              <a:rPr kumimoji="1" lang="ja-JP" altLang="en-US" sz="1100" dirty="0" smtClean="0"/>
+              <a:t>回目？</a:t>
+            </a:r>
+            <a:endParaRPr kumimoji="1" lang="ja-JP" altLang="en-US" sz="1100" dirty="0"/>
+          </a:p>
+        </p:txBody>
+      </p:sp>
+      <p:sp>
+        <p:nvSpPr>
+          <p:cNvPr id="43" name="Shape 50"/>
           <p:cNvSpPr/>
           <p:nvPr/>
         </p:nvSpPr>
         <p:spPr>
           <a:xfrm>
-            <a:off x="4882726" y="3692800"/>
-            <a:ext cx="1731477" cy="585005"/>
-          </a:xfrm>
-          <a:prstGeom prst="flowChartDecision">
-            <a:avLst/>
-          </a:prstGeom>
-          <a:solidFill>
-            <a:srgbClr val="FFFFFF"/>
-          </a:solidFill>
+            <a:off x="5426446" y="868770"/>
+            <a:ext cx="1367632" cy="318661"/>
+          </a:xfrm>
+          <a:prstGeom prst="flowChartTerminator">
+            <a:avLst/>
+          </a:prstGeom>
+          <a:noFill/>
           <a:ln w="9525" cap="flat" cmpd="sng">
             <a:solidFill>
               <a:srgbClr val="000000"/>
@@ -10247,14 +14123,315 @@
       </p:sp>
       <p:sp>
         <p:nvSpPr>
-          <p:cNvPr id="60" name="テキスト ボックス 59"/>
+          <p:cNvPr id="44" name="テキスト ボックス 43"/>
           <p:cNvSpPr txBox="1"/>
           <p:nvPr/>
         </p:nvSpPr>
         <p:spPr>
           <a:xfrm>
-            <a:off x="5060010" y="3848497"/>
-            <a:ext cx="1536619" cy="261610"/>
+            <a:off x="5756912" y="799128"/>
+            <a:ext cx="683475" cy="400110"/>
+          </a:xfrm>
+          <a:prstGeom prst="rect">
+            <a:avLst/>
+          </a:prstGeom>
+          <a:noFill/>
+        </p:spPr>
+        <p:txBody>
+          <a:bodyPr wrap="none" rtlCol="0">
+            <a:spAutoFit/>
+          </a:bodyPr>
+          <a:lstStyle/>
+          <a:p>
+            <a:r>
+              <a:rPr kumimoji="1" lang="en-US" altLang="ja-JP" sz="2000" dirty="0" smtClean="0"/>
+              <a:t>start</a:t>
+            </a:r>
+            <a:endParaRPr kumimoji="1" lang="ja-JP" altLang="en-US" sz="2000" dirty="0"/>
+          </a:p>
+        </p:txBody>
+      </p:sp>
+      <p:sp>
+        <p:nvSpPr>
+          <p:cNvPr id="45" name="Shape 50"/>
+          <p:cNvSpPr/>
+          <p:nvPr/>
+        </p:nvSpPr>
+        <p:spPr>
+          <a:xfrm>
+            <a:off x="5392857" y="4684599"/>
+            <a:ext cx="1367632" cy="318661"/>
+          </a:xfrm>
+          <a:prstGeom prst="flowChartTerminator">
+            <a:avLst/>
+          </a:prstGeom>
+          <a:noFill/>
+          <a:ln w="9525" cap="flat" cmpd="sng">
+            <a:solidFill>
+              <a:srgbClr val="000000"/>
+            </a:solidFill>
+            <a:prstDash val="solid"/>
+            <a:round/>
+            <a:headEnd type="none" w="med" len="med"/>
+            <a:tailEnd type="none" w="med" len="med"/>
+          </a:ln>
+        </p:spPr>
+        <p:txBody>
+          <a:bodyPr lIns="91425" tIns="91425" rIns="91425" bIns="91425" anchor="ctr" anchorCtr="0">
+            <a:noAutofit/>
+          </a:bodyPr>
+          <a:lstStyle/>
+          <a:p>
+            <a:pPr>
+              <a:spcBef>
+                <a:spcPts val="0"/>
+              </a:spcBef>
+              <a:buNone/>
+            </a:pPr>
+            <a:endParaRPr/>
+          </a:p>
+        </p:txBody>
+      </p:sp>
+      <p:sp>
+        <p:nvSpPr>
+          <p:cNvPr id="46" name="テキスト ボックス 45"/>
+          <p:cNvSpPr txBox="1"/>
+          <p:nvPr/>
+        </p:nvSpPr>
+        <p:spPr>
+          <a:xfrm>
+            <a:off x="5775015" y="4614957"/>
+            <a:ext cx="612593" cy="400110"/>
+          </a:xfrm>
+          <a:prstGeom prst="rect">
+            <a:avLst/>
+          </a:prstGeom>
+          <a:noFill/>
+        </p:spPr>
+        <p:txBody>
+          <a:bodyPr wrap="none" rtlCol="0">
+            <a:spAutoFit/>
+          </a:bodyPr>
+          <a:lstStyle/>
+          <a:p>
+            <a:r>
+              <a:rPr kumimoji="1" lang="en-US" altLang="ja-JP" sz="2000" dirty="0" smtClean="0"/>
+              <a:t>end</a:t>
+            </a:r>
+            <a:endParaRPr kumimoji="1" lang="ja-JP" altLang="en-US" sz="2000" dirty="0"/>
+          </a:p>
+        </p:txBody>
+      </p:sp>
+      <p:cxnSp>
+        <p:nvCxnSpPr>
+          <p:cNvPr id="47" name="直線矢印コネクタ 46"/>
+          <p:cNvCxnSpPr/>
+          <p:nvPr/>
+        </p:nvCxnSpPr>
+        <p:spPr>
+          <a:xfrm>
+            <a:off x="6114507" y="1199238"/>
+            <a:ext cx="4320" cy="273962"/>
+          </a:xfrm>
+          <a:prstGeom prst="straightConnector1">
+            <a:avLst/>
+          </a:prstGeom>
+          <a:ln>
+            <a:solidFill>
+              <a:srgbClr val="000000"/>
+            </a:solidFill>
+            <a:tailEnd type="arrow"/>
+          </a:ln>
+        </p:spPr>
+        <p:style>
+          <a:lnRef idx="2">
+            <a:schemeClr val="accent1"/>
+          </a:lnRef>
+          <a:fillRef idx="0">
+            <a:schemeClr val="accent1"/>
+          </a:fillRef>
+          <a:effectRef idx="1">
+            <a:schemeClr val="accent1"/>
+          </a:effectRef>
+          <a:fontRef idx="minor">
+            <a:schemeClr val="tx1"/>
+          </a:fontRef>
+        </p:style>
+      </p:cxnSp>
+      <p:cxnSp>
+        <p:nvCxnSpPr>
+          <p:cNvPr id="54" name="直線矢印コネクタ 53"/>
+          <p:cNvCxnSpPr/>
+          <p:nvPr/>
+        </p:nvCxnSpPr>
+        <p:spPr>
+          <a:xfrm>
+            <a:off x="6067003" y="3207733"/>
+            <a:ext cx="0" cy="1468679"/>
+          </a:xfrm>
+          <a:prstGeom prst="straightConnector1">
+            <a:avLst/>
+          </a:prstGeom>
+          <a:ln>
+            <a:solidFill>
+              <a:srgbClr val="000000"/>
+            </a:solidFill>
+            <a:tailEnd type="arrow"/>
+          </a:ln>
+        </p:spPr>
+        <p:style>
+          <a:lnRef idx="2">
+            <a:schemeClr val="accent1"/>
+          </a:lnRef>
+          <a:fillRef idx="0">
+            <a:schemeClr val="accent1"/>
+          </a:fillRef>
+          <a:effectRef idx="1">
+            <a:schemeClr val="accent1"/>
+          </a:effectRef>
+          <a:fontRef idx="minor">
+            <a:schemeClr val="tx1"/>
+          </a:fontRef>
+        </p:style>
+      </p:cxnSp>
+      <p:sp>
+        <p:nvSpPr>
+          <p:cNvPr id="62" name="Shape 52"/>
+          <p:cNvSpPr/>
+          <p:nvPr/>
+        </p:nvSpPr>
+        <p:spPr>
+          <a:xfrm>
+            <a:off x="5298260" y="1474734"/>
+            <a:ext cx="1712970" cy="275465"/>
+          </a:xfrm>
+          <a:prstGeom prst="flowChartProcess">
+            <a:avLst/>
+          </a:prstGeom>
+          <a:noFill/>
+          <a:ln w="9525" cap="flat" cmpd="sng">
+            <a:solidFill>
+              <a:srgbClr val="000000"/>
+            </a:solidFill>
+            <a:prstDash val="solid"/>
+            <a:round/>
+            <a:headEnd type="none" w="med" len="med"/>
+            <a:tailEnd type="none" w="med" len="med"/>
+          </a:ln>
+        </p:spPr>
+        <p:txBody>
+          <a:bodyPr lIns="91425" tIns="91425" rIns="91425" bIns="91425" anchor="ctr" anchorCtr="0">
+            <a:noAutofit/>
+          </a:bodyPr>
+          <a:lstStyle/>
+          <a:p>
+            <a:pPr>
+              <a:spcBef>
+                <a:spcPts val="0"/>
+              </a:spcBef>
+              <a:buNone/>
+            </a:pPr>
+            <a:endParaRPr/>
+          </a:p>
+        </p:txBody>
+      </p:sp>
+      <p:sp>
+        <p:nvSpPr>
+          <p:cNvPr id="63" name="テキスト ボックス 62"/>
+          <p:cNvSpPr txBox="1"/>
+          <p:nvPr/>
+        </p:nvSpPr>
+        <p:spPr>
+          <a:xfrm>
+            <a:off x="5371646" y="1473200"/>
+            <a:ext cx="1646730" cy="276999"/>
+          </a:xfrm>
+          <a:prstGeom prst="rect">
+            <a:avLst/>
+          </a:prstGeom>
+          <a:noFill/>
+        </p:spPr>
+        <p:txBody>
+          <a:bodyPr wrap="none" rtlCol="0">
+            <a:spAutoFit/>
+          </a:bodyPr>
+          <a:lstStyle/>
+          <a:p>
+            <a:r>
+              <a:rPr kumimoji="1" lang="en-US" altLang="ja-JP" sz="1200" b="1" dirty="0"/>
+              <a:t>x</a:t>
+            </a:r>
+            <a:r>
+              <a:rPr kumimoji="1" lang="en-US" altLang="ja-JP" sz="1200" b="1" dirty="0" smtClean="0"/>
+              <a:t>=</a:t>
+            </a:r>
+            <a:r>
+              <a:rPr kumimoji="1" lang="ja-JP" altLang="en-US" sz="1200" b="1" dirty="0" smtClean="0"/>
+              <a:t>「</a:t>
+            </a:r>
+            <a:r>
+              <a:rPr kumimoji="1" lang="en-US" altLang="ja-JP" sz="1200" b="1" dirty="0" err="1" smtClean="0"/>
+              <a:t>HelloWorld</a:t>
+            </a:r>
+            <a:r>
+              <a:rPr kumimoji="1" lang="ja-JP" altLang="en-US" sz="1200" b="1" dirty="0" smtClean="0"/>
+              <a:t>！」</a:t>
+            </a:r>
+            <a:endParaRPr kumimoji="1" lang="ja-JP" altLang="en-US" sz="1200" b="1" dirty="0"/>
+          </a:p>
+        </p:txBody>
+      </p:sp>
+      <p:sp>
+        <p:nvSpPr>
+          <p:cNvPr id="64" name="Shape 52"/>
+          <p:cNvSpPr/>
+          <p:nvPr/>
+        </p:nvSpPr>
+        <p:spPr>
+          <a:xfrm>
+            <a:off x="5275639" y="2410010"/>
+            <a:ext cx="1712970" cy="246221"/>
+          </a:xfrm>
+          <a:prstGeom prst="flowChartProcess">
+            <a:avLst/>
+          </a:prstGeom>
+          <a:noFill/>
+          <a:ln w="9525" cap="flat" cmpd="sng">
+            <a:solidFill>
+              <a:srgbClr val="000000"/>
+            </a:solidFill>
+            <a:prstDash val="solid"/>
+            <a:round/>
+            <a:headEnd type="none" w="med" len="med"/>
+            <a:tailEnd type="none" w="med" len="med"/>
+          </a:ln>
+        </p:spPr>
+        <p:txBody>
+          <a:bodyPr lIns="91425" tIns="91425" rIns="91425" bIns="91425" anchor="ctr" anchorCtr="0">
+            <a:noAutofit/>
+          </a:bodyPr>
+          <a:lstStyle/>
+          <a:p>
+            <a:pPr>
+              <a:spcBef>
+                <a:spcPts val="0"/>
+              </a:spcBef>
+              <a:buNone/>
+            </a:pPr>
+            <a:endParaRPr/>
+          </a:p>
+        </p:txBody>
+      </p:sp>
+      <p:sp>
+        <p:nvSpPr>
+          <p:cNvPr id="65" name="テキスト ボックス 64"/>
+          <p:cNvSpPr txBox="1"/>
+          <p:nvPr/>
+        </p:nvSpPr>
+        <p:spPr>
+          <a:xfrm>
+            <a:off x="5093604" y="2386151"/>
+            <a:ext cx="1984884" cy="276999"/>
           </a:xfrm>
           <a:prstGeom prst="rect">
             <a:avLst/>
@@ -10267,15 +14444,272 @@
           </a:bodyPr>
           <a:lstStyle/>
           <a:p>
-            <a:r>
-              <a:rPr kumimoji="1" lang="ja-JP" altLang="ja-JP" sz="1100" b="1" dirty="0"/>
-              <a:t>　</a:t>
-            </a:r>
-            <a:r>
-              <a:rPr kumimoji="1" lang="ja-JP" altLang="en-US" sz="1100" b="1" dirty="0" smtClean="0"/>
-              <a:t>１回目の表示？</a:t>
-            </a:r>
-            <a:endParaRPr kumimoji="1" lang="en-US" altLang="ja-JP" sz="1100" b="1" dirty="0" smtClean="0"/>
+            <a:pPr algn="ctr"/>
+            <a:r>
+              <a:rPr kumimoji="1" lang="en-US" altLang="ja-JP" sz="1200" b="1" dirty="0"/>
+              <a:t>x</a:t>
+            </a:r>
+            <a:r>
+              <a:rPr kumimoji="1" lang="ja-JP" altLang="en-US" sz="1200" b="1" dirty="0" smtClean="0"/>
+              <a:t>を表示</a:t>
+            </a:r>
+            <a:endParaRPr kumimoji="1" lang="ja-JP" altLang="en-US" sz="1200" b="1" dirty="0"/>
+          </a:p>
+        </p:txBody>
+      </p:sp>
+      <p:cxnSp>
+        <p:nvCxnSpPr>
+          <p:cNvPr id="66" name="直線矢印コネクタ 65"/>
+          <p:cNvCxnSpPr/>
+          <p:nvPr/>
+        </p:nvCxnSpPr>
+        <p:spPr>
+          <a:xfrm>
+            <a:off x="6110187" y="1758678"/>
+            <a:ext cx="4320" cy="207968"/>
+          </a:xfrm>
+          <a:prstGeom prst="straightConnector1">
+            <a:avLst/>
+          </a:prstGeom>
+          <a:ln>
+            <a:solidFill>
+              <a:srgbClr val="000000"/>
+            </a:solidFill>
+            <a:tailEnd type="arrow"/>
+          </a:ln>
+        </p:spPr>
+        <p:style>
+          <a:lnRef idx="2">
+            <a:schemeClr val="accent1"/>
+          </a:lnRef>
+          <a:fillRef idx="0">
+            <a:schemeClr val="accent1"/>
+          </a:fillRef>
+          <a:effectRef idx="1">
+            <a:schemeClr val="accent1"/>
+          </a:effectRef>
+          <a:fontRef idx="minor">
+            <a:schemeClr val="tx1"/>
+          </a:fontRef>
+        </p:style>
+      </p:cxnSp>
+      <p:cxnSp>
+        <p:nvCxnSpPr>
+          <p:cNvPr id="69" name="直線矢印コネクタ 68"/>
+          <p:cNvCxnSpPr/>
+          <p:nvPr/>
+        </p:nvCxnSpPr>
+        <p:spPr>
+          <a:xfrm>
+            <a:off x="6107802" y="2651976"/>
+            <a:ext cx="0" cy="345224"/>
+          </a:xfrm>
+          <a:prstGeom prst="straightConnector1">
+            <a:avLst/>
+          </a:prstGeom>
+          <a:ln>
+            <a:solidFill>
+              <a:srgbClr val="000000"/>
+            </a:solidFill>
+            <a:tailEnd type="arrow"/>
+          </a:ln>
+        </p:spPr>
+        <p:style>
+          <a:lnRef idx="2">
+            <a:schemeClr val="accent1"/>
+          </a:lnRef>
+          <a:fillRef idx="0">
+            <a:schemeClr val="accent1"/>
+          </a:fillRef>
+          <a:effectRef idx="1">
+            <a:schemeClr val="accent1"/>
+          </a:effectRef>
+          <a:fontRef idx="minor">
+            <a:schemeClr val="tx1"/>
+          </a:fontRef>
+        </p:style>
+      </p:cxnSp>
+      <p:sp>
+        <p:nvSpPr>
+          <p:cNvPr id="73" name="テキスト ボックス 72"/>
+          <p:cNvSpPr txBox="1"/>
+          <p:nvPr/>
+        </p:nvSpPr>
+        <p:spPr>
+          <a:xfrm>
+            <a:off x="-246153" y="825849"/>
+            <a:ext cx="902811" cy="307777"/>
+          </a:xfrm>
+          <a:prstGeom prst="rect">
+            <a:avLst/>
+          </a:prstGeom>
+          <a:noFill/>
+          <a:ln>
+            <a:solidFill>
+              <a:srgbClr val="000000"/>
+            </a:solidFill>
+          </a:ln>
+        </p:spPr>
+        <p:txBody>
+          <a:bodyPr wrap="none" rtlCol="0">
+            <a:spAutoFit/>
+          </a:bodyPr>
+          <a:lstStyle/>
+          <a:p>
+            <a:r>
+              <a:rPr kumimoji="1" lang="ja-JP" altLang="en-US" dirty="0" smtClean="0"/>
+              <a:t>条件分岐</a:t>
+            </a:r>
+            <a:endParaRPr kumimoji="1" lang="ja-JP" altLang="en-US" dirty="0"/>
+          </a:p>
+        </p:txBody>
+      </p:sp>
+      <p:sp>
+        <p:nvSpPr>
+          <p:cNvPr id="74" name="テキスト ボックス 73"/>
+          <p:cNvSpPr txBox="1"/>
+          <p:nvPr/>
+        </p:nvSpPr>
+        <p:spPr>
+          <a:xfrm>
+            <a:off x="-1169551" y="1187431"/>
+            <a:ext cx="2339102" cy="307777"/>
+          </a:xfrm>
+          <a:prstGeom prst="rect">
+            <a:avLst/>
+          </a:prstGeom>
+          <a:noFill/>
+        </p:spPr>
+        <p:txBody>
+          <a:bodyPr wrap="none" rtlCol="0">
+            <a:spAutoFit/>
+          </a:bodyPr>
+          <a:lstStyle/>
+          <a:p>
+            <a:r>
+              <a:rPr kumimoji="1" lang="ja-JP" altLang="en-US" dirty="0" smtClean="0"/>
+              <a:t>汎用性</a:t>
+            </a:r>
+            <a:r>
+              <a:rPr kumimoji="1" lang="ja-JP" altLang="en-US" dirty="0" smtClean="0"/>
+              <a:t>？</a:t>
+            </a:r>
+            <a:r>
+              <a:rPr kumimoji="1" lang="ja-JP" altLang="en-US" dirty="0" smtClean="0"/>
+              <a:t>に</a:t>
+            </a:r>
+            <a:r>
+              <a:rPr kumimoji="1" lang="ja-JP" altLang="en-US" dirty="0" smtClean="0"/>
+              <a:t>欠けるか。。。</a:t>
+            </a:r>
+            <a:endParaRPr kumimoji="1" lang="ja-JP" altLang="en-US" dirty="0"/>
+          </a:p>
+        </p:txBody>
+      </p:sp>
+      <p:sp>
+        <p:nvSpPr>
+          <p:cNvPr id="75" name="テキスト ボックス 74"/>
+          <p:cNvSpPr txBox="1"/>
+          <p:nvPr/>
+        </p:nvSpPr>
+        <p:spPr>
+          <a:xfrm>
+            <a:off x="3632648" y="1057156"/>
+            <a:ext cx="912893" cy="307777"/>
+          </a:xfrm>
+          <a:prstGeom prst="rect">
+            <a:avLst/>
+          </a:prstGeom>
+          <a:noFill/>
+          <a:ln>
+            <a:solidFill>
+              <a:srgbClr val="000000"/>
+            </a:solidFill>
+          </a:ln>
+        </p:spPr>
+        <p:txBody>
+          <a:bodyPr wrap="none" rtlCol="0">
+            <a:spAutoFit/>
+          </a:bodyPr>
+          <a:lstStyle/>
+          <a:p>
+            <a:r>
+              <a:rPr kumimoji="1" lang="ja-JP" altLang="en-US" dirty="0" smtClean="0"/>
+              <a:t>繰り返し</a:t>
+            </a:r>
+            <a:endParaRPr kumimoji="1" lang="ja-JP" altLang="en-US" dirty="0"/>
+          </a:p>
+        </p:txBody>
+      </p:sp>
+      <p:sp>
+        <p:nvSpPr>
+          <p:cNvPr id="76" name="テキスト ボックス 75"/>
+          <p:cNvSpPr txBox="1"/>
+          <p:nvPr/>
+        </p:nvSpPr>
+        <p:spPr>
+          <a:xfrm>
+            <a:off x="3619724" y="1392326"/>
+            <a:ext cx="1441420" cy="307777"/>
+          </a:xfrm>
+          <a:prstGeom prst="rect">
+            <a:avLst/>
+          </a:prstGeom>
+          <a:noFill/>
+        </p:spPr>
+        <p:txBody>
+          <a:bodyPr wrap="none" rtlCol="0">
+            <a:spAutoFit/>
+          </a:bodyPr>
+          <a:lstStyle/>
+          <a:p>
+            <a:r>
+              <a:rPr kumimoji="1" lang="ja-JP" altLang="en-US" dirty="0" smtClean="0"/>
+              <a:t>違うかな。。。</a:t>
+            </a:r>
+            <a:endParaRPr kumimoji="1" lang="ja-JP" altLang="en-US" dirty="0"/>
+          </a:p>
+        </p:txBody>
+      </p:sp>
+      <p:sp>
+        <p:nvSpPr>
+          <p:cNvPr id="77" name="テキスト ボックス 76"/>
+          <p:cNvSpPr txBox="1"/>
+          <p:nvPr/>
+        </p:nvSpPr>
+        <p:spPr>
+          <a:xfrm>
+            <a:off x="7878142" y="1448712"/>
+            <a:ext cx="2409146" cy="307777"/>
+          </a:xfrm>
+          <a:prstGeom prst="rect">
+            <a:avLst/>
+          </a:prstGeom>
+          <a:noFill/>
+        </p:spPr>
+        <p:txBody>
+          <a:bodyPr wrap="none" rtlCol="0">
+            <a:spAutoFit/>
+          </a:bodyPr>
+          <a:lstStyle/>
+          <a:p>
+            <a:r>
+              <a:rPr kumimoji="1" lang="en-US" altLang="ja-JP" dirty="0" err="1" smtClean="0"/>
+              <a:t>HelloWorld</a:t>
+            </a:r>
+            <a:r>
+              <a:rPr kumimoji="1" lang="ja-JP" altLang="en-US" dirty="0" smtClean="0"/>
+              <a:t>長いから</a:t>
+            </a:r>
+            <a:r>
+              <a:rPr kumimoji="1" lang="en-US" altLang="ja-JP" dirty="0" smtClean="0"/>
+              <a:t>x</a:t>
+            </a:r>
+            <a:r>
+              <a:rPr kumimoji="1" lang="ja-JP" altLang="en-US" dirty="0" smtClean="0"/>
+              <a:t>に代入</a:t>
+            </a:r>
+            <a:endParaRPr kumimoji="1" lang="ja-JP" altLang="en-US" dirty="0"/>
           </a:p>
         </p:txBody>
       </p:sp>
@@ -10317,15 +14751,13 @@
         </p:nvSpPr>
         <p:spPr>
           <a:xfrm>
-            <a:off x="3714851" y="2090534"/>
+            <a:off x="772950" y="2075864"/>
             <a:ext cx="1714297" cy="422719"/>
           </a:xfrm>
           <a:prstGeom prst="flowChartManualInput">
             <a:avLst/>
           </a:prstGeom>
-          <a:solidFill>
-            <a:srgbClr val="FFFFFF"/>
-          </a:solidFill>
+          <a:noFill/>
           <a:ln w="9525" cap="flat" cmpd="sng">
             <a:solidFill>
               <a:srgbClr val="000000"/>
@@ -10360,7 +14792,7 @@
         </p:nvSpPr>
         <p:spPr>
           <a:xfrm>
-            <a:off x="3896186" y="1365272"/>
+            <a:off x="954285" y="1350602"/>
             <a:ext cx="1367632" cy="318661"/>
           </a:xfrm>
           <a:prstGeom prst="flowChartTerminator">
@@ -10401,7 +14833,7 @@
         </p:nvSpPr>
         <p:spPr>
           <a:xfrm>
-            <a:off x="4226652" y="1295630"/>
+            <a:off x="1284751" y="1280960"/>
             <a:ext cx="683475" cy="400110"/>
           </a:xfrm>
           <a:prstGeom prst="rect">
@@ -10431,7 +14863,7 @@
         </p:nvSpPr>
         <p:spPr>
           <a:xfrm>
-            <a:off x="3895792" y="4578905"/>
+            <a:off x="953891" y="4564235"/>
             <a:ext cx="1367632" cy="318661"/>
           </a:xfrm>
           <a:prstGeom prst="flowChartTerminator">
@@ -10472,7 +14904,7 @@
         </p:nvSpPr>
         <p:spPr>
           <a:xfrm>
-            <a:off x="4277950" y="4509263"/>
+            <a:off x="1336049" y="4494593"/>
             <a:ext cx="612593" cy="400110"/>
           </a:xfrm>
           <a:prstGeom prst="rect">
@@ -10502,15 +14934,13 @@
         </p:nvSpPr>
         <p:spPr>
           <a:xfrm>
-            <a:off x="3727762" y="3743388"/>
+            <a:off x="785861" y="3728718"/>
             <a:ext cx="1712970" cy="388894"/>
           </a:xfrm>
           <a:prstGeom prst="flowChartProcess">
             <a:avLst/>
           </a:prstGeom>
-          <a:solidFill>
-            <a:srgbClr val="FFFFFF"/>
-          </a:solidFill>
+          <a:noFill/>
           <a:ln w="9525" cap="flat" cmpd="sng">
             <a:solidFill>
               <a:srgbClr val="000000"/>
@@ -10545,7 +14975,7 @@
         </p:nvCxnSpPr>
         <p:spPr>
           <a:xfrm>
-            <a:off x="4572000" y="1683933"/>
+            <a:off x="1630099" y="1669263"/>
             <a:ext cx="4320" cy="428789"/>
           </a:xfrm>
           <a:prstGeom prst="straightConnector1">
@@ -10581,7 +15011,7 @@
         </p:nvSpPr>
         <p:spPr>
           <a:xfrm>
-            <a:off x="3651370" y="3787749"/>
+            <a:off x="709469" y="3773079"/>
             <a:ext cx="1877437" cy="276999"/>
           </a:xfrm>
           <a:prstGeom prst="rect">
@@ -10597,19 +15027,7 @@
           <a:p>
             <a:r>
               <a:rPr kumimoji="1" lang="ja-JP" altLang="en-US" sz="1200" b="1" dirty="0" smtClean="0"/>
-              <a:t>ログイン</a:t>
-            </a:r>
-            <a:r>
-              <a:rPr kumimoji="1" lang="ja-JP" altLang="en-US" sz="1200" b="1" dirty="0" smtClean="0"/>
-              <a:t>しました</a:t>
-            </a:r>
-            <a:r>
-              <a:rPr kumimoji="1" lang="ja-JP" altLang="en-US" sz="1200" b="1" dirty="0" smtClean="0"/>
-              <a:t>と</a:t>
-            </a:r>
-            <a:r>
-              <a:rPr kumimoji="1" lang="ja-JP" altLang="en-US" sz="1200" b="1" dirty="0" smtClean="0"/>
-              <a:t>表示</a:t>
+              <a:t>ログインしましたと表示</a:t>
             </a:r>
             <a:endParaRPr kumimoji="1" lang="ja-JP" altLang="en-US" sz="1200" b="1" dirty="0"/>
           </a:p>
@@ -10623,15 +15041,13 @@
         </p:nvSpPr>
         <p:spPr>
           <a:xfrm>
-            <a:off x="3718508" y="2832100"/>
+            <a:off x="776607" y="2817430"/>
             <a:ext cx="1731477" cy="585005"/>
           </a:xfrm>
           <a:prstGeom prst="flowChartDecision">
             <a:avLst/>
           </a:prstGeom>
-          <a:solidFill>
-            <a:srgbClr val="FFFFFF"/>
-          </a:solidFill>
+          <a:noFill/>
           <a:ln w="9525" cap="flat" cmpd="sng">
             <a:solidFill>
               <a:srgbClr val="000000"/>
@@ -10666,7 +15082,7 @@
         </p:nvCxnSpPr>
         <p:spPr>
           <a:xfrm>
-            <a:off x="4585769" y="4132282"/>
+            <a:off x="1643868" y="4117612"/>
             <a:ext cx="4320" cy="428789"/>
           </a:xfrm>
           <a:prstGeom prst="straightConnector1">
@@ -10702,7 +15118,7 @@
         </p:nvCxnSpPr>
         <p:spPr>
           <a:xfrm>
-            <a:off x="4579927" y="2506150"/>
+            <a:off x="1638026" y="2491480"/>
             <a:ext cx="4320" cy="325950"/>
           </a:xfrm>
           <a:prstGeom prst="straightConnector1">
@@ -10738,7 +15154,7 @@
         </p:nvSpPr>
         <p:spPr>
           <a:xfrm>
-            <a:off x="4073380" y="2968186"/>
+            <a:off x="1131479" y="2953516"/>
             <a:ext cx="1033418" cy="261610"/>
           </a:xfrm>
           <a:prstGeom prst="rect">
@@ -10768,7 +15184,7 @@
         </p:nvSpPr>
         <p:spPr>
           <a:xfrm rot="19990236">
-            <a:off x="3932183" y="3370136"/>
+            <a:off x="990282" y="3355466"/>
             <a:ext cx="492593" cy="276999"/>
           </a:xfrm>
           <a:prstGeom prst="rect">
@@ -10798,7 +15214,7 @@
         </p:nvSpPr>
         <p:spPr>
           <a:xfrm rot="2030756">
-            <a:off x="5305359" y="2784814"/>
+            <a:off x="2363458" y="2770144"/>
             <a:ext cx="415498" cy="276999"/>
           </a:xfrm>
           <a:prstGeom prst="rect">
@@ -10828,7 +15244,7 @@
         </p:nvSpPr>
         <p:spPr>
           <a:xfrm>
-            <a:off x="3822398" y="2161977"/>
+            <a:off x="880497" y="2147307"/>
             <a:ext cx="1441420" cy="307777"/>
           </a:xfrm>
           <a:prstGeom prst="rect">
@@ -10858,7 +15274,7 @@
         </p:nvCxnSpPr>
         <p:spPr>
           <a:xfrm>
-            <a:off x="4574160" y="3417438"/>
+            <a:off x="1632259" y="3402768"/>
             <a:ext cx="4320" cy="325950"/>
           </a:xfrm>
           <a:prstGeom prst="straightConnector1">
@@ -10894,7 +15310,7 @@
         </p:nvSpPr>
         <p:spPr>
           <a:xfrm>
-            <a:off x="0" y="138926"/>
+            <a:off x="0" y="0"/>
             <a:ext cx="9144000" cy="832799"/>
           </a:xfrm>
           <a:prstGeom prst="rect">
@@ -10961,7 +15377,7 @@
         </p:nvCxnSpPr>
         <p:spPr>
           <a:xfrm flipH="1" flipV="1">
-            <a:off x="4590089" y="1824715"/>
+            <a:off x="1648188" y="1810045"/>
             <a:ext cx="859896" cy="1295803"/>
           </a:xfrm>
           <a:prstGeom prst="bentConnector4">
@@ -11000,7 +15416,7 @@
         </p:nvSpPr>
         <p:spPr>
           <a:xfrm>
-            <a:off x="381000" y="2273300"/>
+            <a:off x="3035300" y="4643787"/>
             <a:ext cx="2159566" cy="523220"/>
           </a:xfrm>
           <a:prstGeom prst="rect">
@@ -11033,7 +15449,7 @@
         </p:nvSpPr>
         <p:spPr>
           <a:xfrm>
-            <a:off x="596900" y="3492500"/>
+            <a:off x="3035300" y="4382177"/>
             <a:ext cx="1980029" cy="523220"/>
           </a:xfrm>
           <a:prstGeom prst="rect">
@@ -11055,6 +15471,1151 @@
           </a:p>
           <a:p>
             <a:endParaRPr kumimoji="1" lang="ja-JP" altLang="en-US" dirty="0"/>
+          </a:p>
+        </p:txBody>
+      </p:sp>
+      <p:sp>
+        <p:nvSpPr>
+          <p:cNvPr id="33" name="テキスト ボックス 32"/>
+          <p:cNvSpPr txBox="1"/>
+          <p:nvPr/>
+        </p:nvSpPr>
+        <p:spPr>
+          <a:xfrm>
+            <a:off x="-193342" y="1042825"/>
+            <a:ext cx="902811" cy="307777"/>
+          </a:xfrm>
+          <a:prstGeom prst="rect">
+            <a:avLst/>
+          </a:prstGeom>
+          <a:noFill/>
+          <a:ln>
+            <a:solidFill>
+              <a:srgbClr val="000000"/>
+            </a:solidFill>
+          </a:ln>
+        </p:spPr>
+        <p:txBody>
+          <a:bodyPr wrap="none" rtlCol="0">
+            <a:spAutoFit/>
+          </a:bodyPr>
+          <a:lstStyle/>
+          <a:p>
+            <a:r>
+              <a:rPr kumimoji="1" lang="ja-JP" altLang="en-US" dirty="0" smtClean="0"/>
+              <a:t>条件分岐</a:t>
+            </a:r>
+            <a:endParaRPr kumimoji="1" lang="ja-JP" altLang="en-US" dirty="0"/>
+          </a:p>
+        </p:txBody>
+      </p:sp>
+      <p:sp>
+        <p:nvSpPr>
+          <p:cNvPr id="35" name="テキスト ボックス 34"/>
+          <p:cNvSpPr txBox="1"/>
+          <p:nvPr/>
+        </p:nvSpPr>
+        <p:spPr>
+          <a:xfrm>
+            <a:off x="3936465" y="1033696"/>
+            <a:ext cx="1546267" cy="307777"/>
+          </a:xfrm>
+          <a:prstGeom prst="rect">
+            <a:avLst/>
+          </a:prstGeom>
+          <a:noFill/>
+          <a:ln>
+            <a:solidFill>
+              <a:srgbClr val="000000"/>
+            </a:solidFill>
+          </a:ln>
+        </p:spPr>
+        <p:txBody>
+          <a:bodyPr wrap="none" rtlCol="0">
+            <a:spAutoFit/>
+          </a:bodyPr>
+          <a:lstStyle/>
+          <a:p>
+            <a:r>
+              <a:rPr kumimoji="1" lang="ja-JP" altLang="en-US" dirty="0" smtClean="0"/>
+              <a:t>繰り返</a:t>
+            </a:r>
+            <a:r>
+              <a:rPr kumimoji="1" lang="en-US" altLang="ja-JP" dirty="0" smtClean="0"/>
+              <a:t>+</a:t>
+            </a:r>
+            <a:r>
+              <a:rPr kumimoji="1" lang="ja-JP" altLang="en-US" dirty="0" smtClean="0"/>
+              <a:t>条件分岐</a:t>
+            </a:r>
+            <a:endParaRPr kumimoji="1" lang="ja-JP" altLang="en-US" dirty="0"/>
+          </a:p>
+        </p:txBody>
+      </p:sp>
+      <p:sp>
+        <p:nvSpPr>
+          <p:cNvPr id="36" name="Shape 50"/>
+          <p:cNvSpPr/>
+          <p:nvPr/>
+        </p:nvSpPr>
+        <p:spPr>
+          <a:xfrm>
+            <a:off x="5891918" y="1033696"/>
+            <a:ext cx="1367632" cy="318661"/>
+          </a:xfrm>
+          <a:prstGeom prst="flowChartTerminator">
+            <a:avLst/>
+          </a:prstGeom>
+          <a:noFill/>
+          <a:ln w="9525" cap="flat" cmpd="sng">
+            <a:solidFill>
+              <a:srgbClr val="000000"/>
+            </a:solidFill>
+            <a:prstDash val="solid"/>
+            <a:round/>
+            <a:headEnd type="none" w="med" len="med"/>
+            <a:tailEnd type="none" w="med" len="med"/>
+          </a:ln>
+        </p:spPr>
+        <p:txBody>
+          <a:bodyPr lIns="91425" tIns="91425" rIns="91425" bIns="91425" anchor="ctr" anchorCtr="0">
+            <a:noAutofit/>
+          </a:bodyPr>
+          <a:lstStyle/>
+          <a:p>
+            <a:pPr>
+              <a:spcBef>
+                <a:spcPts val="0"/>
+              </a:spcBef>
+              <a:buNone/>
+            </a:pPr>
+            <a:endParaRPr/>
+          </a:p>
+        </p:txBody>
+      </p:sp>
+      <p:sp>
+        <p:nvSpPr>
+          <p:cNvPr id="37" name="テキスト ボックス 36"/>
+          <p:cNvSpPr txBox="1"/>
+          <p:nvPr/>
+        </p:nvSpPr>
+        <p:spPr>
+          <a:xfrm>
+            <a:off x="6222384" y="964054"/>
+            <a:ext cx="683475" cy="400110"/>
+          </a:xfrm>
+          <a:prstGeom prst="rect">
+            <a:avLst/>
+          </a:prstGeom>
+          <a:noFill/>
+        </p:spPr>
+        <p:txBody>
+          <a:bodyPr wrap="none" rtlCol="0">
+            <a:spAutoFit/>
+          </a:bodyPr>
+          <a:lstStyle/>
+          <a:p>
+            <a:r>
+              <a:rPr kumimoji="1" lang="en-US" altLang="ja-JP" sz="2000" dirty="0" smtClean="0"/>
+              <a:t>start</a:t>
+            </a:r>
+            <a:endParaRPr kumimoji="1" lang="ja-JP" altLang="en-US" sz="2000" dirty="0"/>
+          </a:p>
+        </p:txBody>
+      </p:sp>
+      <p:sp>
+        <p:nvSpPr>
+          <p:cNvPr id="38" name="Shape 50"/>
+          <p:cNvSpPr/>
+          <p:nvPr/>
+        </p:nvSpPr>
+        <p:spPr>
+          <a:xfrm>
+            <a:off x="5900483" y="4788474"/>
+            <a:ext cx="1367632" cy="318661"/>
+          </a:xfrm>
+          <a:prstGeom prst="flowChartTerminator">
+            <a:avLst/>
+          </a:prstGeom>
+          <a:noFill/>
+          <a:ln w="9525" cap="flat" cmpd="sng">
+            <a:solidFill>
+              <a:srgbClr val="000000"/>
+            </a:solidFill>
+            <a:prstDash val="solid"/>
+            <a:round/>
+            <a:headEnd type="none" w="med" len="med"/>
+            <a:tailEnd type="none" w="med" len="med"/>
+          </a:ln>
+        </p:spPr>
+        <p:txBody>
+          <a:bodyPr lIns="91425" tIns="91425" rIns="91425" bIns="91425" anchor="ctr" anchorCtr="0">
+            <a:noAutofit/>
+          </a:bodyPr>
+          <a:lstStyle/>
+          <a:p>
+            <a:pPr>
+              <a:spcBef>
+                <a:spcPts val="0"/>
+              </a:spcBef>
+              <a:buNone/>
+            </a:pPr>
+            <a:endParaRPr/>
+          </a:p>
+        </p:txBody>
+      </p:sp>
+      <p:sp>
+        <p:nvSpPr>
+          <p:cNvPr id="39" name="テキスト ボックス 38"/>
+          <p:cNvSpPr txBox="1"/>
+          <p:nvPr/>
+        </p:nvSpPr>
+        <p:spPr>
+          <a:xfrm>
+            <a:off x="6282641" y="4718832"/>
+            <a:ext cx="612593" cy="400110"/>
+          </a:xfrm>
+          <a:prstGeom prst="rect">
+            <a:avLst/>
+          </a:prstGeom>
+          <a:noFill/>
+        </p:spPr>
+        <p:txBody>
+          <a:bodyPr wrap="none" rtlCol="0">
+            <a:spAutoFit/>
+          </a:bodyPr>
+          <a:lstStyle/>
+          <a:p>
+            <a:r>
+              <a:rPr kumimoji="1" lang="en-US" altLang="ja-JP" sz="2000" dirty="0" smtClean="0"/>
+              <a:t>end</a:t>
+            </a:r>
+            <a:endParaRPr kumimoji="1" lang="ja-JP" altLang="en-US" sz="2000" dirty="0"/>
+          </a:p>
+        </p:txBody>
+      </p:sp>
+      <p:cxnSp>
+        <p:nvCxnSpPr>
+          <p:cNvPr id="40" name="直線矢印コネクタ 39"/>
+          <p:cNvCxnSpPr/>
+          <p:nvPr/>
+        </p:nvCxnSpPr>
+        <p:spPr>
+          <a:xfrm flipH="1">
+            <a:off x="6577819" y="1364164"/>
+            <a:ext cx="2160" cy="236036"/>
+          </a:xfrm>
+          <a:prstGeom prst="straightConnector1">
+            <a:avLst/>
+          </a:prstGeom>
+          <a:ln>
+            <a:solidFill>
+              <a:srgbClr val="000000"/>
+            </a:solidFill>
+            <a:tailEnd type="arrow"/>
+          </a:ln>
+        </p:spPr>
+        <p:style>
+          <a:lnRef idx="2">
+            <a:schemeClr val="accent1"/>
+          </a:lnRef>
+          <a:fillRef idx="0">
+            <a:schemeClr val="accent1"/>
+          </a:fillRef>
+          <a:effectRef idx="1">
+            <a:schemeClr val="accent1"/>
+          </a:effectRef>
+          <a:fontRef idx="minor">
+            <a:schemeClr val="tx1"/>
+          </a:fontRef>
+        </p:style>
+      </p:cxnSp>
+      <p:sp>
+        <p:nvSpPr>
+          <p:cNvPr id="41" name="Shape 52"/>
+          <p:cNvSpPr/>
+          <p:nvPr/>
+        </p:nvSpPr>
+        <p:spPr>
+          <a:xfrm>
+            <a:off x="11027947" y="1042825"/>
+            <a:ext cx="1712970" cy="275465"/>
+          </a:xfrm>
+          <a:prstGeom prst="flowChartProcess">
+            <a:avLst/>
+          </a:prstGeom>
+          <a:noFill/>
+          <a:ln w="9525" cap="flat" cmpd="sng">
+            <a:solidFill>
+              <a:srgbClr val="000000"/>
+            </a:solidFill>
+            <a:prstDash val="solid"/>
+            <a:round/>
+            <a:headEnd type="none" w="med" len="med"/>
+            <a:tailEnd type="none" w="med" len="med"/>
+          </a:ln>
+        </p:spPr>
+        <p:txBody>
+          <a:bodyPr lIns="91425" tIns="91425" rIns="91425" bIns="91425" anchor="ctr" anchorCtr="0">
+            <a:noAutofit/>
+          </a:bodyPr>
+          <a:lstStyle/>
+          <a:p>
+            <a:pPr>
+              <a:spcBef>
+                <a:spcPts val="0"/>
+              </a:spcBef>
+              <a:buNone/>
+            </a:pPr>
+            <a:endParaRPr/>
+          </a:p>
+        </p:txBody>
+      </p:sp>
+      <p:sp>
+        <p:nvSpPr>
+          <p:cNvPr id="43" name="Shape 51"/>
+          <p:cNvSpPr/>
+          <p:nvPr/>
+        </p:nvSpPr>
+        <p:spPr>
+          <a:xfrm>
+            <a:off x="5679334" y="2576844"/>
+            <a:ext cx="1731477" cy="276999"/>
+          </a:xfrm>
+          <a:prstGeom prst="flowChartDecision">
+            <a:avLst/>
+          </a:prstGeom>
+          <a:noFill/>
+          <a:ln w="9525" cap="flat" cmpd="sng">
+            <a:solidFill>
+              <a:srgbClr val="000000"/>
+            </a:solidFill>
+            <a:prstDash val="solid"/>
+            <a:round/>
+            <a:headEnd type="none" w="med" len="med"/>
+            <a:tailEnd type="none" w="med" len="med"/>
+          </a:ln>
+        </p:spPr>
+        <p:txBody>
+          <a:bodyPr lIns="91425" tIns="91425" rIns="91425" bIns="91425" anchor="ctr" anchorCtr="0">
+            <a:noAutofit/>
+          </a:bodyPr>
+          <a:lstStyle/>
+          <a:p>
+            <a:pPr>
+              <a:spcBef>
+                <a:spcPts val="0"/>
+              </a:spcBef>
+              <a:buNone/>
+            </a:pPr>
+            <a:endParaRPr/>
+          </a:p>
+        </p:txBody>
+      </p:sp>
+      <p:sp>
+        <p:nvSpPr>
+          <p:cNvPr id="44" name="テキスト ボックス 43"/>
+          <p:cNvSpPr txBox="1"/>
+          <p:nvPr/>
+        </p:nvSpPr>
+        <p:spPr>
+          <a:xfrm>
+            <a:off x="6267598" y="2576844"/>
+            <a:ext cx="655874" cy="276999"/>
+          </a:xfrm>
+          <a:prstGeom prst="rect">
+            <a:avLst/>
+          </a:prstGeom>
+          <a:noFill/>
+        </p:spPr>
+        <p:txBody>
+          <a:bodyPr wrap="square" rtlCol="0">
+            <a:spAutoFit/>
+          </a:bodyPr>
+          <a:lstStyle/>
+          <a:p>
+            <a:r>
+              <a:rPr kumimoji="1" lang="ja-JP" altLang="en-US" sz="1200" b="1" dirty="0" smtClean="0"/>
+              <a:t>正解？</a:t>
+            </a:r>
+            <a:endParaRPr kumimoji="1" lang="ja-JP" altLang="en-US" sz="1200" b="1" dirty="0"/>
+          </a:p>
+        </p:txBody>
+      </p:sp>
+      <p:sp>
+        <p:nvSpPr>
+          <p:cNvPr id="45" name="フローチャート: 手作業 44"/>
+          <p:cNvSpPr/>
+          <p:nvPr/>
+        </p:nvSpPr>
+        <p:spPr>
+          <a:xfrm rot="10800000">
+            <a:off x="5712100" y="1612756"/>
+            <a:ext cx="1688310" cy="230269"/>
+          </a:xfrm>
+          <a:prstGeom prst="flowChartManualOperation">
+            <a:avLst/>
+          </a:prstGeom>
+          <a:noFill/>
+          <a:ln>
+            <a:solidFill>
+              <a:srgbClr val="000000"/>
+            </a:solidFill>
+          </a:ln>
+        </p:spPr>
+        <p:style>
+          <a:lnRef idx="1">
+            <a:schemeClr val="accent1"/>
+          </a:lnRef>
+          <a:fillRef idx="3">
+            <a:schemeClr val="accent1"/>
+          </a:fillRef>
+          <a:effectRef idx="2">
+            <a:schemeClr val="accent1"/>
+          </a:effectRef>
+          <a:fontRef idx="minor">
+            <a:schemeClr val="lt1"/>
+          </a:fontRef>
+        </p:style>
+        <p:txBody>
+          <a:bodyPr/>
+          <a:lstStyle/>
+          <a:p>
+            <a:endParaRPr lang="ja-JP" altLang="en-US"/>
+          </a:p>
+        </p:txBody>
+      </p:sp>
+      <p:sp>
+        <p:nvSpPr>
+          <p:cNvPr id="46" name="フローチャート: 手作業 45"/>
+          <p:cNvSpPr/>
+          <p:nvPr/>
+        </p:nvSpPr>
+        <p:spPr>
+          <a:xfrm>
+            <a:off x="5713235" y="3623332"/>
+            <a:ext cx="1688310" cy="210773"/>
+          </a:xfrm>
+          <a:prstGeom prst="flowChartManualOperation">
+            <a:avLst/>
+          </a:prstGeom>
+          <a:noFill/>
+          <a:ln>
+            <a:solidFill>
+              <a:srgbClr val="000000"/>
+            </a:solidFill>
+          </a:ln>
+        </p:spPr>
+        <p:style>
+          <a:lnRef idx="1">
+            <a:schemeClr val="accent1"/>
+          </a:lnRef>
+          <a:fillRef idx="3">
+            <a:schemeClr val="accent1"/>
+          </a:fillRef>
+          <a:effectRef idx="2">
+            <a:schemeClr val="accent1"/>
+          </a:effectRef>
+          <a:fontRef idx="minor">
+            <a:schemeClr val="lt1"/>
+          </a:fontRef>
+        </p:style>
+        <p:txBody>
+          <a:bodyPr/>
+          <a:lstStyle/>
+          <a:p>
+            <a:endParaRPr lang="ja-JP" altLang="en-US"/>
+          </a:p>
+        </p:txBody>
+      </p:sp>
+      <p:cxnSp>
+        <p:nvCxnSpPr>
+          <p:cNvPr id="49" name="直線矢印コネクタ 48"/>
+          <p:cNvCxnSpPr>
+            <a:stCxn id="43" idx="2"/>
+          </p:cNvCxnSpPr>
+          <p:nvPr/>
+        </p:nvCxnSpPr>
+        <p:spPr>
+          <a:xfrm>
+            <a:off x="6545073" y="2853843"/>
+            <a:ext cx="10268" cy="327294"/>
+          </a:xfrm>
+          <a:prstGeom prst="straightConnector1">
+            <a:avLst/>
+          </a:prstGeom>
+          <a:ln>
+            <a:solidFill>
+              <a:srgbClr val="000000"/>
+            </a:solidFill>
+            <a:tailEnd type="arrow"/>
+          </a:ln>
+        </p:spPr>
+        <p:style>
+          <a:lnRef idx="2">
+            <a:schemeClr val="accent1"/>
+          </a:lnRef>
+          <a:fillRef idx="0">
+            <a:schemeClr val="accent1"/>
+          </a:fillRef>
+          <a:effectRef idx="1">
+            <a:schemeClr val="accent1"/>
+          </a:effectRef>
+          <a:fontRef idx="minor">
+            <a:schemeClr val="tx1"/>
+          </a:fontRef>
+        </p:style>
+      </p:cxnSp>
+      <p:cxnSp>
+        <p:nvCxnSpPr>
+          <p:cNvPr id="50" name="直線矢印コネクタ 49"/>
+          <p:cNvCxnSpPr/>
+          <p:nvPr/>
+        </p:nvCxnSpPr>
+        <p:spPr>
+          <a:xfrm>
+            <a:off x="6551588" y="2350859"/>
+            <a:ext cx="0" cy="212469"/>
+          </a:xfrm>
+          <a:prstGeom prst="straightConnector1">
+            <a:avLst/>
+          </a:prstGeom>
+          <a:ln>
+            <a:solidFill>
+              <a:srgbClr val="000000"/>
+            </a:solidFill>
+            <a:tailEnd type="arrow"/>
+          </a:ln>
+        </p:spPr>
+        <p:style>
+          <a:lnRef idx="2">
+            <a:schemeClr val="accent1"/>
+          </a:lnRef>
+          <a:fillRef idx="0">
+            <a:schemeClr val="accent1"/>
+          </a:fillRef>
+          <a:effectRef idx="1">
+            <a:schemeClr val="accent1"/>
+          </a:effectRef>
+          <a:fontRef idx="minor">
+            <a:schemeClr val="tx1"/>
+          </a:fontRef>
+        </p:style>
+      </p:cxnSp>
+      <p:cxnSp>
+        <p:nvCxnSpPr>
+          <p:cNvPr id="51" name="直線矢印コネクタ 50"/>
+          <p:cNvCxnSpPr/>
+          <p:nvPr/>
+        </p:nvCxnSpPr>
+        <p:spPr>
+          <a:xfrm>
+            <a:off x="6576827" y="4643787"/>
+            <a:ext cx="0" cy="143814"/>
+          </a:xfrm>
+          <a:prstGeom prst="straightConnector1">
+            <a:avLst/>
+          </a:prstGeom>
+          <a:ln>
+            <a:solidFill>
+              <a:srgbClr val="000000"/>
+            </a:solidFill>
+            <a:tailEnd type="arrow"/>
+          </a:ln>
+        </p:spPr>
+        <p:style>
+          <a:lnRef idx="2">
+            <a:schemeClr val="accent1"/>
+          </a:lnRef>
+          <a:fillRef idx="0">
+            <a:schemeClr val="accent1"/>
+          </a:fillRef>
+          <a:effectRef idx="1">
+            <a:schemeClr val="accent1"/>
+          </a:effectRef>
+          <a:fontRef idx="minor">
+            <a:schemeClr val="tx1"/>
+          </a:fontRef>
+        </p:style>
+      </p:cxnSp>
+      <p:cxnSp>
+        <p:nvCxnSpPr>
+          <p:cNvPr id="52" name="直線矢印コネクタ 51"/>
+          <p:cNvCxnSpPr/>
+          <p:nvPr/>
+        </p:nvCxnSpPr>
+        <p:spPr>
+          <a:xfrm>
+            <a:off x="6544336" y="3855963"/>
+            <a:ext cx="0" cy="584939"/>
+          </a:xfrm>
+          <a:prstGeom prst="straightConnector1">
+            <a:avLst/>
+          </a:prstGeom>
+          <a:ln>
+            <a:solidFill>
+              <a:srgbClr val="000000"/>
+            </a:solidFill>
+            <a:tailEnd type="arrow"/>
+          </a:ln>
+        </p:spPr>
+        <p:style>
+          <a:lnRef idx="2">
+            <a:schemeClr val="accent1"/>
+          </a:lnRef>
+          <a:fillRef idx="0">
+            <a:schemeClr val="accent1"/>
+          </a:fillRef>
+          <a:effectRef idx="1">
+            <a:schemeClr val="accent1"/>
+          </a:effectRef>
+          <a:fontRef idx="minor">
+            <a:schemeClr val="tx1"/>
+          </a:fontRef>
+        </p:style>
+      </p:cxnSp>
+      <p:sp>
+        <p:nvSpPr>
+          <p:cNvPr id="53" name="テキスト ボックス 52"/>
+          <p:cNvSpPr txBox="1"/>
+          <p:nvPr/>
+        </p:nvSpPr>
+        <p:spPr>
+          <a:xfrm>
+            <a:off x="6174549" y="1592025"/>
+            <a:ext cx="748923" cy="261610"/>
+          </a:xfrm>
+          <a:prstGeom prst="rect">
+            <a:avLst/>
+          </a:prstGeom>
+          <a:noFill/>
+        </p:spPr>
+        <p:txBody>
+          <a:bodyPr wrap="none" rtlCol="0">
+            <a:spAutoFit/>
+          </a:bodyPr>
+          <a:lstStyle/>
+          <a:p>
+            <a:r>
+              <a:rPr kumimoji="1" lang="ja-JP" altLang="en-US" sz="1100" dirty="0" smtClean="0"/>
+              <a:t>入力画面</a:t>
+            </a:r>
+            <a:endParaRPr kumimoji="1" lang="ja-JP" altLang="en-US" sz="1100" dirty="0"/>
+          </a:p>
+        </p:txBody>
+      </p:sp>
+      <p:cxnSp>
+        <p:nvCxnSpPr>
+          <p:cNvPr id="54" name="直線矢印コネクタ 53"/>
+          <p:cNvCxnSpPr/>
+          <p:nvPr/>
+        </p:nvCxnSpPr>
+        <p:spPr>
+          <a:xfrm flipH="1">
+            <a:off x="7415454" y="4546401"/>
+            <a:ext cx="650447" cy="0"/>
+          </a:xfrm>
+          <a:prstGeom prst="straightConnector1">
+            <a:avLst/>
+          </a:prstGeom>
+          <a:ln>
+            <a:solidFill>
+              <a:srgbClr val="000000"/>
+            </a:solidFill>
+            <a:tailEnd type="arrow"/>
+          </a:ln>
+        </p:spPr>
+        <p:style>
+          <a:lnRef idx="2">
+            <a:schemeClr val="accent1"/>
+          </a:lnRef>
+          <a:fillRef idx="0">
+            <a:schemeClr val="accent1"/>
+          </a:fillRef>
+          <a:effectRef idx="1">
+            <a:schemeClr val="accent1"/>
+          </a:effectRef>
+          <a:fontRef idx="minor">
+            <a:schemeClr val="tx1"/>
+          </a:fontRef>
+        </p:style>
+      </p:cxnSp>
+      <p:cxnSp>
+        <p:nvCxnSpPr>
+          <p:cNvPr id="55" name="直線コネクタ 54"/>
+          <p:cNvCxnSpPr/>
+          <p:nvPr/>
+        </p:nvCxnSpPr>
+        <p:spPr>
+          <a:xfrm>
+            <a:off x="7410811" y="2704519"/>
+            <a:ext cx="630407" cy="0"/>
+          </a:xfrm>
+          <a:prstGeom prst="line">
+            <a:avLst/>
+          </a:prstGeom>
+          <a:ln>
+            <a:solidFill>
+              <a:srgbClr val="000000"/>
+            </a:solidFill>
+          </a:ln>
+        </p:spPr>
+        <p:style>
+          <a:lnRef idx="2">
+            <a:schemeClr val="accent1"/>
+          </a:lnRef>
+          <a:fillRef idx="0">
+            <a:schemeClr val="accent1"/>
+          </a:fillRef>
+          <a:effectRef idx="1">
+            <a:schemeClr val="accent1"/>
+          </a:effectRef>
+          <a:fontRef idx="minor">
+            <a:schemeClr val="tx1"/>
+          </a:fontRef>
+        </p:style>
+      </p:cxnSp>
+      <p:cxnSp>
+        <p:nvCxnSpPr>
+          <p:cNvPr id="56" name="直線コネクタ 55"/>
+          <p:cNvCxnSpPr/>
+          <p:nvPr/>
+        </p:nvCxnSpPr>
+        <p:spPr>
+          <a:xfrm flipV="1">
+            <a:off x="8065901" y="2677906"/>
+            <a:ext cx="0" cy="1868495"/>
+          </a:xfrm>
+          <a:prstGeom prst="line">
+            <a:avLst/>
+          </a:prstGeom>
+          <a:ln>
+            <a:solidFill>
+              <a:srgbClr val="000000"/>
+            </a:solidFill>
+          </a:ln>
+        </p:spPr>
+        <p:style>
+          <a:lnRef idx="2">
+            <a:schemeClr val="accent1"/>
+          </a:lnRef>
+          <a:fillRef idx="0">
+            <a:schemeClr val="accent1"/>
+          </a:fillRef>
+          <a:effectRef idx="1">
+            <a:schemeClr val="accent1"/>
+          </a:effectRef>
+          <a:fontRef idx="minor">
+            <a:schemeClr val="tx1"/>
+          </a:fontRef>
+        </p:style>
+      </p:cxnSp>
+      <p:cxnSp>
+        <p:nvCxnSpPr>
+          <p:cNvPr id="57" name="直線矢印コネクタ 56"/>
+          <p:cNvCxnSpPr/>
+          <p:nvPr/>
+        </p:nvCxnSpPr>
+        <p:spPr>
+          <a:xfrm>
+            <a:off x="6557464" y="1822992"/>
+            <a:ext cx="4320" cy="207968"/>
+          </a:xfrm>
+          <a:prstGeom prst="straightConnector1">
+            <a:avLst/>
+          </a:prstGeom>
+          <a:ln>
+            <a:solidFill>
+              <a:srgbClr val="000000"/>
+            </a:solidFill>
+            <a:tailEnd type="arrow"/>
+          </a:ln>
+        </p:spPr>
+        <p:style>
+          <a:lnRef idx="2">
+            <a:schemeClr val="accent1"/>
+          </a:lnRef>
+          <a:fillRef idx="0">
+            <a:schemeClr val="accent1"/>
+          </a:fillRef>
+          <a:effectRef idx="1">
+            <a:schemeClr val="accent1"/>
+          </a:effectRef>
+          <a:fontRef idx="minor">
+            <a:schemeClr val="tx1"/>
+          </a:fontRef>
+        </p:style>
+      </p:cxnSp>
+      <p:sp>
+        <p:nvSpPr>
+          <p:cNvPr id="58" name="テキスト ボックス 57"/>
+          <p:cNvSpPr txBox="1"/>
+          <p:nvPr/>
+        </p:nvSpPr>
+        <p:spPr>
+          <a:xfrm rot="605620">
+            <a:off x="7650952" y="2391880"/>
+            <a:ext cx="492593" cy="276999"/>
+          </a:xfrm>
+          <a:prstGeom prst="rect">
+            <a:avLst/>
+          </a:prstGeom>
+          <a:noFill/>
+        </p:spPr>
+        <p:txBody>
+          <a:bodyPr wrap="none" rtlCol="0">
+            <a:spAutoFit/>
+          </a:bodyPr>
+          <a:lstStyle/>
+          <a:p>
+            <a:r>
+              <a:rPr kumimoji="1" lang="en-US" altLang="ja-JP" sz="1200" dirty="0" smtClean="0"/>
+              <a:t>YES</a:t>
+            </a:r>
+            <a:endParaRPr kumimoji="1" lang="ja-JP" altLang="en-US" sz="1200" dirty="0"/>
+          </a:p>
+        </p:txBody>
+      </p:sp>
+      <p:sp>
+        <p:nvSpPr>
+          <p:cNvPr id="59" name="テキスト ボックス 58"/>
+          <p:cNvSpPr txBox="1"/>
+          <p:nvPr/>
+        </p:nvSpPr>
+        <p:spPr>
+          <a:xfrm rot="20673749">
+            <a:off x="6235011" y="2833857"/>
+            <a:ext cx="396262" cy="261610"/>
+          </a:xfrm>
+          <a:prstGeom prst="rect">
+            <a:avLst/>
+          </a:prstGeom>
+          <a:noFill/>
+        </p:spPr>
+        <p:txBody>
+          <a:bodyPr wrap="none" rtlCol="0">
+            <a:spAutoFit/>
+          </a:bodyPr>
+          <a:lstStyle/>
+          <a:p>
+            <a:r>
+              <a:rPr kumimoji="1" lang="en-US" altLang="ja-JP" sz="1100" dirty="0" smtClean="0"/>
+              <a:t>NO</a:t>
+            </a:r>
+            <a:endParaRPr kumimoji="1" lang="ja-JP" altLang="en-US" sz="1100" dirty="0"/>
+          </a:p>
+        </p:txBody>
+      </p:sp>
+      <p:sp>
+        <p:nvSpPr>
+          <p:cNvPr id="60" name="Shape 52"/>
+          <p:cNvSpPr/>
+          <p:nvPr/>
+        </p:nvSpPr>
+        <p:spPr>
+          <a:xfrm>
+            <a:off x="5846717" y="3181137"/>
+            <a:ext cx="1481667" cy="261610"/>
+          </a:xfrm>
+          <a:prstGeom prst="flowChartProcess">
+            <a:avLst/>
+          </a:prstGeom>
+          <a:noFill/>
+          <a:ln w="9525" cap="flat" cmpd="sng">
+            <a:solidFill>
+              <a:srgbClr val="000000"/>
+            </a:solidFill>
+            <a:prstDash val="solid"/>
+            <a:round/>
+            <a:headEnd type="none" w="med" len="med"/>
+            <a:tailEnd type="none" w="med" len="med"/>
+          </a:ln>
+        </p:spPr>
+        <p:txBody>
+          <a:bodyPr lIns="91425" tIns="91425" rIns="91425" bIns="91425" anchor="ctr" anchorCtr="0">
+            <a:noAutofit/>
+          </a:bodyPr>
+          <a:lstStyle/>
+          <a:p>
+            <a:pPr>
+              <a:spcBef>
+                <a:spcPts val="0"/>
+              </a:spcBef>
+              <a:buNone/>
+            </a:pPr>
+            <a:endParaRPr/>
+          </a:p>
+        </p:txBody>
+      </p:sp>
+      <p:sp>
+        <p:nvSpPr>
+          <p:cNvPr id="61" name="テキスト ボックス 60"/>
+          <p:cNvSpPr txBox="1"/>
+          <p:nvPr/>
+        </p:nvSpPr>
+        <p:spPr>
+          <a:xfrm>
+            <a:off x="5820950" y="3181137"/>
+            <a:ext cx="1481667" cy="261610"/>
+          </a:xfrm>
+          <a:prstGeom prst="rect">
+            <a:avLst/>
+          </a:prstGeom>
+          <a:noFill/>
+        </p:spPr>
+        <p:txBody>
+          <a:bodyPr wrap="square" rtlCol="0">
+            <a:spAutoFit/>
+          </a:bodyPr>
+          <a:lstStyle/>
+          <a:p>
+            <a:pPr algn="ctr"/>
+            <a:r>
+              <a:rPr kumimoji="1" lang="ja-JP" altLang="en-US" sz="1100" dirty="0" smtClean="0"/>
+              <a:t>入力をクリア</a:t>
+            </a:r>
+            <a:endParaRPr kumimoji="1" lang="ja-JP" altLang="en-US" sz="1100" dirty="0"/>
+          </a:p>
+        </p:txBody>
+      </p:sp>
+      <p:cxnSp>
+        <p:nvCxnSpPr>
+          <p:cNvPr id="62" name="直線矢印コネクタ 61"/>
+          <p:cNvCxnSpPr>
+            <a:endCxn id="46" idx="0"/>
+          </p:cNvCxnSpPr>
+          <p:nvPr/>
+        </p:nvCxnSpPr>
+        <p:spPr>
+          <a:xfrm>
+            <a:off x="6540828" y="3465139"/>
+            <a:ext cx="16562" cy="158193"/>
+          </a:xfrm>
+          <a:prstGeom prst="straightConnector1">
+            <a:avLst/>
+          </a:prstGeom>
+          <a:ln>
+            <a:solidFill>
+              <a:srgbClr val="000000"/>
+            </a:solidFill>
+            <a:tailEnd type="arrow"/>
+          </a:ln>
+        </p:spPr>
+        <p:style>
+          <a:lnRef idx="2">
+            <a:schemeClr val="accent1"/>
+          </a:lnRef>
+          <a:fillRef idx="0">
+            <a:schemeClr val="accent1"/>
+          </a:fillRef>
+          <a:effectRef idx="1">
+            <a:schemeClr val="accent1"/>
+          </a:effectRef>
+          <a:fontRef idx="minor">
+            <a:schemeClr val="tx1"/>
+          </a:fontRef>
+        </p:style>
+      </p:cxnSp>
+      <p:sp>
+        <p:nvSpPr>
+          <p:cNvPr id="63" name="テキスト ボックス 62"/>
+          <p:cNvSpPr txBox="1"/>
+          <p:nvPr/>
+        </p:nvSpPr>
+        <p:spPr>
+          <a:xfrm>
+            <a:off x="8280400" y="2709901"/>
+            <a:ext cx="3057247" cy="307777"/>
+          </a:xfrm>
+          <a:prstGeom prst="rect">
+            <a:avLst/>
+          </a:prstGeom>
+          <a:noFill/>
+        </p:spPr>
+        <p:txBody>
+          <a:bodyPr wrap="none" rtlCol="0">
+            <a:spAutoFit/>
+          </a:bodyPr>
+          <a:lstStyle/>
+          <a:p>
+            <a:r>
+              <a:rPr kumimoji="1" lang="ja-JP" altLang="en-US" dirty="0" smtClean="0"/>
+              <a:t>ログインになるまで繰り返すループ</a:t>
+            </a:r>
+            <a:endParaRPr kumimoji="1" lang="ja-JP" altLang="en-US" dirty="0"/>
+          </a:p>
+        </p:txBody>
+      </p:sp>
+      <p:sp>
+        <p:nvSpPr>
+          <p:cNvPr id="64" name="テキスト ボックス 63"/>
+          <p:cNvSpPr txBox="1"/>
+          <p:nvPr/>
+        </p:nvSpPr>
+        <p:spPr>
+          <a:xfrm>
+            <a:off x="8164007" y="3191537"/>
+            <a:ext cx="2518638" cy="307777"/>
+          </a:xfrm>
+          <a:prstGeom prst="rect">
+            <a:avLst/>
+          </a:prstGeom>
+          <a:noFill/>
+        </p:spPr>
+        <p:txBody>
+          <a:bodyPr wrap="none" rtlCol="0">
+            <a:spAutoFit/>
+          </a:bodyPr>
+          <a:lstStyle/>
+          <a:p>
+            <a:r>
+              <a:rPr kumimoji="1" lang="ja-JP" altLang="en-US" dirty="0" smtClean="0"/>
+              <a:t>ループから抜け出す条件分岐</a:t>
+            </a:r>
+            <a:endParaRPr kumimoji="1" lang="ja-JP" altLang="en-US" dirty="0"/>
+          </a:p>
+        </p:txBody>
+      </p:sp>
+      <p:sp>
+        <p:nvSpPr>
+          <p:cNvPr id="65" name="Shape 53"/>
+          <p:cNvSpPr/>
+          <p:nvPr/>
+        </p:nvSpPr>
+        <p:spPr>
+          <a:xfrm>
+            <a:off x="5670937" y="2015495"/>
+            <a:ext cx="1714297" cy="323242"/>
+          </a:xfrm>
+          <a:prstGeom prst="flowChartManualInput">
+            <a:avLst/>
+          </a:prstGeom>
+          <a:noFill/>
+          <a:ln w="9525" cap="flat" cmpd="sng">
+            <a:solidFill>
+              <a:srgbClr val="000000"/>
+            </a:solidFill>
+            <a:prstDash val="solid"/>
+            <a:round/>
+            <a:headEnd type="none" w="med" len="med"/>
+            <a:tailEnd type="none" w="med" len="med"/>
+          </a:ln>
+        </p:spPr>
+        <p:txBody>
+          <a:bodyPr lIns="91425" tIns="91425" rIns="91425" bIns="91425" anchor="ctr" anchorCtr="0">
+            <a:noAutofit/>
+          </a:bodyPr>
+          <a:lstStyle/>
+          <a:p>
+            <a:pPr>
+              <a:spcBef>
+                <a:spcPts val="0"/>
+              </a:spcBef>
+              <a:buNone/>
+            </a:pPr>
+            <a:endParaRPr/>
+          </a:p>
+        </p:txBody>
+      </p:sp>
+      <p:sp>
+        <p:nvSpPr>
+          <p:cNvPr id="67" name="テキスト ボックス 66"/>
+          <p:cNvSpPr txBox="1"/>
+          <p:nvPr/>
+        </p:nvSpPr>
+        <p:spPr>
+          <a:xfrm>
+            <a:off x="5824230" y="2030960"/>
+            <a:ext cx="1441420" cy="307777"/>
+          </a:xfrm>
+          <a:prstGeom prst="rect">
+            <a:avLst/>
+          </a:prstGeom>
+          <a:noFill/>
+        </p:spPr>
+        <p:txBody>
+          <a:bodyPr wrap="none" rtlCol="0">
+            <a:spAutoFit/>
+          </a:bodyPr>
+          <a:lstStyle/>
+          <a:p>
+            <a:r>
+              <a:rPr kumimoji="1" lang="ja-JP" altLang="en-US" dirty="0" smtClean="0"/>
+              <a:t>パスワード入力</a:t>
+            </a:r>
+            <a:endParaRPr kumimoji="1" lang="ja-JP" altLang="en-US" dirty="0"/>
+          </a:p>
+        </p:txBody>
+      </p:sp>
+      <p:sp>
+        <p:nvSpPr>
+          <p:cNvPr id="71" name="Shape 52"/>
+          <p:cNvSpPr/>
+          <p:nvPr/>
+        </p:nvSpPr>
+        <p:spPr>
+          <a:xfrm>
+            <a:off x="5761457" y="4440902"/>
+            <a:ext cx="1664932" cy="186565"/>
+          </a:xfrm>
+          <a:prstGeom prst="flowChartProcess">
+            <a:avLst/>
+          </a:prstGeom>
+          <a:noFill/>
+          <a:ln w="9525" cap="flat" cmpd="sng">
+            <a:solidFill>
+              <a:srgbClr val="000000"/>
+            </a:solidFill>
+            <a:prstDash val="solid"/>
+            <a:round/>
+            <a:headEnd type="none" w="med" len="med"/>
+            <a:tailEnd type="none" w="med" len="med"/>
+          </a:ln>
+        </p:spPr>
+        <p:txBody>
+          <a:bodyPr lIns="91425" tIns="91425" rIns="91425" bIns="91425" anchor="ctr" anchorCtr="0">
+            <a:noAutofit/>
+          </a:bodyPr>
+          <a:lstStyle/>
+          <a:p>
+            <a:pPr>
+              <a:spcBef>
+                <a:spcPts val="0"/>
+              </a:spcBef>
+              <a:buNone/>
+            </a:pPr>
+            <a:endParaRPr/>
+          </a:p>
+        </p:txBody>
+      </p:sp>
+      <p:sp>
+        <p:nvSpPr>
+          <p:cNvPr id="72" name="テキスト ボックス 71"/>
+          <p:cNvSpPr txBox="1"/>
+          <p:nvPr/>
+        </p:nvSpPr>
+        <p:spPr>
+          <a:xfrm>
+            <a:off x="5482732" y="4432499"/>
+            <a:ext cx="2082800" cy="230832"/>
+          </a:xfrm>
+          <a:prstGeom prst="rect">
+            <a:avLst/>
+          </a:prstGeom>
+          <a:noFill/>
+        </p:spPr>
+        <p:txBody>
+          <a:bodyPr wrap="square" rtlCol="0">
+            <a:spAutoFit/>
+          </a:bodyPr>
+          <a:lstStyle/>
+          <a:p>
+            <a:pPr algn="ctr"/>
+            <a:r>
+              <a:rPr kumimoji="1" lang="ja-JP" altLang="en-US" sz="900" dirty="0" smtClean="0"/>
+              <a:t>「ログインしました」と表示</a:t>
+            </a:r>
+            <a:endParaRPr kumimoji="1" lang="ja-JP" altLang="en-US" sz="900" dirty="0"/>
           </a:p>
         </p:txBody>
       </p:sp>
@@ -11157,7 +16718,15 @@
             </a:r>
             <a:r>
               <a:rPr lang="ja-JP" altLang="en-US" sz="2400" b="1" dirty="0" smtClean="0"/>
-              <a:t>以上です」と表示。</a:t>
+              <a:t>以上で</a:t>
+            </a:r>
+            <a:r>
+              <a:rPr lang="en-US" altLang="ja-JP" sz="2400" b="1" dirty="0" smtClean="0"/>
+              <a:t>	</a:t>
+            </a:r>
+            <a:r>
+              <a:rPr lang="ja-JP" altLang="en-US" sz="2400" b="1" dirty="0" smtClean="0"/>
+              <a:t>　す」と表示。</a:t>
             </a:r>
             <a:r>
               <a:rPr lang="en-US" altLang="ja-JP" sz="2400" b="1" dirty="0" smtClean="0"/>
@@ -11174,6 +16743,14 @@
             <a:r>
               <a:rPr lang="ja-JP" altLang="en-US" sz="2400" b="1" dirty="0" smtClean="0"/>
               <a:t>です」と表示。</a:t>
+            </a:r>
+            <a:r>
+              <a:rPr lang="en-US" altLang="ja-JP" sz="2400" b="1" dirty="0" smtClean="0"/>
+              <a:t>	</a:t>
+            </a:r>
+            <a:r>
+              <a:rPr lang="ja-JP" altLang="en-US" sz="2400" b="1" dirty="0" smtClean="0"/>
+              <a:t>　</a:t>
             </a:r>
             <a:r>
               <a:rPr lang="en-US" altLang="ja-JP" sz="2400" b="1" dirty="0" smtClean="0"/>
@@ -12503,7 +18080,7 @@
         </p:nvSpPr>
         <p:spPr>
           <a:xfrm rot="2030756">
-            <a:off x="8140384" y="2878450"/>
+            <a:off x="8191100" y="2893587"/>
             <a:ext cx="415498" cy="276999"/>
           </a:xfrm>
           <a:prstGeom prst="rect">
@@ -12525,6 +18102,78 @@
           </a:p>
         </p:txBody>
       </p:sp>
+      <p:cxnSp>
+        <p:nvCxnSpPr>
+          <p:cNvPr id="41" name="直線コネクタ 40"/>
+          <p:cNvCxnSpPr/>
+          <p:nvPr/>
+        </p:nvCxnSpPr>
+        <p:spPr>
+          <a:xfrm>
+            <a:off x="4748480" y="4190182"/>
+            <a:ext cx="0" cy="185650"/>
+          </a:xfrm>
+          <a:prstGeom prst="line">
+            <a:avLst/>
+          </a:prstGeom>
+          <a:ln>
+            <a:solidFill>
+              <a:srgbClr val="000000"/>
+            </a:solidFill>
+          </a:ln>
+        </p:spPr>
+        <p:style>
+          <a:lnRef idx="2">
+            <a:schemeClr val="accent1"/>
+          </a:lnRef>
+          <a:fillRef idx="0">
+            <a:schemeClr val="accent1"/>
+          </a:fillRef>
+          <a:effectRef idx="1">
+            <a:schemeClr val="accent1"/>
+          </a:effectRef>
+          <a:fontRef idx="minor">
+            <a:schemeClr val="tx1"/>
+          </a:fontRef>
+        </p:style>
+      </p:cxnSp>
+      <p:cxnSp>
+        <p:nvCxnSpPr>
+          <p:cNvPr id="56" name="直線コネクタ 55"/>
+          <p:cNvCxnSpPr>
+            <a:stCxn id="50" idx="2"/>
+          </p:cNvCxnSpPr>
+          <p:nvPr/>
+        </p:nvCxnSpPr>
+        <p:spPr>
+          <a:xfrm>
+            <a:off x="6845513" y="4190182"/>
+            <a:ext cx="0" cy="203118"/>
+          </a:xfrm>
+          <a:prstGeom prst="line">
+            <a:avLst/>
+          </a:prstGeom>
+          <a:ln>
+            <a:solidFill>
+              <a:srgbClr val="000000"/>
+            </a:solidFill>
+          </a:ln>
+        </p:spPr>
+        <p:style>
+          <a:lnRef idx="2">
+            <a:schemeClr val="accent1"/>
+          </a:lnRef>
+          <a:fillRef idx="0">
+            <a:schemeClr val="accent1"/>
+          </a:fillRef>
+          <a:effectRef idx="1">
+            <a:schemeClr val="accent1"/>
+          </a:effectRef>
+          <a:fontRef idx="minor">
+            <a:schemeClr val="tx1"/>
+          </a:fontRef>
+        </p:style>
+      </p:cxnSp>
     </p:spTree>
     <p:extLst>
       <p:ext uri="{BB962C8B-B14F-4D97-AF65-F5344CB8AC3E}">
@@ -13266,7 +18915,7 @@
         </p:nvSpPr>
         <p:spPr>
           <a:xfrm>
-            <a:off x="5525623" y="1980197"/>
+            <a:off x="5614738" y="1938436"/>
             <a:ext cx="1272714" cy="430887"/>
           </a:xfrm>
           <a:prstGeom prst="rect">
@@ -13382,7 +19031,7 @@
         <p:spPr>
           <a:xfrm>
             <a:off x="5925876" y="2812807"/>
-            <a:ext cx="416413" cy="246221"/>
+            <a:ext cx="394997" cy="246221"/>
           </a:xfrm>
           <a:prstGeom prst="rect">
             <a:avLst/>
@@ -13396,8 +19045,12 @@
           <a:lstStyle/>
           <a:p>
             <a:r>
+              <a:rPr kumimoji="1" lang="en-US" altLang="ja-JP" sz="1000" dirty="0"/>
+              <a:t>x</a:t>
+            </a:r>
+            <a:r>
               <a:rPr kumimoji="1" lang="en-US" altLang="ja-JP" sz="1000" dirty="0" smtClean="0"/>
-              <a:t>X=1</a:t>
+              <a:t>=1</a:t>
             </a:r>
             <a:endParaRPr kumimoji="1" lang="ja-JP" altLang="en-US" sz="1000" dirty="0"/>
           </a:p>
@@ -13490,8 +19143,8 @@
         </p:nvSpPr>
         <p:spPr>
           <a:xfrm>
-            <a:off x="5730894" y="4274490"/>
-            <a:ext cx="822960" cy="140547"/>
+            <a:off x="5295900" y="4274490"/>
+            <a:ext cx="1688310" cy="202260"/>
           </a:xfrm>
           <a:prstGeom prst="flowChartManualOperation">
             <a:avLst/>
@@ -13534,7 +19187,7 @@
         <p:spPr>
           <a:xfrm>
             <a:off x="5396710" y="3554119"/>
-            <a:ext cx="1481667" cy="246221"/>
+            <a:ext cx="1481667" cy="196843"/>
           </a:xfrm>
           <a:prstGeom prst="flowChartProcess">
             <a:avLst/>
@@ -13574,7 +19227,7 @@
         </p:nvSpPr>
         <p:spPr>
           <a:xfrm>
-            <a:off x="5396710" y="3561891"/>
+            <a:off x="5396710" y="3504741"/>
             <a:ext cx="1481667" cy="246221"/>
           </a:xfrm>
           <a:prstGeom prst="rect">
@@ -13613,8 +19266,8 @@
         </p:nvSpPr>
         <p:spPr>
           <a:xfrm>
-            <a:off x="5396711" y="3920506"/>
-            <a:ext cx="1481666" cy="246221"/>
+            <a:off x="5396711" y="3920507"/>
+            <a:ext cx="1481666" cy="168894"/>
           </a:xfrm>
           <a:prstGeom prst="flowChartProcess">
             <a:avLst/>
@@ -13691,7 +19344,7 @@
         <p:spPr>
           <a:xfrm>
             <a:off x="5618269" y="3207434"/>
-            <a:ext cx="1056700" cy="246221"/>
+            <a:ext cx="1032629" cy="246221"/>
           </a:xfrm>
           <a:prstGeom prst="rect">
             <a:avLst/>
@@ -13705,8 +19358,8 @@
           <a:lstStyle/>
           <a:p>
             <a:r>
-              <a:rPr kumimoji="1" lang="en-US" altLang="ja-JP" sz="1000" dirty="0" smtClean="0"/>
-              <a:t>X</a:t>
+              <a:rPr kumimoji="1" lang="en-US" altLang="ja-JP" sz="1000" dirty="0"/>
+              <a:t>x</a:t>
             </a:r>
             <a:r>
               <a:rPr kumimoji="1" lang="ja-JP" altLang="en-US" sz="1000" dirty="0" smtClean="0"/>
@@ -13727,14 +19380,12 @@
       <p:cxnSp>
         <p:nvCxnSpPr>
           <p:cNvPr id="53" name="直線矢印コネクタ 52"/>
-          <p:cNvCxnSpPr>
-            <a:endCxn id="47" idx="0"/>
-          </p:cNvCxnSpPr>
+          <p:cNvCxnSpPr/>
           <p:nvPr/>
         </p:nvCxnSpPr>
         <p:spPr>
           <a:xfrm>
-            <a:off x="6133884" y="3454634"/>
+            <a:off x="6133884" y="3453655"/>
             <a:ext cx="3660" cy="107257"/>
           </a:xfrm>
           <a:prstGeom prst="straightConnector1">
@@ -13770,7 +19421,7 @@
         </p:nvSpPr>
         <p:spPr>
           <a:xfrm>
-            <a:off x="5405785" y="3913748"/>
+            <a:off x="5374391" y="3888442"/>
             <a:ext cx="1481667" cy="246221"/>
           </a:xfrm>
           <a:prstGeom prst="rect">
@@ -13786,8 +19437,8 @@
           <a:p>
             <a:pPr algn="ctr"/>
             <a:r>
-              <a:rPr kumimoji="1" lang="en-US" altLang="ja-JP" sz="1000" dirty="0" smtClean="0"/>
-              <a:t>X</a:t>
+              <a:rPr kumimoji="1" lang="en-US" altLang="ja-JP" sz="1000" dirty="0"/>
+              <a:t>x</a:t>
             </a:r>
             <a:r>
               <a:rPr kumimoji="1" lang="ja-JP" altLang="en-US" sz="1000" dirty="0" smtClean="0"/>
@@ -13808,13 +19459,15 @@
       <p:cxnSp>
         <p:nvCxnSpPr>
           <p:cNvPr id="57" name="直線矢印コネクタ 56"/>
-          <p:cNvCxnSpPr/>
+          <p:cNvCxnSpPr>
+            <a:stCxn id="46" idx="2"/>
+          </p:cNvCxnSpPr>
           <p:nvPr/>
         </p:nvCxnSpPr>
         <p:spPr>
           <a:xfrm>
-            <a:off x="6133884" y="3806491"/>
-            <a:ext cx="3660" cy="107257"/>
+            <a:off x="6137544" y="3750962"/>
+            <a:ext cx="0" cy="162786"/>
           </a:xfrm>
           <a:prstGeom prst="straightConnector1">
             <a:avLst/>
@@ -13849,8 +19502,8 @@
         </p:nvCxnSpPr>
         <p:spPr>
           <a:xfrm>
-            <a:off x="6138129" y="4159969"/>
-            <a:ext cx="3660" cy="107257"/>
+            <a:off x="6133489" y="4089401"/>
+            <a:ext cx="0" cy="201920"/>
           </a:xfrm>
           <a:prstGeom prst="straightConnector1">
             <a:avLst/>
@@ -13880,13 +19533,15 @@
       <p:cxnSp>
         <p:nvCxnSpPr>
           <p:cNvPr id="63" name="直線コネクタ 62"/>
-          <p:cNvCxnSpPr/>
+          <p:cNvCxnSpPr>
+            <a:stCxn id="45" idx="2"/>
+          </p:cNvCxnSpPr>
           <p:nvPr/>
         </p:nvCxnSpPr>
         <p:spPr>
-          <a:xfrm>
-            <a:off x="6133884" y="4415136"/>
-            <a:ext cx="0" cy="148167"/>
+          <a:xfrm flipH="1">
+            <a:off x="6138129" y="4476750"/>
+            <a:ext cx="1926" cy="86553"/>
           </a:xfrm>
           <a:prstGeom prst="line">
             <a:avLst/>
@@ -14187,6 +19842,54 @@
               <a:t>NO</a:t>
             </a:r>
             <a:endParaRPr kumimoji="1" lang="ja-JP" altLang="en-US" sz="1200" dirty="0"/>
+          </a:p>
+        </p:txBody>
+      </p:sp>
+      <p:sp>
+        <p:nvSpPr>
+          <p:cNvPr id="36" name="テキスト ボックス 35"/>
+          <p:cNvSpPr txBox="1"/>
+          <p:nvPr/>
+        </p:nvSpPr>
+        <p:spPr>
+          <a:xfrm>
+            <a:off x="7197278" y="3608743"/>
+            <a:ext cx="3785474" cy="523220"/>
+          </a:xfrm>
+          <a:prstGeom prst="rect">
+            <a:avLst/>
+          </a:prstGeom>
+          <a:noFill/>
+        </p:spPr>
+        <p:txBody>
+          <a:bodyPr wrap="none" rtlCol="0">
+            <a:spAutoFit/>
+          </a:bodyPr>
+          <a:lstStyle/>
+          <a:p>
+            <a:r>
+              <a:rPr kumimoji="1" lang="ja-JP" altLang="en-US" dirty="0" smtClean="0"/>
+              <a:t>「記事</a:t>
+            </a:r>
+            <a:r>
+              <a:rPr kumimoji="1" lang="en-US" altLang="ja-JP" dirty="0" err="1" smtClean="0"/>
+              <a:t>No.x</a:t>
+            </a:r>
+            <a:r>
+              <a:rPr kumimoji="1" lang="ja-JP" altLang="en-US" dirty="0" smtClean="0"/>
+              <a:t>を表示」が２０回表記されるまで</a:t>
+            </a:r>
+            <a:endParaRPr kumimoji="1" lang="en-US" altLang="ja-JP" dirty="0" smtClean="0"/>
+          </a:p>
+          <a:p>
+            <a:r>
+              <a:rPr kumimoji="1" lang="ja-JP" altLang="en-US" dirty="0" smtClean="0"/>
+              <a:t>　繰り返ししたいって感じかな</a:t>
+            </a:r>
+            <a:r>
+              <a:rPr kumimoji="1" lang="en-US" altLang="ja-JP" dirty="0" smtClean="0"/>
+              <a:t>?</a:t>
+            </a:r>
           </a:p>
         </p:txBody>
       </p:sp>

--- a/Flowchart .pptx
+++ b/Flowchart .pptx
@@ -5893,46 +5893,62 @@
               <a:buNone/>
             </a:pPr>
             <a:r>
-              <a:rPr lang="ja" sz="2000" b="1" dirty="0" smtClean="0">
+              <a:rPr lang="ja" sz="1800" b="1" dirty="0" smtClean="0">
                 <a:solidFill>
-                  <a:srgbClr val="3366FF"/>
+                  <a:srgbClr val="FF0000"/>
                 </a:solidFill>
               </a:rPr>
               <a:t>課題</a:t>
             </a:r>
             <a:r>
-              <a:rPr lang="ja-JP" altLang="en-US" sz="2000" b="1" dirty="0" smtClean="0">
+              <a:rPr lang="ja-JP" altLang="en-US" sz="1800" b="1" dirty="0" smtClean="0">
                 <a:solidFill>
-                  <a:srgbClr val="3366FF"/>
+                  <a:srgbClr val="FF0000"/>
                 </a:solidFill>
               </a:rPr>
               <a:t>１１</a:t>
             </a:r>
             <a:r>
-              <a:rPr lang="ja" sz="2000" b="1" dirty="0" smtClean="0"/>
+              <a:rPr lang="ja" sz="1800" b="1" dirty="0" smtClean="0"/>
               <a:t>：</a:t>
             </a:r>
             <a:r>
-              <a:rPr lang="ja-JP" altLang="en-US" sz="2000" b="1" dirty="0" smtClean="0"/>
+              <a:rPr lang="ja-JP" altLang="en-US" sz="1800" b="1" dirty="0" smtClean="0"/>
               <a:t>フローチャートで自動販売機のシステムを完成させなさい。どのよ</a:t>
             </a:r>
             <a:r>
-              <a:rPr lang="en-US" altLang="ja-JP" sz="2000" b="1" dirty="0" smtClean="0"/>
+              <a:rPr lang="en-US" altLang="ja-JP" sz="1800" b="1" dirty="0" smtClean="0"/>
               <a:t>	</a:t>
             </a:r>
             <a:r>
-              <a:rPr lang="ja-JP" altLang="en-US" sz="2000" b="1" dirty="0" smtClean="0"/>
+              <a:rPr lang="ja-JP" altLang="en-US" sz="1800" b="1" dirty="0" smtClean="0"/>
               <a:t>　</a:t>
             </a:r>
             <a:r>
-              <a:rPr lang="en-US" altLang="ja-JP" sz="2000" b="1" dirty="0" smtClean="0"/>
+              <a:rPr lang="en-US" altLang="ja-JP" sz="1800" b="1" dirty="0" smtClean="0"/>
               <a:t> </a:t>
             </a:r>
             <a:r>
-              <a:rPr lang="ja-JP" altLang="en-US" sz="2000" b="1" dirty="0" smtClean="0"/>
-              <a:t>うな処理を盛り込んで完成させるかは自由です。</a:t>
-            </a:r>
-            <a:endParaRPr lang="ja" sz="2000" b="1" dirty="0"/>
+              <a:rPr lang="ja-JP" altLang="en-US" sz="1800" b="1" dirty="0" smtClean="0"/>
+              <a:t>う</a:t>
+            </a:r>
+            <a:r>
+              <a:rPr lang="en-US" altLang="ja-JP" sz="1800" b="1" dirty="0" smtClean="0"/>
+              <a:t>	</a:t>
+            </a:r>
+            <a:r>
+              <a:rPr lang="ja-JP" altLang="en-US" sz="1800" b="1" dirty="0" smtClean="0"/>
+              <a:t>　</a:t>
+            </a:r>
+            <a:r>
+              <a:rPr lang="ja-JP" altLang="en-US" sz="1800" b="1" dirty="0" smtClean="0"/>
+              <a:t>な</a:t>
+            </a:r>
+            <a:r>
+              <a:rPr lang="ja-JP" altLang="en-US" sz="1800" b="1" dirty="0" smtClean="0"/>
+              <a:t>処理を盛り込んで完成させるかは自由です。</a:t>
+            </a:r>
+            <a:endParaRPr lang="ja" sz="1800" b="1" dirty="0"/>
           </a:p>
         </p:txBody>
       </p:sp>
@@ -5944,7 +5960,7 @@
         </p:nvSpPr>
         <p:spPr>
           <a:xfrm>
-            <a:off x="2214761" y="902441"/>
+            <a:off x="2081792" y="677987"/>
             <a:ext cx="1367632" cy="318661"/>
           </a:xfrm>
           <a:prstGeom prst="flowChartTerminator">
@@ -5985,7 +6001,7 @@
         </p:nvSpPr>
         <p:spPr>
           <a:xfrm>
-            <a:off x="2545227" y="832799"/>
+            <a:off x="2424957" y="616910"/>
             <a:ext cx="683475" cy="400110"/>
           </a:xfrm>
           <a:prstGeom prst="rect">
@@ -6015,7 +6031,7 @@
         </p:nvSpPr>
         <p:spPr>
           <a:xfrm>
-            <a:off x="2233951" y="4578905"/>
+            <a:off x="3792264" y="4809773"/>
             <a:ext cx="1367632" cy="318661"/>
           </a:xfrm>
           <a:prstGeom prst="flowChartTerminator">
@@ -6056,7 +6072,7 @@
         </p:nvSpPr>
         <p:spPr>
           <a:xfrm>
-            <a:off x="2616109" y="4509263"/>
+            <a:off x="4174422" y="4740131"/>
             <a:ext cx="612593" cy="400110"/>
           </a:xfrm>
           <a:prstGeom prst="rect">
@@ -6075,49 +6091,6 @@
               <a:t>end</a:t>
             </a:r>
             <a:endParaRPr kumimoji="1" lang="ja-JP" altLang="en-US" sz="2000" dirty="0"/>
-          </a:p>
-        </p:txBody>
-      </p:sp>
-      <p:sp>
-        <p:nvSpPr>
-          <p:cNvPr id="9" name="Shape 52"/>
-          <p:cNvSpPr/>
-          <p:nvPr/>
-        </p:nvSpPr>
-        <p:spPr>
-          <a:xfrm>
-            <a:off x="2065921" y="2460728"/>
-            <a:ext cx="1712970" cy="388894"/>
-          </a:xfrm>
-          <a:prstGeom prst="flowChartProcess">
-            <a:avLst/>
-          </a:prstGeom>
-          <a:solidFill>
-            <a:srgbClr val="FFFFFF"/>
-          </a:solidFill>
-          <a:ln w="9525" cap="flat" cmpd="sng">
-            <a:solidFill>
-              <a:srgbClr val="000000"/>
-            </a:solidFill>
-            <a:prstDash val="solid"/>
-            <a:round/>
-            <a:headEnd type="none" w="med" len="med"/>
-            <a:tailEnd type="none" w="med" len="med"/>
-          </a:ln>
-        </p:spPr>
-        <p:txBody>
-          <a:bodyPr lIns="91425" tIns="91425" rIns="91425" bIns="91425" anchor="ctr" anchorCtr="0">
-            <a:noAutofit/>
-          </a:bodyPr>
-          <a:lstStyle/>
-          <a:p>
-            <a:pPr>
-              <a:spcBef>
-                <a:spcPts val="0"/>
-              </a:spcBef>
-              <a:buNone/>
-            </a:pPr>
-            <a:endParaRPr/>
           </a:p>
         </p:txBody>
       </p:sp>
@@ -6129,8 +6102,8 @@
         </p:nvCxnSpPr>
         <p:spPr>
           <a:xfrm>
-            <a:off x="2905839" y="1221102"/>
-            <a:ext cx="4320" cy="428789"/>
+            <a:off x="3449424" y="845256"/>
+            <a:ext cx="563899" cy="0"/>
           </a:xfrm>
           <a:prstGeom prst="straightConnector1">
             <a:avLst/>
@@ -6165,13 +6138,18 @@
         </p:nvSpPr>
         <p:spPr>
           <a:xfrm>
-            <a:off x="2065921" y="2516675"/>
+            <a:off x="3628554" y="2082362"/>
             <a:ext cx="1723549" cy="276999"/>
           </a:xfrm>
           <a:prstGeom prst="rect">
             <a:avLst/>
           </a:prstGeom>
           <a:noFill/>
+          <a:ln>
+            <a:solidFill>
+              <a:srgbClr val="000000"/>
+            </a:solidFill>
+          </a:ln>
         </p:spPr>
         <p:txBody>
           <a:bodyPr wrap="none" rtlCol="0">
@@ -6180,53 +6158,10 @@
           <a:lstStyle/>
           <a:p>
             <a:r>
-              <a:rPr kumimoji="1" lang="ja-JP" altLang="en-US" sz="1200" b="1" dirty="0" smtClean="0"/>
+              <a:rPr kumimoji="1" lang="ja-JP" altLang="en-US" sz="1200" dirty="0" smtClean="0"/>
               <a:t>希望商品ボタンを押す</a:t>
             </a:r>
-            <a:endParaRPr kumimoji="1" lang="ja-JP" altLang="en-US" sz="1200" b="1" dirty="0"/>
-          </a:p>
-        </p:txBody>
-      </p:sp>
-      <p:sp>
-        <p:nvSpPr>
-          <p:cNvPr id="13" name="Shape 52"/>
-          <p:cNvSpPr/>
-          <p:nvPr/>
-        </p:nvSpPr>
-        <p:spPr>
-          <a:xfrm>
-            <a:off x="2057994" y="1600298"/>
-            <a:ext cx="1712970" cy="388894"/>
-          </a:xfrm>
-          <a:prstGeom prst="flowChartProcess">
-            <a:avLst/>
-          </a:prstGeom>
-          <a:solidFill>
-            <a:srgbClr val="FFFFFF"/>
-          </a:solidFill>
-          <a:ln w="9525" cap="flat" cmpd="sng">
-            <a:solidFill>
-              <a:srgbClr val="000000"/>
-            </a:solidFill>
-            <a:prstDash val="solid"/>
-            <a:round/>
-            <a:headEnd type="none" w="med" len="med"/>
-            <a:tailEnd type="none" w="med" len="med"/>
-          </a:ln>
-        </p:spPr>
-        <p:txBody>
-          <a:bodyPr lIns="91425" tIns="91425" rIns="91425" bIns="91425" anchor="ctr" anchorCtr="0">
-            <a:noAutofit/>
-          </a:bodyPr>
-          <a:lstStyle/>
-          <a:p>
-            <a:pPr>
-              <a:spcBef>
-                <a:spcPts val="0"/>
-              </a:spcBef>
-              <a:buNone/>
-            </a:pPr>
-            <a:endParaRPr/>
+            <a:endParaRPr kumimoji="1" lang="ja-JP" altLang="en-US" sz="1200" dirty="0"/>
           </a:p>
         </p:txBody>
       </p:sp>
@@ -6238,13 +6173,18 @@
         </p:nvSpPr>
         <p:spPr>
           <a:xfrm>
-            <a:off x="1996286" y="1648782"/>
-            <a:ext cx="1723549" cy="276999"/>
-          </a:xfrm>
-          <a:prstGeom prst="rect">
-            <a:avLst/>
-          </a:prstGeom>
-          <a:noFill/>
+            <a:off x="4013323" y="692034"/>
+            <a:ext cx="954107" cy="276999"/>
+          </a:xfrm>
+          <a:prstGeom prst="rect">
+            <a:avLst/>
+          </a:prstGeom>
+          <a:noFill/>
+          <a:ln>
+            <a:solidFill>
+              <a:schemeClr val="tx1"/>
+            </a:solidFill>
+          </a:ln>
         </p:spPr>
         <p:txBody>
           <a:bodyPr wrap="none" rtlCol="0">
@@ -6253,25 +6193,31 @@
           <a:lstStyle/>
           <a:p>
             <a:r>
-              <a:rPr kumimoji="1" lang="ja-JP" altLang="en-US" sz="1200" b="1" dirty="0" smtClean="0"/>
-              <a:t>希望商品の金額を投入</a:t>
-            </a:r>
-            <a:endParaRPr kumimoji="1" lang="ja-JP" altLang="en-US" sz="1200" b="1" dirty="0"/>
+              <a:rPr kumimoji="1" lang="ja-JP" altLang="en-US" sz="1200" dirty="0" smtClean="0"/>
+              <a:t>お</a:t>
+            </a:r>
+            <a:r>
+              <a:rPr kumimoji="1" lang="ja-JP" altLang="en-US" sz="1200" dirty="0" smtClean="0"/>
+              <a:t>金を</a:t>
+            </a:r>
+            <a:r>
+              <a:rPr kumimoji="1" lang="ja-JP" altLang="en-US" sz="1200" dirty="0" smtClean="0"/>
+              <a:t>投入</a:t>
+            </a:r>
+            <a:endParaRPr kumimoji="1" lang="ja-JP" altLang="en-US" sz="1200" dirty="0"/>
           </a:p>
         </p:txBody>
       </p:sp>
       <p:cxnSp>
         <p:nvCxnSpPr>
           <p:cNvPr id="15" name="直線矢印コネクタ 14"/>
-          <p:cNvCxnSpPr>
-            <a:stCxn id="9" idx="2"/>
-          </p:cNvCxnSpPr>
+          <p:cNvCxnSpPr/>
           <p:nvPr/>
         </p:nvCxnSpPr>
         <p:spPr>
           <a:xfrm>
-            <a:off x="2922406" y="2849622"/>
-            <a:ext cx="4320" cy="553978"/>
+            <a:off x="4480719" y="2359361"/>
+            <a:ext cx="0" cy="393548"/>
           </a:xfrm>
           <a:prstGeom prst="straightConnector1">
             <a:avLst/>
@@ -6306,8 +6252,8 @@
         </p:nvCxnSpPr>
         <p:spPr>
           <a:xfrm>
-            <a:off x="2918086" y="1989192"/>
-            <a:ext cx="4320" cy="428789"/>
+            <a:off x="4490328" y="972471"/>
+            <a:ext cx="0" cy="315705"/>
           </a:xfrm>
           <a:prstGeom prst="straightConnector1">
             <a:avLst/>
@@ -6336,21 +6282,23 @@
       </p:cxnSp>
       <p:sp>
         <p:nvSpPr>
-          <p:cNvPr id="23" name="テキスト ボックス 22"/>
+          <p:cNvPr id="29" name="テキスト ボックス 28"/>
           <p:cNvSpPr txBox="1"/>
           <p:nvPr/>
         </p:nvSpPr>
         <p:spPr>
           <a:xfrm>
-            <a:off x="4942639" y="1900885"/>
-            <a:ext cx="2159566" cy="307777"/>
+            <a:off x="3705499" y="2778051"/>
+            <a:ext cx="1569660" cy="276999"/>
           </a:xfrm>
           <a:prstGeom prst="rect">
             <a:avLst/>
           </a:prstGeom>
           <a:noFill/>
           <a:ln>
-            <a:noFill/>
+            <a:solidFill>
+              <a:srgbClr val="000000"/>
+            </a:solidFill>
           </a:ln>
         </p:spPr>
         <p:txBody>
@@ -6360,175 +6308,31 @@
           <a:lstStyle/>
           <a:p>
             <a:r>
-              <a:rPr kumimoji="1" lang="en-US" altLang="ja-JP" dirty="0" smtClean="0"/>
-              <a:t>〜</a:t>
-            </a:r>
-            <a:r>
-              <a:rPr kumimoji="1" lang="ja-JP" altLang="en-US" dirty="0" smtClean="0"/>
-              <a:t>細分化</a:t>
-            </a:r>
-            <a:r>
-              <a:rPr kumimoji="1" lang="ja-JP" altLang="en-US" dirty="0" smtClean="0"/>
-              <a:t>していくなら</a:t>
-            </a:r>
-            <a:r>
-              <a:rPr kumimoji="1" lang="en-US" altLang="ja-JP" dirty="0" smtClean="0"/>
-              <a:t>〜</a:t>
-            </a:r>
-            <a:endParaRPr kumimoji="1" lang="ja-JP" altLang="en-US" dirty="0"/>
-          </a:p>
-        </p:txBody>
-      </p:sp>
-      <p:sp>
-        <p:nvSpPr>
-          <p:cNvPr id="25" name="テキスト ボックス 24"/>
-          <p:cNvSpPr txBox="1"/>
-          <p:nvPr/>
-        </p:nvSpPr>
-        <p:spPr>
-          <a:xfrm>
-            <a:off x="5422810" y="2208662"/>
-            <a:ext cx="2817748" cy="523220"/>
-          </a:xfrm>
-          <a:prstGeom prst="rect">
-            <a:avLst/>
-          </a:prstGeom>
-          <a:noFill/>
-        </p:spPr>
-        <p:txBody>
-          <a:bodyPr wrap="none" rtlCol="0">
-            <a:spAutoFit/>
-          </a:bodyPr>
-          <a:lstStyle/>
-          <a:p>
-            <a:r>
-              <a:rPr kumimoji="1" lang="ja-JP" altLang="en-US" dirty="0" smtClean="0"/>
-              <a:t>・硬化</a:t>
-            </a:r>
-            <a:endParaRPr kumimoji="1" lang="en-US" altLang="ja-JP" dirty="0" smtClean="0"/>
-          </a:p>
-          <a:p>
-            <a:r>
-              <a:rPr kumimoji="1" lang="ja-JP" altLang="ja-JP" dirty="0"/>
-              <a:t>　</a:t>
-            </a:r>
-            <a:r>
-              <a:rPr kumimoji="1" lang="ja-JP" altLang="en-US" dirty="0" smtClean="0"/>
-              <a:t>　</a:t>
-            </a:r>
-            <a:r>
-              <a:rPr kumimoji="1" lang="en-US" altLang="ja-JP" dirty="0" smtClean="0"/>
-              <a:t>(</a:t>
-            </a:r>
-            <a:r>
-              <a:rPr kumimoji="1" lang="ja-JP" altLang="en-US" dirty="0" smtClean="0"/>
+              <a:rPr kumimoji="1" lang="ja-JP" altLang="en-US" sz="1200" dirty="0" smtClean="0"/>
+              <a:t>希望</a:t>
+            </a:r>
+            <a:r>
+              <a:rPr kumimoji="1" lang="ja-JP" altLang="en-US" sz="1200" dirty="0" smtClean="0"/>
               <a:t>商品</a:t>
             </a:r>
             <a:r>
-              <a:rPr kumimoji="1" lang="ja-JP" altLang="en-US" dirty="0" smtClean="0"/>
-              <a:t>金額まで</a:t>
-            </a:r>
-            <a:r>
-              <a:rPr kumimoji="1" lang="ja-JP" altLang="en-US" dirty="0" smtClean="0"/>
-              <a:t>投入の</a:t>
-            </a:r>
-            <a:r>
-              <a:rPr kumimoji="1" lang="ja-JP" altLang="en-US" dirty="0" smtClean="0"/>
-              <a:t>ループ</a:t>
-            </a:r>
-            <a:r>
-              <a:rPr kumimoji="1" lang="en-US" altLang="ja-JP" dirty="0" smtClean="0"/>
-              <a:t>)</a:t>
-            </a:r>
-            <a:endParaRPr kumimoji="1" lang="en-US" altLang="ja-JP" dirty="0" smtClean="0"/>
-          </a:p>
-        </p:txBody>
-      </p:sp>
-      <p:sp>
-        <p:nvSpPr>
-          <p:cNvPr id="28" name="Shape 52"/>
-          <p:cNvSpPr/>
-          <p:nvPr/>
-        </p:nvSpPr>
-        <p:spPr>
-          <a:xfrm>
-            <a:off x="2065921" y="3390574"/>
-            <a:ext cx="1712970" cy="388894"/>
-          </a:xfrm>
-          <a:prstGeom prst="flowChartProcess">
-            <a:avLst/>
-          </a:prstGeom>
-          <a:solidFill>
-            <a:srgbClr val="FFFFFF"/>
-          </a:solidFill>
-          <a:ln w="9525" cap="flat" cmpd="sng">
-            <a:solidFill>
-              <a:srgbClr val="000000"/>
-            </a:solidFill>
-            <a:prstDash val="solid"/>
-            <a:round/>
-            <a:headEnd type="none" w="med" len="med"/>
-            <a:tailEnd type="none" w="med" len="med"/>
-          </a:ln>
-        </p:spPr>
-        <p:txBody>
-          <a:bodyPr lIns="91425" tIns="91425" rIns="91425" bIns="91425" anchor="ctr" anchorCtr="0">
-            <a:noAutofit/>
-          </a:bodyPr>
-          <a:lstStyle/>
-          <a:p>
-            <a:pPr>
-              <a:spcBef>
-                <a:spcPts val="0"/>
-              </a:spcBef>
-              <a:buNone/>
-            </a:pPr>
-            <a:endParaRPr/>
-          </a:p>
-        </p:txBody>
-      </p:sp>
-      <p:sp>
-        <p:nvSpPr>
-          <p:cNvPr id="29" name="テキスト ボックス 28"/>
-          <p:cNvSpPr txBox="1"/>
-          <p:nvPr/>
-        </p:nvSpPr>
-        <p:spPr>
-          <a:xfrm>
-            <a:off x="2271681" y="3446521"/>
-            <a:ext cx="1261884" cy="276999"/>
-          </a:xfrm>
-          <a:prstGeom prst="rect">
-            <a:avLst/>
-          </a:prstGeom>
-          <a:noFill/>
-        </p:spPr>
-        <p:txBody>
-          <a:bodyPr wrap="none" rtlCol="0">
-            <a:spAutoFit/>
-          </a:bodyPr>
-          <a:lstStyle/>
-          <a:p>
-            <a:r>
-              <a:rPr kumimoji="1" lang="ja-JP" altLang="en-US" sz="1200" b="1" dirty="0" smtClean="0"/>
-              <a:t>商品が出てくる</a:t>
-            </a:r>
-            <a:endParaRPr kumimoji="1" lang="ja-JP" altLang="en-US" sz="1200" b="1" dirty="0"/>
+              <a:rPr kumimoji="1" lang="ja-JP" altLang="en-US" sz="1200" dirty="0" smtClean="0"/>
+              <a:t>が出てくる</a:t>
+            </a:r>
+            <a:endParaRPr kumimoji="1" lang="ja-JP" altLang="en-US" sz="1200" dirty="0"/>
           </a:p>
         </p:txBody>
       </p:sp>
       <p:cxnSp>
         <p:nvCxnSpPr>
           <p:cNvPr id="30" name="直線矢印コネクタ 29"/>
-          <p:cNvCxnSpPr>
-            <a:stCxn id="28" idx="2"/>
-          </p:cNvCxnSpPr>
+          <p:cNvCxnSpPr/>
           <p:nvPr/>
         </p:nvCxnSpPr>
         <p:spPr>
           <a:xfrm flipH="1">
-            <a:off x="2918086" y="3779468"/>
-            <a:ext cx="4320" cy="799437"/>
+            <a:off x="4469339" y="3055050"/>
+            <a:ext cx="4320" cy="367816"/>
           </a:xfrm>
           <a:prstGeom prst="straightConnector1">
             <a:avLst/>
@@ -6557,14 +6361,55 @@
       </p:cxnSp>
       <p:sp>
         <p:nvSpPr>
-          <p:cNvPr id="33" name="テキスト ボックス 32"/>
+          <p:cNvPr id="24" name="Shape 51"/>
+          <p:cNvSpPr/>
+          <p:nvPr/>
+        </p:nvSpPr>
+        <p:spPr>
+          <a:xfrm>
+            <a:off x="2979438" y="1304753"/>
+            <a:ext cx="3021779" cy="413007"/>
+          </a:xfrm>
+          <a:prstGeom prst="flowChartDecision">
+            <a:avLst/>
+          </a:prstGeom>
+          <a:noFill/>
+          <a:ln w="9525" cap="flat" cmpd="sng">
+            <a:solidFill>
+              <a:srgbClr val="000000"/>
+            </a:solidFill>
+            <a:prstDash val="solid"/>
+            <a:round/>
+            <a:headEnd type="none" w="med" len="med"/>
+            <a:tailEnd type="none" w="med" len="med"/>
+          </a:ln>
+        </p:spPr>
+        <p:txBody>
+          <a:bodyPr lIns="91425" tIns="91425" rIns="91425" bIns="91425" anchor="ctr" anchorCtr="0">
+            <a:noAutofit/>
+          </a:bodyPr>
+          <a:lstStyle/>
+          <a:p>
+            <a:pPr>
+              <a:spcBef>
+                <a:spcPts val="0"/>
+              </a:spcBef>
+              <a:buNone/>
+            </a:pPr>
+            <a:endParaRPr/>
+          </a:p>
+        </p:txBody>
+      </p:sp>
+      <p:sp>
+        <p:nvSpPr>
+          <p:cNvPr id="16" name="テキスト ボックス 15"/>
           <p:cNvSpPr txBox="1"/>
           <p:nvPr/>
         </p:nvSpPr>
         <p:spPr>
           <a:xfrm>
-            <a:off x="5784447" y="3660587"/>
-            <a:ext cx="2099603" cy="523220"/>
+            <a:off x="3532373" y="1338620"/>
+            <a:ext cx="1915909" cy="276999"/>
           </a:xfrm>
           <a:prstGeom prst="rect">
             <a:avLst/>
@@ -6578,50 +6423,137 @@
           <a:lstStyle/>
           <a:p>
             <a:r>
-              <a:rPr kumimoji="1" lang="ja-JP" altLang="en-US" dirty="0" smtClean="0"/>
-              <a:t>・返却レバー</a:t>
-            </a:r>
-            <a:endParaRPr kumimoji="1" lang="en-US" altLang="ja-JP" dirty="0" smtClean="0"/>
-          </a:p>
-          <a:p>
-            <a:r>
-              <a:rPr kumimoji="1" lang="ja-JP" altLang="ja-JP" dirty="0"/>
-              <a:t>　</a:t>
-            </a:r>
-            <a:r>
-              <a:rPr kumimoji="1" lang="ja-JP" altLang="en-US" dirty="0" smtClean="0"/>
-              <a:t>　</a:t>
-            </a:r>
-            <a:r>
-              <a:rPr kumimoji="1" lang="ja-JP" altLang="en-US" dirty="0"/>
-              <a:t>紙幣</a:t>
-            </a:r>
-            <a:r>
-              <a:rPr kumimoji="1" lang="en-US" altLang="ja-JP" dirty="0"/>
-              <a:t>(</a:t>
-            </a:r>
-            <a:r>
-              <a:rPr kumimoji="1" lang="ja-JP" altLang="en-US" dirty="0"/>
-              <a:t>お釣りの処理</a:t>
-            </a:r>
-            <a:r>
-              <a:rPr kumimoji="1" lang="en-US" altLang="ja-JP" dirty="0" smtClean="0"/>
-              <a:t>)</a:t>
-            </a:r>
-            <a:endParaRPr kumimoji="1" lang="ja-JP" altLang="en-US" dirty="0"/>
-          </a:p>
-        </p:txBody>
-      </p:sp>
-      <p:sp>
-        <p:nvSpPr>
-          <p:cNvPr id="34" name="テキスト ボックス 33"/>
+              <a:rPr kumimoji="1" lang="ja-JP" altLang="en-US" sz="1200" dirty="0" smtClean="0"/>
+              <a:t>希望商品金額</a:t>
+            </a:r>
+            <a:r>
+              <a:rPr kumimoji="1" lang="en-US" altLang="ja-JP" sz="1200" dirty="0" smtClean="0"/>
+              <a:t> ≦ </a:t>
+            </a:r>
+            <a:r>
+              <a:rPr kumimoji="1" lang="ja-JP" altLang="en-US" sz="1200" dirty="0" smtClean="0"/>
+              <a:t>投入金額</a:t>
+            </a:r>
+            <a:endParaRPr kumimoji="1" lang="ja-JP" altLang="en-US" sz="1200" dirty="0"/>
+          </a:p>
+        </p:txBody>
+      </p:sp>
+      <p:cxnSp>
+        <p:nvCxnSpPr>
+          <p:cNvPr id="26" name="直線コネクタ 25"/>
+          <p:cNvCxnSpPr/>
+          <p:nvPr/>
+        </p:nvCxnSpPr>
+        <p:spPr>
+          <a:xfrm flipH="1">
+            <a:off x="6001217" y="1503392"/>
+            <a:ext cx="610402" cy="0"/>
+          </a:xfrm>
+          <a:prstGeom prst="line">
+            <a:avLst/>
+          </a:prstGeom>
+          <a:ln>
+            <a:solidFill>
+              <a:srgbClr val="000000"/>
+            </a:solidFill>
+          </a:ln>
+        </p:spPr>
+        <p:style>
+          <a:lnRef idx="2">
+            <a:schemeClr val="accent1"/>
+          </a:lnRef>
+          <a:fillRef idx="0">
+            <a:schemeClr val="accent1"/>
+          </a:fillRef>
+          <a:effectRef idx="1">
+            <a:schemeClr val="accent1"/>
+          </a:effectRef>
+          <a:fontRef idx="minor">
+            <a:schemeClr val="tx1"/>
+          </a:fontRef>
+        </p:style>
+      </p:cxnSp>
+      <p:cxnSp>
+        <p:nvCxnSpPr>
+          <p:cNvPr id="31" name="直線コネクタ 30"/>
+          <p:cNvCxnSpPr/>
+          <p:nvPr/>
+        </p:nvCxnSpPr>
+        <p:spPr>
+          <a:xfrm>
+            <a:off x="6585417" y="845256"/>
+            <a:ext cx="0" cy="651049"/>
+          </a:xfrm>
+          <a:prstGeom prst="line">
+            <a:avLst/>
+          </a:prstGeom>
+          <a:ln>
+            <a:solidFill>
+              <a:srgbClr val="000000"/>
+            </a:solidFill>
+          </a:ln>
+        </p:spPr>
+        <p:style>
+          <a:lnRef idx="2">
+            <a:schemeClr val="accent1"/>
+          </a:lnRef>
+          <a:fillRef idx="0">
+            <a:schemeClr val="accent1"/>
+          </a:fillRef>
+          <a:effectRef idx="1">
+            <a:schemeClr val="accent1"/>
+          </a:effectRef>
+          <a:fontRef idx="minor">
+            <a:schemeClr val="tx1"/>
+          </a:fontRef>
+        </p:style>
+      </p:cxnSp>
+      <p:cxnSp>
+        <p:nvCxnSpPr>
+          <p:cNvPr id="32" name="直線矢印コネクタ 31"/>
+          <p:cNvCxnSpPr/>
+          <p:nvPr/>
+        </p:nvCxnSpPr>
+        <p:spPr>
+          <a:xfrm flipH="1">
+            <a:off x="4967430" y="845256"/>
+            <a:ext cx="1617987" cy="0"/>
+          </a:xfrm>
+          <a:prstGeom prst="straightConnector1">
+            <a:avLst/>
+          </a:prstGeom>
+          <a:ln>
+            <a:solidFill>
+              <a:srgbClr val="000000"/>
+            </a:solidFill>
+            <a:tailEnd type="arrow"/>
+          </a:ln>
+        </p:spPr>
+        <p:style>
+          <a:lnRef idx="2">
+            <a:schemeClr val="accent1"/>
+          </a:lnRef>
+          <a:fillRef idx="0">
+            <a:schemeClr val="accent1"/>
+          </a:fillRef>
+          <a:effectRef idx="1">
+            <a:schemeClr val="accent1"/>
+          </a:effectRef>
+          <a:fontRef idx="minor">
+            <a:schemeClr val="tx1"/>
+          </a:fontRef>
+        </p:style>
+      </p:cxnSp>
+      <p:sp>
+        <p:nvSpPr>
+          <p:cNvPr id="35" name="テキスト ボックス 34"/>
           <p:cNvSpPr txBox="1"/>
           <p:nvPr/>
         </p:nvSpPr>
         <p:spPr>
-          <a:xfrm>
-            <a:off x="5639394" y="3312234"/>
-            <a:ext cx="3595856" cy="307777"/>
+          <a:xfrm rot="994749">
+            <a:off x="6234020" y="1200120"/>
+            <a:ext cx="415498" cy="276999"/>
           </a:xfrm>
           <a:prstGeom prst="rect">
             <a:avLst/>
@@ -6635,23 +6567,23 @@
           <a:lstStyle/>
           <a:p>
             <a:r>
-              <a:rPr kumimoji="1" lang="ja-JP" altLang="en-US" dirty="0" smtClean="0"/>
-              <a:t>・１缶だけでなく２缶、３缶買う場合は？</a:t>
-            </a:r>
-            <a:endParaRPr kumimoji="1" lang="ja-JP" altLang="en-US" dirty="0"/>
-          </a:p>
-        </p:txBody>
-      </p:sp>
-      <p:sp>
-        <p:nvSpPr>
-          <p:cNvPr id="2" name="テキスト ボックス 1"/>
+              <a:rPr kumimoji="1" lang="en-US" altLang="ja-JP" sz="1200" dirty="0" smtClean="0"/>
+              <a:t>NO</a:t>
+            </a:r>
+            <a:endParaRPr kumimoji="1" lang="ja-JP" altLang="en-US" sz="1200" dirty="0"/>
+          </a:p>
+        </p:txBody>
+      </p:sp>
+      <p:sp>
+        <p:nvSpPr>
+          <p:cNvPr id="36" name="テキスト ボックス 35"/>
           <p:cNvSpPr txBox="1"/>
           <p:nvPr/>
         </p:nvSpPr>
         <p:spPr>
-          <a:xfrm>
-            <a:off x="5444680" y="3004457"/>
-            <a:ext cx="723275" cy="307777"/>
+          <a:xfrm rot="20681235">
+            <a:off x="3969903" y="1675745"/>
+            <a:ext cx="492593" cy="276999"/>
           </a:xfrm>
           <a:prstGeom prst="rect">
             <a:avLst/>
@@ -6665,10 +6597,459 @@
           <a:lstStyle/>
           <a:p>
             <a:r>
+              <a:rPr kumimoji="1" lang="en-US" altLang="ja-JP" sz="1200" dirty="0" smtClean="0"/>
+              <a:t>YES</a:t>
+            </a:r>
+            <a:endParaRPr kumimoji="1" lang="ja-JP" altLang="en-US" sz="1200" dirty="0"/>
+          </a:p>
+        </p:txBody>
+      </p:sp>
+      <p:cxnSp>
+        <p:nvCxnSpPr>
+          <p:cNvPr id="37" name="直線矢印コネクタ 36"/>
+          <p:cNvCxnSpPr/>
+          <p:nvPr/>
+        </p:nvCxnSpPr>
+        <p:spPr>
+          <a:xfrm>
+            <a:off x="4490328" y="1717760"/>
+            <a:ext cx="0" cy="373993"/>
+          </a:xfrm>
+          <a:prstGeom prst="straightConnector1">
+            <a:avLst/>
+          </a:prstGeom>
+          <a:ln>
+            <a:solidFill>
+              <a:srgbClr val="000000"/>
+            </a:solidFill>
+            <a:tailEnd type="arrow"/>
+          </a:ln>
+        </p:spPr>
+        <p:style>
+          <a:lnRef idx="2">
+            <a:schemeClr val="accent1"/>
+          </a:lnRef>
+          <a:fillRef idx="0">
+            <a:schemeClr val="accent1"/>
+          </a:fillRef>
+          <a:effectRef idx="1">
+            <a:schemeClr val="accent1"/>
+          </a:effectRef>
+          <a:fontRef idx="minor">
+            <a:schemeClr val="tx1"/>
+          </a:fontRef>
+        </p:style>
+      </p:cxnSp>
+      <p:sp>
+        <p:nvSpPr>
+          <p:cNvPr id="39" name="Shape 51"/>
+          <p:cNvSpPr/>
+          <p:nvPr/>
+        </p:nvSpPr>
+        <p:spPr>
+          <a:xfrm>
+            <a:off x="2958449" y="3422866"/>
+            <a:ext cx="3021779" cy="307777"/>
+          </a:xfrm>
+          <a:prstGeom prst="flowChartDecision">
+            <a:avLst/>
+          </a:prstGeom>
+          <a:noFill/>
+          <a:ln w="9525" cap="flat" cmpd="sng">
+            <a:solidFill>
+              <a:srgbClr val="000000"/>
+            </a:solidFill>
+            <a:prstDash val="solid"/>
+            <a:round/>
+            <a:headEnd type="none" w="med" len="med"/>
+            <a:tailEnd type="none" w="med" len="med"/>
+          </a:ln>
+        </p:spPr>
+        <p:txBody>
+          <a:bodyPr lIns="91425" tIns="91425" rIns="91425" bIns="91425" anchor="ctr" anchorCtr="0">
+            <a:noAutofit/>
+          </a:bodyPr>
+          <a:lstStyle/>
+          <a:p>
+            <a:pPr>
+              <a:spcBef>
+                <a:spcPts val="0"/>
+              </a:spcBef>
+              <a:buNone/>
+            </a:pPr>
+            <a:endParaRPr/>
+          </a:p>
+        </p:txBody>
+      </p:sp>
+      <p:sp>
+        <p:nvSpPr>
+          <p:cNvPr id="40" name="テキスト ボックス 39"/>
+          <p:cNvSpPr txBox="1"/>
+          <p:nvPr/>
+        </p:nvSpPr>
+        <p:spPr>
+          <a:xfrm>
+            <a:off x="3891325" y="3422866"/>
+            <a:ext cx="1261884" cy="307777"/>
+          </a:xfrm>
+          <a:prstGeom prst="rect">
+            <a:avLst/>
+          </a:prstGeom>
+          <a:noFill/>
+        </p:spPr>
+        <p:txBody>
+          <a:bodyPr wrap="none" rtlCol="0">
+            <a:spAutoFit/>
+          </a:bodyPr>
+          <a:lstStyle/>
+          <a:p>
+            <a:r>
               <a:rPr kumimoji="1" lang="ja-JP" altLang="en-US" dirty="0" smtClean="0"/>
-              <a:t>・紙幣</a:t>
+              <a:t>お釣りある？</a:t>
             </a:r>
             <a:endParaRPr kumimoji="1" lang="ja-JP" altLang="en-US" dirty="0"/>
+          </a:p>
+        </p:txBody>
+      </p:sp>
+      <p:cxnSp>
+        <p:nvCxnSpPr>
+          <p:cNvPr id="41" name="直線コネクタ 40"/>
+          <p:cNvCxnSpPr/>
+          <p:nvPr/>
+        </p:nvCxnSpPr>
+        <p:spPr>
+          <a:xfrm flipH="1">
+            <a:off x="5980228" y="3586192"/>
+            <a:ext cx="610402" cy="0"/>
+          </a:xfrm>
+          <a:prstGeom prst="line">
+            <a:avLst/>
+          </a:prstGeom>
+          <a:ln>
+            <a:solidFill>
+              <a:srgbClr val="000000"/>
+            </a:solidFill>
+          </a:ln>
+        </p:spPr>
+        <p:style>
+          <a:lnRef idx="2">
+            <a:schemeClr val="accent1"/>
+          </a:lnRef>
+          <a:fillRef idx="0">
+            <a:schemeClr val="accent1"/>
+          </a:fillRef>
+          <a:effectRef idx="1">
+            <a:schemeClr val="accent1"/>
+          </a:effectRef>
+          <a:fontRef idx="minor">
+            <a:schemeClr val="tx1"/>
+          </a:fontRef>
+        </p:style>
+      </p:cxnSp>
+      <p:cxnSp>
+        <p:nvCxnSpPr>
+          <p:cNvPr id="42" name="直線コネクタ 41"/>
+          <p:cNvCxnSpPr/>
+          <p:nvPr/>
+        </p:nvCxnSpPr>
+        <p:spPr>
+          <a:xfrm>
+            <a:off x="6590630" y="3586192"/>
+            <a:ext cx="0" cy="246217"/>
+          </a:xfrm>
+          <a:prstGeom prst="line">
+            <a:avLst/>
+          </a:prstGeom>
+          <a:ln>
+            <a:solidFill>
+              <a:srgbClr val="000000"/>
+            </a:solidFill>
+          </a:ln>
+        </p:spPr>
+        <p:style>
+          <a:lnRef idx="2">
+            <a:schemeClr val="accent1"/>
+          </a:lnRef>
+          <a:fillRef idx="0">
+            <a:schemeClr val="accent1"/>
+          </a:fillRef>
+          <a:effectRef idx="1">
+            <a:schemeClr val="accent1"/>
+          </a:effectRef>
+          <a:fontRef idx="minor">
+            <a:schemeClr val="tx1"/>
+          </a:fontRef>
+        </p:style>
+      </p:cxnSp>
+      <p:cxnSp>
+        <p:nvCxnSpPr>
+          <p:cNvPr id="46" name="直線矢印コネクタ 45"/>
+          <p:cNvCxnSpPr/>
+          <p:nvPr/>
+        </p:nvCxnSpPr>
+        <p:spPr>
+          <a:xfrm>
+            <a:off x="4463776" y="3743357"/>
+            <a:ext cx="11380" cy="1066416"/>
+          </a:xfrm>
+          <a:prstGeom prst="straightConnector1">
+            <a:avLst/>
+          </a:prstGeom>
+          <a:ln>
+            <a:solidFill>
+              <a:srgbClr val="000000"/>
+            </a:solidFill>
+            <a:tailEnd type="arrow"/>
+          </a:ln>
+        </p:spPr>
+        <p:style>
+          <a:lnRef idx="2">
+            <a:schemeClr val="accent1"/>
+          </a:lnRef>
+          <a:fillRef idx="0">
+            <a:schemeClr val="accent1"/>
+          </a:fillRef>
+          <a:effectRef idx="1">
+            <a:schemeClr val="accent1"/>
+          </a:effectRef>
+          <a:fontRef idx="minor">
+            <a:schemeClr val="tx1"/>
+          </a:fontRef>
+        </p:style>
+      </p:cxnSp>
+      <p:sp>
+        <p:nvSpPr>
+          <p:cNvPr id="50" name="テキスト ボックス 49"/>
+          <p:cNvSpPr txBox="1"/>
+          <p:nvPr/>
+        </p:nvSpPr>
+        <p:spPr>
+          <a:xfrm>
+            <a:off x="5954475" y="3832409"/>
+            <a:ext cx="1261884" cy="253916"/>
+          </a:xfrm>
+          <a:prstGeom prst="rect">
+            <a:avLst/>
+          </a:prstGeom>
+          <a:noFill/>
+          <a:ln>
+            <a:solidFill>
+              <a:srgbClr val="000000"/>
+            </a:solidFill>
+          </a:ln>
+        </p:spPr>
+        <p:txBody>
+          <a:bodyPr wrap="none" rtlCol="0">
+            <a:spAutoFit/>
+          </a:bodyPr>
+          <a:lstStyle/>
+          <a:p>
+            <a:r>
+              <a:rPr kumimoji="1" lang="ja-JP" altLang="en-US" sz="1050" dirty="0" smtClean="0"/>
+              <a:t>返却レバーひねる</a:t>
+            </a:r>
+            <a:endParaRPr kumimoji="1" lang="ja-JP" altLang="en-US" sz="1050" dirty="0"/>
+          </a:p>
+        </p:txBody>
+      </p:sp>
+      <p:sp>
+        <p:nvSpPr>
+          <p:cNvPr id="51" name="テキスト ボックス 50"/>
+          <p:cNvSpPr txBox="1"/>
+          <p:nvPr/>
+        </p:nvSpPr>
+        <p:spPr>
+          <a:xfrm>
+            <a:off x="5980228" y="4215542"/>
+            <a:ext cx="1127232" cy="253916"/>
+          </a:xfrm>
+          <a:prstGeom prst="rect">
+            <a:avLst/>
+          </a:prstGeom>
+          <a:noFill/>
+          <a:ln>
+            <a:solidFill>
+              <a:srgbClr val="000000"/>
+            </a:solidFill>
+          </a:ln>
+        </p:spPr>
+        <p:txBody>
+          <a:bodyPr wrap="none" rtlCol="0">
+            <a:spAutoFit/>
+          </a:bodyPr>
+          <a:lstStyle/>
+          <a:p>
+            <a:r>
+              <a:rPr kumimoji="1" lang="ja-JP" altLang="en-US" sz="1050" dirty="0" smtClean="0"/>
+              <a:t>お釣り出てくる</a:t>
+            </a:r>
+            <a:endParaRPr kumimoji="1" lang="ja-JP" altLang="en-US" sz="1050" dirty="0"/>
+          </a:p>
+        </p:txBody>
+      </p:sp>
+      <p:cxnSp>
+        <p:nvCxnSpPr>
+          <p:cNvPr id="52" name="直線コネクタ 51"/>
+          <p:cNvCxnSpPr/>
+          <p:nvPr/>
+        </p:nvCxnSpPr>
+        <p:spPr>
+          <a:xfrm>
+            <a:off x="6590629" y="4086325"/>
+            <a:ext cx="1" cy="129217"/>
+          </a:xfrm>
+          <a:prstGeom prst="line">
+            <a:avLst/>
+          </a:prstGeom>
+          <a:ln>
+            <a:solidFill>
+              <a:srgbClr val="000000"/>
+            </a:solidFill>
+          </a:ln>
+        </p:spPr>
+        <p:style>
+          <a:lnRef idx="2">
+            <a:schemeClr val="accent1"/>
+          </a:lnRef>
+          <a:fillRef idx="0">
+            <a:schemeClr val="accent1"/>
+          </a:fillRef>
+          <a:effectRef idx="1">
+            <a:schemeClr val="accent1"/>
+          </a:effectRef>
+          <a:fontRef idx="minor">
+            <a:schemeClr val="tx1"/>
+          </a:fontRef>
+        </p:style>
+      </p:cxnSp>
+      <p:cxnSp>
+        <p:nvCxnSpPr>
+          <p:cNvPr id="64" name="直線矢印コネクタ 63"/>
+          <p:cNvCxnSpPr/>
+          <p:nvPr/>
+        </p:nvCxnSpPr>
+        <p:spPr>
+          <a:xfrm flipH="1">
+            <a:off x="4490328" y="4589639"/>
+            <a:ext cx="2100302" cy="0"/>
+          </a:xfrm>
+          <a:prstGeom prst="straightConnector1">
+            <a:avLst/>
+          </a:prstGeom>
+          <a:ln>
+            <a:solidFill>
+              <a:srgbClr val="000000"/>
+            </a:solidFill>
+            <a:tailEnd type="arrow"/>
+          </a:ln>
+        </p:spPr>
+        <p:style>
+          <a:lnRef idx="2">
+            <a:schemeClr val="accent1"/>
+          </a:lnRef>
+          <a:fillRef idx="0">
+            <a:schemeClr val="accent1"/>
+          </a:fillRef>
+          <a:effectRef idx="1">
+            <a:schemeClr val="accent1"/>
+          </a:effectRef>
+          <a:fontRef idx="minor">
+            <a:schemeClr val="tx1"/>
+          </a:fontRef>
+        </p:style>
+      </p:cxnSp>
+      <p:cxnSp>
+        <p:nvCxnSpPr>
+          <p:cNvPr id="67" name="直線コネクタ 66"/>
+          <p:cNvCxnSpPr/>
+          <p:nvPr/>
+        </p:nvCxnSpPr>
+        <p:spPr>
+          <a:xfrm>
+            <a:off x="6585417" y="4460422"/>
+            <a:ext cx="1" cy="129217"/>
+          </a:xfrm>
+          <a:prstGeom prst="line">
+            <a:avLst/>
+          </a:prstGeom>
+          <a:ln>
+            <a:solidFill>
+              <a:srgbClr val="000000"/>
+            </a:solidFill>
+          </a:ln>
+        </p:spPr>
+        <p:style>
+          <a:lnRef idx="2">
+            <a:schemeClr val="accent1"/>
+          </a:lnRef>
+          <a:fillRef idx="0">
+            <a:schemeClr val="accent1"/>
+          </a:fillRef>
+          <a:effectRef idx="1">
+            <a:schemeClr val="accent1"/>
+          </a:effectRef>
+          <a:fontRef idx="minor">
+            <a:schemeClr val="tx1"/>
+          </a:fontRef>
+        </p:style>
+      </p:cxnSp>
+      <p:sp>
+        <p:nvSpPr>
+          <p:cNvPr id="68" name="テキスト ボックス 67"/>
+          <p:cNvSpPr txBox="1"/>
+          <p:nvPr/>
+        </p:nvSpPr>
+        <p:spPr>
+          <a:xfrm rot="994749">
+            <a:off x="4034338" y="3784164"/>
+            <a:ext cx="415498" cy="276999"/>
+          </a:xfrm>
+          <a:prstGeom prst="rect">
+            <a:avLst/>
+          </a:prstGeom>
+          <a:noFill/>
+        </p:spPr>
+        <p:txBody>
+          <a:bodyPr wrap="none" rtlCol="0">
+            <a:spAutoFit/>
+          </a:bodyPr>
+          <a:lstStyle/>
+          <a:p>
+            <a:r>
+              <a:rPr kumimoji="1" lang="en-US" altLang="ja-JP" sz="1200" dirty="0" smtClean="0"/>
+              <a:t>NO</a:t>
+            </a:r>
+            <a:endParaRPr kumimoji="1" lang="ja-JP" altLang="en-US" sz="1200" dirty="0"/>
+          </a:p>
+        </p:txBody>
+      </p:sp>
+      <p:sp>
+        <p:nvSpPr>
+          <p:cNvPr id="69" name="テキスト ボックス 68"/>
+          <p:cNvSpPr txBox="1"/>
+          <p:nvPr/>
+        </p:nvSpPr>
+        <p:spPr>
+          <a:xfrm rot="1152602">
+            <a:off x="6320569" y="3332282"/>
+            <a:ext cx="492593" cy="276999"/>
+          </a:xfrm>
+          <a:prstGeom prst="rect">
+            <a:avLst/>
+          </a:prstGeom>
+          <a:noFill/>
+        </p:spPr>
+        <p:txBody>
+          <a:bodyPr wrap="none" rtlCol="0">
+            <a:spAutoFit/>
+          </a:bodyPr>
+          <a:lstStyle/>
+          <a:p>
+            <a:r>
+              <a:rPr kumimoji="1" lang="en-US" altLang="ja-JP" sz="1200" dirty="0" smtClean="0"/>
+              <a:t>YES</a:t>
+            </a:r>
+            <a:endParaRPr kumimoji="1" lang="ja-JP" altLang="en-US" sz="1200" dirty="0"/>
           </a:p>
         </p:txBody>
       </p:sp>
@@ -6731,7 +7112,7 @@
             <a:r>
               <a:rPr lang="ja" sz="1800" b="1" dirty="0" smtClean="0">
                 <a:solidFill>
-                  <a:srgbClr val="FF0000"/>
+                  <a:srgbClr val="3366FF"/>
                 </a:solidFill>
               </a:rPr>
               <a:t>課題</a:t>
@@ -6739,7 +7120,7 @@
             <a:r>
               <a:rPr lang="ja-JP" altLang="en-US" sz="1800" b="1" dirty="0" smtClean="0">
                 <a:solidFill>
-                  <a:srgbClr val="FF0000"/>
+                  <a:srgbClr val="3366FF"/>
                 </a:solidFill>
               </a:rPr>
               <a:t>１２</a:t>
@@ -7135,11 +7516,7 @@
             </a:r>
             <a:r>
               <a:rPr kumimoji="1" lang="ja-JP" altLang="en-US" sz="900" dirty="0" smtClean="0"/>
-              <a:t>」</a:t>
-            </a:r>
-            <a:r>
-              <a:rPr kumimoji="1" lang="ja-JP" altLang="en-US" sz="900" dirty="0" smtClean="0"/>
-              <a:t>と設定　</a:t>
+              <a:t>」と設定　</a:t>
             </a:r>
             <a:r>
               <a:rPr kumimoji="1" lang="en-US" altLang="ja-JP" sz="900" dirty="0" smtClean="0"/>
@@ -7204,8 +7581,8 @@
         </p:nvSpPr>
         <p:spPr>
           <a:xfrm>
-            <a:off x="2999701" y="4098895"/>
-            <a:ext cx="2573019" cy="208988"/>
+            <a:off x="2573943" y="4098895"/>
+            <a:ext cx="3383980" cy="208988"/>
           </a:xfrm>
           <a:prstGeom prst="flowChartManualOperation">
             <a:avLst/>
@@ -7680,15 +8057,7 @@
           <a:p>
             <a:r>
               <a:rPr kumimoji="1" lang="ja-JP" altLang="en-US" dirty="0" smtClean="0"/>
-              <a:t>条件</a:t>
-            </a:r>
-            <a:r>
-              <a:rPr kumimoji="1" lang="ja-JP" altLang="en-US" dirty="0" smtClean="0"/>
-              <a:t>分岐で</a:t>
-            </a:r>
-            <a:r>
-              <a:rPr kumimoji="1" lang="ja-JP" altLang="en-US" dirty="0" smtClean="0"/>
-              <a:t>比較</a:t>
+              <a:t>条件分岐で比較</a:t>
             </a:r>
             <a:endParaRPr kumimoji="1" lang="ja-JP" altLang="en-US" dirty="0"/>
           </a:p>
@@ -7902,19 +8271,7 @@
             </a:r>
             <a:r>
               <a:rPr kumimoji="1" lang="ja-JP" altLang="en-US" sz="800" dirty="0" smtClean="0"/>
-              <a:t>の</a:t>
-            </a:r>
-            <a:r>
-              <a:rPr kumimoji="1" lang="ja-JP" altLang="en-US" sz="800" dirty="0" smtClean="0"/>
-              <a:t>ランダムな</a:t>
-            </a:r>
-            <a:r>
-              <a:rPr kumimoji="1" lang="ja-JP" altLang="en-US" sz="800" dirty="0" smtClean="0"/>
-              <a:t>文字列を</a:t>
-            </a:r>
-            <a:r>
-              <a:rPr kumimoji="1" lang="ja-JP" altLang="en-US" sz="800" dirty="0" smtClean="0"/>
-              <a:t>先頭から</a:t>
+              <a:t>のランダムな文字列を先頭から</a:t>
             </a:r>
             <a:r>
               <a:rPr kumimoji="1" lang="en-US" altLang="ja-JP" sz="800" dirty="0" smtClean="0"/>
@@ -7946,15 +8303,7 @@
             </a:r>
             <a:r>
               <a:rPr kumimoji="1" lang="ja-JP" altLang="en-US" sz="800" dirty="0" smtClean="0"/>
-              <a:t>と</a:t>
-            </a:r>
-            <a:r>
-              <a:rPr kumimoji="1" lang="ja-JP" altLang="en-US" sz="800" dirty="0" smtClean="0"/>
-              <a:t>設定</a:t>
-            </a:r>
-            <a:r>
-              <a:rPr kumimoji="1" lang="ja-JP" altLang="en-US" sz="800" dirty="0" smtClean="0"/>
-              <a:t>する</a:t>
+              <a:t>と設定する</a:t>
             </a:r>
             <a:endParaRPr kumimoji="1" lang="ja-JP" altLang="en-US" sz="800" dirty="0"/>
           </a:p>
@@ -8027,7 +8376,7 @@
         <p:spPr>
           <a:xfrm>
             <a:off x="3696653" y="2707434"/>
-            <a:ext cx="1031127" cy="230832"/>
+            <a:ext cx="1043876" cy="230832"/>
           </a:xfrm>
           <a:prstGeom prst="rect">
             <a:avLst/>
@@ -8051,15 +8400,15 @@
             </a:r>
             <a:r>
               <a:rPr kumimoji="1" lang="en-US" altLang="ja-JP" sz="900" dirty="0" smtClean="0"/>
-              <a:t>1</a:t>
+              <a:t>()</a:t>
             </a:r>
             <a:r>
               <a:rPr kumimoji="1" lang="ja-JP" altLang="en-US" sz="900" dirty="0" smtClean="0"/>
-              <a:t>の文字を</a:t>
+              <a:t>の文字</a:t>
             </a:r>
             <a:r>
               <a:rPr kumimoji="1" lang="ja-JP" altLang="en-US" sz="900" dirty="0" smtClean="0"/>
-              <a:t>表記</a:t>
+              <a:t>を表記</a:t>
             </a:r>
             <a:endParaRPr kumimoji="1" lang="ja-JP" altLang="en-US" sz="900" dirty="0"/>
           </a:p>
@@ -8222,8 +8571,8 @@
         </p:nvSpPr>
         <p:spPr>
           <a:xfrm>
-            <a:off x="3340284" y="2187627"/>
-            <a:ext cx="1954381" cy="246221"/>
+            <a:off x="3073125" y="2187627"/>
+            <a:ext cx="2236823" cy="246221"/>
           </a:xfrm>
           <a:prstGeom prst="rect">
             <a:avLst/>
@@ -8242,23 +8591,27 @@
             </a:r>
             <a:r>
               <a:rPr kumimoji="1" lang="en-US" altLang="ja-JP" sz="1000" dirty="0" smtClean="0"/>
-              <a:t>1〜θ26</a:t>
+              <a:t>1〜</a:t>
+            </a:r>
+            <a:r>
+              <a:rPr kumimoji="1" lang="en-US" altLang="ja-JP" sz="1000" dirty="0" smtClean="0"/>
+              <a:t>θ26</a:t>
             </a:r>
             <a:r>
               <a:rPr kumimoji="1" lang="ja-JP" altLang="en-US" sz="1000" dirty="0" smtClean="0"/>
-              <a:t>と</a:t>
-            </a:r>
-            <a:r>
-              <a:rPr kumimoji="1" lang="en-US" altLang="ja-JP" sz="1000" dirty="0" smtClean="0"/>
-              <a:t> </a:t>
-            </a:r>
-            <a:r>
-              <a:rPr kumimoji="1" lang="en-US" altLang="ja-JP" sz="1000" dirty="0" err="1" smtClean="0"/>
-              <a:t>γ</a:t>
+              <a:t>を</a:t>
             </a:r>
             <a:r>
               <a:rPr kumimoji="1" lang="ja-JP" altLang="en-US" sz="1000" dirty="0" smtClean="0"/>
-              <a:t>を取り出して比較</a:t>
+              <a:t>先頭から</a:t>
+            </a:r>
+            <a:r>
+              <a:rPr kumimoji="1" lang="ja-JP" altLang="en-US" sz="1000" dirty="0" smtClean="0"/>
+              <a:t>取り出して</a:t>
+            </a:r>
+            <a:r>
+              <a:rPr kumimoji="1" lang="ja-JP" altLang="en-US" sz="1000" dirty="0" smtClean="0"/>
+              <a:t>比較</a:t>
             </a:r>
             <a:endParaRPr kumimoji="1" lang="ja-JP" altLang="en-US" sz="1000" dirty="0"/>
           </a:p>
@@ -8322,7 +8675,7 @@
         <p:spPr>
           <a:xfrm>
             <a:off x="-1021913" y="3926534"/>
-            <a:ext cx="3595856" cy="954107"/>
+            <a:ext cx="2837824" cy="523220"/>
           </a:xfrm>
           <a:prstGeom prst="rect">
             <a:avLst/>
@@ -8337,36 +8690,48 @@
           <a:p>
             <a:r>
               <a:rPr kumimoji="1" lang="ja-JP" altLang="en-US" dirty="0" smtClean="0"/>
-              <a:t>？？</a:t>
+              <a:t>ループ分違うか。。。</a:t>
             </a:r>
             <a:endParaRPr kumimoji="1" lang="en-US" altLang="ja-JP" dirty="0" smtClean="0"/>
           </a:p>
           <a:p>
             <a:r>
+              <a:rPr kumimoji="1" lang="el-GR" altLang="ja-JP" dirty="0" smtClean="0"/>
+              <a:t>Θ</a:t>
+            </a:r>
+            <a:r>
               <a:rPr kumimoji="1" lang="ja-JP" altLang="en-US" dirty="0" smtClean="0"/>
-              <a:t>ループの際、</a:t>
-            </a:r>
-            <a:r>
-              <a:rPr kumimoji="1" lang="en-US" altLang="ja-JP" dirty="0" smtClean="0"/>
-              <a:t>≠</a:t>
-            </a:r>
+              <a:t>を順に表示する設定ないか。。</a:t>
+            </a:r>
+            <a:endParaRPr kumimoji="1" lang="ja-JP" altLang="en-US" dirty="0"/>
+          </a:p>
+        </p:txBody>
+      </p:sp>
+      <p:sp>
+        <p:nvSpPr>
+          <p:cNvPr id="2" name="テキスト ボックス 1"/>
+          <p:cNvSpPr txBox="1"/>
+          <p:nvPr/>
+        </p:nvSpPr>
+        <p:spPr>
+          <a:xfrm>
+            <a:off x="5606771" y="550126"/>
+            <a:ext cx="2518638" cy="307777"/>
+          </a:xfrm>
+          <a:prstGeom prst="rect">
+            <a:avLst/>
+          </a:prstGeom>
+          <a:noFill/>
+        </p:spPr>
+        <p:txBody>
+          <a:bodyPr wrap="none" rtlCol="0">
+            <a:spAutoFit/>
+          </a:bodyPr>
+          <a:lstStyle/>
+          <a:p>
             <a:r>
               <a:rPr kumimoji="1" lang="ja-JP" altLang="en-US" dirty="0" smtClean="0"/>
-              <a:t>で設定してるのに、</a:t>
-            </a:r>
-            <a:endParaRPr kumimoji="1" lang="en-US" altLang="ja-JP" dirty="0" smtClean="0"/>
-          </a:p>
-          <a:p>
-            <a:r>
-              <a:rPr kumimoji="1" lang="ja-JP" altLang="en-US" dirty="0" smtClean="0"/>
-              <a:t>条件分岐の場合分けは矛盾していないか？</a:t>
-            </a:r>
-            <a:endParaRPr kumimoji="1" lang="en-US" altLang="ja-JP" dirty="0" smtClean="0"/>
-          </a:p>
-          <a:p>
-            <a:r>
-              <a:rPr kumimoji="1" lang="ja-JP" altLang="en-US" dirty="0" smtClean="0"/>
-              <a:t>ループの設定が違うか？</a:t>
+              <a:t>アルファベット文字列の場合</a:t>
             </a:r>
             <a:endParaRPr kumimoji="1" lang="ja-JP" altLang="en-US" dirty="0"/>
           </a:p>
@@ -8454,19 +8819,7 @@
             </a:r>
             <a:r>
               <a:rPr lang="ja-JP" altLang="en-US" sz="1800" b="1" dirty="0" smtClean="0"/>
-              <a:t>書</a:t>
-            </a:r>
-            <a:r>
-              <a:rPr lang="ja-JP" altLang="en-US" sz="1800" b="1" dirty="0" smtClean="0"/>
-              <a:t>い</a:t>
-            </a:r>
-            <a:r>
-              <a:rPr lang="ja-JP" altLang="en-US" sz="1800" b="1" dirty="0" smtClean="0"/>
-              <a:t>て</a:t>
-            </a:r>
-            <a:r>
-              <a:rPr lang="ja-JP" altLang="en-US" sz="1800" b="1" dirty="0" smtClean="0"/>
-              <a:t>みよう。</a:t>
+              <a:t>書いてみよう。</a:t>
             </a:r>
             <a:endParaRPr lang="ja-JP" altLang="en-US" sz="1800" b="1" dirty="0"/>
           </a:p>
@@ -8775,7 +9128,7 @@
         </p:nvSpPr>
         <p:spPr>
           <a:xfrm>
-            <a:off x="467317" y="2764869"/>
+            <a:off x="3855089" y="3220911"/>
             <a:ext cx="1988574" cy="230832"/>
           </a:xfrm>
           <a:prstGeom prst="rect">
@@ -9169,19 +9522,121 @@
       </p:cxnSp>
       <p:sp>
         <p:nvSpPr>
-          <p:cNvPr id="25" name="テキスト ボックス 24"/>
+          <p:cNvPr id="27" name="テキスト ボックス 26"/>
           <p:cNvSpPr txBox="1"/>
           <p:nvPr/>
         </p:nvSpPr>
         <p:spPr>
-          <a:xfrm rot="1688155">
-            <a:off x="3401805" y="2957696"/>
-            <a:ext cx="466932" cy="261610"/>
-          </a:xfrm>
-          <a:prstGeom prst="rect">
-            <a:avLst/>
-          </a:prstGeom>
-          <a:noFill/>
+          <a:xfrm>
+            <a:off x="3301213" y="553798"/>
+            <a:ext cx="2008611" cy="400110"/>
+          </a:xfrm>
+          <a:prstGeom prst="rect">
+            <a:avLst/>
+          </a:prstGeom>
+          <a:noFill/>
+          <a:ln>
+            <a:solidFill>
+              <a:srgbClr val="000000"/>
+            </a:solidFill>
+          </a:ln>
+        </p:spPr>
+        <p:txBody>
+          <a:bodyPr wrap="square" rtlCol="0">
+            <a:spAutoFit/>
+          </a:bodyPr>
+          <a:lstStyle/>
+          <a:p>
+            <a:r>
+              <a:rPr kumimoji="1" lang="en-US" altLang="ja-JP" sz="1000" dirty="0" smtClean="0"/>
+              <a:t>1〜7</a:t>
+            </a:r>
+            <a:r>
+              <a:rPr kumimoji="1" lang="ja-JP" altLang="en-US" sz="1000" dirty="0" smtClean="0"/>
+              <a:t>の数値をランダムな順番で文字列表記</a:t>
+            </a:r>
+            <a:endParaRPr kumimoji="1" lang="ja-JP" altLang="en-US" sz="1000" dirty="0"/>
+          </a:p>
+        </p:txBody>
+      </p:sp>
+      <p:sp>
+        <p:nvSpPr>
+          <p:cNvPr id="29" name="テキスト ボックス 28"/>
+          <p:cNvSpPr txBox="1"/>
+          <p:nvPr/>
+        </p:nvSpPr>
+        <p:spPr>
+          <a:xfrm>
+            <a:off x="3112325" y="1154458"/>
+            <a:ext cx="2615021" cy="369332"/>
+          </a:xfrm>
+          <a:prstGeom prst="rect">
+            <a:avLst/>
+          </a:prstGeom>
+          <a:noFill/>
+          <a:ln>
+            <a:solidFill>
+              <a:srgbClr val="000000"/>
+            </a:solidFill>
+          </a:ln>
+        </p:spPr>
+        <p:txBody>
+          <a:bodyPr wrap="square" rtlCol="0">
+            <a:spAutoFit/>
+          </a:bodyPr>
+          <a:lstStyle/>
+          <a:p>
+            <a:r>
+              <a:rPr kumimoji="1" lang="ja-JP" altLang="en-US" sz="900" dirty="0" smtClean="0"/>
+              <a:t>数値</a:t>
+            </a:r>
+            <a:r>
+              <a:rPr kumimoji="1" lang="en-US" altLang="ja-JP" sz="900" dirty="0" smtClean="0"/>
+              <a:t>1〜7</a:t>
+            </a:r>
+            <a:r>
+              <a:rPr kumimoji="1" lang="ja-JP" altLang="en-US" sz="900" dirty="0" smtClean="0"/>
+              <a:t>のランダムにした文字列を先頭から</a:t>
+            </a:r>
+            <a:endParaRPr kumimoji="1" lang="en-US" altLang="ja-JP" sz="900" dirty="0" smtClean="0"/>
+          </a:p>
+          <a:p>
+            <a:r>
+              <a:rPr kumimoji="1" lang="ja-JP" altLang="en-US" sz="900" dirty="0" smtClean="0"/>
+              <a:t>順に</a:t>
+            </a:r>
+            <a:r>
+              <a:rPr kumimoji="1" lang="en-US" altLang="ja-JP" sz="900" dirty="0" err="1" smtClean="0"/>
+              <a:t>a,b,c,d,e,f,g</a:t>
+            </a:r>
+            <a:r>
+              <a:rPr kumimoji="1" lang="ja-JP" altLang="en-US" sz="900" dirty="0" smtClean="0"/>
+              <a:t>と設定るる</a:t>
+            </a:r>
+            <a:endParaRPr kumimoji="1" lang="ja-JP" altLang="en-US" sz="900" dirty="0"/>
+          </a:p>
+        </p:txBody>
+      </p:sp>
+      <p:sp>
+        <p:nvSpPr>
+          <p:cNvPr id="30" name="テキスト ボックス 29"/>
+          <p:cNvSpPr txBox="1"/>
+          <p:nvPr/>
+        </p:nvSpPr>
+        <p:spPr>
+          <a:xfrm>
+            <a:off x="5505226" y="4263504"/>
+            <a:ext cx="1031127" cy="230832"/>
+          </a:xfrm>
+          <a:prstGeom prst="rect">
+            <a:avLst/>
+          </a:prstGeom>
+          <a:noFill/>
+          <a:ln>
+            <a:solidFill>
+              <a:srgbClr val="000000"/>
+            </a:solidFill>
+          </a:ln>
         </p:spPr>
         <p:txBody>
           <a:bodyPr wrap="none" rtlCol="0">
@@ -9190,188 +9645,6 @@
           <a:lstStyle/>
           <a:p>
             <a:r>
-              <a:rPr kumimoji="1" lang="en-US" altLang="ja-JP" sz="1100" dirty="0" smtClean="0"/>
-              <a:t>YES</a:t>
-            </a:r>
-            <a:endParaRPr kumimoji="1" lang="ja-JP" altLang="en-US" sz="1100" dirty="0"/>
-          </a:p>
-        </p:txBody>
-      </p:sp>
-      <p:sp>
-        <p:nvSpPr>
-          <p:cNvPr id="26" name="テキスト ボックス 25"/>
-          <p:cNvSpPr txBox="1"/>
-          <p:nvPr/>
-        </p:nvSpPr>
-        <p:spPr>
-          <a:xfrm rot="666589">
-            <a:off x="6159478" y="2320917"/>
-            <a:ext cx="496633" cy="253916"/>
-          </a:xfrm>
-          <a:prstGeom prst="rect">
-            <a:avLst/>
-          </a:prstGeom>
-          <a:noFill/>
-        </p:spPr>
-        <p:txBody>
-          <a:bodyPr wrap="square" rtlCol="0">
-            <a:spAutoFit/>
-          </a:bodyPr>
-          <a:lstStyle/>
-          <a:p>
-            <a:r>
-              <a:rPr kumimoji="1" lang="en-US" altLang="ja-JP" sz="1050" dirty="0" smtClean="0"/>
-              <a:t>NO</a:t>
-            </a:r>
-            <a:endParaRPr kumimoji="1" lang="ja-JP" altLang="en-US" sz="1050" dirty="0"/>
-          </a:p>
-        </p:txBody>
-      </p:sp>
-      <p:sp>
-        <p:nvSpPr>
-          <p:cNvPr id="27" name="テキスト ボックス 26"/>
-          <p:cNvSpPr txBox="1"/>
-          <p:nvPr/>
-        </p:nvSpPr>
-        <p:spPr>
-          <a:xfrm>
-            <a:off x="3301213" y="553798"/>
-            <a:ext cx="2008611" cy="400110"/>
-          </a:xfrm>
-          <a:prstGeom prst="rect">
-            <a:avLst/>
-          </a:prstGeom>
-          <a:noFill/>
-          <a:ln>
-            <a:solidFill>
-              <a:srgbClr val="000000"/>
-            </a:solidFill>
-          </a:ln>
-        </p:spPr>
-        <p:txBody>
-          <a:bodyPr wrap="square" rtlCol="0">
-            <a:spAutoFit/>
-          </a:bodyPr>
-          <a:lstStyle/>
-          <a:p>
-            <a:r>
-              <a:rPr kumimoji="1" lang="en-US" altLang="ja-JP" sz="1000" dirty="0" smtClean="0"/>
-              <a:t>1〜7</a:t>
-            </a:r>
-            <a:r>
-              <a:rPr kumimoji="1" lang="ja-JP" altLang="en-US" sz="1000" dirty="0" smtClean="0"/>
-              <a:t>の数値を</a:t>
-            </a:r>
-            <a:r>
-              <a:rPr kumimoji="1" lang="ja-JP" altLang="en-US" sz="1000" dirty="0" smtClean="0"/>
-              <a:t>ランダムな</a:t>
-            </a:r>
-            <a:r>
-              <a:rPr kumimoji="1" lang="ja-JP" altLang="en-US" sz="1000" dirty="0" smtClean="0"/>
-              <a:t>順番で文字列表記</a:t>
-            </a:r>
-            <a:endParaRPr kumimoji="1" lang="ja-JP" altLang="en-US" sz="1000" dirty="0"/>
-          </a:p>
-        </p:txBody>
-      </p:sp>
-      <p:sp>
-        <p:nvSpPr>
-          <p:cNvPr id="29" name="テキスト ボックス 28"/>
-          <p:cNvSpPr txBox="1"/>
-          <p:nvPr/>
-        </p:nvSpPr>
-        <p:spPr>
-          <a:xfrm>
-            <a:off x="3112325" y="1154458"/>
-            <a:ext cx="2615021" cy="369332"/>
-          </a:xfrm>
-          <a:prstGeom prst="rect">
-            <a:avLst/>
-          </a:prstGeom>
-          <a:noFill/>
-          <a:ln>
-            <a:solidFill>
-              <a:srgbClr val="000000"/>
-            </a:solidFill>
-          </a:ln>
-        </p:spPr>
-        <p:txBody>
-          <a:bodyPr wrap="square" rtlCol="0">
-            <a:spAutoFit/>
-          </a:bodyPr>
-          <a:lstStyle/>
-          <a:p>
-            <a:r>
-              <a:rPr kumimoji="1" lang="ja-JP" altLang="en-US" sz="900" dirty="0" smtClean="0"/>
-              <a:t>数値</a:t>
-            </a:r>
-            <a:r>
-              <a:rPr kumimoji="1" lang="en-US" altLang="ja-JP" sz="900" dirty="0" smtClean="0"/>
-              <a:t>1〜7</a:t>
-            </a:r>
-            <a:r>
-              <a:rPr kumimoji="1" lang="ja-JP" altLang="en-US" sz="900" dirty="0" smtClean="0"/>
-              <a:t>の</a:t>
-            </a:r>
-            <a:r>
-              <a:rPr kumimoji="1" lang="ja-JP" altLang="en-US" sz="900" dirty="0" smtClean="0"/>
-              <a:t>ランダムにした</a:t>
-            </a:r>
-            <a:r>
-              <a:rPr kumimoji="1" lang="ja-JP" altLang="en-US" sz="900" dirty="0" smtClean="0"/>
-              <a:t>文字列を</a:t>
-            </a:r>
-            <a:r>
-              <a:rPr kumimoji="1" lang="ja-JP" altLang="en-US" sz="900" dirty="0" smtClean="0"/>
-              <a:t>先頭から</a:t>
-            </a:r>
-            <a:endParaRPr kumimoji="1" lang="en-US" altLang="ja-JP" sz="900" dirty="0" smtClean="0"/>
-          </a:p>
-          <a:p>
-            <a:r>
-              <a:rPr kumimoji="1" lang="ja-JP" altLang="en-US" sz="900" dirty="0" smtClean="0"/>
-              <a:t>順に</a:t>
-            </a:r>
-            <a:r>
-              <a:rPr kumimoji="1" lang="en-US" altLang="ja-JP" sz="900" dirty="0" err="1" smtClean="0"/>
-              <a:t>a,b,c,d,e,f,g</a:t>
-            </a:r>
-            <a:r>
-              <a:rPr kumimoji="1" lang="ja-JP" altLang="en-US" sz="900" dirty="0" smtClean="0"/>
-              <a:t>と設定るる</a:t>
-            </a:r>
-            <a:endParaRPr kumimoji="1" lang="ja-JP" altLang="en-US" sz="900" dirty="0"/>
-          </a:p>
-        </p:txBody>
-      </p:sp>
-      <p:sp>
-        <p:nvSpPr>
-          <p:cNvPr id="30" name="テキスト ボックス 29"/>
-          <p:cNvSpPr txBox="1"/>
-          <p:nvPr/>
-        </p:nvSpPr>
-        <p:spPr>
-          <a:xfrm>
-            <a:off x="38246" y="1939404"/>
-            <a:ext cx="1031127" cy="230832"/>
-          </a:xfrm>
-          <a:prstGeom prst="rect">
-            <a:avLst/>
-          </a:prstGeom>
-          <a:noFill/>
-          <a:ln>
-            <a:solidFill>
-              <a:srgbClr val="000000"/>
-            </a:solidFill>
-          </a:ln>
-        </p:spPr>
-        <p:txBody>
-          <a:bodyPr wrap="none" rtlCol="0">
-            <a:spAutoFit/>
-          </a:bodyPr>
-          <a:lstStyle/>
-          <a:p>
-            <a:r>
               <a:rPr kumimoji="1" lang="el-GR" altLang="ja-JP" sz="900" dirty="0" smtClean="0"/>
               <a:t>Θ</a:t>
             </a:r>
@@ -9381,45 +9654,7 @@
             </a:r>
             <a:r>
               <a:rPr kumimoji="1" lang="ja-JP" altLang="en-US" sz="900" dirty="0" smtClean="0"/>
-              <a:t>の文字を</a:t>
-            </a:r>
-            <a:r>
-              <a:rPr kumimoji="1" lang="ja-JP" altLang="en-US" sz="900" dirty="0" smtClean="0"/>
-              <a:t>表記</a:t>
-            </a:r>
-            <a:endParaRPr kumimoji="1" lang="ja-JP" altLang="en-US" sz="900" dirty="0"/>
-          </a:p>
-        </p:txBody>
-      </p:sp>
-      <p:sp>
-        <p:nvSpPr>
-          <p:cNvPr id="31" name="テキスト ボックス 30"/>
-          <p:cNvSpPr txBox="1"/>
-          <p:nvPr/>
-        </p:nvSpPr>
-        <p:spPr>
-          <a:xfrm>
-            <a:off x="4272008" y="3200610"/>
-            <a:ext cx="486030" cy="230832"/>
-          </a:xfrm>
-          <a:prstGeom prst="rect">
-            <a:avLst/>
-          </a:prstGeom>
-          <a:noFill/>
-        </p:spPr>
-        <p:txBody>
-          <a:bodyPr wrap="none" rtlCol="0">
-            <a:spAutoFit/>
-          </a:bodyPr>
-          <a:lstStyle/>
-          <a:p>
-            <a:r>
-              <a:rPr kumimoji="1" lang="en-US" altLang="ja-JP" sz="900" dirty="0" err="1" smtClean="0"/>
-              <a:t>γ</a:t>
-            </a:r>
-            <a:r>
-              <a:rPr kumimoji="1" lang="ja-JP" altLang="en-US" sz="900" dirty="0" smtClean="0"/>
-              <a:t>より</a:t>
+              <a:t>の文字を表記</a:t>
             </a:r>
             <a:endParaRPr kumimoji="1" lang="ja-JP" altLang="en-US" sz="900" dirty="0"/>
           </a:p>
@@ -9476,7 +9711,7 @@
         </p:nvCxnSpPr>
         <p:spPr>
           <a:xfrm>
-            <a:off x="510943" y="2183007"/>
+            <a:off x="5977923" y="4507107"/>
             <a:ext cx="0" cy="204747"/>
           </a:xfrm>
           <a:prstGeom prst="straightConnector1">
@@ -9729,11 +9964,7 @@
           <a:p>
             <a:r>
               <a:rPr kumimoji="1" lang="en-US" altLang="ja-JP" dirty="0" err="1" smtClean="0"/>
-              <a:t>a</a:t>
-            </a:r>
-            <a:r>
-              <a:rPr kumimoji="1" lang="en-US" altLang="ja-JP" dirty="0" err="1" smtClean="0"/>
-              <a:t>〜g</a:t>
+              <a:t>a〜g</a:t>
             </a:r>
             <a:r>
               <a:rPr kumimoji="1" lang="ja-JP" altLang="en-US" dirty="0" smtClean="0"/>
@@ -13355,49 +13586,6 @@
       </p:cxnSp>
       <p:sp>
         <p:nvSpPr>
-          <p:cNvPr id="8" name="Shape 52"/>
-          <p:cNvSpPr/>
-          <p:nvPr/>
-        </p:nvSpPr>
-        <p:spPr>
-          <a:xfrm>
-            <a:off x="838692" y="1604135"/>
-            <a:ext cx="1712970" cy="275465"/>
-          </a:xfrm>
-          <a:prstGeom prst="flowChartProcess">
-            <a:avLst/>
-          </a:prstGeom>
-          <a:solidFill>
-            <a:srgbClr val="FFFFFF"/>
-          </a:solidFill>
-          <a:ln w="9525" cap="flat" cmpd="sng">
-            <a:solidFill>
-              <a:srgbClr val="000000"/>
-            </a:solidFill>
-            <a:prstDash val="solid"/>
-            <a:round/>
-            <a:headEnd type="none" w="med" len="med"/>
-            <a:tailEnd type="none" w="med" len="med"/>
-          </a:ln>
-        </p:spPr>
-        <p:txBody>
-          <a:bodyPr lIns="91425" tIns="91425" rIns="91425" bIns="91425" anchor="ctr" anchorCtr="0">
-            <a:noAutofit/>
-          </a:bodyPr>
-          <a:lstStyle/>
-          <a:p>
-            <a:pPr>
-              <a:spcBef>
-                <a:spcPts val="0"/>
-              </a:spcBef>
-              <a:buNone/>
-            </a:pPr>
-            <a:endParaRPr/>
-          </a:p>
-        </p:txBody>
-      </p:sp>
-      <p:sp>
-        <p:nvSpPr>
           <p:cNvPr id="9" name="テキスト ボックス 8"/>
           <p:cNvSpPr txBox="1"/>
           <p:nvPr/>
@@ -13971,8 +14159,8 @@
         </p:nvSpPr>
         <p:spPr>
           <a:xfrm rot="20673749">
-            <a:off x="2857508" y="2737254"/>
-            <a:ext cx="396262" cy="261610"/>
+            <a:off x="2828654" y="2714171"/>
+            <a:ext cx="453970" cy="307777"/>
           </a:xfrm>
           <a:prstGeom prst="rect">
             <a:avLst/>
@@ -13986,10 +14174,10 @@
           <a:lstStyle/>
           <a:p>
             <a:r>
-              <a:rPr kumimoji="1" lang="en-US" altLang="ja-JP" sz="1100" dirty="0" smtClean="0"/>
+              <a:rPr kumimoji="1" lang="en-US" altLang="ja-JP" dirty="0" smtClean="0"/>
               <a:t>NO</a:t>
             </a:r>
-            <a:endParaRPr kumimoji="1" lang="ja-JP" altLang="en-US" sz="1100" dirty="0"/>
+            <a:endParaRPr kumimoji="1" lang="ja-JP" altLang="en-US" dirty="0"/>
           </a:p>
         </p:txBody>
       </p:sp>
@@ -14266,7 +14454,7 @@
         </p:nvCxnSpPr>
         <p:spPr>
           <a:xfrm>
-            <a:off x="6067003" y="3207733"/>
+            <a:off x="6118827" y="3215920"/>
             <a:ext cx="0" cy="1468679"/>
           </a:xfrm>
           <a:prstGeom prst="straightConnector1">
@@ -14588,19 +14776,7 @@
           <a:p>
             <a:r>
               <a:rPr kumimoji="1" lang="ja-JP" altLang="en-US" dirty="0" smtClean="0"/>
-              <a:t>汎用性</a:t>
-            </a:r>
-            <a:r>
-              <a:rPr kumimoji="1" lang="ja-JP" altLang="en-US" dirty="0" smtClean="0"/>
-              <a:t>？</a:t>
-            </a:r>
-            <a:r>
-              <a:rPr kumimoji="1" lang="ja-JP" altLang="en-US" dirty="0" smtClean="0"/>
-              <a:t>に</a:t>
-            </a:r>
-            <a:r>
-              <a:rPr kumimoji="1" lang="ja-JP" altLang="en-US" dirty="0" smtClean="0"/>
-              <a:t>欠けるか。。。</a:t>
+              <a:t>汎用性？に欠けるか。。。</a:t>
             </a:r>
             <a:endParaRPr kumimoji="1" lang="ja-JP" altLang="en-US" dirty="0"/>
           </a:p>
@@ -14665,7 +14841,7 @@
           <a:p>
             <a:r>
               <a:rPr kumimoji="1" lang="ja-JP" altLang="en-US" dirty="0" smtClean="0"/>
-              <a:t>違うかな。。。</a:t>
+              <a:t>何か足りない？</a:t>
             </a:r>
             <a:endParaRPr kumimoji="1" lang="ja-JP" altLang="en-US" dirty="0"/>
           </a:p>
@@ -14710,6 +14886,47 @@
               <a:t>に代入</a:t>
             </a:r>
             <a:endParaRPr kumimoji="1" lang="ja-JP" altLang="en-US" dirty="0"/>
+          </a:p>
+        </p:txBody>
+      </p:sp>
+      <p:sp>
+        <p:nvSpPr>
+          <p:cNvPr id="48" name="Shape 53"/>
+          <p:cNvSpPr/>
+          <p:nvPr/>
+        </p:nvSpPr>
+        <p:spPr>
+          <a:xfrm>
+            <a:off x="832513" y="1602601"/>
+            <a:ext cx="1714297" cy="242316"/>
+          </a:xfrm>
+          <a:prstGeom prst="flowChartManualInput">
+            <a:avLst/>
+          </a:prstGeom>
+          <a:noFill/>
+          <a:ln w="9525" cap="flat" cmpd="sng">
+            <a:solidFill>
+              <a:srgbClr val="000000"/>
+            </a:solidFill>
+            <a:prstDash val="solid"/>
+            <a:round/>
+            <a:headEnd type="none" w="med" len="med"/>
+            <a:tailEnd type="none" w="med" len="med"/>
+          </a:ln>
+        </p:spPr>
+        <p:txBody>
+          <a:bodyPr lIns="91425" tIns="91425" rIns="91425" bIns="91425" anchor="ctr" anchorCtr="0">
+            <a:noAutofit/>
+          </a:bodyPr>
+          <a:lstStyle/>
+          <a:p>
+            <a:pPr>
+              <a:spcBef>
+                <a:spcPts val="0"/>
+              </a:spcBef>
+              <a:buNone/>
+            </a:pPr>
+            <a:endParaRPr/>
           </a:p>
         </p:txBody>
       </p:sp>
@@ -16478,16 +16695,46 @@
       </p:sp>
       <p:sp>
         <p:nvSpPr>
-          <p:cNvPr id="65" name="Shape 53"/>
+          <p:cNvPr id="67" name="テキスト ボックス 66"/>
+          <p:cNvSpPr txBox="1"/>
+          <p:nvPr/>
+        </p:nvSpPr>
+        <p:spPr>
+          <a:xfrm>
+            <a:off x="5824230" y="2030960"/>
+            <a:ext cx="1441420" cy="307777"/>
+          </a:xfrm>
+          <a:prstGeom prst="rect">
+            <a:avLst/>
+          </a:prstGeom>
+          <a:noFill/>
+        </p:spPr>
+        <p:txBody>
+          <a:bodyPr wrap="none" rtlCol="0">
+            <a:spAutoFit/>
+          </a:bodyPr>
+          <a:lstStyle/>
+          <a:p>
+            <a:r>
+              <a:rPr kumimoji="1" lang="ja-JP" altLang="en-US" dirty="0" smtClean="0"/>
+              <a:t>パスワード入力</a:t>
+            </a:r>
+            <a:endParaRPr kumimoji="1" lang="ja-JP" altLang="en-US" dirty="0"/>
+          </a:p>
+        </p:txBody>
+      </p:sp>
+      <p:sp>
+        <p:nvSpPr>
+          <p:cNvPr id="71" name="Shape 52"/>
           <p:cNvSpPr/>
           <p:nvPr/>
         </p:nvSpPr>
         <p:spPr>
           <a:xfrm>
-            <a:off x="5670937" y="2015495"/>
-            <a:ext cx="1714297" cy="323242"/>
-          </a:xfrm>
-          <a:prstGeom prst="flowChartManualInput">
+            <a:off x="5761457" y="4440902"/>
+            <a:ext cx="1664932" cy="186565"/>
+          </a:xfrm>
+          <a:prstGeom prst="flowChartProcess">
             <a:avLst/>
           </a:prstGeom>
           <a:noFill/>
@@ -16519,46 +16766,47 @@
       </p:sp>
       <p:sp>
         <p:nvSpPr>
-          <p:cNvPr id="67" name="テキスト ボックス 66"/>
+          <p:cNvPr id="72" name="テキスト ボックス 71"/>
           <p:cNvSpPr txBox="1"/>
           <p:nvPr/>
         </p:nvSpPr>
         <p:spPr>
           <a:xfrm>
-            <a:off x="5824230" y="2030960"/>
-            <a:ext cx="1441420" cy="307777"/>
-          </a:xfrm>
-          <a:prstGeom prst="rect">
-            <a:avLst/>
-          </a:prstGeom>
-          <a:noFill/>
-        </p:spPr>
-        <p:txBody>
-          <a:bodyPr wrap="none" rtlCol="0">
+            <a:off x="5482732" y="4432499"/>
+            <a:ext cx="2082800" cy="230832"/>
+          </a:xfrm>
+          <a:prstGeom prst="rect">
+            <a:avLst/>
+          </a:prstGeom>
+          <a:noFill/>
+        </p:spPr>
+        <p:txBody>
+          <a:bodyPr wrap="square" rtlCol="0">
             <a:spAutoFit/>
           </a:bodyPr>
           <a:lstStyle/>
           <a:p>
-            <a:r>
-              <a:rPr kumimoji="1" lang="ja-JP" altLang="en-US" dirty="0" smtClean="0"/>
-              <a:t>パスワード入力</a:t>
-            </a:r>
-            <a:endParaRPr kumimoji="1" lang="ja-JP" altLang="en-US" dirty="0"/>
-          </a:p>
-        </p:txBody>
-      </p:sp>
-      <p:sp>
-        <p:nvSpPr>
-          <p:cNvPr id="71" name="Shape 52"/>
+            <a:pPr algn="ctr"/>
+            <a:r>
+              <a:rPr kumimoji="1" lang="ja-JP" altLang="en-US" sz="900" dirty="0" smtClean="0"/>
+              <a:t>「ログインしました」と表示</a:t>
+            </a:r>
+            <a:endParaRPr kumimoji="1" lang="ja-JP" altLang="en-US" sz="900" dirty="0"/>
+          </a:p>
+        </p:txBody>
+      </p:sp>
+      <p:sp>
+        <p:nvSpPr>
+          <p:cNvPr id="69" name="Shape 53"/>
           <p:cNvSpPr/>
           <p:nvPr/>
         </p:nvSpPr>
         <p:spPr>
           <a:xfrm>
-            <a:off x="5761457" y="4440902"/>
-            <a:ext cx="1664932" cy="186565"/>
-          </a:xfrm>
-          <a:prstGeom prst="flowChartProcess">
+            <a:off x="5700241" y="1955477"/>
+            <a:ext cx="1714297" cy="422719"/>
+          </a:xfrm>
+          <a:prstGeom prst="flowChartManualInput">
             <a:avLst/>
           </a:prstGeom>
           <a:noFill/>
@@ -16585,37 +16833,6 @@
               <a:buNone/>
             </a:pPr>
             <a:endParaRPr/>
-          </a:p>
-        </p:txBody>
-      </p:sp>
-      <p:sp>
-        <p:nvSpPr>
-          <p:cNvPr id="72" name="テキスト ボックス 71"/>
-          <p:cNvSpPr txBox="1"/>
-          <p:nvPr/>
-        </p:nvSpPr>
-        <p:spPr>
-          <a:xfrm>
-            <a:off x="5482732" y="4432499"/>
-            <a:ext cx="2082800" cy="230832"/>
-          </a:xfrm>
-          <a:prstGeom prst="rect">
-            <a:avLst/>
-          </a:prstGeom>
-          <a:noFill/>
-        </p:spPr>
-        <p:txBody>
-          <a:bodyPr wrap="square" rtlCol="0">
-            <a:spAutoFit/>
-          </a:bodyPr>
-          <a:lstStyle/>
-          <a:p>
-            <a:pPr algn="ctr"/>
-            <a:r>
-              <a:rPr kumimoji="1" lang="ja-JP" altLang="en-US" sz="900" dirty="0" smtClean="0"/>
-              <a:t>「ログインしました」と表示</a:t>
-            </a:r>
-            <a:endParaRPr kumimoji="1" lang="ja-JP" altLang="en-US" sz="900" dirty="0"/>
           </a:p>
         </p:txBody>
       </p:sp>
@@ -19569,55 +19786,14 @@
       </p:cxnSp>
       <p:sp>
         <p:nvSpPr>
-          <p:cNvPr id="75" name="Shape 52"/>
-          <p:cNvSpPr/>
-          <p:nvPr/>
-        </p:nvSpPr>
-        <p:spPr>
-          <a:xfrm>
-            <a:off x="2755358" y="1330278"/>
-            <a:ext cx="1481666" cy="246221"/>
-          </a:xfrm>
-          <a:prstGeom prst="flowChartProcess">
-            <a:avLst/>
-          </a:prstGeom>
-          <a:noFill/>
-          <a:ln w="9525" cap="flat" cmpd="sng">
-            <a:solidFill>
-              <a:srgbClr val="000000"/>
-            </a:solidFill>
-            <a:prstDash val="solid"/>
-            <a:round/>
-            <a:headEnd type="none" w="med" len="med"/>
-            <a:tailEnd type="none" w="med" len="med"/>
-          </a:ln>
-        </p:spPr>
-        <p:txBody>
-          <a:bodyPr lIns="91425" tIns="91425" rIns="91425" bIns="91425" anchor="ctr" anchorCtr="0">
-            <a:noAutofit/>
-          </a:bodyPr>
-          <a:lstStyle/>
-          <a:p>
-            <a:pPr>
-              <a:spcBef>
-                <a:spcPts val="0"/>
-              </a:spcBef>
-              <a:buNone/>
-            </a:pPr>
-            <a:endParaRPr/>
-          </a:p>
-        </p:txBody>
-      </p:sp>
-      <p:sp>
-        <p:nvSpPr>
           <p:cNvPr id="76" name="テキスト ボックス 75"/>
           <p:cNvSpPr txBox="1"/>
           <p:nvPr/>
         </p:nvSpPr>
         <p:spPr>
           <a:xfrm>
-            <a:off x="2764432" y="1323520"/>
-            <a:ext cx="1481667" cy="246221"/>
+            <a:off x="2755358" y="1271548"/>
+            <a:ext cx="1481667" cy="276999"/>
           </a:xfrm>
           <a:prstGeom prst="rect">
             <a:avLst/>
@@ -19632,19 +19808,17 @@
           <a:p>
             <a:pPr algn="ctr"/>
             <a:r>
-              <a:rPr kumimoji="1" lang="ja-JP" altLang="en-US" sz="1000" dirty="0" smtClean="0"/>
+              <a:rPr kumimoji="1" lang="ja-JP" altLang="en-US" sz="1200" dirty="0" smtClean="0"/>
               <a:t>入力</a:t>
             </a:r>
-            <a:endParaRPr kumimoji="1" lang="en-US" altLang="ja-JP" sz="1000" dirty="0" smtClean="0"/>
+            <a:endParaRPr kumimoji="1" lang="en-US" altLang="ja-JP" sz="1200" dirty="0" smtClean="0"/>
           </a:p>
         </p:txBody>
       </p:sp>
       <p:cxnSp>
         <p:nvCxnSpPr>
           <p:cNvPr id="77" name="直線矢印コネクタ 76"/>
-          <p:cNvCxnSpPr>
-            <a:endCxn id="75" idx="1"/>
-          </p:cNvCxnSpPr>
+          <p:cNvCxnSpPr/>
           <p:nvPr/>
         </p:nvCxnSpPr>
         <p:spPr>
@@ -19890,6 +20064,47 @@
               <a:rPr kumimoji="1" lang="en-US" altLang="ja-JP" dirty="0" smtClean="0"/>
               <a:t>?</a:t>
             </a:r>
+          </a:p>
+        </p:txBody>
+      </p:sp>
+      <p:sp>
+        <p:nvSpPr>
+          <p:cNvPr id="44" name="Shape 53"/>
+          <p:cNvSpPr/>
+          <p:nvPr/>
+        </p:nvSpPr>
+        <p:spPr>
+          <a:xfrm>
+            <a:off x="2729984" y="1226026"/>
+            <a:ext cx="1554193" cy="343716"/>
+          </a:xfrm>
+          <a:prstGeom prst="flowChartManualInput">
+            <a:avLst/>
+          </a:prstGeom>
+          <a:noFill/>
+          <a:ln w="9525" cap="flat" cmpd="sng">
+            <a:solidFill>
+              <a:srgbClr val="000000"/>
+            </a:solidFill>
+            <a:prstDash val="solid"/>
+            <a:round/>
+            <a:headEnd type="none" w="med" len="med"/>
+            <a:tailEnd type="none" w="med" len="med"/>
+          </a:ln>
+        </p:spPr>
+        <p:txBody>
+          <a:bodyPr lIns="91425" tIns="91425" rIns="91425" bIns="91425" anchor="ctr" anchorCtr="0">
+            <a:noAutofit/>
+          </a:bodyPr>
+          <a:lstStyle/>
+          <a:p>
+            <a:pPr>
+              <a:spcBef>
+                <a:spcPts val="0"/>
+              </a:spcBef>
+              <a:buNone/>
+            </a:pPr>
+            <a:endParaRPr/>
           </a:p>
         </p:txBody>
       </p:sp>
